--- a/Computational_Reproducibility.pptx
+++ b/Computational_Reproducibility.pptx
@@ -238,7 +238,7 @@
           <a:p>
             <a:fld id="{81C38738-6EB7-A34B-945D-F5A341E4EF53}" type="datetimeFigureOut">
               <a:rPr lang="en-US" smtClean="0"/>
-              <a:t>7/10/20</a:t>
+              <a:t>7/16/20</a:t>
             </a:fld>
             <a:endParaRPr lang="en-US"/>
           </a:p>
@@ -2316,61 +2316,6 @@
               <a:ea typeface="Calibri" charset="0"/>
               <a:cs typeface="Calibri" charset="0"/>
             </a:endParaRPr>
-          </a:p>
-        </p:txBody>
-      </p:sp>
-      <p:sp>
-        <p:nvSpPr>
-          <p:cNvPr id="2" name="Rectangle 1">
-            <a:extLst>
-              <a:ext uri="{FF2B5EF4-FFF2-40B4-BE49-F238E27FC236}">
-                <a16:creationId xmlns:a16="http://schemas.microsoft.com/office/drawing/2014/main" id="{6C41CDE2-C7C9-F443-9253-918028D51D98}"/>
-              </a:ext>
-            </a:extLst>
-          </p:cNvPr>
-          <p:cNvSpPr/>
-          <p:nvPr/>
-        </p:nvSpPr>
-        <p:spPr>
-          <a:xfrm>
-            <a:off x="4849402" y="4897755"/>
-            <a:ext cx="6514557" cy="1811270"/>
-          </a:xfrm>
-          <a:prstGeom prst="rect">
-            <a:avLst/>
-          </a:prstGeom>
-        </p:spPr>
-        <p:style>
-          <a:lnRef idx="1">
-            <a:schemeClr val="accent1"/>
-          </a:lnRef>
-          <a:fillRef idx="3">
-            <a:schemeClr val="accent1"/>
-          </a:fillRef>
-          <a:effectRef idx="2">
-            <a:schemeClr val="accent1"/>
-          </a:effectRef>
-          <a:fontRef idx="minor">
-            <a:schemeClr val="lt1"/>
-          </a:fontRef>
-        </p:style>
-        <p:txBody>
-          <a:bodyPr rtlCol="0" anchor="ctr"/>
-          <a:lstStyle/>
-          <a:p>
-            <a:pPr algn="ctr"/>
-            <a:r>
-              <a:rPr lang="en-US" dirty="0"/>
-              <a:t>Update title slide with right day, update README in </a:t>
-            </a:r>
-            <a:r>
-              <a:rPr lang="en-US" dirty="0" err="1"/>
-              <a:t>github</a:t>
-            </a:r>
-            <a:r>
-              <a:rPr lang="en-US" dirty="0"/>
-              <a:t> repo</a:t>
-            </a:r>
           </a:p>
         </p:txBody>
       </p:sp>

--- a/Computational_Reproducibility.pptx
+++ b/Computational_Reproducibility.pptx
@@ -2401,7 +2401,7 @@
         </p:spPr>
         <p:txBody>
           <a:bodyPr>
-            <a:normAutofit fontScale="92500" lnSpcReduction="20000"/>
+            <a:normAutofit fontScale="92500" lnSpcReduction="10000"/>
           </a:bodyPr>
           <a:lstStyle/>
           <a:p>
@@ -2460,15 +2460,18 @@
             <a:pPr marL="914400" lvl="1" indent="-514350"/>
             <a:r>
               <a:rPr lang="en-US" dirty="0"/>
-              <a:t>See Software Carpentry’s “Version Control with Git”- </a:t>
+              <a:t>See </a:t>
             </a:r>
             <a:r>
               <a:rPr lang="en-US" dirty="0">
                 <a:hlinkClick r:id="rId2"/>
               </a:rPr>
-              <a:t>https://swcarpentry.github.io/git-novice/</a:t>
-            </a:r>
-            <a:endParaRPr lang="en-US" dirty="0"/>
+              <a:t>Software Carpentry’s “Version Control with Git</a:t>
+            </a:r>
+            <a:r>
+              <a:rPr lang="en-US" dirty="0"/>
+              <a:t>”</a:t>
+            </a:r>
           </a:p>
         </p:txBody>
       </p:sp>
@@ -2637,8 +2640,8 @@
         </p:nvSpPr>
         <p:spPr>
           <a:xfrm>
-            <a:off x="386079" y="1198244"/>
-            <a:ext cx="11399519" cy="4572636"/>
+            <a:off x="154112" y="1198244"/>
+            <a:ext cx="11784459" cy="4572636"/>
           </a:xfrm>
         </p:spPr>
         <p:txBody>
@@ -2675,7 +2678,8 @@
             </a:pPr>
             <a:r>
               <a:rPr lang="en-US" sz="1400" dirty="0">
-                <a:latin typeface="American Typewriter" panose="02090604020004020304" pitchFamily="18" charset="77"/>
+                <a:latin typeface="Consolas" panose="020B0609020204030204" pitchFamily="49" charset="0"/>
+                <a:cs typeface="Consolas" panose="020B0609020204030204" pitchFamily="49" charset="0"/>
               </a:rPr>
               <a:t>import requests</a:t>
             </a:r>
@@ -2686,7 +2690,8 @@
             </a:pPr>
             <a:r>
               <a:rPr lang="en-US" sz="1400" dirty="0">
-                <a:latin typeface="American Typewriter" panose="02090604020004020304" pitchFamily="18" charset="77"/>
+                <a:latin typeface="Consolas" panose="020B0609020204030204" pitchFamily="49" charset="0"/>
+                <a:cs typeface="Consolas" panose="020B0609020204030204" pitchFamily="49" charset="0"/>
               </a:rPr>
               <a:t>import json</a:t>
             </a:r>
@@ -2697,54 +2702,63 @@
             </a:pPr>
             <a:r>
               <a:rPr lang="en-US" sz="1400" dirty="0">
-                <a:latin typeface="American Typewriter" panose="02090604020004020304" pitchFamily="18" charset="77"/>
+                <a:latin typeface="Consolas" panose="020B0609020204030204" pitchFamily="49" charset="0"/>
+                <a:cs typeface="Consolas" panose="020B0609020204030204" pitchFamily="49" charset="0"/>
               </a:rPr>
               <a:t>print(</a:t>
             </a:r>
             <a:r>
               <a:rPr lang="en-US" sz="1400" dirty="0" err="1">
-                <a:latin typeface="American Typewriter" panose="02090604020004020304" pitchFamily="18" charset="77"/>
+                <a:latin typeface="Consolas" panose="020B0609020204030204" pitchFamily="49" charset="0"/>
+                <a:cs typeface="Consolas" panose="020B0609020204030204" pitchFamily="49" charset="0"/>
               </a:rPr>
               <a:t>requests.get</a:t>
             </a:r>
             <a:r>
               <a:rPr lang="en-US" sz="1400" dirty="0">
-                <a:latin typeface="American Typewriter" panose="02090604020004020304" pitchFamily="18" charset="77"/>
+                <a:latin typeface="Consolas" panose="020B0609020204030204" pitchFamily="49" charset="0"/>
+                <a:cs typeface="Consolas" panose="020B0609020204030204" pitchFamily="49" charset="0"/>
               </a:rPr>
               <a:t>('https://</a:t>
             </a:r>
             <a:r>
               <a:rPr lang="en-US" sz="1400" dirty="0" err="1">
-                <a:latin typeface="American Typewriter" panose="02090604020004020304" pitchFamily="18" charset="77"/>
+                <a:latin typeface="Consolas" panose="020B0609020204030204" pitchFamily="49" charset="0"/>
+                <a:cs typeface="Consolas" panose="020B0609020204030204" pitchFamily="49" charset="0"/>
               </a:rPr>
               <a:t>pub.orcid.org</a:t>
             </a:r>
             <a:r>
               <a:rPr lang="en-US" sz="1400" dirty="0">
-                <a:latin typeface="American Typewriter" panose="02090604020004020304" pitchFamily="18" charset="77"/>
+                <a:latin typeface="Consolas" panose="020B0609020204030204" pitchFamily="49" charset="0"/>
+                <a:cs typeface="Consolas" panose="020B0609020204030204" pitchFamily="49" charset="0"/>
               </a:rPr>
               <a:t>/v3.0/0000-0001-5934-7525’, </a:t>
             </a:r>
             <a:br>
               <a:rPr lang="en-US" sz="1400" dirty="0">
-                <a:latin typeface="American Typewriter" panose="02090604020004020304" pitchFamily="18" charset="77"/>
+                <a:latin typeface="Consolas" panose="020B0609020204030204" pitchFamily="49" charset="0"/>
+                <a:cs typeface="Consolas" panose="020B0609020204030204" pitchFamily="49" charset="0"/>
               </a:rPr>
             </a:br>
             <a:r>
               <a:rPr lang="en-US" sz="1400" dirty="0">
-                <a:latin typeface="American Typewriter" panose="02090604020004020304" pitchFamily="18" charset="77"/>
+                <a:latin typeface="Consolas" panose="020B0609020204030204" pitchFamily="49" charset="0"/>
+                <a:cs typeface="Consolas" panose="020B0609020204030204" pitchFamily="49" charset="0"/>
               </a:rPr>
               <a:t>            headers={'</a:t>
             </a:r>
             <a:r>
               <a:rPr lang="en-US" sz="1400" dirty="0" err="1">
-                <a:latin typeface="American Typewriter" panose="02090604020004020304" pitchFamily="18" charset="77"/>
+                <a:latin typeface="Consolas" panose="020B0609020204030204" pitchFamily="49" charset="0"/>
+                <a:cs typeface="Consolas" panose="020B0609020204030204" pitchFamily="49" charset="0"/>
               </a:rPr>
               <a:t>content-type':'application</a:t>
             </a:r>
             <a:r>
               <a:rPr lang="en-US" sz="1400" dirty="0">
-                <a:latin typeface="American Typewriter" panose="02090604020004020304" pitchFamily="18" charset="77"/>
+                <a:latin typeface="Consolas" panose="020B0609020204030204" pitchFamily="49" charset="0"/>
+                <a:cs typeface="Consolas" panose="020B0609020204030204" pitchFamily="49" charset="0"/>
               </a:rPr>
               <a:t>/json'}).json())</a:t>
             </a:r>
@@ -2762,7 +2776,8 @@
             </a:pPr>
             <a:r>
               <a:rPr lang="en-US" sz="1400" dirty="0">
-                <a:latin typeface="American Typewriter" panose="02090604020004020304" pitchFamily="18" charset="77"/>
+                <a:latin typeface="Consolas" panose="020B0609020204030204" pitchFamily="49" charset="0"/>
+                <a:cs typeface="Consolas" panose="020B0609020204030204" pitchFamily="49" charset="0"/>
               </a:rPr>
               <a:t>curl https://api.crossref.org/works/10.1145/3307681.3325400/transform/application/vnd.crossref.unixsd+xml</a:t>
             </a:r>
@@ -2787,22 +2802,25 @@
               <a:buNone/>
             </a:pPr>
             <a:r>
-              <a:rPr lang="en-US" sz="1400" dirty="0"/>
+              <a:rPr lang="en-US" sz="1400" dirty="0">
+                <a:latin typeface="Consolas" panose="020B0609020204030204" pitchFamily="49" charset="0"/>
+                <a:cs typeface="Consolas" panose="020B0609020204030204" pitchFamily="49" charset="0"/>
+              </a:rPr>
               <a:t>curl -LH "Accept: application/x-</a:t>
             </a:r>
             <a:r>
-              <a:rPr lang="en-US" sz="1400" dirty="0" err="1"/>
+              <a:rPr lang="en-US" sz="1400" dirty="0" err="1">
+                <a:latin typeface="Consolas" panose="020B0609020204030204" pitchFamily="49" charset="0"/>
+                <a:cs typeface="Consolas" panose="020B0609020204030204" pitchFamily="49" charset="0"/>
+              </a:rPr>
               <a:t>bibtex</a:t>
             </a:r>
             <a:r>
-              <a:rPr lang="en-US" sz="1400" dirty="0"/>
-              <a:t>" https://doi.org/</a:t>
-            </a:r>
-            <a:r>
               <a:rPr lang="en-US" sz="1400" dirty="0">
-                <a:latin typeface="American Typewriter" panose="02090604020004020304" pitchFamily="18" charset="77"/>
-              </a:rPr>
-              <a:t>10.1145/3307681.3325400</a:t>
+                <a:latin typeface="Consolas" panose="020B0609020204030204" pitchFamily="49" charset="0"/>
+                <a:cs typeface="Consolas" panose="020B0609020204030204" pitchFamily="49" charset="0"/>
+              </a:rPr>
+              <a:t>" https://doi.org/10.1145/3307681.3325400</a:t>
             </a:r>
           </a:p>
           <a:p>
@@ -2811,31 +2829,36 @@
             </a:pPr>
             <a:r>
               <a:rPr lang="en-US" sz="1400" dirty="0">
-                <a:latin typeface="American Typewriter" panose="02090604020004020304" pitchFamily="18" charset="77"/>
+                <a:latin typeface="Consolas" panose="020B0609020204030204" pitchFamily="49" charset="0"/>
+                <a:cs typeface="Consolas" panose="020B0609020204030204" pitchFamily="49" charset="0"/>
               </a:rPr>
               <a:t>curl https://</a:t>
             </a:r>
             <a:r>
               <a:rPr lang="en-US" sz="1400" dirty="0" err="1">
-                <a:latin typeface="American Typewriter" panose="02090604020004020304" pitchFamily="18" charset="77"/>
+                <a:latin typeface="Consolas" panose="020B0609020204030204" pitchFamily="49" charset="0"/>
+                <a:cs typeface="Consolas" panose="020B0609020204030204" pitchFamily="49" charset="0"/>
               </a:rPr>
               <a:t>data.crosscite.org</a:t>
             </a:r>
             <a:r>
               <a:rPr lang="en-US" sz="1400" dirty="0">
-                <a:latin typeface="American Typewriter" panose="02090604020004020304" pitchFamily="18" charset="77"/>
+                <a:latin typeface="Consolas" panose="020B0609020204030204" pitchFamily="49" charset="0"/>
+                <a:cs typeface="Consolas" panose="020B0609020204030204" pitchFamily="49" charset="0"/>
               </a:rPr>
               <a:t>/application/x-</a:t>
             </a:r>
             <a:r>
               <a:rPr lang="en-US" sz="1400" dirty="0" err="1">
-                <a:latin typeface="American Typewriter" panose="02090604020004020304" pitchFamily="18" charset="77"/>
+                <a:latin typeface="Consolas" panose="020B0609020204030204" pitchFamily="49" charset="0"/>
+                <a:cs typeface="Consolas" panose="020B0609020204030204" pitchFamily="49" charset="0"/>
               </a:rPr>
               <a:t>bibtex</a:t>
             </a:r>
             <a:r>
               <a:rPr lang="en-US" sz="1400" dirty="0">
-                <a:latin typeface="American Typewriter" panose="02090604020004020304" pitchFamily="18" charset="77"/>
+                <a:latin typeface="Consolas" panose="020B0609020204030204" pitchFamily="49" charset="0"/>
+                <a:cs typeface="Consolas" panose="020B0609020204030204" pitchFamily="49" charset="0"/>
               </a:rPr>
               <a:t>/10.1145/3307681.3325400</a:t>
             </a:r>
@@ -3000,12 +3023,14 @@
             </a:r>
             <a:r>
               <a:rPr lang="en-US" sz="1600" dirty="0" err="1">
-                <a:latin typeface="American Typewriter" panose="02090604020004020304" pitchFamily="18" charset="77"/>
+                <a:latin typeface="Consolas" panose="020B0609020204030204" pitchFamily="49" charset="0"/>
+                <a:cs typeface="Consolas" panose="020B0609020204030204" pitchFamily="49" charset="0"/>
               </a:rPr>
               <a:t>Notebook_Demonstration.ipynb</a:t>
             </a:r>
             <a:endParaRPr lang="en-US" sz="1600" dirty="0">
-              <a:latin typeface="American Typewriter" panose="02090604020004020304" pitchFamily="18" charset="77"/>
+              <a:latin typeface="Consolas" panose="020B0609020204030204" pitchFamily="49" charset="0"/>
+              <a:cs typeface="Consolas" panose="020B0609020204030204" pitchFamily="49" charset="0"/>
             </a:endParaRPr>
           </a:p>
           <a:p>
@@ -3036,7 +3061,8 @@
             </a:r>
             <a:r>
               <a:rPr lang="en-US" sz="1600" dirty="0" err="1">
-                <a:latin typeface="American Typewriter" panose="02090604020004020304" pitchFamily="18" charset="77"/>
+                <a:latin typeface="Consolas" panose="020B0609020204030204" pitchFamily="49" charset="0"/>
+                <a:cs typeface="Consolas" panose="020B0609020204030204" pitchFamily="49" charset="0"/>
               </a:rPr>
               <a:t>requirements.txt</a:t>
             </a:r>
@@ -3202,7 +3228,7 @@
         </p:spPr>
         <p:txBody>
           <a:bodyPr>
-            <a:normAutofit fontScale="92500" lnSpcReduction="10000"/>
+            <a:normAutofit lnSpcReduction="10000"/>
           </a:bodyPr>
           <a:lstStyle/>
           <a:p>
@@ -3233,7 +3259,7 @@
             <a:pPr lvl="1"/>
             <a:r>
               <a:rPr lang="en-US" dirty="0"/>
-              <a:t>Goal: capture what you do in some way that you can repeat it in one step, such as</a:t>
+              <a:t>Goal: capture what you do in some way so that you can repeat it in one step, such as</a:t>
             </a:r>
           </a:p>
           <a:p>
@@ -3250,33 +3276,27 @@
               <a:t>Use </a:t>
             </a:r>
             <a:r>
-              <a:rPr lang="en-US" dirty="0" err="1"/>
+              <a:rPr lang="en-US" dirty="0">
+                <a:hlinkClick r:id="rId2"/>
+              </a:rPr>
               <a:t>pyexcel</a:t>
             </a:r>
             <a:r>
               <a:rPr lang="en-US" dirty="0"/>
-              <a:t> (http://</a:t>
-            </a:r>
-            <a:r>
-              <a:rPr lang="en-US" dirty="0" err="1"/>
-              <a:t>docs.pyexcel.org</a:t>
-            </a:r>
-            <a:r>
-              <a:rPr lang="en-US" dirty="0"/>
-              <a:t>/) to read and write data to/from Excel files</a:t>
+              <a:t> to read and write data to/from Excel files</a:t>
             </a:r>
           </a:p>
           <a:p>
             <a:pPr lvl="2"/>
             <a:r>
               <a:rPr lang="en-US" dirty="0"/>
-              <a:t>Script GUI actions - see </a:t>
-            </a:r>
-            <a:r>
-              <a:rPr lang="en-US" dirty="0">
-                <a:hlinkClick r:id="rId2"/>
-              </a:rPr>
-              <a:t>https://github.com/Lexikos/AutoHotkey_L</a:t>
+              <a:t>Script GUI actions – see </a:t>
+            </a:r>
+            <a:r>
+              <a:rPr lang="en-US" dirty="0" err="1">
+                <a:hlinkClick r:id="rId3"/>
+              </a:rPr>
+              <a:t>AutoHotkey_L</a:t>
             </a:r>
             <a:r>
               <a:rPr lang="en-US" dirty="0"/>
@@ -3300,7 +3320,7 @@
           <p:nvPr/>
         </p:nvPicPr>
         <p:blipFill>
-          <a:blip r:embed="rId3" cstate="print">
+          <a:blip r:embed="rId4" cstate="print">
             <a:extLst>
               <a:ext uri="{28A0092B-C50C-407E-A947-70E740481C1C}">
                 <a14:useLocalDpi xmlns:a14="http://schemas.microsoft.com/office/drawing/2010/main"/>
@@ -3422,13 +3442,13 @@
             <a:pPr lvl="2"/>
             <a:r>
               <a:rPr lang="en-US" dirty="0"/>
-              <a:t>See Software Carpentry lesson “The Unix Shell” - </a:t>
+              <a:t>See </a:t>
             </a:r>
             <a:r>
               <a:rPr lang="en-US" dirty="0">
                 <a:hlinkClick r:id="rId2"/>
               </a:rPr>
-              <a:t>https://swcarpentry.github.io/shell-novice/</a:t>
+              <a:t>Software Carpentry lesson “The Unix Shell”</a:t>
             </a:r>
             <a:endParaRPr lang="en-US" dirty="0"/>
           </a:p>
@@ -3544,7 +3564,7 @@
         </p:spPr>
         <p:txBody>
           <a:bodyPr>
-            <a:normAutofit fontScale="55000" lnSpcReduction="20000"/>
+            <a:normAutofit fontScale="47500" lnSpcReduction="20000"/>
           </a:bodyPr>
           <a:lstStyle/>
           <a:p>
@@ -3583,13 +3603,15 @@
             </a:pPr>
             <a:r>
               <a:rPr lang="en-US" sz="2900" dirty="0" err="1">
-                <a:latin typeface="American Typewriter" panose="02090604020004020304" pitchFamily="18" charset="77"/>
+                <a:latin typeface="Consolas" panose="020B0609020204030204" pitchFamily="49" charset="0"/>
+                <a:cs typeface="Consolas" panose="020B0609020204030204" pitchFamily="49" charset="0"/>
               </a:rPr>
               <a:t>mkdir</a:t>
             </a:r>
             <a:r>
               <a:rPr lang="en-US" sz="2900" dirty="0">
-                <a:latin typeface="American Typewriter" panose="02090604020004020304" pitchFamily="18" charset="77"/>
+                <a:latin typeface="Consolas" panose="020B0609020204030204" pitchFamily="49" charset="0"/>
+                <a:cs typeface="Consolas" panose="020B0609020204030204" pitchFamily="49" charset="0"/>
               </a:rPr>
               <a:t> raw</a:t>
             </a:r>
@@ -3600,13 +3622,15 @@
             </a:pPr>
             <a:r>
               <a:rPr lang="en-US" sz="2900" dirty="0" err="1">
-                <a:latin typeface="American Typewriter" panose="02090604020004020304" pitchFamily="18" charset="77"/>
+                <a:latin typeface="Consolas" panose="020B0609020204030204" pitchFamily="49" charset="0"/>
+                <a:cs typeface="Consolas" panose="020B0609020204030204" pitchFamily="49" charset="0"/>
               </a:rPr>
               <a:t>mkdir</a:t>
             </a:r>
             <a:r>
               <a:rPr lang="en-US" sz="2900" dirty="0">
-                <a:latin typeface="American Typewriter" panose="02090604020004020304" pitchFamily="18" charset="77"/>
+                <a:latin typeface="Consolas" panose="020B0609020204030204" pitchFamily="49" charset="0"/>
+                <a:cs typeface="Consolas" panose="020B0609020204030204" pitchFamily="49" charset="0"/>
               </a:rPr>
               <a:t> proc</a:t>
             </a:r>
@@ -3616,7 +3640,8 @@
               <a:buNone/>
             </a:pPr>
             <a:endParaRPr lang="en-US" sz="2900" dirty="0">
-              <a:latin typeface="American Typewriter" panose="02090604020004020304" pitchFamily="18" charset="77"/>
+              <a:latin typeface="Consolas" panose="020B0609020204030204" pitchFamily="49" charset="0"/>
+              <a:cs typeface="Consolas" panose="020B0609020204030204" pitchFamily="49" charset="0"/>
             </a:endParaRPr>
           </a:p>
           <a:p>
@@ -3625,49 +3650,57 @@
             </a:pPr>
             <a:r>
               <a:rPr lang="en-US" sz="2900" dirty="0" err="1">
-                <a:latin typeface="American Typewriter" panose="02090604020004020304" pitchFamily="18" charset="77"/>
+                <a:latin typeface="Consolas" panose="020B0609020204030204" pitchFamily="49" charset="0"/>
+                <a:cs typeface="Consolas" panose="020B0609020204030204" pitchFamily="49" charset="0"/>
               </a:rPr>
               <a:t>wget</a:t>
             </a:r>
             <a:r>
               <a:rPr lang="en-US" sz="2900" dirty="0">
-                <a:latin typeface="American Typewriter" panose="02090604020004020304" pitchFamily="18" charset="77"/>
+                <a:latin typeface="Consolas" panose="020B0609020204030204" pitchFamily="49" charset="0"/>
+                <a:cs typeface="Consolas" panose="020B0609020204030204" pitchFamily="49" charset="0"/>
               </a:rPr>
               <a:t> https://</a:t>
             </a:r>
             <a:r>
               <a:rPr lang="en-US" sz="2900" dirty="0" err="1">
-                <a:latin typeface="American Typewriter" panose="02090604020004020304" pitchFamily="18" charset="77"/>
+                <a:latin typeface="Consolas" panose="020B0609020204030204" pitchFamily="49" charset="0"/>
+                <a:cs typeface="Consolas" panose="020B0609020204030204" pitchFamily="49" charset="0"/>
               </a:rPr>
               <a:t>raw.githubusercontent.com</a:t>
             </a:r>
             <a:r>
               <a:rPr lang="en-US" sz="2900" dirty="0">
-                <a:latin typeface="American Typewriter" panose="02090604020004020304" pitchFamily="18" charset="77"/>
+                <a:latin typeface="Consolas" panose="020B0609020204030204" pitchFamily="49" charset="0"/>
+                <a:cs typeface="Consolas" panose="020B0609020204030204" pitchFamily="49" charset="0"/>
               </a:rPr>
               <a:t>/</a:t>
             </a:r>
             <a:r>
               <a:rPr lang="en-US" sz="2900" dirty="0" err="1">
-                <a:latin typeface="American Typewriter" panose="02090604020004020304" pitchFamily="18" charset="77"/>
+                <a:latin typeface="Consolas" panose="020B0609020204030204" pitchFamily="49" charset="0"/>
+                <a:cs typeface="Consolas" panose="020B0609020204030204" pitchFamily="49" charset="0"/>
               </a:rPr>
               <a:t>danielskatz</a:t>
             </a:r>
             <a:r>
               <a:rPr lang="en-US" sz="2900" dirty="0">
-                <a:latin typeface="American Typewriter" panose="02090604020004020304" pitchFamily="18" charset="77"/>
+                <a:latin typeface="Consolas" panose="020B0609020204030204" pitchFamily="49" charset="0"/>
+                <a:cs typeface="Consolas" panose="020B0609020204030204" pitchFamily="49" charset="0"/>
               </a:rPr>
               <a:t>/</a:t>
             </a:r>
             <a:r>
               <a:rPr lang="en-US" sz="2900" dirty="0" err="1">
-                <a:latin typeface="American Typewriter" panose="02090604020004020304" pitchFamily="18" charset="77"/>
+                <a:latin typeface="Consolas" panose="020B0609020204030204" pitchFamily="49" charset="0"/>
+                <a:cs typeface="Consolas" panose="020B0609020204030204" pitchFamily="49" charset="0"/>
               </a:rPr>
               <a:t>parsl</a:t>
             </a:r>
             <a:r>
               <a:rPr lang="en-US" sz="2900" dirty="0">
-                <a:latin typeface="American Typewriter" panose="02090604020004020304" pitchFamily="18" charset="77"/>
+                <a:latin typeface="Consolas" panose="020B0609020204030204" pitchFamily="49" charset="0"/>
+                <a:cs typeface="Consolas" panose="020B0609020204030204" pitchFamily="49" charset="0"/>
               </a:rPr>
               <a:t>-example/master/data/0001.jpg -O raw/0001.jpg</a:t>
             </a:r>
@@ -3678,49 +3711,57 @@
             </a:pPr>
             <a:r>
               <a:rPr lang="en-US" sz="2900" dirty="0" err="1">
-                <a:latin typeface="American Typewriter" panose="02090604020004020304" pitchFamily="18" charset="77"/>
+                <a:latin typeface="Consolas" panose="020B0609020204030204" pitchFamily="49" charset="0"/>
+                <a:cs typeface="Consolas" panose="020B0609020204030204" pitchFamily="49" charset="0"/>
               </a:rPr>
               <a:t>wget</a:t>
             </a:r>
             <a:r>
               <a:rPr lang="en-US" sz="2900" dirty="0">
-                <a:latin typeface="American Typewriter" panose="02090604020004020304" pitchFamily="18" charset="77"/>
+                <a:latin typeface="Consolas" panose="020B0609020204030204" pitchFamily="49" charset="0"/>
+                <a:cs typeface="Consolas" panose="020B0609020204030204" pitchFamily="49" charset="0"/>
               </a:rPr>
               <a:t> https://</a:t>
             </a:r>
             <a:r>
               <a:rPr lang="en-US" sz="2900" dirty="0" err="1">
-                <a:latin typeface="American Typewriter" panose="02090604020004020304" pitchFamily="18" charset="77"/>
+                <a:latin typeface="Consolas" panose="020B0609020204030204" pitchFamily="49" charset="0"/>
+                <a:cs typeface="Consolas" panose="020B0609020204030204" pitchFamily="49" charset="0"/>
               </a:rPr>
               <a:t>raw.githubusercontent.com</a:t>
             </a:r>
             <a:r>
               <a:rPr lang="en-US" sz="2900" dirty="0">
-                <a:latin typeface="American Typewriter" panose="02090604020004020304" pitchFamily="18" charset="77"/>
+                <a:latin typeface="Consolas" panose="020B0609020204030204" pitchFamily="49" charset="0"/>
+                <a:cs typeface="Consolas" panose="020B0609020204030204" pitchFamily="49" charset="0"/>
               </a:rPr>
               <a:t>/</a:t>
             </a:r>
             <a:r>
               <a:rPr lang="en-US" sz="2900" dirty="0" err="1">
-                <a:latin typeface="American Typewriter" panose="02090604020004020304" pitchFamily="18" charset="77"/>
+                <a:latin typeface="Consolas" panose="020B0609020204030204" pitchFamily="49" charset="0"/>
+                <a:cs typeface="Consolas" panose="020B0609020204030204" pitchFamily="49" charset="0"/>
               </a:rPr>
               <a:t>danielskatz</a:t>
             </a:r>
             <a:r>
               <a:rPr lang="en-US" sz="2900" dirty="0">
-                <a:latin typeface="American Typewriter" panose="02090604020004020304" pitchFamily="18" charset="77"/>
+                <a:latin typeface="Consolas" panose="020B0609020204030204" pitchFamily="49" charset="0"/>
+                <a:cs typeface="Consolas" panose="020B0609020204030204" pitchFamily="49" charset="0"/>
               </a:rPr>
               <a:t>/</a:t>
             </a:r>
             <a:r>
               <a:rPr lang="en-US" sz="2900" dirty="0" err="1">
-                <a:latin typeface="American Typewriter" panose="02090604020004020304" pitchFamily="18" charset="77"/>
+                <a:latin typeface="Consolas" panose="020B0609020204030204" pitchFamily="49" charset="0"/>
+                <a:cs typeface="Consolas" panose="020B0609020204030204" pitchFamily="49" charset="0"/>
               </a:rPr>
               <a:t>parsl</a:t>
             </a:r>
             <a:r>
               <a:rPr lang="en-US" sz="2900" dirty="0">
-                <a:latin typeface="American Typewriter" panose="02090604020004020304" pitchFamily="18" charset="77"/>
+                <a:latin typeface="Consolas" panose="020B0609020204030204" pitchFamily="49" charset="0"/>
+                <a:cs typeface="Consolas" panose="020B0609020204030204" pitchFamily="49" charset="0"/>
               </a:rPr>
               <a:t>-example/master/data/0002.jpg -O raw/0002.jpg</a:t>
             </a:r>
@@ -3731,49 +3772,57 @@
             </a:pPr>
             <a:r>
               <a:rPr lang="en-US" sz="2900" dirty="0" err="1">
-                <a:latin typeface="American Typewriter" panose="02090604020004020304" pitchFamily="18" charset="77"/>
+                <a:latin typeface="Consolas" panose="020B0609020204030204" pitchFamily="49" charset="0"/>
+                <a:cs typeface="Consolas" panose="020B0609020204030204" pitchFamily="49" charset="0"/>
               </a:rPr>
               <a:t>wget</a:t>
             </a:r>
             <a:r>
               <a:rPr lang="en-US" sz="2900" dirty="0">
-                <a:latin typeface="American Typewriter" panose="02090604020004020304" pitchFamily="18" charset="77"/>
+                <a:latin typeface="Consolas" panose="020B0609020204030204" pitchFamily="49" charset="0"/>
+                <a:cs typeface="Consolas" panose="020B0609020204030204" pitchFamily="49" charset="0"/>
               </a:rPr>
               <a:t> https://</a:t>
             </a:r>
             <a:r>
               <a:rPr lang="en-US" sz="2900" dirty="0" err="1">
-                <a:latin typeface="American Typewriter" panose="02090604020004020304" pitchFamily="18" charset="77"/>
+                <a:latin typeface="Consolas" panose="020B0609020204030204" pitchFamily="49" charset="0"/>
+                <a:cs typeface="Consolas" panose="020B0609020204030204" pitchFamily="49" charset="0"/>
               </a:rPr>
               <a:t>raw.githubusercontent.com</a:t>
             </a:r>
             <a:r>
               <a:rPr lang="en-US" sz="2900" dirty="0">
-                <a:latin typeface="American Typewriter" panose="02090604020004020304" pitchFamily="18" charset="77"/>
+                <a:latin typeface="Consolas" panose="020B0609020204030204" pitchFamily="49" charset="0"/>
+                <a:cs typeface="Consolas" panose="020B0609020204030204" pitchFamily="49" charset="0"/>
               </a:rPr>
               <a:t>/</a:t>
             </a:r>
             <a:r>
               <a:rPr lang="en-US" sz="2900" dirty="0" err="1">
-                <a:latin typeface="American Typewriter" panose="02090604020004020304" pitchFamily="18" charset="77"/>
+                <a:latin typeface="Consolas" panose="020B0609020204030204" pitchFamily="49" charset="0"/>
+                <a:cs typeface="Consolas" panose="020B0609020204030204" pitchFamily="49" charset="0"/>
               </a:rPr>
               <a:t>danielskatz</a:t>
             </a:r>
             <a:r>
               <a:rPr lang="en-US" sz="2900" dirty="0">
-                <a:latin typeface="American Typewriter" panose="02090604020004020304" pitchFamily="18" charset="77"/>
+                <a:latin typeface="Consolas" panose="020B0609020204030204" pitchFamily="49" charset="0"/>
+                <a:cs typeface="Consolas" panose="020B0609020204030204" pitchFamily="49" charset="0"/>
               </a:rPr>
               <a:t>/</a:t>
             </a:r>
             <a:r>
               <a:rPr lang="en-US" sz="2900" dirty="0" err="1">
-                <a:latin typeface="American Typewriter" panose="02090604020004020304" pitchFamily="18" charset="77"/>
+                <a:latin typeface="Consolas" panose="020B0609020204030204" pitchFamily="49" charset="0"/>
+                <a:cs typeface="Consolas" panose="020B0609020204030204" pitchFamily="49" charset="0"/>
               </a:rPr>
               <a:t>parsl</a:t>
             </a:r>
             <a:r>
               <a:rPr lang="en-US" sz="2900" dirty="0">
-                <a:latin typeface="American Typewriter" panose="02090604020004020304" pitchFamily="18" charset="77"/>
+                <a:latin typeface="Consolas" panose="020B0609020204030204" pitchFamily="49" charset="0"/>
+                <a:cs typeface="Consolas" panose="020B0609020204030204" pitchFamily="49" charset="0"/>
               </a:rPr>
               <a:t>-example/master/data/0003.jpg -O raw/0003.jpg</a:t>
             </a:r>
@@ -3784,49 +3833,57 @@
             </a:pPr>
             <a:r>
               <a:rPr lang="en-US" sz="2900" dirty="0" err="1">
-                <a:latin typeface="American Typewriter" panose="02090604020004020304" pitchFamily="18" charset="77"/>
+                <a:latin typeface="Consolas" panose="020B0609020204030204" pitchFamily="49" charset="0"/>
+                <a:cs typeface="Consolas" panose="020B0609020204030204" pitchFamily="49" charset="0"/>
               </a:rPr>
               <a:t>wget</a:t>
             </a:r>
             <a:r>
               <a:rPr lang="en-US" sz="2900" dirty="0">
-                <a:latin typeface="American Typewriter" panose="02090604020004020304" pitchFamily="18" charset="77"/>
+                <a:latin typeface="Consolas" panose="020B0609020204030204" pitchFamily="49" charset="0"/>
+                <a:cs typeface="Consolas" panose="020B0609020204030204" pitchFamily="49" charset="0"/>
               </a:rPr>
               <a:t> https://</a:t>
             </a:r>
             <a:r>
               <a:rPr lang="en-US" sz="2900" dirty="0" err="1">
-                <a:latin typeface="American Typewriter" panose="02090604020004020304" pitchFamily="18" charset="77"/>
+                <a:latin typeface="Consolas" panose="020B0609020204030204" pitchFamily="49" charset="0"/>
+                <a:cs typeface="Consolas" panose="020B0609020204030204" pitchFamily="49" charset="0"/>
               </a:rPr>
               <a:t>raw.githubusercontent.com</a:t>
             </a:r>
             <a:r>
               <a:rPr lang="en-US" sz="2900" dirty="0">
-                <a:latin typeface="American Typewriter" panose="02090604020004020304" pitchFamily="18" charset="77"/>
+                <a:latin typeface="Consolas" panose="020B0609020204030204" pitchFamily="49" charset="0"/>
+                <a:cs typeface="Consolas" panose="020B0609020204030204" pitchFamily="49" charset="0"/>
               </a:rPr>
               <a:t>/</a:t>
             </a:r>
             <a:r>
               <a:rPr lang="en-US" sz="2900" dirty="0" err="1">
-                <a:latin typeface="American Typewriter" panose="02090604020004020304" pitchFamily="18" charset="77"/>
+                <a:latin typeface="Consolas" panose="020B0609020204030204" pitchFamily="49" charset="0"/>
+                <a:cs typeface="Consolas" panose="020B0609020204030204" pitchFamily="49" charset="0"/>
               </a:rPr>
               <a:t>danielskatz</a:t>
             </a:r>
             <a:r>
               <a:rPr lang="en-US" sz="2900" dirty="0">
-                <a:latin typeface="American Typewriter" panose="02090604020004020304" pitchFamily="18" charset="77"/>
+                <a:latin typeface="Consolas" panose="020B0609020204030204" pitchFamily="49" charset="0"/>
+                <a:cs typeface="Consolas" panose="020B0609020204030204" pitchFamily="49" charset="0"/>
               </a:rPr>
               <a:t>/</a:t>
             </a:r>
             <a:r>
               <a:rPr lang="en-US" sz="2900" dirty="0" err="1">
-                <a:latin typeface="American Typewriter" panose="02090604020004020304" pitchFamily="18" charset="77"/>
+                <a:latin typeface="Consolas" panose="020B0609020204030204" pitchFamily="49" charset="0"/>
+                <a:cs typeface="Consolas" panose="020B0609020204030204" pitchFamily="49" charset="0"/>
               </a:rPr>
               <a:t>parsl</a:t>
             </a:r>
             <a:r>
               <a:rPr lang="en-US" sz="2900" dirty="0">
-                <a:latin typeface="American Typewriter" panose="02090604020004020304" pitchFamily="18" charset="77"/>
+                <a:latin typeface="Consolas" panose="020B0609020204030204" pitchFamily="49" charset="0"/>
+                <a:cs typeface="Consolas" panose="020B0609020204030204" pitchFamily="49" charset="0"/>
               </a:rPr>
               <a:t>-example/master/data/0004.jpg -O raw/0004.jpg</a:t>
             </a:r>
@@ -3836,7 +3893,8 @@
               <a:buNone/>
             </a:pPr>
             <a:endParaRPr lang="en-US" sz="2900" dirty="0">
-              <a:latin typeface="American Typewriter" panose="02090604020004020304" pitchFamily="18" charset="77"/>
+              <a:latin typeface="Consolas" panose="020B0609020204030204" pitchFamily="49" charset="0"/>
+              <a:cs typeface="Consolas" panose="020B0609020204030204" pitchFamily="49" charset="0"/>
             </a:endParaRPr>
           </a:p>
           <a:p>
@@ -3845,19 +3903,22 @@
             </a:pPr>
             <a:r>
               <a:rPr lang="en-US" sz="2900" dirty="0">
-                <a:latin typeface="American Typewriter" panose="02090604020004020304" pitchFamily="18" charset="77"/>
+                <a:latin typeface="Consolas" panose="020B0609020204030204" pitchFamily="49" charset="0"/>
+                <a:cs typeface="Consolas" panose="020B0609020204030204" pitchFamily="49" charset="0"/>
               </a:rPr>
               <a:t>python3 bin/</a:t>
             </a:r>
             <a:r>
               <a:rPr lang="en-US" sz="2900" dirty="0" err="1">
-                <a:latin typeface="American Typewriter" panose="02090604020004020304" pitchFamily="18" charset="77"/>
+                <a:latin typeface="Consolas" panose="020B0609020204030204" pitchFamily="49" charset="0"/>
+                <a:cs typeface="Consolas" panose="020B0609020204030204" pitchFamily="49" charset="0"/>
               </a:rPr>
               <a:t>sharpen_image.py</a:t>
             </a:r>
             <a:r>
               <a:rPr lang="en-US" sz="2900" dirty="0">
-                <a:latin typeface="American Typewriter" panose="02090604020004020304" pitchFamily="18" charset="77"/>
+                <a:latin typeface="Consolas" panose="020B0609020204030204" pitchFamily="49" charset="0"/>
+                <a:cs typeface="Consolas" panose="020B0609020204030204" pitchFamily="49" charset="0"/>
               </a:rPr>
               <a:t> raw/0001.jpg proc/0001_sharp.jpg</a:t>
             </a:r>
@@ -3868,19 +3929,22 @@
             </a:pPr>
             <a:r>
               <a:rPr lang="en-US" sz="2900" dirty="0">
-                <a:latin typeface="American Typewriter" panose="02090604020004020304" pitchFamily="18" charset="77"/>
+                <a:latin typeface="Consolas" panose="020B0609020204030204" pitchFamily="49" charset="0"/>
+                <a:cs typeface="Consolas" panose="020B0609020204030204" pitchFamily="49" charset="0"/>
               </a:rPr>
               <a:t>python3 bin/</a:t>
             </a:r>
             <a:r>
               <a:rPr lang="en-US" sz="2900" dirty="0" err="1">
-                <a:latin typeface="American Typewriter" panose="02090604020004020304" pitchFamily="18" charset="77"/>
+                <a:latin typeface="Consolas" panose="020B0609020204030204" pitchFamily="49" charset="0"/>
+                <a:cs typeface="Consolas" panose="020B0609020204030204" pitchFamily="49" charset="0"/>
               </a:rPr>
               <a:t>sharpen_image.py</a:t>
             </a:r>
             <a:r>
               <a:rPr lang="en-US" sz="2900" dirty="0">
-                <a:latin typeface="American Typewriter" panose="02090604020004020304" pitchFamily="18" charset="77"/>
+                <a:latin typeface="Consolas" panose="020B0609020204030204" pitchFamily="49" charset="0"/>
+                <a:cs typeface="Consolas" panose="020B0609020204030204" pitchFamily="49" charset="0"/>
               </a:rPr>
               <a:t> raw/0002.jpg proc/0002_sharp.jpg</a:t>
             </a:r>
@@ -3891,19 +3955,22 @@
             </a:pPr>
             <a:r>
               <a:rPr lang="en-US" sz="2900" dirty="0">
-                <a:latin typeface="American Typewriter" panose="02090604020004020304" pitchFamily="18" charset="77"/>
+                <a:latin typeface="Consolas" panose="020B0609020204030204" pitchFamily="49" charset="0"/>
+                <a:cs typeface="Consolas" panose="020B0609020204030204" pitchFamily="49" charset="0"/>
               </a:rPr>
               <a:t>python3 bin/</a:t>
             </a:r>
             <a:r>
               <a:rPr lang="en-US" sz="2900" dirty="0" err="1">
-                <a:latin typeface="American Typewriter" panose="02090604020004020304" pitchFamily="18" charset="77"/>
+                <a:latin typeface="Consolas" panose="020B0609020204030204" pitchFamily="49" charset="0"/>
+                <a:cs typeface="Consolas" panose="020B0609020204030204" pitchFamily="49" charset="0"/>
               </a:rPr>
               <a:t>sharpen_image.py</a:t>
             </a:r>
             <a:r>
               <a:rPr lang="en-US" sz="2900" dirty="0">
-                <a:latin typeface="American Typewriter" panose="02090604020004020304" pitchFamily="18" charset="77"/>
+                <a:latin typeface="Consolas" panose="020B0609020204030204" pitchFamily="49" charset="0"/>
+                <a:cs typeface="Consolas" panose="020B0609020204030204" pitchFamily="49" charset="0"/>
               </a:rPr>
               <a:t> raw/0003.jpg proc/0003_sharp.jpg</a:t>
             </a:r>
@@ -3914,19 +3981,22 @@
             </a:pPr>
             <a:r>
               <a:rPr lang="en-US" sz="2900" dirty="0">
-                <a:latin typeface="American Typewriter" panose="02090604020004020304" pitchFamily="18" charset="77"/>
+                <a:latin typeface="Consolas" panose="020B0609020204030204" pitchFamily="49" charset="0"/>
+                <a:cs typeface="Consolas" panose="020B0609020204030204" pitchFamily="49" charset="0"/>
               </a:rPr>
               <a:t>python3 bin/</a:t>
             </a:r>
             <a:r>
               <a:rPr lang="en-US" sz="2900" dirty="0" err="1">
-                <a:latin typeface="American Typewriter" panose="02090604020004020304" pitchFamily="18" charset="77"/>
+                <a:latin typeface="Consolas" panose="020B0609020204030204" pitchFamily="49" charset="0"/>
+                <a:cs typeface="Consolas" panose="020B0609020204030204" pitchFamily="49" charset="0"/>
               </a:rPr>
               <a:t>sharpen_image.py</a:t>
             </a:r>
             <a:r>
               <a:rPr lang="en-US" sz="2900" dirty="0">
-                <a:latin typeface="American Typewriter" panose="02090604020004020304" pitchFamily="18" charset="77"/>
+                <a:latin typeface="Consolas" panose="020B0609020204030204" pitchFamily="49" charset="0"/>
+                <a:cs typeface="Consolas" panose="020B0609020204030204" pitchFamily="49" charset="0"/>
               </a:rPr>
               <a:t> raw/0004.jpg proc/0004_sharp.jpg</a:t>
             </a:r>
@@ -3936,7 +4006,8 @@
               <a:buNone/>
             </a:pPr>
             <a:endParaRPr lang="en-US" sz="2900" dirty="0">
-              <a:latin typeface="American Typewriter" panose="02090604020004020304" pitchFamily="18" charset="77"/>
+              <a:latin typeface="Consolas" panose="020B0609020204030204" pitchFamily="49" charset="0"/>
+              <a:cs typeface="Consolas" panose="020B0609020204030204" pitchFamily="49" charset="0"/>
             </a:endParaRPr>
           </a:p>
           <a:p>
@@ -3945,31 +4016,36 @@
             </a:pPr>
             <a:r>
               <a:rPr lang="en-US" sz="2900" dirty="0">
-                <a:latin typeface="American Typewriter" panose="02090604020004020304" pitchFamily="18" charset="77"/>
+                <a:latin typeface="Consolas" panose="020B0609020204030204" pitchFamily="49" charset="0"/>
+                <a:cs typeface="Consolas" panose="020B0609020204030204" pitchFamily="49" charset="0"/>
               </a:rPr>
               <a:t>python3 bin/</a:t>
             </a:r>
             <a:r>
               <a:rPr lang="en-US" sz="2900" dirty="0" err="1">
-                <a:latin typeface="American Typewriter" panose="02090604020004020304" pitchFamily="18" charset="77"/>
+                <a:latin typeface="Consolas" panose="020B0609020204030204" pitchFamily="49" charset="0"/>
+                <a:cs typeface="Consolas" panose="020B0609020204030204" pitchFamily="49" charset="0"/>
               </a:rPr>
               <a:t>local_build_mosaic.py</a:t>
             </a:r>
             <a:r>
               <a:rPr lang="en-US" sz="2900" dirty="0">
-                <a:latin typeface="American Typewriter" panose="02090604020004020304" pitchFamily="18" charset="77"/>
+                <a:latin typeface="Consolas" panose="020B0609020204030204" pitchFamily="49" charset="0"/>
+                <a:cs typeface="Consolas" panose="020B0609020204030204" pitchFamily="49" charset="0"/>
               </a:rPr>
               <a:t> 2 proc/</a:t>
             </a:r>
             <a:r>
               <a:rPr lang="en-US" sz="2900" dirty="0" err="1">
-                <a:latin typeface="American Typewriter" panose="02090604020004020304" pitchFamily="18" charset="77"/>
+                <a:latin typeface="Consolas" panose="020B0609020204030204" pitchFamily="49" charset="0"/>
+                <a:cs typeface="Consolas" panose="020B0609020204030204" pitchFamily="49" charset="0"/>
               </a:rPr>
               <a:t>mosaic.jpg</a:t>
             </a:r>
             <a:r>
               <a:rPr lang="en-US" sz="2900" dirty="0">
-                <a:latin typeface="American Typewriter" panose="02090604020004020304" pitchFamily="18" charset="77"/>
+                <a:latin typeface="Consolas" panose="020B0609020204030204" pitchFamily="49" charset="0"/>
+                <a:cs typeface="Consolas" panose="020B0609020204030204" pitchFamily="49" charset="0"/>
               </a:rPr>
               <a:t> proc/0001_sharp.jpg proc/0002_sharp.jpg \ proc/0003_sharp.jpg proc/0004_sharp.jpg</a:t>
             </a:r>
@@ -4026,7 +4102,7 @@
         </p:nvSpPr>
         <p:spPr>
           <a:xfrm>
-            <a:off x="1670905" y="2260586"/>
+            <a:off x="1640083" y="2088367"/>
             <a:ext cx="1986696" cy="400692"/>
           </a:xfrm>
           <a:prstGeom prst="roundRect">
@@ -4084,7 +4160,7 @@
         </p:nvSpPr>
         <p:spPr>
           <a:xfrm>
-            <a:off x="7212457" y="2489059"/>
+            <a:off x="6883684" y="2288713"/>
             <a:ext cx="4171309" cy="400692"/>
           </a:xfrm>
           <a:prstGeom prst="roundRect">
@@ -4142,7 +4218,7 @@
         </p:nvSpPr>
         <p:spPr>
           <a:xfrm>
-            <a:off x="7071754" y="4292953"/>
+            <a:off x="6599142" y="4103313"/>
             <a:ext cx="2548169" cy="400692"/>
           </a:xfrm>
           <a:prstGeom prst="roundRect">
@@ -4200,7 +4276,7 @@
         </p:nvSpPr>
         <p:spPr>
           <a:xfrm>
-            <a:off x="8345839" y="4981950"/>
+            <a:off x="2715513" y="5259065"/>
             <a:ext cx="3370327" cy="400692"/>
           </a:xfrm>
           <a:prstGeom prst="roundRect">
@@ -4379,19 +4455,22 @@
             </a:pPr>
             <a:r>
               <a:rPr lang="en-US" dirty="0" err="1">
-                <a:latin typeface="American Typewriter" panose="02090604020004020304" pitchFamily="18" charset="77"/>
+                <a:latin typeface="Consolas" panose="020B0609020204030204" pitchFamily="49" charset="0"/>
+                <a:cs typeface="Consolas" panose="020B0609020204030204" pitchFamily="49" charset="0"/>
               </a:rPr>
               <a:t>sh</a:t>
             </a:r>
             <a:r>
               <a:rPr lang="en-US" dirty="0">
-                <a:latin typeface="American Typewriter" panose="02090604020004020304" pitchFamily="18" charset="77"/>
+                <a:latin typeface="Consolas" panose="020B0609020204030204" pitchFamily="49" charset="0"/>
+                <a:cs typeface="Consolas" panose="020B0609020204030204" pitchFamily="49" charset="0"/>
               </a:rPr>
               <a:t> script/</a:t>
             </a:r>
             <a:r>
               <a:rPr lang="en-US" dirty="0" err="1">
-                <a:latin typeface="American Typewriter" panose="02090604020004020304" pitchFamily="18" charset="77"/>
+                <a:latin typeface="Consolas" panose="020B0609020204030204" pitchFamily="49" charset="0"/>
+                <a:cs typeface="Consolas" panose="020B0609020204030204" pitchFamily="49" charset="0"/>
               </a:rPr>
               <a:t>build_mosaic.sh</a:t>
             </a:r>
@@ -4454,7 +4533,7 @@
         </p:nvSpPr>
         <p:spPr>
           <a:xfrm>
-            <a:off x="5130231" y="3670882"/>
+            <a:off x="5756953" y="3670882"/>
             <a:ext cx="5780654" cy="400692"/>
           </a:xfrm>
           <a:prstGeom prst="roundRect">
@@ -4591,32 +4670,27 @@
           <a:p>
             <a:pPr marL="914400" lvl="1" indent="-514350"/>
             <a:r>
-              <a:rPr lang="en-US" dirty="0" err="1"/>
+              <a:rPr lang="en-US" dirty="0">
+                <a:hlinkClick r:id="rId2"/>
+              </a:rPr>
               <a:t>nbclient</a:t>
             </a:r>
             <a:r>
               <a:rPr lang="en-US" dirty="0"/>
-              <a:t>, a very lightweight python API for executing notebooks - </a:t>
-            </a:r>
-            <a:r>
-              <a:rPr lang="en-US" dirty="0">
-                <a:hlinkClick r:id="rId2"/>
-              </a:rPr>
-              <a:t>https://</a:t>
-            </a:r>
-            <a:r>
-              <a:rPr lang="en-US" dirty="0" err="1">
-                <a:hlinkClick r:id="rId2"/>
-              </a:rPr>
-              <a:t>nbclient.readthedocs.io</a:t>
-            </a:r>
-            <a:endParaRPr lang="en-US" dirty="0"/>
+              <a:t>, a very lightweight python API for executing notebooks</a:t>
+            </a:r>
           </a:p>
           <a:p>
             <a:pPr marL="914400" lvl="1" indent="-514350"/>
             <a:r>
-              <a:rPr lang="en-US" dirty="0"/>
-              <a:t>Papermill, a tool for parameterizing and executing </a:t>
+              <a:rPr lang="en-US" dirty="0">
+                <a:hlinkClick r:id="rId3"/>
+              </a:rPr>
+              <a:t>Papermill</a:t>
+            </a:r>
+            <a:r>
+              <a:rPr lang="en-US" dirty="0"/>
+              <a:t>, a tool for parameterizing and executing </a:t>
             </a:r>
             <a:r>
               <a:rPr lang="en-US" dirty="0" err="1"/>
@@ -4624,49 +4698,21 @@
             </a:r>
             <a:r>
               <a:rPr lang="en-US" dirty="0"/>
-              <a:t> Notebooks - </a:t>
-            </a:r>
-            <a:r>
-              <a:rPr lang="en-US" dirty="0">
-                <a:hlinkClick r:id="rId3"/>
-              </a:rPr>
-              <a:t>https://</a:t>
-            </a:r>
-            <a:r>
-              <a:rPr lang="en-US" dirty="0" err="1">
-                <a:hlinkClick r:id="rId3"/>
-              </a:rPr>
-              <a:t>papermill.readthedocs.io</a:t>
-            </a:r>
-            <a:endParaRPr lang="en-US" dirty="0"/>
+              <a:t> Notebooks</a:t>
+            </a:r>
           </a:p>
           <a:p>
             <a:pPr marL="914400" lvl="1" indent="-514350"/>
             <a:r>
-              <a:rPr lang="en-US" dirty="0" err="1"/>
+              <a:rPr lang="en-US" dirty="0">
+                <a:hlinkClick r:id="rId4"/>
+              </a:rPr>
               <a:t>Jupytext</a:t>
             </a:r>
             <a:r>
               <a:rPr lang="en-US" dirty="0"/>
-              <a:t>, a converter between notebooks and code and vice versa - </a:t>
-            </a:r>
-            <a:r>
-              <a:rPr lang="en-US" dirty="0">
-                <a:hlinkClick r:id="rId4"/>
-              </a:rPr>
-              <a:t>https://</a:t>
-            </a:r>
-            <a:r>
-              <a:rPr lang="en-US" dirty="0" err="1">
-                <a:hlinkClick r:id="rId4"/>
-              </a:rPr>
-              <a:t>jupytext.readthedocs.io</a:t>
-            </a:r>
-            <a:endParaRPr lang="en-US" dirty="0"/>
-          </a:p>
-          <a:p>
-            <a:pPr marL="914400" lvl="1" indent="-514350"/>
-            <a:endParaRPr lang="en-US" dirty="0"/>
+              <a:t>, a converter between notebooks and code and vice versa</a:t>
+            </a:r>
           </a:p>
           <a:p>
             <a:pPr marL="914400" lvl="1" indent="-514350"/>
@@ -4824,7 +4870,7 @@
             <a:pPr lvl="3"/>
             <a:r>
               <a:rPr lang="en-US" sz="1600" dirty="0"/>
-              <a:t>When using parallel computing, order can with the same or </a:t>
+              <a:t>When using parallel computing, order can change with the same or </a:t>
             </a:r>
             <a:br>
               <a:rPr lang="en-US" sz="1600" dirty="0"/>
@@ -4961,10 +5007,15 @@
             <p:ph type="body" sz="quarter" idx="10"/>
           </p:nvPr>
         </p:nvSpPr>
-        <p:spPr/>
+        <p:spPr>
+          <a:xfrm>
+            <a:off x="386080" y="1198243"/>
+            <a:ext cx="11399520" cy="4750494"/>
+          </a:xfrm>
+        </p:spPr>
         <p:txBody>
           <a:bodyPr>
-            <a:normAutofit fontScale="85000" lnSpcReduction="20000"/>
+            <a:normAutofit fontScale="77500" lnSpcReduction="20000"/>
           </a:bodyPr>
           <a:lstStyle/>
           <a:p>
@@ -5006,61 +5057,72 @@
             </a:r>
             <a:r>
               <a:rPr lang="en-US" dirty="0"/>
-              <a:t>) from Software Carpentry </a:t>
+              <a:t>) from </a:t>
             </a:r>
             <a:r>
               <a:rPr lang="en-US" dirty="0">
                 <a:hlinkClick r:id="rId2"/>
               </a:rPr>
-              <a:t>–</a:t>
+              <a:t>Software Carpentry’s lesson</a:t>
             </a:r>
             <a:r>
               <a:rPr lang="en-US" dirty="0"/>
               <a:t> </a:t>
             </a:r>
+          </a:p>
+          <a:p>
+            <a:pPr lvl="1"/>
+            <a:r>
+              <a:rPr lang="en-US" dirty="0"/>
+              <a:t>Short version</a:t>
+            </a:r>
+          </a:p>
+          <a:p>
+            <a:pPr lvl="2"/>
+            <a:r>
+              <a:rPr lang="en-US" dirty="0"/>
+              <a:t>A program that defines rules for how to make one thing from </a:t>
+            </a:r>
             <a:br>
               <a:rPr lang="en-US" dirty="0"/>
             </a:br>
             <a:r>
-              <a:rPr lang="en-US" dirty="0">
-                <a:hlinkClick r:id="rId2"/>
-              </a:rPr>
-              <a:t>http://swcarpentry.github.io/make-novice/</a:t>
-            </a:r>
-            <a:endParaRPr lang="en-US" dirty="0"/>
-          </a:p>
-          <a:p>
-            <a:pPr lvl="1"/>
-            <a:r>
-              <a:rPr lang="en-US" dirty="0"/>
-              <a:t>Short version</a:t>
+              <a:rPr lang="en-US" dirty="0"/>
+              <a:t>others (dependencies)</a:t>
             </a:r>
           </a:p>
           <a:p>
             <a:pPr lvl="2"/>
             <a:r>
               <a:rPr lang="en-US" dirty="0"/>
-              <a:t>A program that defines rules for how to make one thing from others (dependencies)</a:t>
+              <a:t>Can use variables to make rules general</a:t>
             </a:r>
           </a:p>
           <a:p>
             <a:pPr lvl="2"/>
             <a:r>
               <a:rPr lang="en-US" dirty="0"/>
-              <a:t>Can use variables to make rules general</a:t>
-            </a:r>
-          </a:p>
-          <a:p>
-            <a:pPr lvl="2"/>
-            <a:r>
-              <a:rPr lang="en-US" dirty="0"/>
-              <a:t>Make knows how to only make a thing when its dependencies have changes</a:t>
-            </a:r>
-          </a:p>
-          <a:p>
-            <a:r>
-              <a:rPr lang="en-US" dirty="0"/>
-              <a:t>Other options: workflow (management) systems &amp; languages, e.g. in bioinformatics, </a:t>
+              <a:t>Make knows how to only make a thing when its dependencies </a:t>
+            </a:r>
+            <a:br>
+              <a:rPr lang="en-US" dirty="0"/>
+            </a:br>
+            <a:r>
+              <a:rPr lang="en-US" dirty="0"/>
+              <a:t>have changes</a:t>
+            </a:r>
+          </a:p>
+          <a:p>
+            <a:r>
+              <a:rPr lang="en-US" dirty="0"/>
+              <a:t>Other options: workflow (management) systems &amp; </a:t>
+            </a:r>
+            <a:br>
+              <a:rPr lang="en-US" dirty="0"/>
+            </a:br>
+            <a:r>
+              <a:rPr lang="en-US" dirty="0"/>
+              <a:t>languages, e.g. in bioinformatics, </a:t>
             </a:r>
             <a:r>
               <a:rPr lang="en-US" dirty="0" err="1"/>
@@ -5086,29 +5148,39 @@
               <a:rPr lang="en-US" dirty="0"/>
               <a:t>, </a:t>
             </a:r>
+            <a:br>
+              <a:rPr lang="en-US" dirty="0"/>
+            </a:br>
             <a:r>
               <a:rPr lang="en-US" dirty="0" err="1"/>
               <a:t>nextflow</a:t>
             </a:r>
             <a:r>
               <a:rPr lang="en-US" dirty="0"/>
-              <a:t>, … </a:t>
+              <a:t>, … (there’s </a:t>
             </a:r>
             <a:r>
               <a:rPr lang="en-US" dirty="0">
                 <a:hlinkClick r:id="rId3"/>
               </a:rPr>
-              <a:t>https://github.com/common-workflow-language/common-workflow-language/wiki/Existing-Workflow-systems</a:t>
-            </a:r>
-            <a:r>
-              <a:rPr lang="en-US" dirty="0"/>
-              <a:t> (284 examples)</a:t>
-            </a:r>
-          </a:p>
-          <a:p>
-            <a:r>
-              <a:rPr lang="en-US" dirty="0"/>
-              <a:t>Consider continuous integration to automatically rebuild/test when things change</a:t>
+              <a:t>a CWL wiki page</a:t>
+            </a:r>
+            <a:r>
+              <a:rPr lang="en-US" dirty="0"/>
+              <a:t> with 284 examples)</a:t>
+            </a:r>
+          </a:p>
+          <a:p>
+            <a:r>
+              <a:rPr lang="en-US" dirty="0"/>
+              <a:t>Consider continuous integration to automatically </a:t>
+            </a:r>
+            <a:br>
+              <a:rPr lang="en-US" dirty="0"/>
+            </a:br>
+            <a:r>
+              <a:rPr lang="en-US" dirty="0"/>
+              <a:t>rebuild/test when things change</a:t>
             </a:r>
           </a:p>
           <a:p>
@@ -5155,8 +5227,38 @@
         </p:blipFill>
         <p:spPr>
           <a:xfrm>
-            <a:off x="9801547" y="729463"/>
+            <a:off x="9791273" y="273685"/>
             <a:ext cx="2147299" cy="2496622"/>
+          </a:xfrm>
+          <a:prstGeom prst="rect">
+            <a:avLst/>
+          </a:prstGeom>
+        </p:spPr>
+      </p:pic>
+      <p:pic>
+        <p:nvPicPr>
+          <p:cNvPr id="6" name="Picture 5" descr="A picture containing drawing&#10;&#10;Description automatically generated">
+            <a:extLst>
+              <a:ext uri="{FF2B5EF4-FFF2-40B4-BE49-F238E27FC236}">
+                <a16:creationId xmlns:a16="http://schemas.microsoft.com/office/drawing/2014/main" id="{3EF8E81A-77D3-BF40-84C3-9230A3140B44}"/>
+              </a:ext>
+            </a:extLst>
+          </p:cNvPr>
+          <p:cNvPicPr>
+            <a:picLocks noChangeAspect="1"/>
+          </p:cNvPicPr>
+          <p:nvPr/>
+        </p:nvPicPr>
+        <p:blipFill>
+          <a:blip r:embed="rId5"/>
+          <a:stretch>
+            <a:fillRect/>
+          </a:stretch>
+        </p:blipFill>
+        <p:spPr>
+          <a:xfrm>
+            <a:off x="7600337" y="3013259"/>
+            <a:ext cx="4542870" cy="2836524"/>
           </a:xfrm>
           <a:prstGeom prst="rect">
             <a:avLst/>
@@ -5475,31 +5577,36 @@
             </a:pPr>
             <a:r>
               <a:rPr lang="en-US" sz="2000" dirty="0">
-                <a:latin typeface="American Typewriter" panose="02090604020004020304" pitchFamily="18" charset="77"/>
+                <a:latin typeface="Consolas" panose="020B0609020204030204" pitchFamily="49" charset="0"/>
+                <a:cs typeface="Consolas" panose="020B0609020204030204" pitchFamily="49" charset="0"/>
               </a:rPr>
               <a:t>year	pop	</a:t>
             </a:r>
             <a:r>
               <a:rPr lang="en-US" sz="2000" dirty="0" err="1">
-                <a:latin typeface="American Typewriter" panose="02090604020004020304" pitchFamily="18" charset="77"/>
+                <a:latin typeface="Consolas" panose="020B0609020204030204" pitchFamily="49" charset="0"/>
+                <a:cs typeface="Consolas" panose="020B0609020204030204" pitchFamily="49" charset="0"/>
               </a:rPr>
               <a:t>lifeexp</a:t>
             </a:r>
             <a:r>
               <a:rPr lang="en-US" sz="2000" dirty="0">
-                <a:latin typeface="American Typewriter" panose="02090604020004020304" pitchFamily="18" charset="77"/>
+                <a:latin typeface="Consolas" panose="020B0609020204030204" pitchFamily="49" charset="0"/>
+                <a:cs typeface="Consolas" panose="020B0609020204030204" pitchFamily="49" charset="0"/>
               </a:rPr>
               <a:t>	</a:t>
             </a:r>
             <a:r>
               <a:rPr lang="en-US" sz="2000" dirty="0" err="1">
-                <a:latin typeface="American Typewriter" panose="02090604020004020304" pitchFamily="18" charset="77"/>
+                <a:latin typeface="Consolas" panose="020B0609020204030204" pitchFamily="49" charset="0"/>
+                <a:cs typeface="Consolas" panose="020B0609020204030204" pitchFamily="49" charset="0"/>
               </a:rPr>
               <a:t>gdppercap</a:t>
             </a:r>
             <a:r>
               <a:rPr lang="en-US" sz="2000" dirty="0">
-                <a:latin typeface="American Typewriter" panose="02090604020004020304" pitchFamily="18" charset="77"/>
+                <a:latin typeface="Consolas" panose="020B0609020204030204" pitchFamily="49" charset="0"/>
+                <a:cs typeface="Consolas" panose="020B0609020204030204" pitchFamily="49" charset="0"/>
               </a:rPr>
               <a:t>	country	continent</a:t>
             </a:r>
@@ -5510,30 +5617,35 @@
             </a:pPr>
             <a:r>
               <a:rPr lang="en-US" sz="2000" dirty="0">
-                <a:latin typeface="American Typewriter" panose="02090604020004020304" pitchFamily="18" charset="77"/>
+                <a:latin typeface="Consolas" panose="020B0609020204030204" pitchFamily="49" charset="0"/>
+                <a:cs typeface="Consolas" panose="020B0609020204030204" pitchFamily="49" charset="0"/>
               </a:rPr>
               <a:t>1952	8425333	28.801	779.4453145	</a:t>
             </a:r>
             <a:r>
               <a:rPr lang="en-US" sz="2000" dirty="0" err="1">
-                <a:latin typeface="American Typewriter" panose="02090604020004020304" pitchFamily="18" charset="77"/>
+                <a:latin typeface="Consolas" panose="020B0609020204030204" pitchFamily="49" charset="0"/>
+                <a:cs typeface="Consolas" panose="020B0609020204030204" pitchFamily="49" charset="0"/>
               </a:rPr>
               <a:t>afghanistan</a:t>
             </a:r>
             <a:r>
               <a:rPr lang="en-US" sz="2000" dirty="0">
-                <a:latin typeface="American Typewriter" panose="02090604020004020304" pitchFamily="18" charset="77"/>
+                <a:latin typeface="Consolas" panose="020B0609020204030204" pitchFamily="49" charset="0"/>
+                <a:cs typeface="Consolas" panose="020B0609020204030204" pitchFamily="49" charset="0"/>
               </a:rPr>
               <a:t>	</a:t>
             </a:r>
             <a:r>
               <a:rPr lang="en-US" sz="2000" dirty="0" err="1">
-                <a:latin typeface="American Typewriter" panose="02090604020004020304" pitchFamily="18" charset="77"/>
+                <a:latin typeface="Consolas" panose="020B0609020204030204" pitchFamily="49" charset="0"/>
+                <a:cs typeface="Consolas" panose="020B0609020204030204" pitchFamily="49" charset="0"/>
               </a:rPr>
               <a:t>asia</a:t>
             </a:r>
             <a:endParaRPr lang="en-US" sz="2000" dirty="0">
-              <a:latin typeface="American Typewriter" panose="02090604020004020304" pitchFamily="18" charset="77"/>
+              <a:latin typeface="Consolas" panose="020B0609020204030204" pitchFamily="49" charset="0"/>
+              <a:cs typeface="Consolas" panose="020B0609020204030204" pitchFamily="49" charset="0"/>
             </a:endParaRPr>
           </a:p>
           <a:p>
@@ -5542,30 +5654,35 @@
             </a:pPr>
             <a:r>
               <a:rPr lang="en-US" sz="2000" dirty="0">
-                <a:latin typeface="American Typewriter" panose="02090604020004020304" pitchFamily="18" charset="77"/>
+                <a:latin typeface="Consolas" panose="020B0609020204030204" pitchFamily="49" charset="0"/>
+                <a:cs typeface="Consolas" panose="020B0609020204030204" pitchFamily="49" charset="0"/>
               </a:rPr>
               <a:t>1957	9240934	30.332	820.8530296	</a:t>
             </a:r>
             <a:r>
               <a:rPr lang="en-US" sz="2000" dirty="0" err="1">
-                <a:latin typeface="American Typewriter" panose="02090604020004020304" pitchFamily="18" charset="77"/>
+                <a:latin typeface="Consolas" panose="020B0609020204030204" pitchFamily="49" charset="0"/>
+                <a:cs typeface="Consolas" panose="020B0609020204030204" pitchFamily="49" charset="0"/>
               </a:rPr>
               <a:t>afghanistan</a:t>
             </a:r>
             <a:r>
               <a:rPr lang="en-US" sz="2000" dirty="0">
-                <a:latin typeface="American Typewriter" panose="02090604020004020304" pitchFamily="18" charset="77"/>
+                <a:latin typeface="Consolas" panose="020B0609020204030204" pitchFamily="49" charset="0"/>
+                <a:cs typeface="Consolas" panose="020B0609020204030204" pitchFamily="49" charset="0"/>
               </a:rPr>
               <a:t>	</a:t>
             </a:r>
             <a:r>
               <a:rPr lang="en-US" sz="2000" dirty="0" err="1">
-                <a:latin typeface="American Typewriter" panose="02090604020004020304" pitchFamily="18" charset="77"/>
+                <a:latin typeface="Consolas" panose="020B0609020204030204" pitchFamily="49" charset="0"/>
+                <a:cs typeface="Consolas" panose="020B0609020204030204" pitchFamily="49" charset="0"/>
               </a:rPr>
               <a:t>asia</a:t>
             </a:r>
             <a:endParaRPr lang="en-US" sz="2000" dirty="0">
-              <a:latin typeface="American Typewriter" panose="02090604020004020304" pitchFamily="18" charset="77"/>
+              <a:latin typeface="Consolas" panose="020B0609020204030204" pitchFamily="49" charset="0"/>
+              <a:cs typeface="Consolas" panose="020B0609020204030204" pitchFamily="49" charset="0"/>
             </a:endParaRPr>
           </a:p>
           <a:p>
@@ -5574,7 +5691,8 @@
             </a:pPr>
             <a:r>
               <a:rPr lang="en-US" sz="2000" dirty="0">
-                <a:latin typeface="American Typewriter" panose="02090604020004020304" pitchFamily="18" charset="77"/>
+                <a:latin typeface="Consolas" panose="020B0609020204030204" pitchFamily="49" charset="0"/>
+                <a:cs typeface="Consolas" panose="020B0609020204030204" pitchFamily="49" charset="0"/>
               </a:rPr>
               <a:t>…</a:t>
             </a:r>
@@ -5727,7 +5845,8 @@
             </a:pPr>
             <a:r>
               <a:rPr lang="en-US" dirty="0">
-                <a:latin typeface="American Typewriter" panose="02090604020004020304" pitchFamily="18" charset="77"/>
+                <a:latin typeface="Consolas" panose="020B0609020204030204" pitchFamily="49" charset="0"/>
+                <a:cs typeface="Consolas" panose="020B0609020204030204" pitchFamily="49" charset="0"/>
               </a:rPr>
               <a:t>.PHONY: clean all</a:t>
             </a:r>
@@ -5738,18 +5857,21 @@
             </a:pPr>
             <a:r>
               <a:rPr lang="en-US" dirty="0">
-                <a:latin typeface="American Typewriter" panose="02090604020004020304" pitchFamily="18" charset="77"/>
+                <a:latin typeface="Consolas" panose="020B0609020204030204" pitchFamily="49" charset="0"/>
+                <a:cs typeface="Consolas" panose="020B0609020204030204" pitchFamily="49" charset="0"/>
               </a:rPr>
               <a:t>all: proc/</a:t>
             </a:r>
             <a:r>
               <a:rPr lang="en-US" dirty="0" err="1">
-                <a:latin typeface="American Typewriter" panose="02090604020004020304" pitchFamily="18" charset="77"/>
+                <a:latin typeface="Consolas" panose="020B0609020204030204" pitchFamily="49" charset="0"/>
+                <a:cs typeface="Consolas" panose="020B0609020204030204" pitchFamily="49" charset="0"/>
               </a:rPr>
               <a:t>mosaic.jpg</a:t>
             </a:r>
             <a:endParaRPr lang="en-US" dirty="0">
-              <a:latin typeface="American Typewriter" panose="02090604020004020304" pitchFamily="18" charset="77"/>
+              <a:latin typeface="Consolas" panose="020B0609020204030204" pitchFamily="49" charset="0"/>
+              <a:cs typeface="Consolas" panose="020B0609020204030204" pitchFamily="49" charset="0"/>
             </a:endParaRPr>
           </a:p>
           <a:p>
@@ -5757,7 +5879,8 @@
               <a:buNone/>
             </a:pPr>
             <a:endParaRPr lang="en-US" dirty="0">
-              <a:latin typeface="American Typewriter" panose="02090604020004020304" pitchFamily="18" charset="77"/>
+              <a:latin typeface="Consolas" panose="020B0609020204030204" pitchFamily="49" charset="0"/>
+              <a:cs typeface="Consolas" panose="020B0609020204030204" pitchFamily="49" charset="0"/>
             </a:endParaRPr>
           </a:p>
           <a:p>
@@ -5766,7 +5889,8 @@
             </a:pPr>
             <a:r>
               <a:rPr lang="en-US" dirty="0">
-                <a:latin typeface="American Typewriter" panose="02090604020004020304" pitchFamily="18" charset="77"/>
+                <a:latin typeface="Consolas" panose="020B0609020204030204" pitchFamily="49" charset="0"/>
+                <a:cs typeface="Consolas" panose="020B0609020204030204" pitchFamily="49" charset="0"/>
               </a:rPr>
               <a:t>clean:</a:t>
             </a:r>
@@ -5777,7 +5901,8 @@
             </a:pPr>
             <a:r>
               <a:rPr lang="en-US" dirty="0">
-                <a:latin typeface="American Typewriter" panose="02090604020004020304" pitchFamily="18" charset="77"/>
+                <a:latin typeface="Consolas" panose="020B0609020204030204" pitchFamily="49" charset="0"/>
+                <a:cs typeface="Consolas" panose="020B0609020204030204" pitchFamily="49" charset="0"/>
               </a:rPr>
               <a:t>        -rm -rf raw proc</a:t>
             </a:r>
@@ -5787,7 +5912,8 @@
               <a:buNone/>
             </a:pPr>
             <a:endParaRPr lang="en-US" dirty="0">
-              <a:latin typeface="American Typewriter" panose="02090604020004020304" pitchFamily="18" charset="77"/>
+              <a:latin typeface="Consolas" panose="020B0609020204030204" pitchFamily="49" charset="0"/>
+              <a:cs typeface="Consolas" panose="020B0609020204030204" pitchFamily="49" charset="0"/>
             </a:endParaRPr>
           </a:p>
           <a:p>
@@ -5796,7 +5922,8 @@
             </a:pPr>
             <a:r>
               <a:rPr lang="en-US" dirty="0">
-                <a:latin typeface="American Typewriter" panose="02090604020004020304" pitchFamily="18" charset="77"/>
+                <a:latin typeface="Consolas" panose="020B0609020204030204" pitchFamily="49" charset="0"/>
+                <a:cs typeface="Consolas" panose="020B0609020204030204" pitchFamily="49" charset="0"/>
               </a:rPr>
               <a:t>raw:</a:t>
             </a:r>
@@ -5807,19 +5934,22 @@
             </a:pPr>
             <a:r>
               <a:rPr lang="en-US" dirty="0">
-                <a:latin typeface="American Typewriter" panose="02090604020004020304" pitchFamily="18" charset="77"/>
+                <a:latin typeface="Consolas" panose="020B0609020204030204" pitchFamily="49" charset="0"/>
+                <a:cs typeface="Consolas" panose="020B0609020204030204" pitchFamily="49" charset="0"/>
               </a:rPr>
               <a:t>        </a:t>
             </a:r>
             <a:r>
               <a:rPr lang="en-US" dirty="0" err="1">
-                <a:latin typeface="American Typewriter" panose="02090604020004020304" pitchFamily="18" charset="77"/>
+                <a:latin typeface="Consolas" panose="020B0609020204030204" pitchFamily="49" charset="0"/>
+                <a:cs typeface="Consolas" panose="020B0609020204030204" pitchFamily="49" charset="0"/>
               </a:rPr>
               <a:t>mkdir</a:t>
             </a:r>
             <a:r>
               <a:rPr lang="en-US" dirty="0">
-                <a:latin typeface="American Typewriter" panose="02090604020004020304" pitchFamily="18" charset="77"/>
+                <a:latin typeface="Consolas" panose="020B0609020204030204" pitchFamily="49" charset="0"/>
+                <a:cs typeface="Consolas" panose="020B0609020204030204" pitchFamily="49" charset="0"/>
               </a:rPr>
               <a:t> raw</a:t>
             </a:r>
@@ -5829,7 +5959,8 @@
               <a:buNone/>
             </a:pPr>
             <a:endParaRPr lang="en-US" dirty="0">
-              <a:latin typeface="American Typewriter" panose="02090604020004020304" pitchFamily="18" charset="77"/>
+              <a:latin typeface="Consolas" panose="020B0609020204030204" pitchFamily="49" charset="0"/>
+              <a:cs typeface="Consolas" panose="020B0609020204030204" pitchFamily="49" charset="0"/>
             </a:endParaRPr>
           </a:p>
           <a:p>
@@ -5838,7 +5969,8 @@
             </a:pPr>
             <a:r>
               <a:rPr lang="en-US" dirty="0">
-                <a:latin typeface="American Typewriter" panose="02090604020004020304" pitchFamily="18" charset="77"/>
+                <a:latin typeface="Consolas" panose="020B0609020204030204" pitchFamily="49" charset="0"/>
+                <a:cs typeface="Consolas" panose="020B0609020204030204" pitchFamily="49" charset="0"/>
               </a:rPr>
               <a:t>proc:</a:t>
             </a:r>
@@ -5849,19 +5981,22 @@
             </a:pPr>
             <a:r>
               <a:rPr lang="en-US" dirty="0">
-                <a:latin typeface="American Typewriter" panose="02090604020004020304" pitchFamily="18" charset="77"/>
+                <a:latin typeface="Consolas" panose="020B0609020204030204" pitchFamily="49" charset="0"/>
+                <a:cs typeface="Consolas" panose="020B0609020204030204" pitchFamily="49" charset="0"/>
               </a:rPr>
               <a:t>        </a:t>
             </a:r>
             <a:r>
               <a:rPr lang="en-US" dirty="0" err="1">
-                <a:latin typeface="American Typewriter" panose="02090604020004020304" pitchFamily="18" charset="77"/>
+                <a:latin typeface="Consolas" panose="020B0609020204030204" pitchFamily="49" charset="0"/>
+                <a:cs typeface="Consolas" panose="020B0609020204030204" pitchFamily="49" charset="0"/>
               </a:rPr>
               <a:t>mkdir</a:t>
             </a:r>
             <a:r>
               <a:rPr lang="en-US" dirty="0">
-                <a:latin typeface="American Typewriter" panose="02090604020004020304" pitchFamily="18" charset="77"/>
+                <a:latin typeface="Consolas" panose="020B0609020204030204" pitchFamily="49" charset="0"/>
+                <a:cs typeface="Consolas" panose="020B0609020204030204" pitchFamily="49" charset="0"/>
               </a:rPr>
               <a:t> proc</a:t>
             </a:r>
@@ -5871,7 +6006,8 @@
               <a:buNone/>
             </a:pPr>
             <a:endParaRPr lang="en-US" dirty="0">
-              <a:latin typeface="American Typewriter" panose="02090604020004020304" pitchFamily="18" charset="77"/>
+              <a:latin typeface="Consolas" panose="020B0609020204030204" pitchFamily="49" charset="0"/>
+              <a:cs typeface="Consolas" panose="020B0609020204030204" pitchFamily="49" charset="0"/>
             </a:endParaRPr>
           </a:p>
           <a:p>
@@ -5880,7 +6016,8 @@
             </a:pPr>
             <a:r>
               <a:rPr lang="en-US" dirty="0">
-                <a:latin typeface="American Typewriter" panose="02090604020004020304" pitchFamily="18" charset="77"/>
+                <a:latin typeface="Consolas" panose="020B0609020204030204" pitchFamily="49" charset="0"/>
+                <a:cs typeface="Consolas" panose="020B0609020204030204" pitchFamily="49" charset="0"/>
               </a:rPr>
               <a:t>raw/0001.jpg: | raw</a:t>
             </a:r>
@@ -5891,55 +6028,64 @@
             </a:pPr>
             <a:r>
               <a:rPr lang="en-US" dirty="0">
-                <a:latin typeface="American Typewriter" panose="02090604020004020304" pitchFamily="18" charset="77"/>
+                <a:latin typeface="Consolas" panose="020B0609020204030204" pitchFamily="49" charset="0"/>
+                <a:cs typeface="Consolas" panose="020B0609020204030204" pitchFamily="49" charset="0"/>
               </a:rPr>
               <a:t>        </a:t>
             </a:r>
             <a:r>
               <a:rPr lang="en-US" dirty="0" err="1">
-                <a:latin typeface="American Typewriter" panose="02090604020004020304" pitchFamily="18" charset="77"/>
+                <a:latin typeface="Consolas" panose="020B0609020204030204" pitchFamily="49" charset="0"/>
+                <a:cs typeface="Consolas" panose="020B0609020204030204" pitchFamily="49" charset="0"/>
               </a:rPr>
               <a:t>wget</a:t>
             </a:r>
             <a:r>
               <a:rPr lang="en-US" dirty="0">
-                <a:latin typeface="American Typewriter" panose="02090604020004020304" pitchFamily="18" charset="77"/>
+                <a:latin typeface="Consolas" panose="020B0609020204030204" pitchFamily="49" charset="0"/>
+                <a:cs typeface="Consolas" panose="020B0609020204030204" pitchFamily="49" charset="0"/>
               </a:rPr>
               <a:t> https://</a:t>
             </a:r>
             <a:r>
               <a:rPr lang="en-US" dirty="0" err="1">
-                <a:latin typeface="American Typewriter" panose="02090604020004020304" pitchFamily="18" charset="77"/>
+                <a:latin typeface="Consolas" panose="020B0609020204030204" pitchFamily="49" charset="0"/>
+                <a:cs typeface="Consolas" panose="020B0609020204030204" pitchFamily="49" charset="0"/>
               </a:rPr>
               <a:t>raw.githubusercontent.com</a:t>
             </a:r>
             <a:r>
               <a:rPr lang="en-US" dirty="0">
-                <a:latin typeface="American Typewriter" panose="02090604020004020304" pitchFamily="18" charset="77"/>
+                <a:latin typeface="Consolas" panose="020B0609020204030204" pitchFamily="49" charset="0"/>
+                <a:cs typeface="Consolas" panose="020B0609020204030204" pitchFamily="49" charset="0"/>
               </a:rPr>
               <a:t>/</a:t>
             </a:r>
             <a:r>
               <a:rPr lang="en-US" dirty="0" err="1">
-                <a:latin typeface="American Typewriter" panose="02090604020004020304" pitchFamily="18" charset="77"/>
+                <a:latin typeface="Consolas" panose="020B0609020204030204" pitchFamily="49" charset="0"/>
+                <a:cs typeface="Consolas" panose="020B0609020204030204" pitchFamily="49" charset="0"/>
               </a:rPr>
               <a:t>danielskatz</a:t>
             </a:r>
             <a:r>
               <a:rPr lang="en-US" dirty="0">
-                <a:latin typeface="American Typewriter" panose="02090604020004020304" pitchFamily="18" charset="77"/>
+                <a:latin typeface="Consolas" panose="020B0609020204030204" pitchFamily="49" charset="0"/>
+                <a:cs typeface="Consolas" panose="020B0609020204030204" pitchFamily="49" charset="0"/>
               </a:rPr>
               <a:t>/</a:t>
             </a:r>
             <a:r>
               <a:rPr lang="en-US" dirty="0" err="1">
-                <a:latin typeface="American Typewriter" panose="02090604020004020304" pitchFamily="18" charset="77"/>
+                <a:latin typeface="Consolas" panose="020B0609020204030204" pitchFamily="49" charset="0"/>
+                <a:cs typeface="Consolas" panose="020B0609020204030204" pitchFamily="49" charset="0"/>
               </a:rPr>
               <a:t>parsl</a:t>
             </a:r>
             <a:r>
               <a:rPr lang="en-US" dirty="0">
-                <a:latin typeface="American Typewriter" panose="02090604020004020304" pitchFamily="18" charset="77"/>
+                <a:latin typeface="Consolas" panose="020B0609020204030204" pitchFamily="49" charset="0"/>
+                <a:cs typeface="Consolas" panose="020B0609020204030204" pitchFamily="49" charset="0"/>
               </a:rPr>
               <a:t>-example/master/data/0001.jpg -O raw/0001.jpg</a:t>
             </a:r>
@@ -5949,7 +6095,8 @@
               <a:buNone/>
             </a:pPr>
             <a:endParaRPr lang="en-US" dirty="0">
-              <a:latin typeface="American Typewriter" panose="02090604020004020304" pitchFamily="18" charset="77"/>
+              <a:latin typeface="Consolas" panose="020B0609020204030204" pitchFamily="49" charset="0"/>
+              <a:cs typeface="Consolas" panose="020B0609020204030204" pitchFamily="49" charset="0"/>
             </a:endParaRPr>
           </a:p>
           <a:p>
@@ -5958,7 +6105,8 @@
             </a:pPr>
             <a:r>
               <a:rPr lang="en-US" dirty="0">
-                <a:latin typeface="American Typewriter" panose="02090604020004020304" pitchFamily="18" charset="77"/>
+                <a:latin typeface="Consolas" panose="020B0609020204030204" pitchFamily="49" charset="0"/>
+                <a:cs typeface="Consolas" panose="020B0609020204030204" pitchFamily="49" charset="0"/>
               </a:rPr>
               <a:t>[…]</a:t>
             </a:r>
@@ -5968,7 +6116,8 @@
               <a:buNone/>
             </a:pPr>
             <a:endParaRPr lang="en-US" dirty="0">
-              <a:latin typeface="American Typewriter" panose="02090604020004020304" pitchFamily="18" charset="77"/>
+              <a:latin typeface="Consolas" panose="020B0609020204030204" pitchFamily="49" charset="0"/>
+              <a:cs typeface="Consolas" panose="020B0609020204030204" pitchFamily="49" charset="0"/>
             </a:endParaRPr>
           </a:p>
           <a:p>
@@ -5977,7 +6126,8 @@
             </a:pPr>
             <a:r>
               <a:rPr lang="en-US" dirty="0">
-                <a:latin typeface="American Typewriter" panose="02090604020004020304" pitchFamily="18" charset="77"/>
+                <a:latin typeface="Consolas" panose="020B0609020204030204" pitchFamily="49" charset="0"/>
+                <a:cs typeface="Consolas" panose="020B0609020204030204" pitchFamily="49" charset="0"/>
               </a:rPr>
               <a:t>raw/0004.jpg: | raw</a:t>
             </a:r>
@@ -5988,55 +6138,64 @@
             </a:pPr>
             <a:r>
               <a:rPr lang="en-US" dirty="0">
-                <a:latin typeface="American Typewriter" panose="02090604020004020304" pitchFamily="18" charset="77"/>
+                <a:latin typeface="Consolas" panose="020B0609020204030204" pitchFamily="49" charset="0"/>
+                <a:cs typeface="Consolas" panose="020B0609020204030204" pitchFamily="49" charset="0"/>
               </a:rPr>
               <a:t>        </a:t>
             </a:r>
             <a:r>
               <a:rPr lang="en-US" dirty="0" err="1">
-                <a:latin typeface="American Typewriter" panose="02090604020004020304" pitchFamily="18" charset="77"/>
+                <a:latin typeface="Consolas" panose="020B0609020204030204" pitchFamily="49" charset="0"/>
+                <a:cs typeface="Consolas" panose="020B0609020204030204" pitchFamily="49" charset="0"/>
               </a:rPr>
               <a:t>wget</a:t>
             </a:r>
             <a:r>
               <a:rPr lang="en-US" dirty="0">
-                <a:latin typeface="American Typewriter" panose="02090604020004020304" pitchFamily="18" charset="77"/>
+                <a:latin typeface="Consolas" panose="020B0609020204030204" pitchFamily="49" charset="0"/>
+                <a:cs typeface="Consolas" panose="020B0609020204030204" pitchFamily="49" charset="0"/>
               </a:rPr>
               <a:t> https://</a:t>
             </a:r>
             <a:r>
               <a:rPr lang="en-US" dirty="0" err="1">
-                <a:latin typeface="American Typewriter" panose="02090604020004020304" pitchFamily="18" charset="77"/>
+                <a:latin typeface="Consolas" panose="020B0609020204030204" pitchFamily="49" charset="0"/>
+                <a:cs typeface="Consolas" panose="020B0609020204030204" pitchFamily="49" charset="0"/>
               </a:rPr>
               <a:t>raw.githubusercontent.com</a:t>
             </a:r>
             <a:r>
               <a:rPr lang="en-US" dirty="0">
-                <a:latin typeface="American Typewriter" panose="02090604020004020304" pitchFamily="18" charset="77"/>
+                <a:latin typeface="Consolas" panose="020B0609020204030204" pitchFamily="49" charset="0"/>
+                <a:cs typeface="Consolas" panose="020B0609020204030204" pitchFamily="49" charset="0"/>
               </a:rPr>
               <a:t>/</a:t>
             </a:r>
             <a:r>
               <a:rPr lang="en-US" dirty="0" err="1">
-                <a:latin typeface="American Typewriter" panose="02090604020004020304" pitchFamily="18" charset="77"/>
+                <a:latin typeface="Consolas" panose="020B0609020204030204" pitchFamily="49" charset="0"/>
+                <a:cs typeface="Consolas" panose="020B0609020204030204" pitchFamily="49" charset="0"/>
               </a:rPr>
               <a:t>danielskatz</a:t>
             </a:r>
             <a:r>
               <a:rPr lang="en-US" dirty="0">
-                <a:latin typeface="American Typewriter" panose="02090604020004020304" pitchFamily="18" charset="77"/>
+                <a:latin typeface="Consolas" panose="020B0609020204030204" pitchFamily="49" charset="0"/>
+                <a:cs typeface="Consolas" panose="020B0609020204030204" pitchFamily="49" charset="0"/>
               </a:rPr>
               <a:t>/</a:t>
             </a:r>
             <a:r>
               <a:rPr lang="en-US" dirty="0" err="1">
-                <a:latin typeface="American Typewriter" panose="02090604020004020304" pitchFamily="18" charset="77"/>
+                <a:latin typeface="Consolas" panose="020B0609020204030204" pitchFamily="49" charset="0"/>
+                <a:cs typeface="Consolas" panose="020B0609020204030204" pitchFamily="49" charset="0"/>
               </a:rPr>
               <a:t>parsl</a:t>
             </a:r>
             <a:r>
               <a:rPr lang="en-US" dirty="0">
-                <a:latin typeface="American Typewriter" panose="02090604020004020304" pitchFamily="18" charset="77"/>
+                <a:latin typeface="Consolas" panose="020B0609020204030204" pitchFamily="49" charset="0"/>
+                <a:cs typeface="Consolas" panose="020B0609020204030204" pitchFamily="49" charset="0"/>
               </a:rPr>
               <a:t>-example/master/data/0004.jpg -O raw/0004.jpg</a:t>
             </a:r>
@@ -6046,7 +6205,8 @@
               <a:buNone/>
             </a:pPr>
             <a:endParaRPr lang="en-US" dirty="0">
-              <a:latin typeface="American Typewriter" panose="02090604020004020304" pitchFamily="18" charset="77"/>
+              <a:latin typeface="Consolas" panose="020B0609020204030204" pitchFamily="49" charset="0"/>
+              <a:cs typeface="Consolas" panose="020B0609020204030204" pitchFamily="49" charset="0"/>
             </a:endParaRPr>
           </a:p>
           <a:p>
@@ -6055,19 +6215,22 @@
             </a:pPr>
             <a:r>
               <a:rPr lang="en-US" dirty="0">
-                <a:latin typeface="American Typewriter" panose="02090604020004020304" pitchFamily="18" charset="77"/>
+                <a:latin typeface="Consolas" panose="020B0609020204030204" pitchFamily="49" charset="0"/>
+                <a:cs typeface="Consolas" panose="020B0609020204030204" pitchFamily="49" charset="0"/>
               </a:rPr>
               <a:t>proc/0001_sharp.jpg: raw/0001.jpg bin/</a:t>
             </a:r>
             <a:r>
               <a:rPr lang="en-US" dirty="0" err="1">
-                <a:latin typeface="American Typewriter" panose="02090604020004020304" pitchFamily="18" charset="77"/>
+                <a:latin typeface="Consolas" panose="020B0609020204030204" pitchFamily="49" charset="0"/>
+                <a:cs typeface="Consolas" panose="020B0609020204030204" pitchFamily="49" charset="0"/>
               </a:rPr>
               <a:t>sharpen_image.py</a:t>
             </a:r>
             <a:r>
               <a:rPr lang="en-US" dirty="0">
-                <a:latin typeface="American Typewriter" panose="02090604020004020304" pitchFamily="18" charset="77"/>
+                <a:latin typeface="Consolas" panose="020B0609020204030204" pitchFamily="49" charset="0"/>
+                <a:cs typeface="Consolas" panose="020B0609020204030204" pitchFamily="49" charset="0"/>
               </a:rPr>
               <a:t> | proc</a:t>
             </a:r>
@@ -6078,19 +6241,22 @@
             </a:pPr>
             <a:r>
               <a:rPr lang="en-US" dirty="0">
-                <a:latin typeface="American Typewriter" panose="02090604020004020304" pitchFamily="18" charset="77"/>
+                <a:latin typeface="Consolas" panose="020B0609020204030204" pitchFamily="49" charset="0"/>
+                <a:cs typeface="Consolas" panose="020B0609020204030204" pitchFamily="49" charset="0"/>
               </a:rPr>
               <a:t>        python3 bin/</a:t>
             </a:r>
             <a:r>
               <a:rPr lang="en-US" dirty="0" err="1">
-                <a:latin typeface="American Typewriter" panose="02090604020004020304" pitchFamily="18" charset="77"/>
+                <a:latin typeface="Consolas" panose="020B0609020204030204" pitchFamily="49" charset="0"/>
+                <a:cs typeface="Consolas" panose="020B0609020204030204" pitchFamily="49" charset="0"/>
               </a:rPr>
               <a:t>sharpen_image.py</a:t>
             </a:r>
             <a:r>
               <a:rPr lang="en-US" dirty="0">
-                <a:latin typeface="American Typewriter" panose="02090604020004020304" pitchFamily="18" charset="77"/>
+                <a:latin typeface="Consolas" panose="020B0609020204030204" pitchFamily="49" charset="0"/>
+                <a:cs typeface="Consolas" panose="020B0609020204030204" pitchFamily="49" charset="0"/>
               </a:rPr>
               <a:t> raw/0001.jpg proc/0001_sharp.jpg</a:t>
             </a:r>
@@ -6100,7 +6266,8 @@
               <a:buNone/>
             </a:pPr>
             <a:endParaRPr lang="en-US" dirty="0">
-              <a:latin typeface="American Typewriter" panose="02090604020004020304" pitchFamily="18" charset="77"/>
+              <a:latin typeface="Consolas" panose="020B0609020204030204" pitchFamily="49" charset="0"/>
+              <a:cs typeface="Consolas" panose="020B0609020204030204" pitchFamily="49" charset="0"/>
             </a:endParaRPr>
           </a:p>
           <a:p>
@@ -6109,7 +6276,8 @@
             </a:pPr>
             <a:r>
               <a:rPr lang="en-US" dirty="0">
-                <a:latin typeface="American Typewriter" panose="02090604020004020304" pitchFamily="18" charset="77"/>
+                <a:latin typeface="Consolas" panose="020B0609020204030204" pitchFamily="49" charset="0"/>
+                <a:cs typeface="Consolas" panose="020B0609020204030204" pitchFamily="49" charset="0"/>
               </a:rPr>
               <a:t>[…]</a:t>
             </a:r>
@@ -6119,7 +6287,8 @@
               <a:buNone/>
             </a:pPr>
             <a:endParaRPr lang="en-US" dirty="0">
-              <a:latin typeface="American Typewriter" panose="02090604020004020304" pitchFamily="18" charset="77"/>
+              <a:latin typeface="Consolas" panose="020B0609020204030204" pitchFamily="49" charset="0"/>
+              <a:cs typeface="Consolas" panose="020B0609020204030204" pitchFamily="49" charset="0"/>
             </a:endParaRPr>
           </a:p>
           <a:p>
@@ -6128,19 +6297,22 @@
             </a:pPr>
             <a:r>
               <a:rPr lang="en-US" dirty="0">
-                <a:latin typeface="American Typewriter" panose="02090604020004020304" pitchFamily="18" charset="77"/>
+                <a:latin typeface="Consolas" panose="020B0609020204030204" pitchFamily="49" charset="0"/>
+                <a:cs typeface="Consolas" panose="020B0609020204030204" pitchFamily="49" charset="0"/>
               </a:rPr>
               <a:t>proc/0004_sharp.jpg: raw/0004.jpg bin/</a:t>
             </a:r>
             <a:r>
               <a:rPr lang="en-US" dirty="0" err="1">
-                <a:latin typeface="American Typewriter" panose="02090604020004020304" pitchFamily="18" charset="77"/>
+                <a:latin typeface="Consolas" panose="020B0609020204030204" pitchFamily="49" charset="0"/>
+                <a:cs typeface="Consolas" panose="020B0609020204030204" pitchFamily="49" charset="0"/>
               </a:rPr>
               <a:t>sharpen_image.py</a:t>
             </a:r>
             <a:r>
               <a:rPr lang="en-US" dirty="0">
-                <a:latin typeface="American Typewriter" panose="02090604020004020304" pitchFamily="18" charset="77"/>
+                <a:latin typeface="Consolas" panose="020B0609020204030204" pitchFamily="49" charset="0"/>
+                <a:cs typeface="Consolas" panose="020B0609020204030204" pitchFamily="49" charset="0"/>
               </a:rPr>
               <a:t> | proc</a:t>
             </a:r>
@@ -6151,19 +6323,22 @@
             </a:pPr>
             <a:r>
               <a:rPr lang="en-US" dirty="0">
-                <a:latin typeface="American Typewriter" panose="02090604020004020304" pitchFamily="18" charset="77"/>
+                <a:latin typeface="Consolas" panose="020B0609020204030204" pitchFamily="49" charset="0"/>
+                <a:cs typeface="Consolas" panose="020B0609020204030204" pitchFamily="49" charset="0"/>
               </a:rPr>
               <a:t>        python3 bin/</a:t>
             </a:r>
             <a:r>
               <a:rPr lang="en-US" dirty="0" err="1">
-                <a:latin typeface="American Typewriter" panose="02090604020004020304" pitchFamily="18" charset="77"/>
+                <a:latin typeface="Consolas" panose="020B0609020204030204" pitchFamily="49" charset="0"/>
+                <a:cs typeface="Consolas" panose="020B0609020204030204" pitchFamily="49" charset="0"/>
               </a:rPr>
               <a:t>sharpen_image.py</a:t>
             </a:r>
             <a:r>
               <a:rPr lang="en-US" dirty="0">
-                <a:latin typeface="American Typewriter" panose="02090604020004020304" pitchFamily="18" charset="77"/>
+                <a:latin typeface="Consolas" panose="020B0609020204030204" pitchFamily="49" charset="0"/>
+                <a:cs typeface="Consolas" panose="020B0609020204030204" pitchFamily="49" charset="0"/>
               </a:rPr>
               <a:t> raw/0004.jpg proc/0004_sharp.jpg</a:t>
             </a:r>
@@ -6173,7 +6348,8 @@
               <a:buNone/>
             </a:pPr>
             <a:endParaRPr lang="en-US" dirty="0">
-              <a:latin typeface="American Typewriter" panose="02090604020004020304" pitchFamily="18" charset="77"/>
+              <a:latin typeface="Consolas" panose="020B0609020204030204" pitchFamily="49" charset="0"/>
+              <a:cs typeface="Consolas" panose="020B0609020204030204" pitchFamily="49" charset="0"/>
             </a:endParaRPr>
           </a:p>
           <a:p>
@@ -6182,31 +6358,36 @@
             </a:pPr>
             <a:r>
               <a:rPr lang="en-US" dirty="0">
-                <a:latin typeface="American Typewriter" panose="02090604020004020304" pitchFamily="18" charset="77"/>
+                <a:latin typeface="Consolas" panose="020B0609020204030204" pitchFamily="49" charset="0"/>
+                <a:cs typeface="Consolas" panose="020B0609020204030204" pitchFamily="49" charset="0"/>
               </a:rPr>
               <a:t>proc/</a:t>
             </a:r>
             <a:r>
               <a:rPr lang="en-US" dirty="0" err="1">
-                <a:latin typeface="American Typewriter" panose="02090604020004020304" pitchFamily="18" charset="77"/>
+                <a:latin typeface="Consolas" panose="020B0609020204030204" pitchFamily="49" charset="0"/>
+                <a:cs typeface="Consolas" panose="020B0609020204030204" pitchFamily="49" charset="0"/>
               </a:rPr>
               <a:t>mosaic.jpg</a:t>
             </a:r>
             <a:r>
               <a:rPr lang="en-US" dirty="0">
-                <a:latin typeface="American Typewriter" panose="02090604020004020304" pitchFamily="18" charset="77"/>
+                <a:latin typeface="Consolas" panose="020B0609020204030204" pitchFamily="49" charset="0"/>
+                <a:cs typeface="Consolas" panose="020B0609020204030204" pitchFamily="49" charset="0"/>
               </a:rPr>
               <a:t>: bin/</a:t>
             </a:r>
             <a:r>
               <a:rPr lang="en-US" dirty="0" err="1">
-                <a:latin typeface="American Typewriter" panose="02090604020004020304" pitchFamily="18" charset="77"/>
+                <a:latin typeface="Consolas" panose="020B0609020204030204" pitchFamily="49" charset="0"/>
+                <a:cs typeface="Consolas" panose="020B0609020204030204" pitchFamily="49" charset="0"/>
               </a:rPr>
               <a:t>local_build_mosaic.py</a:t>
             </a:r>
             <a:r>
               <a:rPr lang="en-US" dirty="0">
-                <a:latin typeface="American Typewriter" panose="02090604020004020304" pitchFamily="18" charset="77"/>
+                <a:latin typeface="Consolas" panose="020B0609020204030204" pitchFamily="49" charset="0"/>
+                <a:cs typeface="Consolas" panose="020B0609020204030204" pitchFamily="49" charset="0"/>
               </a:rPr>
               <a:t> proc/0001_sharp.jpg proc/0002_sharp.jpg proc/0003_sharp.jpg proc/0004_sharp.jpg</a:t>
             </a:r>
@@ -6217,31 +6398,36 @@
             </a:pPr>
             <a:r>
               <a:rPr lang="en-US" dirty="0">
-                <a:latin typeface="American Typewriter" panose="02090604020004020304" pitchFamily="18" charset="77"/>
+                <a:latin typeface="Consolas" panose="020B0609020204030204" pitchFamily="49" charset="0"/>
+                <a:cs typeface="Consolas" panose="020B0609020204030204" pitchFamily="49" charset="0"/>
               </a:rPr>
               <a:t>        python3 bin/</a:t>
             </a:r>
             <a:r>
               <a:rPr lang="en-US" dirty="0" err="1">
-                <a:latin typeface="American Typewriter" panose="02090604020004020304" pitchFamily="18" charset="77"/>
+                <a:latin typeface="Consolas" panose="020B0609020204030204" pitchFamily="49" charset="0"/>
+                <a:cs typeface="Consolas" panose="020B0609020204030204" pitchFamily="49" charset="0"/>
               </a:rPr>
               <a:t>local_build_mosaic.py</a:t>
             </a:r>
             <a:r>
               <a:rPr lang="en-US" dirty="0">
-                <a:latin typeface="American Typewriter" panose="02090604020004020304" pitchFamily="18" charset="77"/>
+                <a:latin typeface="Consolas" panose="020B0609020204030204" pitchFamily="49" charset="0"/>
+                <a:cs typeface="Consolas" panose="020B0609020204030204" pitchFamily="49" charset="0"/>
               </a:rPr>
               <a:t> 2 proc/</a:t>
             </a:r>
             <a:r>
               <a:rPr lang="en-US" dirty="0" err="1">
-                <a:latin typeface="American Typewriter" panose="02090604020004020304" pitchFamily="18" charset="77"/>
+                <a:latin typeface="Consolas" panose="020B0609020204030204" pitchFamily="49" charset="0"/>
+                <a:cs typeface="Consolas" panose="020B0609020204030204" pitchFamily="49" charset="0"/>
               </a:rPr>
               <a:t>mosaic.jpg</a:t>
             </a:r>
             <a:r>
               <a:rPr lang="en-US" dirty="0">
-                <a:latin typeface="American Typewriter" panose="02090604020004020304" pitchFamily="18" charset="77"/>
+                <a:latin typeface="Consolas" panose="020B0609020204030204" pitchFamily="49" charset="0"/>
+                <a:cs typeface="Consolas" panose="020B0609020204030204" pitchFamily="49" charset="0"/>
               </a:rPr>
               <a:t> proc/0001_sharp.jpg proc/0002_sharp.jpg proc/0003_sharp.jpg proc/0004_sharp.jpg</a:t>
             </a:r>
@@ -6251,7 +6437,8 @@
               <a:buNone/>
             </a:pPr>
             <a:endParaRPr lang="en-US" dirty="0">
-              <a:latin typeface="American Typewriter" panose="02090604020004020304" pitchFamily="18" charset="77"/>
+              <a:latin typeface="Consolas" panose="020B0609020204030204" pitchFamily="49" charset="0"/>
+              <a:cs typeface="Consolas" panose="020B0609020204030204" pitchFamily="49" charset="0"/>
             </a:endParaRPr>
           </a:p>
         </p:txBody>
@@ -6490,7 +6677,8 @@
             </a:pPr>
             <a:r>
               <a:rPr lang="en-US" dirty="0">
-                <a:latin typeface="American Typewriter" panose="02090604020004020304" pitchFamily="18" charset="77"/>
+                <a:latin typeface="Consolas" panose="020B0609020204030204" pitchFamily="49" charset="0"/>
+                <a:cs typeface="Consolas" panose="020B0609020204030204" pitchFamily="49" charset="0"/>
               </a:rPr>
               <a:t>LANGUAGE=python3</a:t>
             </a:r>
@@ -6501,7 +6689,8 @@
             </a:pPr>
             <a:r>
               <a:rPr lang="en-US" dirty="0">
-                <a:latin typeface="American Typewriter" panose="02090604020004020304" pitchFamily="18" charset="77"/>
+                <a:latin typeface="Consolas" panose="020B0609020204030204" pitchFamily="49" charset="0"/>
+                <a:cs typeface="Consolas" panose="020B0609020204030204" pitchFamily="49" charset="0"/>
               </a:rPr>
               <a:t>FILE_NOS=0001 0002 0003 0004</a:t>
             </a:r>
@@ -6512,7 +6701,8 @@
             </a:pPr>
             <a:r>
               <a:rPr lang="en-US" dirty="0">
-                <a:latin typeface="American Typewriter" panose="02090604020004020304" pitchFamily="18" charset="77"/>
+                <a:latin typeface="Consolas" panose="020B0609020204030204" pitchFamily="49" charset="0"/>
+                <a:cs typeface="Consolas" panose="020B0609020204030204" pitchFamily="49" charset="0"/>
               </a:rPr>
               <a:t>RAW_FILES=$(FILE_NOS:%=raw/%.jpg)</a:t>
             </a:r>
@@ -6523,19 +6713,22 @@
             </a:pPr>
             <a:r>
               <a:rPr lang="en-US" dirty="0">
-                <a:latin typeface="American Typewriter" panose="02090604020004020304" pitchFamily="18" charset="77"/>
+                <a:latin typeface="Consolas" panose="020B0609020204030204" pitchFamily="49" charset="0"/>
+                <a:cs typeface="Consolas" panose="020B0609020204030204" pitchFamily="49" charset="0"/>
               </a:rPr>
               <a:t>PROC_FILES=$(FILE_NOS:%=proc/%_</a:t>
             </a:r>
             <a:r>
               <a:rPr lang="en-US" dirty="0" err="1">
-                <a:latin typeface="American Typewriter" panose="02090604020004020304" pitchFamily="18" charset="77"/>
+                <a:latin typeface="Consolas" panose="020B0609020204030204" pitchFamily="49" charset="0"/>
+                <a:cs typeface="Consolas" panose="020B0609020204030204" pitchFamily="49" charset="0"/>
               </a:rPr>
               <a:t>sharp.jpg</a:t>
             </a:r>
             <a:r>
               <a:rPr lang="en-US" dirty="0">
-                <a:latin typeface="American Typewriter" panose="02090604020004020304" pitchFamily="18" charset="77"/>
+                <a:latin typeface="Consolas" panose="020B0609020204030204" pitchFamily="49" charset="0"/>
+                <a:cs typeface="Consolas" panose="020B0609020204030204" pitchFamily="49" charset="0"/>
               </a:rPr>
               <a:t>)</a:t>
             </a:r>
@@ -6546,18 +6739,21 @@
             </a:pPr>
             <a:r>
               <a:rPr lang="en-US" dirty="0">
-                <a:latin typeface="American Typewriter" panose="02090604020004020304" pitchFamily="18" charset="77"/>
+                <a:latin typeface="Consolas" panose="020B0609020204030204" pitchFamily="49" charset="0"/>
+                <a:cs typeface="Consolas" panose="020B0609020204030204" pitchFamily="49" charset="0"/>
               </a:rPr>
               <a:t>SHARPEN = bin/</a:t>
             </a:r>
             <a:r>
               <a:rPr lang="en-US" dirty="0" err="1">
-                <a:latin typeface="American Typewriter" panose="02090604020004020304" pitchFamily="18" charset="77"/>
+                <a:latin typeface="Consolas" panose="020B0609020204030204" pitchFamily="49" charset="0"/>
+                <a:cs typeface="Consolas" panose="020B0609020204030204" pitchFamily="49" charset="0"/>
               </a:rPr>
               <a:t>sharpen_image.py</a:t>
             </a:r>
             <a:endParaRPr lang="en-US" dirty="0">
-              <a:latin typeface="American Typewriter" panose="02090604020004020304" pitchFamily="18" charset="77"/>
+              <a:latin typeface="Consolas" panose="020B0609020204030204" pitchFamily="49" charset="0"/>
+              <a:cs typeface="Consolas" panose="020B0609020204030204" pitchFamily="49" charset="0"/>
             </a:endParaRPr>
           </a:p>
           <a:p>
@@ -6566,18 +6762,21 @@
             </a:pPr>
             <a:r>
               <a:rPr lang="en-US" dirty="0">
-                <a:latin typeface="American Typewriter" panose="02090604020004020304" pitchFamily="18" charset="77"/>
+                <a:latin typeface="Consolas" panose="020B0609020204030204" pitchFamily="49" charset="0"/>
+                <a:cs typeface="Consolas" panose="020B0609020204030204" pitchFamily="49" charset="0"/>
               </a:rPr>
               <a:t>MOSAIC = bin/</a:t>
             </a:r>
             <a:r>
               <a:rPr lang="en-US" dirty="0" err="1">
-                <a:latin typeface="American Typewriter" panose="02090604020004020304" pitchFamily="18" charset="77"/>
+                <a:latin typeface="Consolas" panose="020B0609020204030204" pitchFamily="49" charset="0"/>
+                <a:cs typeface="Consolas" panose="020B0609020204030204" pitchFamily="49" charset="0"/>
               </a:rPr>
               <a:t>local_build_mosaic.py</a:t>
             </a:r>
             <a:endParaRPr lang="en-US" dirty="0">
-              <a:latin typeface="American Typewriter" panose="02090604020004020304" pitchFamily="18" charset="77"/>
+              <a:latin typeface="Consolas" panose="020B0609020204030204" pitchFamily="49" charset="0"/>
+              <a:cs typeface="Consolas" panose="020B0609020204030204" pitchFamily="49" charset="0"/>
             </a:endParaRPr>
           </a:p>
           <a:p>
@@ -6586,43 +6785,50 @@
             </a:pPr>
             <a:r>
               <a:rPr lang="en-US" dirty="0">
-                <a:latin typeface="American Typewriter" panose="02090604020004020304" pitchFamily="18" charset="77"/>
+                <a:latin typeface="Consolas" panose="020B0609020204030204" pitchFamily="49" charset="0"/>
+                <a:cs typeface="Consolas" panose="020B0609020204030204" pitchFamily="49" charset="0"/>
               </a:rPr>
               <a:t>RAW_SOURCE_DIR=https://</a:t>
             </a:r>
             <a:r>
               <a:rPr lang="en-US" dirty="0" err="1">
-                <a:latin typeface="American Typewriter" panose="02090604020004020304" pitchFamily="18" charset="77"/>
+                <a:latin typeface="Consolas" panose="020B0609020204030204" pitchFamily="49" charset="0"/>
+                <a:cs typeface="Consolas" panose="020B0609020204030204" pitchFamily="49" charset="0"/>
               </a:rPr>
               <a:t>raw.githubusercontent.com</a:t>
             </a:r>
             <a:r>
               <a:rPr lang="en-US" dirty="0">
-                <a:latin typeface="American Typewriter" panose="02090604020004020304" pitchFamily="18" charset="77"/>
+                <a:latin typeface="Consolas" panose="020B0609020204030204" pitchFamily="49" charset="0"/>
+                <a:cs typeface="Consolas" panose="020B0609020204030204" pitchFamily="49" charset="0"/>
               </a:rPr>
               <a:t>/</a:t>
             </a:r>
             <a:r>
               <a:rPr lang="en-US" dirty="0" err="1">
-                <a:latin typeface="American Typewriter" panose="02090604020004020304" pitchFamily="18" charset="77"/>
+                <a:latin typeface="Consolas" panose="020B0609020204030204" pitchFamily="49" charset="0"/>
+                <a:cs typeface="Consolas" panose="020B0609020204030204" pitchFamily="49" charset="0"/>
               </a:rPr>
               <a:t>danielskatz</a:t>
             </a:r>
             <a:r>
               <a:rPr lang="en-US" dirty="0">
-                <a:latin typeface="American Typewriter" panose="02090604020004020304" pitchFamily="18" charset="77"/>
+                <a:latin typeface="Consolas" panose="020B0609020204030204" pitchFamily="49" charset="0"/>
+                <a:cs typeface="Consolas" panose="020B0609020204030204" pitchFamily="49" charset="0"/>
               </a:rPr>
               <a:t>/</a:t>
             </a:r>
             <a:r>
               <a:rPr lang="en-US" dirty="0" err="1">
-                <a:latin typeface="American Typewriter" panose="02090604020004020304" pitchFamily="18" charset="77"/>
+                <a:latin typeface="Consolas" panose="020B0609020204030204" pitchFamily="49" charset="0"/>
+                <a:cs typeface="Consolas" panose="020B0609020204030204" pitchFamily="49" charset="0"/>
               </a:rPr>
               <a:t>parsl</a:t>
             </a:r>
             <a:r>
               <a:rPr lang="en-US" dirty="0">
-                <a:latin typeface="American Typewriter" panose="02090604020004020304" pitchFamily="18" charset="77"/>
+                <a:latin typeface="Consolas" panose="020B0609020204030204" pitchFamily="49" charset="0"/>
+                <a:cs typeface="Consolas" panose="020B0609020204030204" pitchFamily="49" charset="0"/>
               </a:rPr>
               <a:t>-example/master/data</a:t>
             </a:r>
@@ -6632,7 +6838,8 @@
               <a:buNone/>
             </a:pPr>
             <a:endParaRPr lang="en-US" dirty="0">
-              <a:latin typeface="American Typewriter" panose="02090604020004020304" pitchFamily="18" charset="77"/>
+              <a:latin typeface="Consolas" panose="020B0609020204030204" pitchFamily="49" charset="0"/>
+              <a:cs typeface="Consolas" panose="020B0609020204030204" pitchFamily="49" charset="0"/>
             </a:endParaRPr>
           </a:p>
           <a:p>
@@ -6641,7 +6848,8 @@
             </a:pPr>
             <a:r>
               <a:rPr lang="en-US" dirty="0">
-                <a:latin typeface="American Typewriter" panose="02090604020004020304" pitchFamily="18" charset="77"/>
+                <a:latin typeface="Consolas" panose="020B0609020204030204" pitchFamily="49" charset="0"/>
+                <a:cs typeface="Consolas" panose="020B0609020204030204" pitchFamily="49" charset="0"/>
               </a:rPr>
               <a:t>.PHONY: clean all</a:t>
             </a:r>
@@ -6652,18 +6860,21 @@
             </a:pPr>
             <a:r>
               <a:rPr lang="en-US" dirty="0">
-                <a:latin typeface="American Typewriter" panose="02090604020004020304" pitchFamily="18" charset="77"/>
+                <a:latin typeface="Consolas" panose="020B0609020204030204" pitchFamily="49" charset="0"/>
+                <a:cs typeface="Consolas" panose="020B0609020204030204" pitchFamily="49" charset="0"/>
               </a:rPr>
               <a:t>all: proc/</a:t>
             </a:r>
             <a:r>
               <a:rPr lang="en-US" dirty="0" err="1">
-                <a:latin typeface="American Typewriter" panose="02090604020004020304" pitchFamily="18" charset="77"/>
+                <a:latin typeface="Consolas" panose="020B0609020204030204" pitchFamily="49" charset="0"/>
+                <a:cs typeface="Consolas" panose="020B0609020204030204" pitchFamily="49" charset="0"/>
               </a:rPr>
               <a:t>mosaic.jpg</a:t>
             </a:r>
             <a:endParaRPr lang="en-US" dirty="0">
-              <a:latin typeface="American Typewriter" panose="02090604020004020304" pitchFamily="18" charset="77"/>
+              <a:latin typeface="Consolas" panose="020B0609020204030204" pitchFamily="49" charset="0"/>
+              <a:cs typeface="Consolas" panose="020B0609020204030204" pitchFamily="49" charset="0"/>
             </a:endParaRPr>
           </a:p>
           <a:p>
@@ -6671,7 +6882,8 @@
               <a:buNone/>
             </a:pPr>
             <a:endParaRPr lang="en-US" dirty="0">
-              <a:latin typeface="American Typewriter" panose="02090604020004020304" pitchFamily="18" charset="77"/>
+              <a:latin typeface="Consolas" panose="020B0609020204030204" pitchFamily="49" charset="0"/>
+              <a:cs typeface="Consolas" panose="020B0609020204030204" pitchFamily="49" charset="0"/>
             </a:endParaRPr>
           </a:p>
           <a:p>
@@ -6680,7 +6892,8 @@
             </a:pPr>
             <a:r>
               <a:rPr lang="en-US" dirty="0">
-                <a:latin typeface="American Typewriter" panose="02090604020004020304" pitchFamily="18" charset="77"/>
+                <a:latin typeface="Consolas" panose="020B0609020204030204" pitchFamily="49" charset="0"/>
+                <a:cs typeface="Consolas" panose="020B0609020204030204" pitchFamily="49" charset="0"/>
               </a:rPr>
               <a:t>clean:</a:t>
             </a:r>
@@ -6691,7 +6904,8 @@
             </a:pPr>
             <a:r>
               <a:rPr lang="en-US" dirty="0">
-                <a:latin typeface="American Typewriter" panose="02090604020004020304" pitchFamily="18" charset="77"/>
+                <a:latin typeface="Consolas" panose="020B0609020204030204" pitchFamily="49" charset="0"/>
+                <a:cs typeface="Consolas" panose="020B0609020204030204" pitchFamily="49" charset="0"/>
               </a:rPr>
               <a:t>	-rm -rf raw proc</a:t>
             </a:r>
@@ -6701,7 +6915,8 @@
               <a:buNone/>
             </a:pPr>
             <a:endParaRPr lang="en-US" dirty="0">
-              <a:latin typeface="American Typewriter" panose="02090604020004020304" pitchFamily="18" charset="77"/>
+              <a:latin typeface="Consolas" panose="020B0609020204030204" pitchFamily="49" charset="0"/>
+              <a:cs typeface="Consolas" panose="020B0609020204030204" pitchFamily="49" charset="0"/>
             </a:endParaRPr>
           </a:p>
           <a:p>
@@ -6710,7 +6925,8 @@
             </a:pPr>
             <a:r>
               <a:rPr lang="en-US" dirty="0">
-                <a:latin typeface="American Typewriter" panose="02090604020004020304" pitchFamily="18" charset="77"/>
+                <a:latin typeface="Consolas" panose="020B0609020204030204" pitchFamily="49" charset="0"/>
+                <a:cs typeface="Consolas" panose="020B0609020204030204" pitchFamily="49" charset="0"/>
               </a:rPr>
               <a:t>raw:</a:t>
             </a:r>
@@ -6721,19 +6937,22 @@
             </a:pPr>
             <a:r>
               <a:rPr lang="en-US" dirty="0">
-                <a:latin typeface="American Typewriter" panose="02090604020004020304" pitchFamily="18" charset="77"/>
+                <a:latin typeface="Consolas" panose="020B0609020204030204" pitchFamily="49" charset="0"/>
+                <a:cs typeface="Consolas" panose="020B0609020204030204" pitchFamily="49" charset="0"/>
               </a:rPr>
               <a:t>	</a:t>
             </a:r>
             <a:r>
               <a:rPr lang="en-US" dirty="0" err="1">
-                <a:latin typeface="American Typewriter" panose="02090604020004020304" pitchFamily="18" charset="77"/>
+                <a:latin typeface="Consolas" panose="020B0609020204030204" pitchFamily="49" charset="0"/>
+                <a:cs typeface="Consolas" panose="020B0609020204030204" pitchFamily="49" charset="0"/>
               </a:rPr>
               <a:t>mkdir</a:t>
             </a:r>
             <a:r>
               <a:rPr lang="en-US" dirty="0">
-                <a:latin typeface="American Typewriter" panose="02090604020004020304" pitchFamily="18" charset="77"/>
+                <a:latin typeface="Consolas" panose="020B0609020204030204" pitchFamily="49" charset="0"/>
+                <a:cs typeface="Consolas" panose="020B0609020204030204" pitchFamily="49" charset="0"/>
               </a:rPr>
               <a:t> raw</a:t>
             </a:r>
@@ -6743,7 +6962,8 @@
               <a:buNone/>
             </a:pPr>
             <a:endParaRPr lang="en-US" dirty="0">
-              <a:latin typeface="American Typewriter" panose="02090604020004020304" pitchFamily="18" charset="77"/>
+              <a:latin typeface="Consolas" panose="020B0609020204030204" pitchFamily="49" charset="0"/>
+              <a:cs typeface="Consolas" panose="020B0609020204030204" pitchFamily="49" charset="0"/>
             </a:endParaRPr>
           </a:p>
           <a:p>
@@ -6752,7 +6972,8 @@
             </a:pPr>
             <a:r>
               <a:rPr lang="en-US" dirty="0">
-                <a:latin typeface="American Typewriter" panose="02090604020004020304" pitchFamily="18" charset="77"/>
+                <a:latin typeface="Consolas" panose="020B0609020204030204" pitchFamily="49" charset="0"/>
+                <a:cs typeface="Consolas" panose="020B0609020204030204" pitchFamily="49" charset="0"/>
               </a:rPr>
               <a:t>proc:</a:t>
             </a:r>
@@ -6763,19 +6984,22 @@
             </a:pPr>
             <a:r>
               <a:rPr lang="en-US" dirty="0">
-                <a:latin typeface="American Typewriter" panose="02090604020004020304" pitchFamily="18" charset="77"/>
+                <a:latin typeface="Consolas" panose="020B0609020204030204" pitchFamily="49" charset="0"/>
+                <a:cs typeface="Consolas" panose="020B0609020204030204" pitchFamily="49" charset="0"/>
               </a:rPr>
               <a:t>	</a:t>
             </a:r>
             <a:r>
               <a:rPr lang="en-US" dirty="0" err="1">
-                <a:latin typeface="American Typewriter" panose="02090604020004020304" pitchFamily="18" charset="77"/>
+                <a:latin typeface="Consolas" panose="020B0609020204030204" pitchFamily="49" charset="0"/>
+                <a:cs typeface="Consolas" panose="020B0609020204030204" pitchFamily="49" charset="0"/>
               </a:rPr>
               <a:t>mkdir</a:t>
             </a:r>
             <a:r>
               <a:rPr lang="en-US" dirty="0">
-                <a:latin typeface="American Typewriter" panose="02090604020004020304" pitchFamily="18" charset="77"/>
+                <a:latin typeface="Consolas" panose="020B0609020204030204" pitchFamily="49" charset="0"/>
+                <a:cs typeface="Consolas" panose="020B0609020204030204" pitchFamily="49" charset="0"/>
               </a:rPr>
               <a:t> proc</a:t>
             </a:r>
@@ -6785,7 +7009,8 @@
               <a:buNone/>
             </a:pPr>
             <a:endParaRPr lang="en-US" dirty="0">
-              <a:latin typeface="American Typewriter" panose="02090604020004020304" pitchFamily="18" charset="77"/>
+              <a:latin typeface="Consolas" panose="020B0609020204030204" pitchFamily="49" charset="0"/>
+              <a:cs typeface="Consolas" panose="020B0609020204030204" pitchFamily="49" charset="0"/>
             </a:endParaRPr>
           </a:p>
           <a:p>
@@ -6794,7 +7019,8 @@
             </a:pPr>
             <a:r>
               <a:rPr lang="en-US" dirty="0">
-                <a:latin typeface="American Typewriter" panose="02090604020004020304" pitchFamily="18" charset="77"/>
+                <a:latin typeface="Consolas" panose="020B0609020204030204" pitchFamily="49" charset="0"/>
+                <a:cs typeface="Consolas" panose="020B0609020204030204" pitchFamily="49" charset="0"/>
               </a:rPr>
               <a:t>$(RAW_FILES): | raw</a:t>
             </a:r>
@@ -6805,19 +7031,22 @@
             </a:pPr>
             <a:r>
               <a:rPr lang="en-US" dirty="0">
-                <a:latin typeface="American Typewriter" panose="02090604020004020304" pitchFamily="18" charset="77"/>
+                <a:latin typeface="Consolas" panose="020B0609020204030204" pitchFamily="49" charset="0"/>
+                <a:cs typeface="Consolas" panose="020B0609020204030204" pitchFamily="49" charset="0"/>
               </a:rPr>
               <a:t>	</a:t>
             </a:r>
             <a:r>
               <a:rPr lang="en-US" dirty="0" err="1">
-                <a:latin typeface="American Typewriter" panose="02090604020004020304" pitchFamily="18" charset="77"/>
+                <a:latin typeface="Consolas" panose="020B0609020204030204" pitchFamily="49" charset="0"/>
+                <a:cs typeface="Consolas" panose="020B0609020204030204" pitchFamily="49" charset="0"/>
               </a:rPr>
               <a:t>wget</a:t>
             </a:r>
             <a:r>
               <a:rPr lang="en-US" dirty="0">
-                <a:latin typeface="American Typewriter" panose="02090604020004020304" pitchFamily="18" charset="77"/>
+                <a:latin typeface="Consolas" panose="020B0609020204030204" pitchFamily="49" charset="0"/>
+                <a:cs typeface="Consolas" panose="020B0609020204030204" pitchFamily="49" charset="0"/>
               </a:rPr>
               <a:t> $(@:raw/%.jpg=$(RAW_SOURCE_DIR)/%.jpg) -O $@</a:t>
             </a:r>
@@ -6827,7 +7056,8 @@
               <a:buNone/>
             </a:pPr>
             <a:endParaRPr lang="en-US" dirty="0">
-              <a:latin typeface="American Typewriter" panose="02090604020004020304" pitchFamily="18" charset="77"/>
+              <a:latin typeface="Consolas" panose="020B0609020204030204" pitchFamily="49" charset="0"/>
+              <a:cs typeface="Consolas" panose="020B0609020204030204" pitchFamily="49" charset="0"/>
             </a:endParaRPr>
           </a:p>
           <a:p>
@@ -6836,19 +7066,22 @@
             </a:pPr>
             <a:r>
               <a:rPr lang="en-US" dirty="0">
-                <a:latin typeface="American Typewriter" panose="02090604020004020304" pitchFamily="18" charset="77"/>
+                <a:latin typeface="Consolas" panose="020B0609020204030204" pitchFamily="49" charset="0"/>
+                <a:cs typeface="Consolas" panose="020B0609020204030204" pitchFamily="49" charset="0"/>
               </a:rPr>
               <a:t>$(PROC_FILES): $(@:proc/%_</a:t>
             </a:r>
             <a:r>
               <a:rPr lang="en-US" dirty="0" err="1">
-                <a:latin typeface="American Typewriter" panose="02090604020004020304" pitchFamily="18" charset="77"/>
+                <a:latin typeface="Consolas" panose="020B0609020204030204" pitchFamily="49" charset="0"/>
+                <a:cs typeface="Consolas" panose="020B0609020204030204" pitchFamily="49" charset="0"/>
               </a:rPr>
               <a:t>sharp.jpg</a:t>
             </a:r>
             <a:r>
               <a:rPr lang="en-US" dirty="0">
-                <a:latin typeface="American Typewriter" panose="02090604020004020304" pitchFamily="18" charset="77"/>
+                <a:latin typeface="Consolas" panose="020B0609020204030204" pitchFamily="49" charset="0"/>
+                <a:cs typeface="Consolas" panose="020B0609020204030204" pitchFamily="49" charset="0"/>
               </a:rPr>
               <a:t>=raw/%.jpg) $(SHARPEN) | proc</a:t>
             </a:r>
@@ -6859,19 +7092,22 @@
             </a:pPr>
             <a:r>
               <a:rPr lang="en-US" dirty="0">
-                <a:latin typeface="American Typewriter" panose="02090604020004020304" pitchFamily="18" charset="77"/>
+                <a:latin typeface="Consolas" panose="020B0609020204030204" pitchFamily="49" charset="0"/>
+                <a:cs typeface="Consolas" panose="020B0609020204030204" pitchFamily="49" charset="0"/>
               </a:rPr>
               <a:t>	$(LANGUAGE) $(SHARPEN) $(@:proc/%_</a:t>
             </a:r>
             <a:r>
               <a:rPr lang="en-US" dirty="0" err="1">
-                <a:latin typeface="American Typewriter" panose="02090604020004020304" pitchFamily="18" charset="77"/>
+                <a:latin typeface="Consolas" panose="020B0609020204030204" pitchFamily="49" charset="0"/>
+                <a:cs typeface="Consolas" panose="020B0609020204030204" pitchFamily="49" charset="0"/>
               </a:rPr>
               <a:t>sharp.jpg</a:t>
             </a:r>
             <a:r>
               <a:rPr lang="en-US" dirty="0">
-                <a:latin typeface="American Typewriter" panose="02090604020004020304" pitchFamily="18" charset="77"/>
+                <a:latin typeface="Consolas" panose="020B0609020204030204" pitchFamily="49" charset="0"/>
+                <a:cs typeface="Consolas" panose="020B0609020204030204" pitchFamily="49" charset="0"/>
               </a:rPr>
               <a:t>=raw/%.jpg) $@</a:t>
             </a:r>
@@ -6881,7 +7117,8 @@
               <a:buNone/>
             </a:pPr>
             <a:endParaRPr lang="en-US" dirty="0">
-              <a:latin typeface="American Typewriter" panose="02090604020004020304" pitchFamily="18" charset="77"/>
+              <a:latin typeface="Consolas" panose="020B0609020204030204" pitchFamily="49" charset="0"/>
+              <a:cs typeface="Consolas" panose="020B0609020204030204" pitchFamily="49" charset="0"/>
             </a:endParaRPr>
           </a:p>
           <a:p>
@@ -6890,19 +7127,22 @@
             </a:pPr>
             <a:r>
               <a:rPr lang="en-US" dirty="0">
-                <a:latin typeface="American Typewriter" panose="02090604020004020304" pitchFamily="18" charset="77"/>
+                <a:latin typeface="Consolas" panose="020B0609020204030204" pitchFamily="49" charset="0"/>
+                <a:cs typeface="Consolas" panose="020B0609020204030204" pitchFamily="49" charset="0"/>
               </a:rPr>
               <a:t>proc/</a:t>
             </a:r>
             <a:r>
               <a:rPr lang="en-US" dirty="0" err="1">
-                <a:latin typeface="American Typewriter" panose="02090604020004020304" pitchFamily="18" charset="77"/>
+                <a:latin typeface="Consolas" panose="020B0609020204030204" pitchFamily="49" charset="0"/>
+                <a:cs typeface="Consolas" panose="020B0609020204030204" pitchFamily="49" charset="0"/>
               </a:rPr>
               <a:t>mosaic.jpg</a:t>
             </a:r>
             <a:r>
               <a:rPr lang="en-US" dirty="0">
-                <a:latin typeface="American Typewriter" panose="02090604020004020304" pitchFamily="18" charset="77"/>
+                <a:latin typeface="Consolas" panose="020B0609020204030204" pitchFamily="49" charset="0"/>
+                <a:cs typeface="Consolas" panose="020B0609020204030204" pitchFamily="49" charset="0"/>
               </a:rPr>
               <a:t>: $(MOSAIC) $(PROC_FILES)</a:t>
             </a:r>
@@ -6913,7 +7153,8 @@
             </a:pPr>
             <a:r>
               <a:rPr lang="en-US" dirty="0">
-                <a:latin typeface="American Typewriter" panose="02090604020004020304" pitchFamily="18" charset="77"/>
+                <a:latin typeface="Consolas" panose="020B0609020204030204" pitchFamily="49" charset="0"/>
+                <a:cs typeface="Consolas" panose="020B0609020204030204" pitchFamily="49" charset="0"/>
               </a:rPr>
               <a:t>	$(LANGUAGE) $(MOSAIC) 2 $@ $(PROC_FILES)</a:t>
             </a:r>
@@ -7181,45 +7422,22 @@
               <a:t>() or use </a:t>
             </a:r>
             <a:r>
-              <a:rPr lang="en-US" sz="2000" dirty="0" err="1"/>
-              <a:t>renv</a:t>
-            </a:r>
-            <a:r>
-              <a:rPr lang="en-US" sz="2000" dirty="0"/>
-              <a:t> package </a:t>
-            </a:r>
-            <a:r>
               <a:rPr lang="en-US" sz="2000" dirty="0">
                 <a:hlinkClick r:id="rId2"/>
               </a:rPr>
-              <a:t>https://rstudio.github.io/renv/articles/renv.html</a:t>
+              <a:t>renv package</a:t>
             </a:r>
             <a:r>
               <a:rPr lang="en-US" sz="2000" dirty="0"/>
-              <a:t> or rocker (</a:t>
+              <a:t> or </a:t>
             </a:r>
             <a:r>
               <a:rPr lang="en-US" sz="2000" dirty="0">
                 <a:hlinkClick r:id="rId3"/>
               </a:rPr>
-              <a:t>https://</a:t>
-            </a:r>
-            <a:r>
-              <a:rPr lang="en-US" sz="2000" dirty="0" err="1">
-                <a:hlinkClick r:id="rId3"/>
-              </a:rPr>
-              <a:t>github.com</a:t>
-            </a:r>
-            <a:r>
-              <a:rPr lang="en-US" sz="2000" dirty="0">
-                <a:hlinkClick r:id="rId3"/>
-              </a:rPr>
-              <a:t>/rocker-org/rocker</a:t>
-            </a:r>
-            <a:r>
-              <a:rPr lang="en-US" sz="2000" dirty="0"/>
-              <a:t>)</a:t>
-            </a:r>
+              <a:t>rocker</a:t>
+            </a:r>
+            <a:endParaRPr lang="en-US" sz="2000" dirty="0"/>
           </a:p>
           <a:p>
             <a:r>
@@ -7229,16 +7447,15 @@
           </a:p>
           <a:p>
             <a:r>
-              <a:rPr lang="en-US" sz="2400" dirty="0"/>
-              <a:t>Reproducible builds - a set of software development practices that create an independently-verifiable path from source to binary code - </a:t>
-            </a:r>
-            <a:r>
               <a:rPr lang="en-US" sz="2400" dirty="0">
                 <a:hlinkClick r:id="rId4"/>
               </a:rPr>
-              <a:t>https://reproducible-builds.org</a:t>
-            </a:r>
-            <a:endParaRPr lang="en-US" sz="2400" dirty="0"/>
+              <a:t>Reproducible builds</a:t>
+            </a:r>
+            <a:r>
+              <a:rPr lang="en-US" sz="2400" dirty="0"/>
+              <a:t> - a set of software development practices that create an independently-verifiable path from source to binary code</a:t>
+            </a:r>
           </a:p>
           <a:p>
             <a:pPr lvl="1"/>
@@ -7247,46 +7464,50 @@
               <a:t>Reliant on package identification and management, e.g., </a:t>
             </a:r>
             <a:r>
-              <a:rPr lang="en-US" sz="2000" dirty="0" err="1"/>
+              <a:rPr lang="en-US" sz="2000" dirty="0" err="1">
+                <a:hlinkClick r:id="rId5"/>
+              </a:rPr>
               <a:t>Guix</a:t>
             </a:r>
             <a:r>
               <a:rPr lang="en-US" sz="2000" dirty="0"/>
-              <a:t> (</a:t>
+              <a:t>, </a:t>
+            </a:r>
+            <a:r>
+              <a:rPr lang="en-US" sz="2000" dirty="0" err="1">
+                <a:hlinkClick r:id="rId6"/>
+              </a:rPr>
+              <a:t>PyPI</a:t>
+            </a:r>
+            <a:r>
+              <a:rPr lang="en-US" sz="2000" dirty="0"/>
+              <a:t>, </a:t>
             </a:r>
             <a:r>
               <a:rPr lang="en-US" sz="2000" dirty="0">
-                <a:hlinkClick r:id="rId5"/>
-              </a:rPr>
-              <a:t>https://guix.gnu.org</a:t>
+                <a:hlinkClick r:id="rId7"/>
+              </a:rPr>
+              <a:t>CRAN</a:t>
             </a:r>
             <a:r>
               <a:rPr lang="en-US" sz="2000" dirty="0"/>
-              <a:t>), </a:t>
-            </a:r>
-            <a:r>
-              <a:rPr lang="en-US" sz="2000" dirty="0" err="1"/>
-              <a:t>PyPI</a:t>
-            </a:r>
-            <a:r>
-              <a:rPr lang="en-US" sz="2000" dirty="0"/>
-              <a:t>, CRAN, …</a:t>
+              <a:t>, …</a:t>
             </a:r>
           </a:p>
           <a:p>
             <a:r>
               <a:rPr lang="en-US" sz="2400" dirty="0"/>
-              <a:t>Lots of tools and systems – see “Publishing computational research - a review of infrastructures for reproducible and transparent scholarly communication” (</a:t>
+              <a:t>Lots of tools and systems – see “</a:t>
             </a:r>
             <a:r>
               <a:rPr lang="en-US" sz="2400" dirty="0">
-                <a:hlinkClick r:id="rId6"/>
-              </a:rPr>
-              <a:t>https://doi.org/10.1186/s41073-020-00095-y</a:t>
+                <a:hlinkClick r:id="rId8"/>
+              </a:rPr>
+              <a:t>Publishing computational research - a review of infrastructures for reproducible and transparent scholarly communication</a:t>
             </a:r>
             <a:r>
               <a:rPr lang="en-US" sz="2400" dirty="0"/>
-              <a:t>) for a recent survey of 11</a:t>
+              <a:t>” for a recent survey of 11</a:t>
             </a:r>
           </a:p>
         </p:txBody>
@@ -7401,15 +7622,17 @@
             <a:pPr lvl="1"/>
             <a:r>
               <a:rPr lang="en-US" dirty="0"/>
-              <a:t>See https://</a:t>
-            </a:r>
-            <a:r>
-              <a:rPr lang="en-US" dirty="0" err="1"/>
-              <a:t>osc.universityofcalifornia.edu</a:t>
-            </a:r>
-            <a:r>
-              <a:rPr lang="en-US" dirty="0"/>
-              <a:t>/2016/09/who-owns-your-data/</a:t>
+              <a:t>See “</a:t>
+            </a:r>
+            <a:r>
+              <a:rPr lang="en-US" dirty="0">
+                <a:hlinkClick r:id="rId2"/>
+              </a:rPr>
+              <a:t>Who ‘owns’ your data?</a:t>
+            </a:r>
+            <a:r>
+              <a:rPr lang="en-US" dirty="0"/>
+              <a:t>”</a:t>
             </a:r>
           </a:p>
           <a:p>
@@ -7522,136 +7745,508 @@
           <a:lstStyle/>
           <a:p>
             <a:r>
-              <a:rPr lang="en-US" dirty="0"/>
-              <a:t>Creative Common licenses for text and data - </a:t>
-            </a:r>
-            <a:r>
               <a:rPr lang="en-US" dirty="0">
                 <a:hlinkClick r:id="rId2"/>
               </a:rPr>
-              <a:t>https://</a:t>
+              <a:t>Creative Common licenses</a:t>
+            </a:r>
+            <a:r>
+              <a:rPr lang="en-US" dirty="0"/>
+              <a:t> for text and data</a:t>
+            </a:r>
+          </a:p>
+          <a:p>
+            <a:pPr lvl="1"/>
+            <a:r>
+              <a:rPr lang="en-US" dirty="0"/>
+              <a:t>CC0 – waive copyright, dedicate to the public domain (not really a license)</a:t>
+            </a:r>
+          </a:p>
+          <a:p>
+            <a:pPr lvl="1"/>
+            <a:r>
+              <a:rPr lang="en-US" dirty="0"/>
+              <a:t>CC </a:t>
+            </a:r>
+            <a:r>
+              <a:rPr lang="en-US" dirty="0">
+                <a:solidFill>
+                  <a:srgbClr val="FF0000"/>
+                </a:solidFill>
+              </a:rPr>
+              <a:t>BY</a:t>
+            </a:r>
+            <a:r>
+              <a:rPr lang="en-US" dirty="0"/>
+              <a:t> (</a:t>
+            </a:r>
+            <a:r>
+              <a:rPr lang="en-US" dirty="0">
+                <a:solidFill>
+                  <a:srgbClr val="FF0000"/>
+                </a:solidFill>
+              </a:rPr>
+              <a:t>Attribution</a:t>
+            </a:r>
+            <a:r>
+              <a:rPr lang="en-US" dirty="0"/>
+              <a:t>): material is free to use and adapt, but </a:t>
+            </a:r>
+            <a:r>
+              <a:rPr lang="en-US" dirty="0">
+                <a:solidFill>
+                  <a:srgbClr val="FF0000"/>
+                </a:solidFill>
+              </a:rPr>
+              <a:t>credit must be given</a:t>
+            </a:r>
+          </a:p>
+          <a:p>
+            <a:pPr lvl="1"/>
+            <a:r>
+              <a:rPr lang="en-US" dirty="0"/>
+              <a:t>CC </a:t>
+            </a:r>
+            <a:r>
+              <a:rPr lang="en-US" dirty="0">
+                <a:solidFill>
+                  <a:srgbClr val="FF0000"/>
+                </a:solidFill>
+              </a:rPr>
+              <a:t>BY</a:t>
+            </a:r>
+            <a:r>
+              <a:rPr lang="en-US" dirty="0"/>
+              <a:t>-</a:t>
+            </a:r>
+            <a:r>
+              <a:rPr lang="en-US" dirty="0">
+                <a:solidFill>
+                  <a:srgbClr val="00B050"/>
+                </a:solidFill>
+              </a:rPr>
+              <a:t>SA</a:t>
+            </a:r>
+            <a:r>
+              <a:rPr lang="en-US" dirty="0"/>
+              <a:t> (</a:t>
+            </a:r>
+            <a:r>
+              <a:rPr lang="en-US" dirty="0">
+                <a:solidFill>
+                  <a:srgbClr val="FF0000"/>
+                </a:solidFill>
+              </a:rPr>
+              <a:t>Attribution</a:t>
+            </a:r>
+            <a:r>
+              <a:rPr lang="en-US" dirty="0"/>
+              <a:t>-</a:t>
             </a:r>
             <a:r>
               <a:rPr lang="en-US" dirty="0" err="1">
-                <a:hlinkClick r:id="rId2"/>
-              </a:rPr>
-              <a:t>creativecommons.org</a:t>
-            </a:r>
-            <a:r>
-              <a:rPr lang="en-US" dirty="0">
-                <a:hlinkClick r:id="rId2"/>
-              </a:rPr>
-              <a:t>/licenses/</a:t>
+                <a:solidFill>
+                  <a:srgbClr val="00B050"/>
+                </a:solidFill>
+              </a:rPr>
+              <a:t>ShareAlike</a:t>
+            </a:r>
+            <a:r>
+              <a:rPr lang="en-US" dirty="0"/>
+              <a:t>): free to use and adapt, but </a:t>
+            </a:r>
+            <a:r>
+              <a:rPr lang="en-US" dirty="0">
+                <a:solidFill>
+                  <a:srgbClr val="FF0000"/>
+                </a:solidFill>
+              </a:rPr>
+              <a:t>credit must be given</a:t>
+            </a:r>
+            <a:r>
+              <a:rPr lang="en-US" dirty="0"/>
+              <a:t> and a</a:t>
+            </a:r>
+            <a:r>
+              <a:rPr lang="en-US" dirty="0">
+                <a:solidFill>
+                  <a:srgbClr val="00B050"/>
+                </a:solidFill>
+              </a:rPr>
+              <a:t>dapted material must also be distributed with this same license</a:t>
+            </a:r>
+          </a:p>
+          <a:p>
+            <a:pPr lvl="1"/>
+            <a:r>
+              <a:rPr lang="en-US" dirty="0"/>
+              <a:t>CC </a:t>
+            </a:r>
+            <a:r>
+              <a:rPr lang="en-US" dirty="0">
+                <a:solidFill>
+                  <a:srgbClr val="FF0000"/>
+                </a:solidFill>
+              </a:rPr>
+              <a:t>BY</a:t>
+            </a:r>
+            <a:r>
+              <a:rPr lang="en-US" dirty="0"/>
+              <a:t>-</a:t>
+            </a:r>
+            <a:r>
+              <a:rPr lang="en-US" dirty="0">
+                <a:solidFill>
+                  <a:srgbClr val="7030A0"/>
+                </a:solidFill>
+              </a:rPr>
+              <a:t>ND</a:t>
+            </a:r>
+            <a:r>
+              <a:rPr lang="en-US" dirty="0"/>
+              <a:t> (</a:t>
+            </a:r>
+            <a:r>
+              <a:rPr lang="en-US" dirty="0">
+                <a:solidFill>
+                  <a:srgbClr val="FF0000"/>
+                </a:solidFill>
+              </a:rPr>
+              <a:t>Attribution</a:t>
+            </a:r>
+            <a:r>
+              <a:rPr lang="en-US" dirty="0"/>
+              <a:t>-</a:t>
+            </a:r>
+            <a:r>
+              <a:rPr lang="en-US" dirty="0" err="1">
+                <a:solidFill>
+                  <a:srgbClr val="7030A0"/>
+                </a:solidFill>
+              </a:rPr>
+              <a:t>NoDerivs</a:t>
+            </a:r>
+            <a:r>
+              <a:rPr lang="en-US" dirty="0"/>
+              <a:t>): free to use, but </a:t>
+            </a:r>
+            <a:r>
+              <a:rPr lang="en-US" dirty="0">
+                <a:solidFill>
+                  <a:srgbClr val="FF0000"/>
+                </a:solidFill>
+              </a:rPr>
+              <a:t>credit must be given</a:t>
+            </a:r>
+            <a:r>
+              <a:rPr lang="en-US" dirty="0"/>
+              <a:t> and </a:t>
+            </a:r>
+            <a:r>
+              <a:rPr lang="en-US" dirty="0">
+                <a:solidFill>
+                  <a:srgbClr val="7030A0"/>
+                </a:solidFill>
+              </a:rPr>
+              <a:t>can’t be adapted</a:t>
+            </a:r>
+          </a:p>
+          <a:p>
+            <a:pPr lvl="1"/>
+            <a:r>
+              <a:rPr lang="en-US" dirty="0"/>
+              <a:t>CC </a:t>
+            </a:r>
+            <a:r>
+              <a:rPr lang="en-US" dirty="0">
+                <a:solidFill>
+                  <a:srgbClr val="FF0000"/>
+                </a:solidFill>
+              </a:rPr>
+              <a:t>BY</a:t>
+            </a:r>
+            <a:r>
+              <a:rPr lang="en-US" dirty="0"/>
+              <a:t>-</a:t>
+            </a:r>
+            <a:r>
+              <a:rPr lang="en-US" dirty="0">
+                <a:solidFill>
+                  <a:srgbClr val="00B0F0"/>
+                </a:solidFill>
+              </a:rPr>
+              <a:t>NC</a:t>
+            </a:r>
+            <a:r>
+              <a:rPr lang="en-US" dirty="0"/>
+              <a:t> (</a:t>
+            </a:r>
+            <a:r>
+              <a:rPr lang="en-US" dirty="0">
+                <a:solidFill>
+                  <a:srgbClr val="FF0000"/>
+                </a:solidFill>
+              </a:rPr>
+              <a:t>Attribution</a:t>
+            </a:r>
+            <a:r>
+              <a:rPr lang="en-US" dirty="0"/>
+              <a:t>-</a:t>
+            </a:r>
+            <a:r>
+              <a:rPr lang="en-US" dirty="0" err="1">
+                <a:solidFill>
+                  <a:srgbClr val="00B0F0"/>
+                </a:solidFill>
+              </a:rPr>
+              <a:t>NonCommercial</a:t>
+            </a:r>
+            <a:r>
+              <a:rPr lang="en-US" dirty="0"/>
+              <a:t>): free to use and adapt but </a:t>
+            </a:r>
+            <a:r>
+              <a:rPr lang="en-US" dirty="0">
+                <a:solidFill>
+                  <a:srgbClr val="FF0000"/>
+                </a:solidFill>
+              </a:rPr>
+              <a:t>credit must be given</a:t>
+            </a:r>
+            <a:r>
+              <a:rPr lang="en-US" dirty="0"/>
+              <a:t> and </a:t>
+            </a:r>
+            <a:r>
+              <a:rPr lang="en-US" dirty="0">
+                <a:solidFill>
+                  <a:srgbClr val="00B0F0"/>
+                </a:solidFill>
+              </a:rPr>
+              <a:t>can’t be used commercially</a:t>
+            </a:r>
+          </a:p>
+          <a:p>
+            <a:pPr lvl="1"/>
+            <a:r>
+              <a:rPr lang="en-US" dirty="0"/>
+              <a:t>CC </a:t>
+            </a:r>
+            <a:r>
+              <a:rPr lang="en-US" dirty="0">
+                <a:solidFill>
+                  <a:srgbClr val="FF0000"/>
+                </a:solidFill>
+              </a:rPr>
+              <a:t>BY</a:t>
+            </a:r>
+            <a:r>
+              <a:rPr lang="en-US" dirty="0"/>
+              <a:t>-</a:t>
+            </a:r>
+            <a:r>
+              <a:rPr lang="en-US" dirty="0">
+                <a:solidFill>
+                  <a:srgbClr val="00B0F0"/>
+                </a:solidFill>
+              </a:rPr>
+              <a:t>NC</a:t>
+            </a:r>
+            <a:r>
+              <a:rPr lang="en-US" dirty="0"/>
+              <a:t>-</a:t>
+            </a:r>
+            <a:r>
+              <a:rPr lang="en-US" dirty="0">
+                <a:solidFill>
+                  <a:srgbClr val="00B050"/>
+                </a:solidFill>
+              </a:rPr>
+              <a:t>SA</a:t>
+            </a:r>
+            <a:r>
+              <a:rPr lang="en-US" dirty="0"/>
+              <a:t> (</a:t>
+            </a:r>
+            <a:r>
+              <a:rPr lang="en-US" dirty="0">
+                <a:solidFill>
+                  <a:srgbClr val="FF0000"/>
+                </a:solidFill>
+              </a:rPr>
+              <a:t>Attribution</a:t>
+            </a:r>
+            <a:r>
+              <a:rPr lang="en-US" dirty="0"/>
+              <a:t>-</a:t>
+            </a:r>
+            <a:r>
+              <a:rPr lang="en-US" dirty="0" err="1">
+                <a:solidFill>
+                  <a:srgbClr val="00B0F0"/>
+                </a:solidFill>
+              </a:rPr>
+              <a:t>NonCommercial</a:t>
+            </a:r>
+            <a:r>
+              <a:rPr lang="en-US" dirty="0"/>
+              <a:t>-</a:t>
+            </a:r>
+            <a:r>
+              <a:rPr lang="en-US" dirty="0" err="1">
+                <a:solidFill>
+                  <a:srgbClr val="00B050"/>
+                </a:solidFill>
+              </a:rPr>
+              <a:t>ShareAlike</a:t>
+            </a:r>
+            <a:r>
+              <a:rPr lang="en-US" dirty="0"/>
+              <a:t>): free to use and adapt, but </a:t>
+            </a:r>
+            <a:r>
+              <a:rPr lang="en-US" dirty="0">
+                <a:solidFill>
+                  <a:srgbClr val="FF0000"/>
+                </a:solidFill>
+              </a:rPr>
+              <a:t>credit must be given</a:t>
+            </a:r>
+            <a:r>
+              <a:rPr lang="en-US" dirty="0"/>
+              <a:t>, </a:t>
+            </a:r>
+            <a:r>
+              <a:rPr lang="en-US" dirty="0">
+                <a:solidFill>
+                  <a:srgbClr val="00B0F0"/>
+                </a:solidFill>
+              </a:rPr>
+              <a:t>can’t be used commercially</a:t>
+            </a:r>
+            <a:r>
+              <a:rPr lang="en-US" dirty="0"/>
+              <a:t>, and </a:t>
+            </a:r>
+            <a:r>
+              <a:rPr lang="en-US" dirty="0">
+                <a:solidFill>
+                  <a:srgbClr val="00B050"/>
+                </a:solidFill>
+              </a:rPr>
+              <a:t>adapted material must also be distributed with this same license</a:t>
+            </a:r>
+          </a:p>
+          <a:p>
+            <a:pPr lvl="1"/>
+            <a:r>
+              <a:rPr lang="en-US" dirty="0"/>
+              <a:t>CC </a:t>
+            </a:r>
+            <a:r>
+              <a:rPr lang="en-US" dirty="0">
+                <a:solidFill>
+                  <a:srgbClr val="FF0000"/>
+                </a:solidFill>
+              </a:rPr>
+              <a:t>BY</a:t>
+            </a:r>
+            <a:r>
+              <a:rPr lang="en-US" dirty="0"/>
+              <a:t>-NC-</a:t>
+            </a:r>
+            <a:r>
+              <a:rPr lang="en-US" dirty="0">
+                <a:solidFill>
+                  <a:srgbClr val="7030A0"/>
+                </a:solidFill>
+              </a:rPr>
+              <a:t>ND</a:t>
+            </a:r>
+            <a:r>
+              <a:rPr lang="en-US" dirty="0"/>
+              <a:t> (</a:t>
+            </a:r>
+            <a:r>
+              <a:rPr lang="en-US" dirty="0">
+                <a:solidFill>
+                  <a:srgbClr val="FF0000"/>
+                </a:solidFill>
+              </a:rPr>
+              <a:t>Attribution</a:t>
+            </a:r>
+            <a:r>
+              <a:rPr lang="en-US" dirty="0"/>
+              <a:t>-</a:t>
+            </a:r>
+            <a:r>
+              <a:rPr lang="en-US" dirty="0" err="1">
+                <a:solidFill>
+                  <a:srgbClr val="00B0F0"/>
+                </a:solidFill>
+              </a:rPr>
+              <a:t>NonCommercial</a:t>
+            </a:r>
+            <a:r>
+              <a:rPr lang="en-US" dirty="0"/>
+              <a:t>-</a:t>
+            </a:r>
+            <a:r>
+              <a:rPr lang="en-US" dirty="0" err="1">
+                <a:solidFill>
+                  <a:srgbClr val="7030A0"/>
+                </a:solidFill>
+              </a:rPr>
+              <a:t>NoDerivs</a:t>
+            </a:r>
+            <a:r>
+              <a:rPr lang="en-US" dirty="0"/>
+              <a:t>): free to use, but </a:t>
+            </a:r>
+            <a:r>
+              <a:rPr lang="en-US" dirty="0">
+                <a:solidFill>
+                  <a:srgbClr val="FF0000"/>
+                </a:solidFill>
+              </a:rPr>
+              <a:t>credit must be given</a:t>
+            </a:r>
+            <a:r>
+              <a:rPr lang="en-US" dirty="0"/>
+              <a:t>, </a:t>
+            </a:r>
+            <a:r>
+              <a:rPr lang="en-US" dirty="0">
+                <a:solidFill>
+                  <a:srgbClr val="00B0F0"/>
+                </a:solidFill>
+              </a:rPr>
+              <a:t>can’t be sued commercially</a:t>
+            </a:r>
+            <a:r>
+              <a:rPr lang="en-US" dirty="0"/>
+              <a:t>, and </a:t>
+            </a:r>
+            <a:r>
+              <a:rPr lang="en-US" dirty="0">
+                <a:solidFill>
+                  <a:srgbClr val="7030A0"/>
+                </a:solidFill>
+              </a:rPr>
+              <a:t>can’t be adapted</a:t>
             </a:r>
             <a:endParaRPr lang="en-US" dirty="0"/>
           </a:p>
           <a:p>
-            <a:pPr lvl="1"/>
-            <a:r>
-              <a:rPr lang="en-US" dirty="0"/>
-              <a:t>CC0 – waive copyright, dedicate to the public domain (not really a license)</a:t>
-            </a:r>
-          </a:p>
-          <a:p>
-            <a:pPr lvl="1"/>
-            <a:r>
-              <a:rPr lang="en-US" dirty="0"/>
-              <a:t>CC BY (Attribution): material is free to use and adapt, but credit must be given</a:t>
-            </a:r>
-          </a:p>
-          <a:p>
-            <a:pPr lvl="1"/>
-            <a:r>
-              <a:rPr lang="en-US" dirty="0"/>
-              <a:t>CC BY-SA (Attribution-</a:t>
-            </a:r>
-            <a:r>
-              <a:rPr lang="en-US" dirty="0" err="1"/>
-              <a:t>ShareAlike</a:t>
-            </a:r>
-            <a:r>
-              <a:rPr lang="en-US" dirty="0"/>
-              <a:t>): free to use and adapt, but credit must be given and adapted material must also be distributed with this same license</a:t>
-            </a:r>
-          </a:p>
-          <a:p>
-            <a:pPr lvl="1"/>
-            <a:r>
-              <a:rPr lang="en-US" dirty="0"/>
-              <a:t>CC BY-ND (Attribution-</a:t>
-            </a:r>
-            <a:r>
-              <a:rPr lang="en-US" dirty="0" err="1"/>
-              <a:t>NoDerivs</a:t>
-            </a:r>
-            <a:r>
-              <a:rPr lang="en-US" dirty="0"/>
-              <a:t>): free to use with credit, but credit must be given and can’t be adapted</a:t>
-            </a:r>
-          </a:p>
-          <a:p>
-            <a:pPr lvl="1"/>
-            <a:r>
-              <a:rPr lang="en-US" dirty="0"/>
-              <a:t>CC BY-NC (Attribution-Non-commercial): free to use and adapt but credit must be given and can’t be used commercially</a:t>
-            </a:r>
-          </a:p>
-          <a:p>
-            <a:pPr lvl="1"/>
-            <a:r>
-              <a:rPr lang="en-US" dirty="0"/>
-              <a:t>CC BY-NC-SA (Attribution-</a:t>
-            </a:r>
-            <a:r>
-              <a:rPr lang="en-US" dirty="0" err="1"/>
-              <a:t>NonCommercial</a:t>
-            </a:r>
-            <a:r>
-              <a:rPr lang="en-US" dirty="0"/>
-              <a:t>-</a:t>
-            </a:r>
-            <a:r>
-              <a:rPr lang="en-US" dirty="0" err="1"/>
-              <a:t>ShareAlike</a:t>
-            </a:r>
-            <a:r>
-              <a:rPr lang="en-US" dirty="0"/>
-              <a:t>): free to use and adapt, but credit must be given, can’t be used commercially, and adapted material must also be distributed with this same license</a:t>
-            </a:r>
-          </a:p>
-          <a:p>
-            <a:pPr lvl="1"/>
-            <a:r>
-              <a:rPr lang="en-US" dirty="0"/>
-              <a:t>CC BY-NC-ND (Attribution-</a:t>
-            </a:r>
-            <a:r>
-              <a:rPr lang="en-US" dirty="0" err="1"/>
-              <a:t>NonCommercial</a:t>
-            </a:r>
-            <a:r>
-              <a:rPr lang="en-US" dirty="0"/>
-              <a:t>-</a:t>
-            </a:r>
-            <a:r>
-              <a:rPr lang="en-US" dirty="0" err="1"/>
-              <a:t>NoDerivs</a:t>
-            </a:r>
-            <a:r>
-              <a:rPr lang="en-US" dirty="0"/>
-              <a:t>): free to use, but credit must be given, and can’t be adapted or used commercially</a:t>
-            </a:r>
-          </a:p>
-          <a:p>
-            <a:r>
-              <a:rPr lang="en-US" dirty="0"/>
-              <a:t>Guide/decision tree: </a:t>
+            <a:r>
+              <a:rPr lang="en-US" dirty="0"/>
+              <a:t>Creative Commons provides a </a:t>
             </a:r>
             <a:r>
               <a:rPr lang="en-US" dirty="0">
                 <a:hlinkClick r:id="rId3"/>
               </a:rPr>
-              <a:t>https://creativecommons.org/choose/</a:t>
+              <a:t>guide/decision tree</a:t>
             </a:r>
             <a:endParaRPr lang="en-US" dirty="0"/>
           </a:p>
@@ -7670,17 +8265,17 @@
           <a:p>
             <a:r>
               <a:rPr lang="en-US" dirty="0"/>
-              <a:t>(for more, see </a:t>
+              <a:t>(for more, see “</a:t>
             </a:r>
             <a:r>
               <a:rPr lang="en-US" dirty="0">
                 <a:hlinkClick r:id="rId4"/>
               </a:rPr>
-              <a:t>https://osc.universityofcalifornia.edu/2016/09/cc-by-and-data-not-always-a-good-fit/</a:t>
-            </a:r>
-            <a:r>
-              <a:rPr lang="en-US" dirty="0"/>
-              <a:t>)</a:t>
+              <a:t>CC BY and data: Not always a good fit</a:t>
+            </a:r>
+            <a:r>
+              <a:rPr lang="en-US" dirty="0"/>
+              <a:t>”)</a:t>
             </a:r>
           </a:p>
         </p:txBody>
@@ -7767,16 +8362,15 @@
           <a:lstStyle/>
           <a:p>
             <a:r>
-              <a:rPr lang="en-US" sz="2400" dirty="0"/>
-              <a:t>Open Source Initiative licenses for software - </a:t>
-            </a:r>
-            <a:r>
               <a:rPr lang="en-US" sz="2400" dirty="0">
                 <a:hlinkClick r:id="rId2"/>
               </a:rPr>
-              <a:t>https://opensource.org/licenses</a:t>
-            </a:r>
-            <a:endParaRPr lang="en-US" sz="2400" dirty="0"/>
+              <a:t>Open Source Initiative licenses</a:t>
+            </a:r>
+            <a:r>
+              <a:rPr lang="en-US" sz="2400" dirty="0"/>
+              <a:t> for software</a:t>
+            </a:r>
           </a:p>
           <a:p>
             <a:pPr lvl="1"/>
@@ -8174,44 +8768,20 @@
           <a:p>
             <a:pPr lvl="1"/>
             <a:r>
-              <a:rPr lang="en-US" dirty="0"/>
-              <a:t>Python: </a:t>
-            </a:r>
-            <a:r>
-              <a:rPr lang="en-US" dirty="0" err="1"/>
-              <a:t>Cookiecutter</a:t>
-            </a:r>
-            <a:r>
-              <a:rPr lang="en-US" dirty="0"/>
-              <a:t> Data Science - </a:t>
-            </a:r>
-            <a:r>
               <a:rPr lang="en-US" dirty="0">
                 <a:hlinkClick r:id="rId2"/>
               </a:rPr>
-              <a:t>https://drivendata.github.io/cookiecutter-data-science</a:t>
+              <a:t>Python: Cookiecutter Data Science</a:t>
             </a:r>
             <a:endParaRPr lang="en-US" dirty="0"/>
           </a:p>
           <a:p>
             <a:pPr lvl="1"/>
             <a:r>
-              <a:rPr lang="en-US" dirty="0"/>
-              <a:t>R: </a:t>
-            </a:r>
-            <a:r>
-              <a:rPr lang="en-US" dirty="0" err="1"/>
-              <a:t>ProjectTemplate</a:t>
-            </a:r>
-            <a:r>
-              <a:rPr lang="en-US" dirty="0"/>
-              <a:t> - </a:t>
-            </a:r>
-            <a:r>
               <a:rPr lang="en-US" dirty="0">
                 <a:hlinkClick r:id="rId3"/>
               </a:rPr>
-              <a:t>http://projecttemplate.net/</a:t>
+              <a:t>R: ProjectTemplate</a:t>
             </a:r>
             <a:endParaRPr lang="en-US" dirty="0"/>
           </a:p>
@@ -9311,7 +9881,7 @@
         </p:spPr>
         <p:txBody>
           <a:bodyPr>
-            <a:normAutofit fontScale="85000" lnSpcReduction="20000"/>
+            <a:normAutofit fontScale="70000" lnSpcReduction="20000"/>
           </a:bodyPr>
           <a:lstStyle/>
           <a:p>
@@ -9339,7 +9909,7 @@
               <a:rPr lang="en-US" dirty="0">
                 <a:hlinkClick r:id="rId2"/>
               </a:rPr>
-              <a:t>http://languagelog.ldc.upenn.edu/nll/?p=21956</a:t>
+              <a:t>"Replicability vs. reproducibility — or is it the other way around?" (blog)</a:t>
             </a:r>
             <a:r>
               <a:rPr lang="en-US" dirty="0"/>
@@ -9349,7 +9919,7 @@
               <a:rPr lang="en-US" dirty="0">
                 <a:hlinkClick r:id="rId3"/>
               </a:rPr>
-              <a:t>https://www.ncbi.nlm.nih.gov/pmc/articles/PMC5778115/</a:t>
+              <a:t>"Reproducibility vs. Replicability: A Brief History of a Confused Terminology" (paper)</a:t>
             </a:r>
             <a:r>
               <a:rPr lang="en-US" dirty="0"/>
@@ -9652,7 +10222,7 @@
         <p:spPr>
           <a:xfrm>
             <a:off x="145795" y="5216521"/>
-            <a:ext cx="10905742" cy="646331"/>
+            <a:ext cx="11905792" cy="738664"/>
           </a:xfrm>
           <a:prstGeom prst="rect">
             <a:avLst/>
@@ -9660,104 +10230,85 @@
           <a:noFill/>
         </p:spPr>
         <p:txBody>
-          <a:bodyPr wrap="none" rtlCol="0">
+          <a:bodyPr wrap="square" rtlCol="0">
             <a:spAutoFit/>
           </a:bodyPr>
           <a:lstStyle/>
           <a:p>
             <a:r>
-              <a:rPr lang="en-US" sz="1200" dirty="0"/>
-              <a:t>Goodman, S. N., Fanelli, D., and Ioannidis, J. P. A. (2016). What does research reproducibility mean? </a:t>
-            </a:r>
-            <a:r>
-              <a:rPr lang="en-US" sz="1200" i="1" dirty="0"/>
+              <a:rPr lang="en-US" sz="1400" dirty="0"/>
+              <a:t>Goodman, S. N., Fanelli, D., and Ioannidis, J. P. A. (2016). </a:t>
+            </a:r>
+            <a:r>
+              <a:rPr lang="en-US" sz="1400" dirty="0">
+                <a:hlinkClick r:id="rId4"/>
+              </a:rPr>
+              <a:t>What does research reproducibility mean?</a:t>
+            </a:r>
+            <a:r>
+              <a:rPr lang="en-US" sz="1400" dirty="0"/>
+              <a:t> </a:t>
+            </a:r>
+            <a:r>
+              <a:rPr lang="en-US" sz="1400" i="1" dirty="0"/>
               <a:t>Sci. Transl. Med.</a:t>
             </a:r>
             <a:r>
-              <a:rPr lang="en-US" sz="1200" dirty="0"/>
-              <a:t>8:341ps12. </a:t>
-            </a:r>
-            <a:r>
-              <a:rPr lang="en-US" sz="1200" dirty="0" err="1"/>
-              <a:t>doi</a:t>
-            </a:r>
-            <a:r>
-              <a:rPr lang="en-US" sz="1200" dirty="0"/>
-              <a:t>: </a:t>
-            </a:r>
-            <a:r>
-              <a:rPr lang="en-US" sz="1200" dirty="0">
-                <a:hlinkClick r:id="rId4"/>
-              </a:rPr>
-              <a:t>10.1126/scitranslmed.aaf5027</a:t>
-            </a:r>
-            <a:endParaRPr lang="en-US" sz="1200" dirty="0"/>
-          </a:p>
-          <a:p>
-            <a:r>
-              <a:rPr lang="en-US" sz="1200" dirty="0" err="1"/>
+              <a:rPr lang="en-US" sz="1400" dirty="0"/>
+              <a:t>8:341ps12.</a:t>
+            </a:r>
+          </a:p>
+          <a:p>
+            <a:r>
+              <a:rPr lang="en-US" sz="1400" dirty="0" err="1"/>
               <a:t>Claerbout</a:t>
             </a:r>
             <a:r>
-              <a:rPr lang="en-US" sz="1200" dirty="0"/>
+              <a:rPr lang="en-US" sz="1400" dirty="0"/>
               <a:t>, J. F., and </a:t>
             </a:r>
             <a:r>
-              <a:rPr lang="en-US" sz="1200" dirty="0" err="1"/>
+              <a:rPr lang="en-US" sz="1400" dirty="0" err="1"/>
               <a:t>Karrenbach</a:t>
             </a:r>
             <a:r>
-              <a:rPr lang="en-US" sz="1200" dirty="0"/>
-              <a:t>, M. (1992). Electronic documents give reproducible research a new meaning. </a:t>
-            </a:r>
-            <a:r>
-              <a:rPr lang="en-US" sz="1200" i="1" dirty="0"/>
+              <a:rPr lang="en-US" sz="1400" dirty="0"/>
+              <a:t>, M. (1992). </a:t>
+            </a:r>
+            <a:r>
+              <a:rPr lang="en-US" sz="1400" dirty="0">
+                <a:hlinkClick r:id="rId5"/>
+              </a:rPr>
+              <a:t>Electronic documents give reproducible research a new meaning</a:t>
+            </a:r>
+            <a:r>
+              <a:rPr lang="en-US" sz="1400" dirty="0"/>
+              <a:t>. </a:t>
+            </a:r>
+            <a:r>
+              <a:rPr lang="en-US" sz="1400" i="1" dirty="0"/>
               <a:t>SEG Expanded Abstracts</a:t>
             </a:r>
             <a:r>
-              <a:rPr lang="en-US" sz="1200" dirty="0"/>
-              <a:t> 11, 601–604. </a:t>
-            </a:r>
-            <a:r>
-              <a:rPr lang="en-US" sz="1200" dirty="0" err="1"/>
-              <a:t>doi</a:t>
-            </a:r>
-            <a:r>
-              <a:rPr lang="en-US" sz="1200" dirty="0"/>
-              <a:t>: </a:t>
-            </a:r>
-            <a:r>
-              <a:rPr lang="en-US" sz="1200" dirty="0">
-                <a:hlinkClick r:id="rId5"/>
-              </a:rPr>
-              <a:t>10.1190/1.1822162</a:t>
-            </a:r>
-            <a:endParaRPr lang="en-US" sz="1200" dirty="0"/>
-          </a:p>
-          <a:p>
-            <a:r>
-              <a:rPr lang="en-US" sz="1200" dirty="0"/>
-              <a:t>Association of Computing Machinery (ACM) (2020). Artifact Review and Badging. </a:t>
-            </a:r>
-            <a:r>
-              <a:rPr lang="en-US" sz="1200" dirty="0">
+              <a:rPr lang="en-US" sz="1400" dirty="0"/>
+              <a:t> 11, 601–604.</a:t>
+            </a:r>
+          </a:p>
+          <a:p>
+            <a:r>
+              <a:rPr lang="en-US" sz="1400" dirty="0"/>
+              <a:t>Association of Computing Machinery (ACM) (2020). </a:t>
+            </a:r>
+            <a:r>
+              <a:rPr lang="en-US" sz="1400" dirty="0">
                 <a:hlinkClick r:id="rId6"/>
               </a:rPr>
-              <a:t>https://</a:t>
-            </a:r>
-            <a:r>
-              <a:rPr lang="en-US" sz="1200" dirty="0" err="1">
-                <a:hlinkClick r:id="rId6"/>
-              </a:rPr>
-              <a:t>www.acm.org</a:t>
-            </a:r>
-            <a:r>
-              <a:rPr lang="en-US" sz="1200" dirty="0">
-                <a:hlinkClick r:id="rId6"/>
-              </a:rPr>
-              <a:t>/publications/policies/artifact-review-badging</a:t>
-            </a:r>
-            <a:endParaRPr lang="en-US" sz="1200" dirty="0"/>
+              <a:t>Artifact Review and Badging</a:t>
+            </a:r>
+            <a:r>
+              <a:rPr lang="en-US" sz="1400" dirty="0"/>
+              <a:t>.</a:t>
+            </a:r>
           </a:p>
         </p:txBody>
       </p:sp>
@@ -9838,7 +10389,7 @@
         <p:spPr/>
         <p:txBody>
           <a:bodyPr>
-            <a:normAutofit fontScale="70000" lnSpcReduction="20000"/>
+            <a:normAutofit fontScale="62500" lnSpcReduction="20000"/>
           </a:bodyPr>
           <a:lstStyle/>
           <a:p>
@@ -9904,7 +10455,7 @@
             </a:pPr>
             <a:r>
               <a:rPr lang="en-US" dirty="0"/>
-              <a:t>How to translate from one language to another, or transcribe spoken language?</a:t>
+              <a:t>What does this German document say in English? What does this recording of someone speaking Spanish say?</a:t>
             </a:r>
           </a:p>
           <a:p>
@@ -9959,7 +10510,7 @@
             </a:pPr>
             <a:r>
               <a:rPr lang="en-US" dirty="0"/>
-              <a:t>Relevant: statistics, preregistration, random studies, false positives/negatives, sample size, confidence</a:t>
+              <a:t>Relevant: statistics, preregistration (declare your hypothesis before doing your analysis), random studies, false positives/negatives, sample size, confidence</a:t>
             </a:r>
           </a:p>
           <a:p>
@@ -10077,7 +10628,7 @@
             </a:pPr>
             <a:r>
               <a:rPr lang="en-US" dirty="0"/>
-              <a:t>Examples</a:t>
+              <a:t>Examples, simulation or analysis of:</a:t>
             </a:r>
           </a:p>
           <a:p>
@@ -10099,7 +10650,7 @@
             </a:pPr>
             <a:r>
               <a:rPr lang="en-US" dirty="0"/>
-              <a:t>Simulation of the interactions of atoms in one or more molecules (drug design)</a:t>
+              <a:t>The interactions of atoms in one or more molecules (drug design)</a:t>
             </a:r>
           </a:p>
           <a:p>
@@ -10110,7 +10661,7 @@
             </a:pPr>
             <a:r>
               <a:rPr lang="en-US" dirty="0"/>
-              <a:t>Simulation of the atoms and forces in a material (material design)</a:t>
+              <a:t>The atoms and forces in a material (material design)</a:t>
             </a:r>
           </a:p>
           <a:p>
@@ -10132,7 +10683,7 @@
             </a:pPr>
             <a:r>
               <a:rPr lang="en-US" dirty="0"/>
-              <a:t>Simulation of electrical signals in a circuit board or a set of synapses (electrical engineering or neuroscience)</a:t>
+              <a:t>Electrical signals in a circuit board or a set of synapses (electrical engineering or neuroscience)</a:t>
             </a:r>
           </a:p>
           <a:p>
@@ -10143,7 +10694,7 @@
             </a:pPr>
             <a:r>
               <a:rPr lang="en-US" dirty="0"/>
-              <a:t>Simulation of microwaves focused on a breast tumor (patient-specific medicine)</a:t>
+              <a:t>Microwaves focused on a breast tumor (patient-specific medicine)</a:t>
             </a:r>
           </a:p>
           <a:p>
@@ -10472,13 +11023,15 @@
             </a:r>
             <a:r>
               <a:rPr lang="en-US" dirty="0">
-                <a:latin typeface="American Typewriter" panose="02090604020004020304" pitchFamily="18" charset="77"/>
+                <a:latin typeface="Consolas" panose="020B0609020204030204" pitchFamily="49" charset="0"/>
+                <a:cs typeface="Consolas" panose="020B0609020204030204" pitchFamily="49" charset="0"/>
               </a:rPr>
               <a:t>../data/</a:t>
             </a:r>
             <a:r>
               <a:rPr lang="en-US" dirty="0" err="1">
-                <a:latin typeface="American Typewriter" panose="02090604020004020304" pitchFamily="18" charset="77"/>
+                <a:latin typeface="Consolas" panose="020B0609020204030204" pitchFamily="49" charset="0"/>
+                <a:cs typeface="Consolas" panose="020B0609020204030204" pitchFamily="49" charset="0"/>
               </a:rPr>
               <a:t>file.dat</a:t>
             </a:r>
@@ -10496,7 +11049,10 @@
           <a:p>
             <a:pPr lvl="1"/>
             <a:r>
-              <a:rPr lang="en-US" dirty="0"/>
+              <a:rPr lang="en-US" dirty="0">
+                <a:latin typeface="Consolas" panose="020B0609020204030204" pitchFamily="49" charset="0"/>
+                <a:cs typeface="Consolas" panose="020B0609020204030204" pitchFamily="49" charset="0"/>
+              </a:rPr>
               <a:t>00-dsk-data_acquisition.py</a:t>
             </a:r>
           </a:p>
@@ -10672,84 +11228,99 @@
             </a:pPr>
             <a:r>
               <a:rPr lang="en-US" dirty="0" err="1">
-                <a:latin typeface="American Typewriter" panose="02090604020004020304" pitchFamily="18" charset="77"/>
+                <a:latin typeface="Consolas" panose="020B0609020204030204" pitchFamily="49" charset="0"/>
+                <a:cs typeface="Consolas" panose="020B0609020204030204" pitchFamily="49" charset="0"/>
               </a:rPr>
               <a:t>My_project</a:t>
             </a:r>
             <a:br>
               <a:rPr lang="en-US" dirty="0">
-                <a:latin typeface="American Typewriter" panose="02090604020004020304" pitchFamily="18" charset="77"/>
+                <a:latin typeface="Consolas" panose="020B0609020204030204" pitchFamily="49" charset="0"/>
+                <a:cs typeface="Consolas" panose="020B0609020204030204" pitchFamily="49" charset="0"/>
               </a:rPr>
             </a:br>
             <a:r>
               <a:rPr lang="en-US" dirty="0">
-                <a:latin typeface="American Typewriter" panose="02090604020004020304" pitchFamily="18" charset="77"/>
+                <a:latin typeface="Consolas" panose="020B0609020204030204" pitchFamily="49" charset="0"/>
+                <a:cs typeface="Consolas" panose="020B0609020204030204" pitchFamily="49" charset="0"/>
               </a:rPr>
               <a:t> |--data</a:t>
             </a:r>
             <a:br>
               <a:rPr lang="en-US" dirty="0">
-                <a:latin typeface="American Typewriter" panose="02090604020004020304" pitchFamily="18" charset="77"/>
+                <a:latin typeface="Consolas" panose="020B0609020204030204" pitchFamily="49" charset="0"/>
+                <a:cs typeface="Consolas" panose="020B0609020204030204" pitchFamily="49" charset="0"/>
               </a:rPr>
             </a:br>
             <a:r>
               <a:rPr lang="en-US" dirty="0">
-                <a:latin typeface="American Typewriter" panose="02090604020004020304" pitchFamily="18" charset="77"/>
+                <a:latin typeface="Consolas" panose="020B0609020204030204" pitchFamily="49" charset="0"/>
+                <a:cs typeface="Consolas" panose="020B0609020204030204" pitchFamily="49" charset="0"/>
               </a:rPr>
               <a:t> |--docs</a:t>
             </a:r>
             <a:br>
               <a:rPr lang="en-US" dirty="0">
-                <a:latin typeface="American Typewriter" panose="02090604020004020304" pitchFamily="18" charset="77"/>
+                <a:latin typeface="Consolas" panose="020B0609020204030204" pitchFamily="49" charset="0"/>
+                <a:cs typeface="Consolas" panose="020B0609020204030204" pitchFamily="49" charset="0"/>
               </a:rPr>
             </a:br>
             <a:r>
               <a:rPr lang="en-US" dirty="0">
-                <a:latin typeface="American Typewriter" panose="02090604020004020304" pitchFamily="18" charset="77"/>
+                <a:latin typeface="Consolas" panose="020B0609020204030204" pitchFamily="49" charset="0"/>
+                <a:cs typeface="Consolas" panose="020B0609020204030204" pitchFamily="49" charset="0"/>
               </a:rPr>
               <a:t> |--notebooks</a:t>
             </a:r>
             <a:br>
               <a:rPr lang="en-US" dirty="0">
-                <a:latin typeface="American Typewriter" panose="02090604020004020304" pitchFamily="18" charset="77"/>
+                <a:latin typeface="Consolas" panose="020B0609020204030204" pitchFamily="49" charset="0"/>
+                <a:cs typeface="Consolas" panose="020B0609020204030204" pitchFamily="49" charset="0"/>
               </a:rPr>
             </a:br>
             <a:r>
               <a:rPr lang="en-US" dirty="0">
-                <a:latin typeface="American Typewriter" panose="02090604020004020304" pitchFamily="18" charset="77"/>
+                <a:latin typeface="Consolas" panose="020B0609020204030204" pitchFamily="49" charset="0"/>
+                <a:cs typeface="Consolas" panose="020B0609020204030204" pitchFamily="49" charset="0"/>
               </a:rPr>
               <a:t> |--references</a:t>
             </a:r>
             <a:br>
               <a:rPr lang="en-US" dirty="0">
-                <a:latin typeface="American Typewriter" panose="02090604020004020304" pitchFamily="18" charset="77"/>
+                <a:latin typeface="Consolas" panose="020B0609020204030204" pitchFamily="49" charset="0"/>
+                <a:cs typeface="Consolas" panose="020B0609020204030204" pitchFamily="49" charset="0"/>
               </a:rPr>
             </a:br>
             <a:r>
               <a:rPr lang="en-US" dirty="0">
-                <a:latin typeface="American Typewriter" panose="02090604020004020304" pitchFamily="18" charset="77"/>
+                <a:latin typeface="Consolas" panose="020B0609020204030204" pitchFamily="49" charset="0"/>
+                <a:cs typeface="Consolas" panose="020B0609020204030204" pitchFamily="49" charset="0"/>
               </a:rPr>
               <a:t> |--reports</a:t>
             </a:r>
             <a:br>
               <a:rPr lang="en-US" dirty="0">
-                <a:latin typeface="American Typewriter" panose="02090604020004020304" pitchFamily="18" charset="77"/>
+                <a:latin typeface="Consolas" panose="020B0609020204030204" pitchFamily="49" charset="0"/>
+                <a:cs typeface="Consolas" panose="020B0609020204030204" pitchFamily="49" charset="0"/>
               </a:rPr>
             </a:br>
             <a:r>
               <a:rPr lang="en-US" dirty="0">
-                <a:latin typeface="American Typewriter" panose="02090604020004020304" pitchFamily="18" charset="77"/>
+                <a:latin typeface="Consolas" panose="020B0609020204030204" pitchFamily="49" charset="0"/>
+                <a:cs typeface="Consolas" panose="020B0609020204030204" pitchFamily="49" charset="0"/>
               </a:rPr>
               <a:t> |--</a:t>
             </a:r>
             <a:r>
               <a:rPr lang="en-US" dirty="0" err="1">
-                <a:latin typeface="American Typewriter" panose="02090604020004020304" pitchFamily="18" charset="77"/>
+                <a:latin typeface="Consolas" panose="020B0609020204030204" pitchFamily="49" charset="0"/>
+                <a:cs typeface="Consolas" panose="020B0609020204030204" pitchFamily="49" charset="0"/>
               </a:rPr>
               <a:t>src</a:t>
             </a:r>
             <a:endParaRPr lang="en-US" dirty="0">
-              <a:latin typeface="American Typewriter" panose="02090604020004020304" pitchFamily="18" charset="77"/>
+              <a:latin typeface="Consolas" panose="020B0609020204030204" pitchFamily="49" charset="0"/>
+              <a:cs typeface="Consolas" panose="020B0609020204030204" pitchFamily="49" charset="0"/>
             </a:endParaRPr>
           </a:p>
         </p:txBody>
@@ -10836,7 +11407,7 @@
         </p:spPr>
         <p:txBody>
           <a:bodyPr>
-            <a:normAutofit fontScale="92500" lnSpcReduction="10000"/>
+            <a:normAutofit fontScale="92500"/>
           </a:bodyPr>
           <a:lstStyle/>
           <a:p>
@@ -10894,44 +11465,49 @@
               <a:t>Get it via: </a:t>
             </a:r>
             <a:r>
+              <a:rPr lang="en-US" dirty="0" err="1">
+                <a:latin typeface="Consolas" panose="020B0609020204030204" pitchFamily="49" charset="0"/>
+                <a:cs typeface="Consolas" panose="020B0609020204030204" pitchFamily="49" charset="0"/>
+              </a:rPr>
+              <a:t>wget</a:t>
+            </a:r>
+            <a:r>
+              <a:rPr lang="en-US" dirty="0">
+                <a:latin typeface="Consolas" panose="020B0609020204030204" pitchFamily="49" charset="0"/>
+                <a:cs typeface="Consolas" panose="020B0609020204030204" pitchFamily="49" charset="0"/>
+              </a:rPr>
+              <a:t> https://</a:t>
+            </a:r>
+            <a:r>
+              <a:rPr lang="en-US" dirty="0" err="1">
+                <a:latin typeface="Consolas" panose="020B0609020204030204" pitchFamily="49" charset="0"/>
+                <a:cs typeface="Consolas" panose="020B0609020204030204" pitchFamily="49" charset="0"/>
+              </a:rPr>
+              <a:t>osf.io</a:t>
+            </a:r>
+            <a:r>
+              <a:rPr lang="en-US" dirty="0">
+                <a:latin typeface="Consolas" panose="020B0609020204030204" pitchFamily="49" charset="0"/>
+                <a:cs typeface="Consolas" panose="020B0609020204030204" pitchFamily="49" charset="0"/>
+              </a:rPr>
+              <a:t>/z274d/download</a:t>
+            </a:r>
+          </a:p>
+          <a:p>
+            <a:pPr marL="914400" lvl="2" indent="0">
+              <a:buNone/>
+            </a:pPr>
+            <a:r>
+              <a:rPr lang="en-US" dirty="0"/>
+              <a:t>(You may have to install </a:t>
+            </a:r>
+            <a:r>
               <a:rPr lang="en-US" dirty="0" err="1"/>
               <a:t>wget</a:t>
             </a:r>
             <a:r>
               <a:rPr lang="en-US" dirty="0"/>
-              <a:t> https://</a:t>
-            </a:r>
-            <a:r>
-              <a:rPr lang="en-US" dirty="0" err="1"/>
-              <a:t>osf.io</a:t>
-            </a:r>
-            <a:r>
-              <a:rPr lang="en-US" dirty="0"/>
-              <a:t>/z274d/download</a:t>
-            </a:r>
-            <a:endParaRPr lang="en-US" dirty="0">
-              <a:latin typeface="American Typewriter" panose="02090604020004020304" pitchFamily="18" charset="77"/>
-            </a:endParaRPr>
-          </a:p>
-          <a:p>
-            <a:pPr lvl="2"/>
-            <a:r>
-              <a:rPr lang="en-US" dirty="0">
-                <a:latin typeface="American Typewriter" panose="02090604020004020304" pitchFamily="18" charset="77"/>
-              </a:rPr>
-              <a:t>You may have to install </a:t>
-            </a:r>
-            <a:r>
-              <a:rPr lang="en-US" dirty="0" err="1">
-                <a:latin typeface="American Typewriter" panose="02090604020004020304" pitchFamily="18" charset="77"/>
-              </a:rPr>
-              <a:t>wget</a:t>
-            </a:r>
-            <a:r>
-              <a:rPr lang="en-US" dirty="0">
-                <a:latin typeface="American Typewriter" panose="02090604020004020304" pitchFamily="18" charset="77"/>
-              </a:rPr>
-              <a:t> – use Google to figure it out</a:t>
+              <a:t> – Google it)</a:t>
             </a:r>
           </a:p>
         </p:txBody>
@@ -11106,117 +11682,166 @@
             </a:pPr>
             <a:r>
               <a:rPr lang="en-US" dirty="0" err="1">
-                <a:latin typeface="American Typewriter" panose="02090604020004020304" pitchFamily="18" charset="77"/>
+                <a:latin typeface="Consolas" panose="020B0609020204030204" pitchFamily="49" charset="0"/>
+                <a:cs typeface="Consolas" panose="020B0609020204030204" pitchFamily="49" charset="0"/>
               </a:rPr>
               <a:t>My_project</a:t>
             </a:r>
             <a:br>
               <a:rPr lang="en-US" dirty="0">
-                <a:latin typeface="American Typewriter" panose="02090604020004020304" pitchFamily="18" charset="77"/>
+                <a:latin typeface="Consolas" panose="020B0609020204030204" pitchFamily="49" charset="0"/>
+                <a:cs typeface="Consolas" panose="020B0609020204030204" pitchFamily="49" charset="0"/>
               </a:rPr>
             </a:br>
             <a:r>
               <a:rPr lang="en-US" dirty="0">
-                <a:latin typeface="American Typewriter" panose="02090604020004020304" pitchFamily="18" charset="77"/>
+                <a:latin typeface="Consolas" panose="020B0609020204030204" pitchFamily="49" charset="0"/>
+                <a:cs typeface="Consolas" panose="020B0609020204030204" pitchFamily="49" charset="0"/>
               </a:rPr>
               <a:t> |--data</a:t>
             </a:r>
             <a:br>
               <a:rPr lang="en-US" dirty="0">
-                <a:latin typeface="American Typewriter" panose="02090604020004020304" pitchFamily="18" charset="77"/>
+                <a:latin typeface="Consolas" panose="020B0609020204030204" pitchFamily="49" charset="0"/>
+                <a:cs typeface="Consolas" panose="020B0609020204030204" pitchFamily="49" charset="0"/>
               </a:rPr>
             </a:br>
             <a:r>
               <a:rPr lang="en-US" dirty="0">
-                <a:latin typeface="American Typewriter" panose="02090604020004020304" pitchFamily="18" charset="77"/>
-              </a:rPr>
-              <a:t> |    |--raw</a:t>
+                <a:latin typeface="Consolas" panose="020B0609020204030204" pitchFamily="49" charset="0"/>
+                <a:cs typeface="Consolas" panose="020B0609020204030204" pitchFamily="49" charset="0"/>
+              </a:rPr>
+              <a:t> |    |--</a:t>
+            </a:r>
+            <a:r>
+              <a:rPr lang="en-US" b="1" dirty="0">
+                <a:latin typeface="Consolas" panose="020B0609020204030204" pitchFamily="49" charset="0"/>
+                <a:cs typeface="Consolas" panose="020B0609020204030204" pitchFamily="49" charset="0"/>
+              </a:rPr>
+              <a:t>raw</a:t>
             </a:r>
             <a:br>
               <a:rPr lang="en-US" dirty="0">
-                <a:latin typeface="American Typewriter" panose="02090604020004020304" pitchFamily="18" charset="77"/>
+                <a:latin typeface="Consolas" panose="020B0609020204030204" pitchFamily="49" charset="0"/>
+                <a:cs typeface="Consolas" panose="020B0609020204030204" pitchFamily="49" charset="0"/>
               </a:rPr>
             </a:br>
             <a:r>
               <a:rPr lang="en-US" dirty="0">
-                <a:latin typeface="American Typewriter" panose="02090604020004020304" pitchFamily="18" charset="77"/>
-              </a:rPr>
-              <a:t> |    |--derived</a:t>
+                <a:latin typeface="Consolas" panose="020B0609020204030204" pitchFamily="49" charset="0"/>
+                <a:cs typeface="Consolas" panose="020B0609020204030204" pitchFamily="49" charset="0"/>
+              </a:rPr>
+              <a:t> |    |--</a:t>
+            </a:r>
+            <a:r>
+              <a:rPr lang="en-US" b="1" dirty="0">
+                <a:latin typeface="Consolas" panose="020B0609020204030204" pitchFamily="49" charset="0"/>
+                <a:cs typeface="Consolas" panose="020B0609020204030204" pitchFamily="49" charset="0"/>
+              </a:rPr>
+              <a:t>derived</a:t>
             </a:r>
             <a:br>
               <a:rPr lang="en-US" dirty="0">
-                <a:latin typeface="American Typewriter" panose="02090604020004020304" pitchFamily="18" charset="77"/>
+                <a:latin typeface="Consolas" panose="020B0609020204030204" pitchFamily="49" charset="0"/>
+                <a:cs typeface="Consolas" panose="020B0609020204030204" pitchFamily="49" charset="0"/>
               </a:rPr>
             </a:br>
             <a:r>
               <a:rPr lang="en-US" dirty="0">
-                <a:latin typeface="American Typewriter" panose="02090604020004020304" pitchFamily="18" charset="77"/>
-              </a:rPr>
-              <a:t> |    |--results </a:t>
+                <a:latin typeface="Consolas" panose="020B0609020204030204" pitchFamily="49" charset="0"/>
+                <a:cs typeface="Consolas" panose="020B0609020204030204" pitchFamily="49" charset="0"/>
+              </a:rPr>
+              <a:t> |    |--</a:t>
+            </a:r>
+            <a:r>
+              <a:rPr lang="en-US" b="1" dirty="0">
+                <a:latin typeface="Consolas" panose="020B0609020204030204" pitchFamily="49" charset="0"/>
+                <a:cs typeface="Consolas" panose="020B0609020204030204" pitchFamily="49" charset="0"/>
+              </a:rPr>
+              <a:t>results</a:t>
+            </a:r>
+            <a:r>
+              <a:rPr lang="en-US" dirty="0">
+                <a:latin typeface="Consolas" panose="020B0609020204030204" pitchFamily="49" charset="0"/>
+                <a:cs typeface="Consolas" panose="020B0609020204030204" pitchFamily="49" charset="0"/>
+              </a:rPr>
+              <a:t> </a:t>
             </a:r>
             <a:br>
               <a:rPr lang="en-US" dirty="0">
-                <a:latin typeface="American Typewriter" panose="02090604020004020304" pitchFamily="18" charset="77"/>
+                <a:latin typeface="Consolas" panose="020B0609020204030204" pitchFamily="49" charset="0"/>
+                <a:cs typeface="Consolas" panose="020B0609020204030204" pitchFamily="49" charset="0"/>
               </a:rPr>
             </a:br>
             <a:r>
               <a:rPr lang="en-US" dirty="0">
-                <a:latin typeface="American Typewriter" panose="02090604020004020304" pitchFamily="18" charset="77"/>
+                <a:latin typeface="Consolas" panose="020B0609020204030204" pitchFamily="49" charset="0"/>
+                <a:cs typeface="Consolas" panose="020B0609020204030204" pitchFamily="49" charset="0"/>
               </a:rPr>
               <a:t> |--docs</a:t>
             </a:r>
             <a:br>
               <a:rPr lang="en-US" dirty="0">
-                <a:latin typeface="American Typewriter" panose="02090604020004020304" pitchFamily="18" charset="77"/>
+                <a:latin typeface="Consolas" panose="020B0609020204030204" pitchFamily="49" charset="0"/>
+                <a:cs typeface="Consolas" panose="020B0609020204030204" pitchFamily="49" charset="0"/>
               </a:rPr>
             </a:br>
             <a:r>
               <a:rPr lang="en-US" dirty="0">
-                <a:latin typeface="American Typewriter" panose="02090604020004020304" pitchFamily="18" charset="77"/>
+                <a:latin typeface="Consolas" panose="020B0609020204030204" pitchFamily="49" charset="0"/>
+                <a:cs typeface="Consolas" panose="020B0609020204030204" pitchFamily="49" charset="0"/>
               </a:rPr>
               <a:t> |--notebooks</a:t>
             </a:r>
             <a:br>
               <a:rPr lang="en-US" dirty="0">
-                <a:latin typeface="American Typewriter" panose="02090604020004020304" pitchFamily="18" charset="77"/>
+                <a:latin typeface="Consolas" panose="020B0609020204030204" pitchFamily="49" charset="0"/>
+                <a:cs typeface="Consolas" panose="020B0609020204030204" pitchFamily="49" charset="0"/>
               </a:rPr>
             </a:br>
             <a:r>
               <a:rPr lang="en-US" dirty="0">
-                <a:latin typeface="American Typewriter" panose="02090604020004020304" pitchFamily="18" charset="77"/>
+                <a:latin typeface="Consolas" panose="020B0609020204030204" pitchFamily="49" charset="0"/>
+                <a:cs typeface="Consolas" panose="020B0609020204030204" pitchFamily="49" charset="0"/>
               </a:rPr>
               <a:t> |--references</a:t>
             </a:r>
             <a:br>
               <a:rPr lang="en-US" dirty="0">
-                <a:latin typeface="American Typewriter" panose="02090604020004020304" pitchFamily="18" charset="77"/>
+                <a:latin typeface="Consolas" panose="020B0609020204030204" pitchFamily="49" charset="0"/>
+                <a:cs typeface="Consolas" panose="020B0609020204030204" pitchFamily="49" charset="0"/>
               </a:rPr>
             </a:br>
             <a:r>
               <a:rPr lang="en-US" dirty="0">
-                <a:latin typeface="American Typewriter" panose="02090604020004020304" pitchFamily="18" charset="77"/>
+                <a:latin typeface="Consolas" panose="020B0609020204030204" pitchFamily="49" charset="0"/>
+                <a:cs typeface="Consolas" panose="020B0609020204030204" pitchFamily="49" charset="0"/>
               </a:rPr>
               <a:t> |--reports</a:t>
             </a:r>
             <a:br>
               <a:rPr lang="en-US" dirty="0">
-                <a:latin typeface="American Typewriter" panose="02090604020004020304" pitchFamily="18" charset="77"/>
+                <a:latin typeface="Consolas" panose="020B0609020204030204" pitchFamily="49" charset="0"/>
+                <a:cs typeface="Consolas" panose="020B0609020204030204" pitchFamily="49" charset="0"/>
               </a:rPr>
             </a:br>
             <a:r>
               <a:rPr lang="en-US" dirty="0">
-                <a:latin typeface="American Typewriter" panose="02090604020004020304" pitchFamily="18" charset="77"/>
+                <a:latin typeface="Consolas" panose="020B0609020204030204" pitchFamily="49" charset="0"/>
+                <a:cs typeface="Consolas" panose="020B0609020204030204" pitchFamily="49" charset="0"/>
               </a:rPr>
               <a:t> |--</a:t>
             </a:r>
             <a:r>
               <a:rPr lang="en-US" dirty="0" err="1">
-                <a:latin typeface="American Typewriter" panose="02090604020004020304" pitchFamily="18" charset="77"/>
+                <a:latin typeface="Consolas" panose="020B0609020204030204" pitchFamily="49" charset="0"/>
+                <a:cs typeface="Consolas" panose="020B0609020204030204" pitchFamily="49" charset="0"/>
               </a:rPr>
               <a:t>src</a:t>
             </a:r>
             <a:endParaRPr lang="en-US" dirty="0">
-              <a:latin typeface="American Typewriter" panose="02090604020004020304" pitchFamily="18" charset="77"/>
+              <a:latin typeface="Consolas" panose="020B0609020204030204" pitchFamily="49" charset="0"/>
+              <a:cs typeface="Consolas" panose="020B0609020204030204" pitchFamily="49" charset="0"/>
             </a:endParaRPr>
           </a:p>
         </p:txBody>

--- a/Computational_Reproducibility.pptx
+++ b/Computational_Reproducibility.pptx
@@ -8221,7 +8221,23 @@
                   <a:srgbClr val="00B0F0"/>
                 </a:solidFill>
               </a:rPr>
-              <a:t>can’t be sued commercially</a:t>
+              <a:t>can’t </a:t>
+            </a:r>
+            <a:r>
+              <a:rPr lang="en-US">
+                <a:solidFill>
+                  <a:srgbClr val="00B0F0"/>
+                </a:solidFill>
+              </a:rPr>
+              <a:t>be used </a:t>
+            </a:r>
+            <a:r>
+              <a:rPr lang="en-US" dirty="0">
+                <a:solidFill>
+                  <a:srgbClr val="00B0F0"/>
+                </a:solidFill>
+              </a:rPr>
+              <a:t>commercially</a:t>
             </a:r>
             <a:r>
               <a:rPr lang="en-US" dirty="0"/>

--- a/Computational_Reproducibility.pptx
+++ b/Computational_Reproducibility.pptx
@@ -238,7 +238,7 @@
           <a:p>
             <a:fld id="{81C38738-6EB7-A34B-945D-F5A341E4EF53}" type="datetimeFigureOut">
               <a:rPr lang="en-US" smtClean="0"/>
-              <a:t>7/16/20</a:t>
+              <a:t>7/24/20</a:t>
             </a:fld>
             <a:endParaRPr lang="en-US"/>
           </a:p>
@@ -4654,7 +4654,7 @@
         <p:spPr/>
         <p:txBody>
           <a:bodyPr>
-            <a:normAutofit/>
+            <a:normAutofit fontScale="92500" lnSpcReduction="20000"/>
           </a:bodyPr>
           <a:lstStyle/>
           <a:p>
@@ -4713,6 +4713,76 @@
               <a:rPr lang="en-US" dirty="0"/>
               <a:t>, a converter between notebooks and code and vice versa</a:t>
             </a:r>
+          </a:p>
+          <a:p>
+            <a:pPr marL="400050" lvl="1" indent="0">
+              <a:buNone/>
+            </a:pPr>
+            <a:endParaRPr lang="en-US" dirty="0"/>
+          </a:p>
+          <a:p>
+            <a:pPr marL="514350" indent="-514350">
+              <a:buFont typeface="+mj-lt"/>
+              <a:buAutoNum type="arabicPeriod" startAt="3"/>
+            </a:pPr>
+            <a:r>
+              <a:rPr lang="en-US" dirty="0"/>
+              <a:t>An interesting-looking new project</a:t>
+            </a:r>
+          </a:p>
+          <a:p>
+            <a:pPr marL="914400" lvl="1" indent="-514350"/>
+            <a:r>
+              <a:rPr lang="en-US" dirty="0">
+                <a:hlinkClick r:id="rId5"/>
+              </a:rPr>
+              <a:t>Treebeard</a:t>
+            </a:r>
+            <a:r>
+              <a:rPr lang="en-US" dirty="0"/>
+              <a:t> - A Notebook-First Continuous Integration Framework</a:t>
+            </a:r>
+          </a:p>
+          <a:p>
+            <a:pPr marL="1314450" lvl="2" indent="-514350"/>
+            <a:r>
+              <a:rPr lang="en-US" dirty="0"/>
+              <a:t>A library which helps Python Data Science practitioners work more productively with cloud environments.</a:t>
+            </a:r>
+          </a:p>
+          <a:p>
+            <a:pPr marL="1314450" lvl="2" indent="-514350"/>
+            <a:r>
+              <a:rPr lang="en-US" dirty="0"/>
+              <a:t>Runs on GitHub Actions</a:t>
+            </a:r>
+          </a:p>
+          <a:p>
+            <a:pPr marL="1314450" lvl="2" indent="-514350"/>
+            <a:r>
+              <a:rPr lang="en-US" dirty="0"/>
+              <a:t>Automatically Containerizes Repos</a:t>
+            </a:r>
+          </a:p>
+          <a:p>
+            <a:pPr marL="1314450" lvl="2" indent="-514350"/>
+            <a:r>
+              <a:rPr lang="en-US" dirty="0"/>
+              <a:t>Executes Notebooks</a:t>
+            </a:r>
+          </a:p>
+          <a:p>
+            <a:pPr marL="1314450" lvl="2" indent="-514350"/>
+            <a:r>
+              <a:rPr lang="en-US" dirty="0"/>
+              <a:t>Searches for missing imports</a:t>
+            </a:r>
+          </a:p>
+          <a:p>
+            <a:pPr marL="0" indent="0">
+              <a:buNone/>
+            </a:pPr>
+            <a:endParaRPr lang="en-US" dirty="0"/>
           </a:p>
           <a:p>
             <a:pPr marL="914400" lvl="1" indent="-514350"/>
@@ -7771,7 +7841,7 @@
             <a:r>
               <a:rPr lang="en-US" dirty="0">
                 <a:solidFill>
-                  <a:srgbClr val="FF0000"/>
+                  <a:schemeClr val="tx2"/>
                 </a:solidFill>
               </a:rPr>
               <a:t>BY</a:t>
@@ -7783,7 +7853,7 @@
             <a:r>
               <a:rPr lang="en-US" dirty="0">
                 <a:solidFill>
-                  <a:srgbClr val="FF0000"/>
+                  <a:schemeClr val="tx2"/>
                 </a:solidFill>
               </a:rPr>
               <a:t>Attribution</a:t>
@@ -7795,7 +7865,7 @@
             <a:r>
               <a:rPr lang="en-US" dirty="0">
                 <a:solidFill>
-                  <a:srgbClr val="FF0000"/>
+                  <a:schemeClr val="tx2"/>
                 </a:solidFill>
               </a:rPr>
               <a:t>credit must be given</a:t>
@@ -7810,7 +7880,7 @@
             <a:r>
               <a:rPr lang="en-US" dirty="0">
                 <a:solidFill>
-                  <a:srgbClr val="FF0000"/>
+                  <a:schemeClr val="tx2"/>
                 </a:solidFill>
               </a:rPr>
               <a:t>BY</a:t>
@@ -7834,7 +7904,7 @@
             <a:r>
               <a:rPr lang="en-US" dirty="0">
                 <a:solidFill>
-                  <a:srgbClr val="FF0000"/>
+                  <a:schemeClr val="tx2"/>
                 </a:solidFill>
               </a:rPr>
               <a:t>Attribution</a:t>
@@ -7858,14 +7928,14 @@
             <a:r>
               <a:rPr lang="en-US" dirty="0">
                 <a:solidFill>
-                  <a:srgbClr val="FF0000"/>
+                  <a:schemeClr val="tx2"/>
                 </a:solidFill>
               </a:rPr>
               <a:t>credit must be given</a:t>
             </a:r>
             <a:r>
               <a:rPr lang="en-US" dirty="0"/>
-              <a:t> and a</a:t>
+              <a:t> and </a:t>
             </a:r>
             <a:r>
               <a:rPr lang="en-US" dirty="0">
@@ -7873,7 +7943,7 @@
                   <a:srgbClr val="00B050"/>
                 </a:solidFill>
               </a:rPr>
-              <a:t>dapted material must also be distributed with this same license</a:t>
+              <a:t>adapted material must also be distributed with this same license</a:t>
             </a:r>
           </a:p>
           <a:p>
@@ -7885,7 +7955,7 @@
             <a:r>
               <a:rPr lang="en-US" dirty="0">
                 <a:solidFill>
-                  <a:srgbClr val="FF0000"/>
+                  <a:schemeClr val="tx2"/>
                 </a:solidFill>
               </a:rPr>
               <a:t>BY</a:t>
@@ -7909,7 +7979,7 @@
             <a:r>
               <a:rPr lang="en-US" dirty="0">
                 <a:solidFill>
-                  <a:srgbClr val="FF0000"/>
+                  <a:schemeClr val="tx2"/>
                 </a:solidFill>
               </a:rPr>
               <a:t>Attribution</a:t>
@@ -7933,7 +8003,7 @@
             <a:r>
               <a:rPr lang="en-US" dirty="0">
                 <a:solidFill>
-                  <a:srgbClr val="FF0000"/>
+                  <a:schemeClr val="tx2"/>
                 </a:solidFill>
               </a:rPr>
               <a:t>credit must be given</a:t>
@@ -7960,7 +8030,7 @@
             <a:r>
               <a:rPr lang="en-US" dirty="0">
                 <a:solidFill>
-                  <a:srgbClr val="FF0000"/>
+                  <a:schemeClr val="tx2"/>
                 </a:solidFill>
               </a:rPr>
               <a:t>BY</a:t>
@@ -7984,7 +8054,7 @@
             <a:r>
               <a:rPr lang="en-US" dirty="0">
                 <a:solidFill>
-                  <a:srgbClr val="FF0000"/>
+                  <a:schemeClr val="tx2"/>
                 </a:solidFill>
               </a:rPr>
               <a:t>Attribution</a:t>
@@ -8008,7 +8078,7 @@
             <a:r>
               <a:rPr lang="en-US" dirty="0">
                 <a:solidFill>
-                  <a:srgbClr val="FF0000"/>
+                  <a:schemeClr val="tx2"/>
                 </a:solidFill>
               </a:rPr>
               <a:t>credit must be given</a:t>
@@ -8035,7 +8105,7 @@
             <a:r>
               <a:rPr lang="en-US" dirty="0">
                 <a:solidFill>
-                  <a:srgbClr val="FF0000"/>
+                  <a:schemeClr val="tx2"/>
                 </a:solidFill>
               </a:rPr>
               <a:t>BY</a:t>
@@ -8071,7 +8141,7 @@
             <a:r>
               <a:rPr lang="en-US" dirty="0">
                 <a:solidFill>
-                  <a:srgbClr val="FF0000"/>
+                  <a:schemeClr val="tx2"/>
                 </a:solidFill>
               </a:rPr>
               <a:t>Attribution</a:t>
@@ -8107,7 +8177,7 @@
             <a:r>
               <a:rPr lang="en-US" dirty="0">
                 <a:solidFill>
-                  <a:srgbClr val="FF0000"/>
+                  <a:schemeClr val="tx2"/>
                 </a:solidFill>
               </a:rPr>
               <a:t>credit must be given</a:t>
@@ -8146,7 +8216,7 @@
             <a:r>
               <a:rPr lang="en-US" dirty="0">
                 <a:solidFill>
-                  <a:srgbClr val="FF0000"/>
+                  <a:schemeClr val="tx2"/>
                 </a:solidFill>
               </a:rPr>
               <a:t>BY</a:t>
@@ -8170,7 +8240,7 @@
             <a:r>
               <a:rPr lang="en-US" dirty="0">
                 <a:solidFill>
-                  <a:srgbClr val="FF0000"/>
+                  <a:schemeClr val="tx2"/>
                 </a:solidFill>
               </a:rPr>
               <a:t>Attribution</a:t>
@@ -8206,7 +8276,7 @@
             <a:r>
               <a:rPr lang="en-US" dirty="0">
                 <a:solidFill>
-                  <a:srgbClr val="FF0000"/>
+                  <a:schemeClr val="tx2"/>
                 </a:solidFill>
               </a:rPr>
               <a:t>credit must be given</a:t>
@@ -8221,23 +8291,7 @@
                   <a:srgbClr val="00B0F0"/>
                 </a:solidFill>
               </a:rPr>
-              <a:t>can’t </a:t>
-            </a:r>
-            <a:r>
-              <a:rPr lang="en-US">
-                <a:solidFill>
-                  <a:srgbClr val="00B0F0"/>
-                </a:solidFill>
-              </a:rPr>
-              <a:t>be used </a:t>
-            </a:r>
-            <a:r>
-              <a:rPr lang="en-US" dirty="0">
-                <a:solidFill>
-                  <a:srgbClr val="00B0F0"/>
-                </a:solidFill>
-              </a:rPr>
-              <a:t>commercially</a:t>
+              <a:t>can’t be used commercially</a:t>
             </a:r>
             <a:r>
               <a:rPr lang="en-US" dirty="0"/>

--- a/Computational_Reproducibility.pptx
+++ b/Computational_Reproducibility.pptx
@@ -238,7 +238,7 @@
           <a:p>
             <a:fld id="{81C38738-6EB7-A34B-945D-F5A341E4EF53}" type="datetimeFigureOut">
               <a:rPr lang="en-US" smtClean="0"/>
-              <a:t>7/24/20</a:t>
+              <a:t>7/31/20</a:t>
             </a:fld>
             <a:endParaRPr lang="en-US"/>
           </a:p>
@@ -2395,13 +2395,13 @@
         </p:nvSpPr>
         <p:spPr>
           <a:xfrm>
-            <a:off x="386079" y="1198244"/>
-            <a:ext cx="7566119" cy="4572636"/>
+            <a:off x="386079" y="1023585"/>
+            <a:ext cx="7566119" cy="4859260"/>
           </a:xfrm>
         </p:spPr>
         <p:txBody>
           <a:bodyPr>
-            <a:normAutofit fontScale="92500" lnSpcReduction="10000"/>
+            <a:normAutofit fontScale="85000" lnSpcReduction="10000"/>
           </a:bodyPr>
           <a:lstStyle/>
           <a:p>
@@ -2471,6 +2471,64 @@
             <a:r>
               <a:rPr lang="en-US" dirty="0"/>
               <a:t>”</a:t>
+            </a:r>
+          </a:p>
+          <a:p>
+            <a:pPr marL="914400" lvl="1" indent="-514350"/>
+            <a:r>
+              <a:rPr lang="en-US" dirty="0"/>
+              <a:t>Version numbers</a:t>
+            </a:r>
+          </a:p>
+          <a:p>
+            <a:pPr marL="1314450" lvl="2" indent="-514350"/>
+            <a:r>
+              <a:rPr lang="en-US" dirty="0"/>
+              <a:t>Consider releases, use </a:t>
+            </a:r>
+            <a:r>
+              <a:rPr lang="en-US" dirty="0">
+                <a:hlinkClick r:id="rId3"/>
+              </a:rPr>
+              <a:t>semantic versioning</a:t>
+            </a:r>
+            <a:r>
+              <a:rPr lang="en-US" dirty="0"/>
+              <a:t> </a:t>
+            </a:r>
+          </a:p>
+          <a:p>
+            <a:pPr marL="1771650" lvl="3" indent="-514350"/>
+            <a:r>
+              <a:rPr lang="en-US" dirty="0"/>
+              <a:t>A release is a tagged version</a:t>
+            </a:r>
+          </a:p>
+          <a:p>
+            <a:pPr marL="1771650" lvl="3" indent="-514350"/>
+            <a:r>
+              <a:rPr lang="en-US" dirty="0" err="1"/>
+              <a:t>major.minor.patch</a:t>
+            </a:r>
+            <a:r>
+              <a:rPr lang="en-US" dirty="0"/>
+              <a:t> (API-</a:t>
+            </a:r>
+            <a:r>
+              <a:rPr lang="en-US" dirty="0" err="1"/>
+              <a:t>breaking.API</a:t>
+            </a:r>
+            <a:r>
+              <a:rPr lang="en-US" dirty="0"/>
+              <a:t>-</a:t>
+            </a:r>
+            <a:r>
+              <a:rPr lang="en-US" dirty="0" err="1"/>
+              <a:t>maintaining.bug</a:t>
+            </a:r>
+            <a:r>
+              <a:rPr lang="en-US" dirty="0"/>
+              <a:t>-fixes)</a:t>
             </a:r>
           </a:p>
         </p:txBody>
@@ -2490,7 +2548,7 @@
           <p:nvPr/>
         </p:nvPicPr>
         <p:blipFill>
-          <a:blip r:embed="rId3"/>
+          <a:blip r:embed="rId4"/>
           <a:stretch>
             <a:fillRect/>
           </a:stretch>

--- a/Computational_Reproducibility.pptx
+++ b/Computational_Reproducibility.pptx
@@ -2251,7 +2251,23 @@
                 <a:ea typeface="Georgia" charset="0"/>
                 <a:cs typeface="Georgia" charset="0"/>
               </a:rPr>
-              <a:t>(Research Reproducibility in Theory and Practice, Day x, FSCI2020)</a:t>
+              <a:t>(Research Reproducibility in Theory and Practice, </a:t>
+            </a:r>
+            <a:r>
+              <a:rPr lang="en-US">
+                <a:latin typeface="Georgia" charset="0"/>
+                <a:ea typeface="Georgia" charset="0"/>
+                <a:cs typeface="Georgia" charset="0"/>
+              </a:rPr>
+              <a:t>Day 3, </a:t>
+            </a:r>
+            <a:r>
+              <a:rPr lang="en-US" dirty="0">
+                <a:latin typeface="Georgia" charset="0"/>
+                <a:ea typeface="Georgia" charset="0"/>
+                <a:cs typeface="Georgia" charset="0"/>
+              </a:rPr>
+              <a:t>FSCI2020)</a:t>
             </a:r>
           </a:p>
         </p:txBody>

--- a/Computational_Reproducibility.pptx
+++ b/Computational_Reproducibility.pptx
@@ -238,7 +238,7 @@
           <a:p>
             <a:fld id="{81C38738-6EB7-A34B-945D-F5A341E4EF53}" type="datetimeFigureOut">
               <a:rPr lang="en-US" smtClean="0"/>
-              <a:t>7/31/20</a:t>
+              <a:t>8/12/20</a:t>
             </a:fld>
             <a:endParaRPr lang="en-US"/>
           </a:p>
@@ -2251,23 +2251,7 @@
                 <a:ea typeface="Georgia" charset="0"/>
                 <a:cs typeface="Georgia" charset="0"/>
               </a:rPr>
-              <a:t>(Research Reproducibility in Theory and Practice, </a:t>
-            </a:r>
-            <a:r>
-              <a:rPr lang="en-US">
-                <a:latin typeface="Georgia" charset="0"/>
-                <a:ea typeface="Georgia" charset="0"/>
-                <a:cs typeface="Georgia" charset="0"/>
-              </a:rPr>
-              <a:t>Day 3, </a:t>
-            </a:r>
-            <a:r>
-              <a:rPr lang="en-US" dirty="0">
-                <a:latin typeface="Georgia" charset="0"/>
-                <a:ea typeface="Georgia" charset="0"/>
-                <a:cs typeface="Georgia" charset="0"/>
-              </a:rPr>
-              <a:t>FSCI2020)</a:t>
+              <a:t>(Research Reproducibility in Theory and Practice, Day 3, FSCI2020)</a:t>
             </a:r>
           </a:p>
         </p:txBody>
@@ -2331,6 +2315,73 @@
               <a:latin typeface="Calibri" charset="0"/>
               <a:ea typeface="Calibri" charset="0"/>
               <a:cs typeface="Calibri" charset="0"/>
+            </a:endParaRPr>
+          </a:p>
+        </p:txBody>
+      </p:sp>
+      <p:sp>
+        <p:nvSpPr>
+          <p:cNvPr id="2" name="Rectangle 1">
+            <a:extLst>
+              <a:ext uri="{FF2B5EF4-FFF2-40B4-BE49-F238E27FC236}">
+                <a16:creationId xmlns:a16="http://schemas.microsoft.com/office/drawing/2014/main" id="{6D63FC56-2B15-DA46-A4F2-760E588F6587}"/>
+              </a:ext>
+            </a:extLst>
+          </p:cNvPr>
+          <p:cNvSpPr/>
+          <p:nvPr/>
+        </p:nvSpPr>
+        <p:spPr>
+          <a:xfrm>
+            <a:off x="1335640" y="4788823"/>
+            <a:ext cx="7423827" cy="461665"/>
+          </a:xfrm>
+          <a:prstGeom prst="rect">
+            <a:avLst/>
+          </a:prstGeom>
+        </p:spPr>
+        <p:txBody>
+          <a:bodyPr wrap="none">
+            <a:spAutoFit/>
+          </a:bodyPr>
+          <a:lstStyle/>
+          <a:p>
+            <a:r>
+              <a:rPr lang="en-US" sz="2400" dirty="0">
+                <a:solidFill>
+                  <a:schemeClr val="bg1"/>
+                </a:solidFill>
+              </a:rPr>
+              <a:t>Slides and examples are in https://</a:t>
+            </a:r>
+            <a:r>
+              <a:rPr lang="en-US" sz="2400" dirty="0" err="1">
+                <a:solidFill>
+                  <a:schemeClr val="bg1"/>
+                </a:solidFill>
+              </a:rPr>
+              <a:t>bit.ly</a:t>
+            </a:r>
+            <a:r>
+              <a:rPr lang="en-US" sz="2400" dirty="0">
+                <a:solidFill>
+                  <a:schemeClr val="bg1"/>
+                </a:solidFill>
+              </a:rPr>
+              <a:t>/</a:t>
+            </a:r>
+            <a:r>
+              <a:rPr lang="en-US" sz="2400" dirty="0" err="1">
+                <a:solidFill>
+                  <a:schemeClr val="bg1"/>
+                </a:solidFill>
+              </a:rPr>
+              <a:t>CompRepro</a:t>
+            </a:r>
+            <a:endParaRPr lang="en-US" sz="2400" dirty="0">
+              <a:solidFill>
+                <a:schemeClr val="bg1"/>
+              </a:solidFill>
             </a:endParaRPr>
           </a:p>
         </p:txBody>

--- a/Computational_Reproducibility.pptx
+++ b/Computational_Reproducibility.pptx
@@ -5,7 +5,7 @@
     <p:sldMasterId id="2147483653" r:id="rId1"/>
   </p:sldMasterIdLst>
   <p:notesMasterIdLst>
-    <p:notesMasterId r:id="rId33"/>
+    <p:notesMasterId r:id="rId34"/>
   </p:notesMasterIdLst>
   <p:sldIdLst>
     <p:sldId id="266" r:id="rId2"/>
@@ -15,30 +15,31 @@
     <p:sldId id="263" r:id="rId6"/>
     <p:sldId id="262" r:id="rId7"/>
     <p:sldId id="296" r:id="rId8"/>
-    <p:sldId id="259" r:id="rId9"/>
-    <p:sldId id="301" r:id="rId10"/>
-    <p:sldId id="303" r:id="rId11"/>
-    <p:sldId id="304" r:id="rId12"/>
-    <p:sldId id="295" r:id="rId13"/>
-    <p:sldId id="297" r:id="rId14"/>
-    <p:sldId id="307" r:id="rId15"/>
-    <p:sldId id="310" r:id="rId16"/>
-    <p:sldId id="311" r:id="rId17"/>
-    <p:sldId id="318" r:id="rId18"/>
-    <p:sldId id="308" r:id="rId19"/>
-    <p:sldId id="298" r:id="rId20"/>
-    <p:sldId id="312" r:id="rId21"/>
-    <p:sldId id="314" r:id="rId22"/>
-    <p:sldId id="299" r:id="rId23"/>
-    <p:sldId id="300" r:id="rId24"/>
-    <p:sldId id="315" r:id="rId25"/>
-    <p:sldId id="316" r:id="rId26"/>
-    <p:sldId id="317" r:id="rId27"/>
-    <p:sldId id="290" r:id="rId28"/>
-    <p:sldId id="291" r:id="rId29"/>
-    <p:sldId id="261" r:id="rId30"/>
-    <p:sldId id="305" r:id="rId31"/>
-    <p:sldId id="306" r:id="rId32"/>
+    <p:sldId id="320" r:id="rId9"/>
+    <p:sldId id="259" r:id="rId10"/>
+    <p:sldId id="301" r:id="rId11"/>
+    <p:sldId id="303" r:id="rId12"/>
+    <p:sldId id="304" r:id="rId13"/>
+    <p:sldId id="295" r:id="rId14"/>
+    <p:sldId id="297" r:id="rId15"/>
+    <p:sldId id="307" r:id="rId16"/>
+    <p:sldId id="310" r:id="rId17"/>
+    <p:sldId id="311" r:id="rId18"/>
+    <p:sldId id="318" r:id="rId19"/>
+    <p:sldId id="308" r:id="rId20"/>
+    <p:sldId id="298" r:id="rId21"/>
+    <p:sldId id="312" r:id="rId22"/>
+    <p:sldId id="314" r:id="rId23"/>
+    <p:sldId id="299" r:id="rId24"/>
+    <p:sldId id="300" r:id="rId25"/>
+    <p:sldId id="315" r:id="rId26"/>
+    <p:sldId id="316" r:id="rId27"/>
+    <p:sldId id="317" r:id="rId28"/>
+    <p:sldId id="290" r:id="rId29"/>
+    <p:sldId id="291" r:id="rId30"/>
+    <p:sldId id="261" r:id="rId31"/>
+    <p:sldId id="305" r:id="rId32"/>
+    <p:sldId id="306" r:id="rId33"/>
   </p:sldIdLst>
   <p:sldSz cx="12192000" cy="6858000"/>
   <p:notesSz cx="6858000" cy="9144000"/>
@@ -2352,13 +2353,35 @@
                   <a:schemeClr val="bg1"/>
                 </a:solidFill>
               </a:rPr>
-              <a:t>Slides and examples are in https://</a:t>
+              <a:t>Slides and examples are in </a:t>
+            </a:r>
+            <a:r>
+              <a:rPr lang="en-US" sz="2400" dirty="0">
+                <a:solidFill>
+                  <a:schemeClr val="bg1"/>
+                </a:solidFill>
+                <a:hlinkClick r:id="rId2">
+                  <a:extLst>
+                    <a:ext uri="{A12FA001-AC4F-418D-AE19-62706E023703}">
+                      <ahyp:hlinkClr xmlns:ahyp="http://schemas.microsoft.com/office/drawing/2018/hyperlinkcolor" val="tx"/>
+                    </a:ext>
+                  </a:extLst>
+                </a:hlinkClick>
+              </a:rPr>
+              <a:t>https://</a:t>
             </a:r>
             <a:r>
               <a:rPr lang="en-US" sz="2400" dirty="0" err="1">
                 <a:solidFill>
                   <a:schemeClr val="bg1"/>
                 </a:solidFill>
+                <a:hlinkClick r:id="rId2">
+                  <a:extLst>
+                    <a:ext uri="{A12FA001-AC4F-418D-AE19-62706E023703}">
+                      <ahyp:hlinkClr xmlns:ahyp="http://schemas.microsoft.com/office/drawing/2018/hyperlinkcolor" val="tx"/>
+                    </a:ext>
+                  </a:extLst>
+                </a:hlinkClick>
               </a:rPr>
               <a:t>bit.ly</a:t>
             </a:r>
@@ -2367,6 +2390,13 @@
                 <a:solidFill>
                   <a:schemeClr val="bg1"/>
                 </a:solidFill>
+                <a:hlinkClick r:id="rId2">
+                  <a:extLst>
+                    <a:ext uri="{A12FA001-AC4F-418D-AE19-62706E023703}">
+                      <ahyp:hlinkClr xmlns:ahyp="http://schemas.microsoft.com/office/drawing/2018/hyperlinkcolor" val="tx"/>
+                    </a:ext>
+                  </a:extLst>
+                </a:hlinkClick>
               </a:rPr>
               <a:t>/</a:t>
             </a:r>
@@ -2375,6 +2405,13 @@
                 <a:solidFill>
                   <a:schemeClr val="bg1"/>
                 </a:solidFill>
+                <a:hlinkClick r:id="rId2">
+                  <a:extLst>
+                    <a:ext uri="{A12FA001-AC4F-418D-AE19-62706E023703}">
+                      <ahyp:hlinkClr xmlns:ahyp="http://schemas.microsoft.com/office/drawing/2018/hyperlinkcolor" val="tx"/>
+                    </a:ext>
+                  </a:extLst>
+                </a:hlinkClick>
               </a:rPr>
               <a:t>CompRepro</a:t>
             </a:r>
@@ -2400,6 +2437,527 @@
 </file>
 
 <file path=ppt/slides/slide10.xml><?xml version="1.0" encoding="utf-8"?>
+<p:sld xmlns:a="http://schemas.openxmlformats.org/drawingml/2006/main" xmlns:r="http://schemas.openxmlformats.org/officeDocument/2006/relationships" xmlns:p="http://schemas.openxmlformats.org/presentationml/2006/main">
+  <p:cSld>
+    <p:spTree>
+      <p:nvGrpSpPr>
+        <p:cNvPr id="1" name=""/>
+        <p:cNvGrpSpPr/>
+        <p:nvPr/>
+      </p:nvGrpSpPr>
+      <p:grpSpPr>
+        <a:xfrm>
+          <a:off x="0" y="0"/>
+          <a:ext cx="0" cy="0"/>
+          <a:chOff x="0" y="0"/>
+          <a:chExt cx="0" cy="0"/>
+        </a:xfrm>
+      </p:grpSpPr>
+      <p:sp>
+        <p:nvSpPr>
+          <p:cNvPr id="2" name="Title 1">
+            <a:extLst>
+              <a:ext uri="{FF2B5EF4-FFF2-40B4-BE49-F238E27FC236}">
+                <a16:creationId xmlns:a16="http://schemas.microsoft.com/office/drawing/2014/main" id="{49B67E51-8D40-824E-A9DB-5FC9A451DEAA}"/>
+              </a:ext>
+            </a:extLst>
+          </p:cNvPr>
+          <p:cNvSpPr>
+            <a:spLocks noGrp="1"/>
+          </p:cNvSpPr>
+          <p:nvPr>
+            <p:ph type="title"/>
+          </p:nvPr>
+        </p:nvSpPr>
+        <p:spPr/>
+        <p:txBody>
+          <a:bodyPr/>
+          <a:lstStyle/>
+          <a:p>
+            <a:r>
+              <a:rPr lang="en-US" dirty="0"/>
+              <a:t>Principle 2 – Control the source &amp; changes</a:t>
+            </a:r>
+          </a:p>
+        </p:txBody>
+      </p:sp>
+      <p:sp>
+        <p:nvSpPr>
+          <p:cNvPr id="3" name="Content Placeholder 2">
+            <a:extLst>
+              <a:ext uri="{FF2B5EF4-FFF2-40B4-BE49-F238E27FC236}">
+                <a16:creationId xmlns:a16="http://schemas.microsoft.com/office/drawing/2014/main" id="{C9EC785B-88C7-824B-927B-2704113AE38B}"/>
+              </a:ext>
+            </a:extLst>
+          </p:cNvPr>
+          <p:cNvSpPr>
+            <a:spLocks noGrp="1"/>
+          </p:cNvSpPr>
+          <p:nvPr>
+            <p:ph type="body" sz="quarter" idx="10"/>
+          </p:nvPr>
+        </p:nvSpPr>
+        <p:spPr>
+          <a:xfrm>
+            <a:off x="386080" y="1198244"/>
+            <a:ext cx="7329812" cy="4572636"/>
+          </a:xfrm>
+        </p:spPr>
+        <p:txBody>
+          <a:bodyPr>
+            <a:normAutofit fontScale="92500"/>
+          </a:bodyPr>
+          <a:lstStyle/>
+          <a:p>
+            <a:pPr marL="514350" indent="-514350">
+              <a:buFont typeface="+mj-lt"/>
+              <a:buAutoNum type="arabicPeriod"/>
+            </a:pPr>
+            <a:r>
+              <a:rPr lang="en-US" dirty="0"/>
+              <a:t>For data, store the original (raw) data archivally somewhere and build other versions elsewhere using scripts (including accessing the data from the archive)</a:t>
+            </a:r>
+          </a:p>
+          <a:p>
+            <a:pPr lvl="1"/>
+            <a:r>
+              <a:rPr lang="en-US" dirty="0"/>
+              <a:t>Note: GitHub is not archival, and isn’t good for large datasets</a:t>
+            </a:r>
+          </a:p>
+          <a:p>
+            <a:pPr lvl="2"/>
+            <a:r>
+              <a:rPr lang="en-US" dirty="0"/>
+              <a:t>Two previous versions of this class used data in </a:t>
+            </a:r>
+            <a:r>
+              <a:rPr lang="en-US" dirty="0">
+                <a:hlinkClick r:id="rId2"/>
+              </a:rPr>
+              <a:t>https://raw.githubusercontent.com/csoderberg/test_study/master/gapminder_copy.txt</a:t>
+            </a:r>
+            <a:r>
+              <a:rPr lang="en-US" dirty="0"/>
+              <a:t> but this no longer exists</a:t>
+            </a:r>
+          </a:p>
+          <a:p>
+            <a:pPr lvl="1"/>
+            <a:r>
+              <a:rPr lang="en-US" dirty="0"/>
+              <a:t>However, it is still in OSF: </a:t>
+            </a:r>
+            <a:r>
+              <a:rPr lang="en-US" dirty="0">
+                <a:hlinkClick r:id="rId3"/>
+              </a:rPr>
+              <a:t>https://osf.io/z274d/</a:t>
+            </a:r>
+            <a:endParaRPr lang="en-US" dirty="0"/>
+          </a:p>
+          <a:p>
+            <a:pPr lvl="1"/>
+            <a:r>
+              <a:rPr lang="en-US" dirty="0"/>
+              <a:t>Get it via: </a:t>
+            </a:r>
+            <a:r>
+              <a:rPr lang="en-US" dirty="0" err="1">
+                <a:latin typeface="Consolas" panose="020B0609020204030204" pitchFamily="49" charset="0"/>
+                <a:cs typeface="Consolas" panose="020B0609020204030204" pitchFamily="49" charset="0"/>
+              </a:rPr>
+              <a:t>wget</a:t>
+            </a:r>
+            <a:r>
+              <a:rPr lang="en-US" dirty="0">
+                <a:latin typeface="Consolas" panose="020B0609020204030204" pitchFamily="49" charset="0"/>
+                <a:cs typeface="Consolas" panose="020B0609020204030204" pitchFamily="49" charset="0"/>
+              </a:rPr>
+              <a:t> https://</a:t>
+            </a:r>
+            <a:r>
+              <a:rPr lang="en-US" dirty="0" err="1">
+                <a:latin typeface="Consolas" panose="020B0609020204030204" pitchFamily="49" charset="0"/>
+                <a:cs typeface="Consolas" panose="020B0609020204030204" pitchFamily="49" charset="0"/>
+              </a:rPr>
+              <a:t>osf.io</a:t>
+            </a:r>
+            <a:r>
+              <a:rPr lang="en-US" dirty="0">
+                <a:latin typeface="Consolas" panose="020B0609020204030204" pitchFamily="49" charset="0"/>
+                <a:cs typeface="Consolas" panose="020B0609020204030204" pitchFamily="49" charset="0"/>
+              </a:rPr>
+              <a:t>/z274d/download</a:t>
+            </a:r>
+          </a:p>
+          <a:p>
+            <a:pPr marL="914400" lvl="2" indent="0">
+              <a:buNone/>
+            </a:pPr>
+            <a:r>
+              <a:rPr lang="en-US" dirty="0"/>
+              <a:t>(You may have to install </a:t>
+            </a:r>
+            <a:r>
+              <a:rPr lang="en-US" dirty="0" err="1"/>
+              <a:t>wget</a:t>
+            </a:r>
+            <a:r>
+              <a:rPr lang="en-US" dirty="0"/>
+              <a:t> – Google it)</a:t>
+            </a:r>
+          </a:p>
+        </p:txBody>
+      </p:sp>
+      <p:sp>
+        <p:nvSpPr>
+          <p:cNvPr id="4" name="Content Placeholder 2">
+            <a:extLst>
+              <a:ext uri="{FF2B5EF4-FFF2-40B4-BE49-F238E27FC236}">
+                <a16:creationId xmlns:a16="http://schemas.microsoft.com/office/drawing/2014/main" id="{BAD2C20E-3BB8-6B40-9286-B635E3AA0216}"/>
+              </a:ext>
+            </a:extLst>
+          </p:cNvPr>
+          <p:cNvSpPr txBox="1">
+            <a:spLocks/>
+          </p:cNvSpPr>
+          <p:nvPr/>
+        </p:nvSpPr>
+        <p:spPr>
+          <a:xfrm>
+            <a:off x="8476179" y="1087120"/>
+            <a:ext cx="3307707" cy="4572636"/>
+          </a:xfrm>
+          <a:prstGeom prst="rect">
+            <a:avLst/>
+          </a:prstGeom>
+        </p:spPr>
+        <p:txBody>
+          <a:bodyPr>
+            <a:normAutofit/>
+          </a:bodyPr>
+          <a:lstStyle>
+            <a:lvl1pPr marL="342900" indent="-342900" algn="l" defTabSz="457200" rtl="0" eaLnBrk="1" latinLnBrk="0" hangingPunct="1">
+              <a:spcBef>
+                <a:spcPct val="20000"/>
+              </a:spcBef>
+              <a:buFont typeface="Arial"/>
+              <a:buChar char="•"/>
+              <a:defRPr sz="2800" kern="1200">
+                <a:solidFill>
+                  <a:srgbClr val="13294B"/>
+                </a:solidFill>
+                <a:latin typeface="Calibri" panose="020F0502020204030204" pitchFamily="34" charset="0"/>
+                <a:ea typeface="+mn-ea"/>
+                <a:cs typeface="Calibri" panose="020F0502020204030204" pitchFamily="34" charset="0"/>
+              </a:defRPr>
+            </a:lvl1pPr>
+            <a:lvl2pPr marL="742950" indent="-285750" algn="l" defTabSz="457200" rtl="0" eaLnBrk="1" latinLnBrk="0" hangingPunct="1">
+              <a:spcBef>
+                <a:spcPct val="20000"/>
+              </a:spcBef>
+              <a:buFont typeface="Arial"/>
+              <a:buChar char="–"/>
+              <a:defRPr sz="2400" kern="1200">
+                <a:solidFill>
+                  <a:srgbClr val="13294B"/>
+                </a:solidFill>
+                <a:latin typeface="Calibri" panose="020F0502020204030204" pitchFamily="34" charset="0"/>
+                <a:ea typeface="+mn-ea"/>
+                <a:cs typeface="Calibri" panose="020F0502020204030204" pitchFamily="34" charset="0"/>
+              </a:defRPr>
+            </a:lvl2pPr>
+            <a:lvl3pPr marL="1143000" indent="-228600" algn="l" defTabSz="457200" rtl="0" eaLnBrk="1" latinLnBrk="0" hangingPunct="1">
+              <a:spcBef>
+                <a:spcPct val="20000"/>
+              </a:spcBef>
+              <a:buFont typeface="Arial"/>
+              <a:buChar char="•"/>
+              <a:defRPr sz="2000" kern="1200">
+                <a:solidFill>
+                  <a:srgbClr val="13294B"/>
+                </a:solidFill>
+                <a:latin typeface="Calibri" panose="020F0502020204030204" pitchFamily="34" charset="0"/>
+                <a:ea typeface="+mn-ea"/>
+                <a:cs typeface="Calibri" panose="020F0502020204030204" pitchFamily="34" charset="0"/>
+              </a:defRPr>
+            </a:lvl3pPr>
+            <a:lvl4pPr marL="1600200" indent="-228600" algn="l" defTabSz="457200" rtl="0" eaLnBrk="1" latinLnBrk="0" hangingPunct="1">
+              <a:spcBef>
+                <a:spcPct val="20000"/>
+              </a:spcBef>
+              <a:buFont typeface="Arial"/>
+              <a:buChar char="–"/>
+              <a:defRPr sz="1800" kern="1200">
+                <a:solidFill>
+                  <a:srgbClr val="13294B"/>
+                </a:solidFill>
+                <a:latin typeface="Calibri" panose="020F0502020204030204" pitchFamily="34" charset="0"/>
+                <a:ea typeface="+mn-ea"/>
+                <a:cs typeface="Calibri" panose="020F0502020204030204" pitchFamily="34" charset="0"/>
+              </a:defRPr>
+            </a:lvl4pPr>
+            <a:lvl5pPr marL="2057400" indent="-228600" algn="l" defTabSz="457200" rtl="0" eaLnBrk="1" latinLnBrk="0" hangingPunct="1">
+              <a:spcBef>
+                <a:spcPct val="20000"/>
+              </a:spcBef>
+              <a:buFont typeface="Arial"/>
+              <a:buChar char="»"/>
+              <a:defRPr sz="1800" kern="1200">
+                <a:solidFill>
+                  <a:srgbClr val="13294B"/>
+                </a:solidFill>
+                <a:latin typeface="Calibri" panose="020F0502020204030204" pitchFamily="34" charset="0"/>
+                <a:ea typeface="+mn-ea"/>
+                <a:cs typeface="Calibri" panose="020F0502020204030204" pitchFamily="34" charset="0"/>
+              </a:defRPr>
+            </a:lvl5pPr>
+            <a:lvl6pPr marL="2514600" indent="-228600" algn="l" defTabSz="457200" rtl="0" eaLnBrk="1" latinLnBrk="0" hangingPunct="1">
+              <a:spcBef>
+                <a:spcPct val="20000"/>
+              </a:spcBef>
+              <a:buFont typeface="Arial"/>
+              <a:buChar char="•"/>
+              <a:defRPr sz="2000" kern="1200">
+                <a:solidFill>
+                  <a:schemeClr val="tx1"/>
+                </a:solidFill>
+                <a:latin typeface="+mn-lt"/>
+                <a:ea typeface="+mn-ea"/>
+                <a:cs typeface="+mn-cs"/>
+              </a:defRPr>
+            </a:lvl6pPr>
+            <a:lvl7pPr marL="2971800" indent="-228600" algn="l" defTabSz="457200" rtl="0" eaLnBrk="1" latinLnBrk="0" hangingPunct="1">
+              <a:spcBef>
+                <a:spcPct val="20000"/>
+              </a:spcBef>
+              <a:buFont typeface="Arial"/>
+              <a:buChar char="•"/>
+              <a:defRPr sz="2000" kern="1200">
+                <a:solidFill>
+                  <a:schemeClr val="tx1"/>
+                </a:solidFill>
+                <a:latin typeface="+mn-lt"/>
+                <a:ea typeface="+mn-ea"/>
+                <a:cs typeface="+mn-cs"/>
+              </a:defRPr>
+            </a:lvl7pPr>
+            <a:lvl8pPr marL="3429000" indent="-228600" algn="l" defTabSz="457200" rtl="0" eaLnBrk="1" latinLnBrk="0" hangingPunct="1">
+              <a:spcBef>
+                <a:spcPct val="20000"/>
+              </a:spcBef>
+              <a:buFont typeface="Arial"/>
+              <a:buChar char="•"/>
+              <a:defRPr sz="2000" kern="1200">
+                <a:solidFill>
+                  <a:schemeClr val="tx1"/>
+                </a:solidFill>
+                <a:latin typeface="+mn-lt"/>
+                <a:ea typeface="+mn-ea"/>
+                <a:cs typeface="+mn-cs"/>
+              </a:defRPr>
+            </a:lvl8pPr>
+            <a:lvl9pPr marL="3886200" indent="-228600" algn="l" defTabSz="457200" rtl="0" eaLnBrk="1" latinLnBrk="0" hangingPunct="1">
+              <a:spcBef>
+                <a:spcPct val="20000"/>
+              </a:spcBef>
+              <a:buFont typeface="Arial"/>
+              <a:buChar char="•"/>
+              <a:defRPr sz="2000" kern="1200">
+                <a:solidFill>
+                  <a:schemeClr val="tx1"/>
+                </a:solidFill>
+                <a:latin typeface="+mn-lt"/>
+                <a:ea typeface="+mn-ea"/>
+                <a:cs typeface="+mn-cs"/>
+              </a:defRPr>
+            </a:lvl9pPr>
+          </a:lstStyle>
+          <a:p>
+            <a:pPr marL="0" indent="0">
+              <a:buNone/>
+            </a:pPr>
+            <a:r>
+              <a:rPr lang="en-US" dirty="0" err="1">
+                <a:latin typeface="Consolas" panose="020B0609020204030204" pitchFamily="49" charset="0"/>
+                <a:cs typeface="Consolas" panose="020B0609020204030204" pitchFamily="49" charset="0"/>
+              </a:rPr>
+              <a:t>My_project</a:t>
+            </a:r>
+            <a:br>
+              <a:rPr lang="en-US" dirty="0">
+                <a:latin typeface="Consolas" panose="020B0609020204030204" pitchFamily="49" charset="0"/>
+                <a:cs typeface="Consolas" panose="020B0609020204030204" pitchFamily="49" charset="0"/>
+              </a:rPr>
+            </a:br>
+            <a:r>
+              <a:rPr lang="en-US" dirty="0">
+                <a:latin typeface="Consolas" panose="020B0609020204030204" pitchFamily="49" charset="0"/>
+                <a:cs typeface="Consolas" panose="020B0609020204030204" pitchFamily="49" charset="0"/>
+              </a:rPr>
+              <a:t> |--data</a:t>
+            </a:r>
+            <a:br>
+              <a:rPr lang="en-US" dirty="0">
+                <a:latin typeface="Consolas" panose="020B0609020204030204" pitchFamily="49" charset="0"/>
+                <a:cs typeface="Consolas" panose="020B0609020204030204" pitchFamily="49" charset="0"/>
+              </a:rPr>
+            </a:br>
+            <a:r>
+              <a:rPr lang="en-US" dirty="0">
+                <a:latin typeface="Consolas" panose="020B0609020204030204" pitchFamily="49" charset="0"/>
+                <a:cs typeface="Consolas" panose="020B0609020204030204" pitchFamily="49" charset="0"/>
+              </a:rPr>
+              <a:t> |    |--</a:t>
+            </a:r>
+            <a:r>
+              <a:rPr lang="en-US" b="1" dirty="0">
+                <a:latin typeface="Consolas" panose="020B0609020204030204" pitchFamily="49" charset="0"/>
+                <a:cs typeface="Consolas" panose="020B0609020204030204" pitchFamily="49" charset="0"/>
+              </a:rPr>
+              <a:t>raw</a:t>
+            </a:r>
+            <a:br>
+              <a:rPr lang="en-US" dirty="0">
+                <a:latin typeface="Consolas" panose="020B0609020204030204" pitchFamily="49" charset="0"/>
+                <a:cs typeface="Consolas" panose="020B0609020204030204" pitchFamily="49" charset="0"/>
+              </a:rPr>
+            </a:br>
+            <a:r>
+              <a:rPr lang="en-US" dirty="0">
+                <a:latin typeface="Consolas" panose="020B0609020204030204" pitchFamily="49" charset="0"/>
+                <a:cs typeface="Consolas" panose="020B0609020204030204" pitchFamily="49" charset="0"/>
+              </a:rPr>
+              <a:t> |    |--</a:t>
+            </a:r>
+            <a:r>
+              <a:rPr lang="en-US" b="1" dirty="0">
+                <a:latin typeface="Consolas" panose="020B0609020204030204" pitchFamily="49" charset="0"/>
+                <a:cs typeface="Consolas" panose="020B0609020204030204" pitchFamily="49" charset="0"/>
+              </a:rPr>
+              <a:t>derived</a:t>
+            </a:r>
+            <a:br>
+              <a:rPr lang="en-US" dirty="0">
+                <a:latin typeface="Consolas" panose="020B0609020204030204" pitchFamily="49" charset="0"/>
+                <a:cs typeface="Consolas" panose="020B0609020204030204" pitchFamily="49" charset="0"/>
+              </a:rPr>
+            </a:br>
+            <a:r>
+              <a:rPr lang="en-US" dirty="0">
+                <a:latin typeface="Consolas" panose="020B0609020204030204" pitchFamily="49" charset="0"/>
+                <a:cs typeface="Consolas" panose="020B0609020204030204" pitchFamily="49" charset="0"/>
+              </a:rPr>
+              <a:t> |    |--</a:t>
+            </a:r>
+            <a:r>
+              <a:rPr lang="en-US" b="1" dirty="0">
+                <a:latin typeface="Consolas" panose="020B0609020204030204" pitchFamily="49" charset="0"/>
+                <a:cs typeface="Consolas" panose="020B0609020204030204" pitchFamily="49" charset="0"/>
+              </a:rPr>
+              <a:t>results</a:t>
+            </a:r>
+            <a:r>
+              <a:rPr lang="en-US" dirty="0">
+                <a:latin typeface="Consolas" panose="020B0609020204030204" pitchFamily="49" charset="0"/>
+                <a:cs typeface="Consolas" panose="020B0609020204030204" pitchFamily="49" charset="0"/>
+              </a:rPr>
+              <a:t> </a:t>
+            </a:r>
+            <a:br>
+              <a:rPr lang="en-US" dirty="0">
+                <a:latin typeface="Consolas" panose="020B0609020204030204" pitchFamily="49" charset="0"/>
+                <a:cs typeface="Consolas" panose="020B0609020204030204" pitchFamily="49" charset="0"/>
+              </a:rPr>
+            </a:br>
+            <a:r>
+              <a:rPr lang="en-US" dirty="0">
+                <a:latin typeface="Consolas" panose="020B0609020204030204" pitchFamily="49" charset="0"/>
+                <a:cs typeface="Consolas" panose="020B0609020204030204" pitchFamily="49" charset="0"/>
+              </a:rPr>
+              <a:t> |--docs</a:t>
+            </a:r>
+            <a:br>
+              <a:rPr lang="en-US" dirty="0">
+                <a:latin typeface="Consolas" panose="020B0609020204030204" pitchFamily="49" charset="0"/>
+                <a:cs typeface="Consolas" panose="020B0609020204030204" pitchFamily="49" charset="0"/>
+              </a:rPr>
+            </a:br>
+            <a:r>
+              <a:rPr lang="en-US" dirty="0">
+                <a:latin typeface="Consolas" panose="020B0609020204030204" pitchFamily="49" charset="0"/>
+                <a:cs typeface="Consolas" panose="020B0609020204030204" pitchFamily="49" charset="0"/>
+              </a:rPr>
+              <a:t> |--notebooks</a:t>
+            </a:r>
+            <a:br>
+              <a:rPr lang="en-US" dirty="0">
+                <a:latin typeface="Consolas" panose="020B0609020204030204" pitchFamily="49" charset="0"/>
+                <a:cs typeface="Consolas" panose="020B0609020204030204" pitchFamily="49" charset="0"/>
+              </a:rPr>
+            </a:br>
+            <a:r>
+              <a:rPr lang="en-US" dirty="0">
+                <a:latin typeface="Consolas" panose="020B0609020204030204" pitchFamily="49" charset="0"/>
+                <a:cs typeface="Consolas" panose="020B0609020204030204" pitchFamily="49" charset="0"/>
+              </a:rPr>
+              <a:t> |--references</a:t>
+            </a:r>
+            <a:br>
+              <a:rPr lang="en-US" dirty="0">
+                <a:latin typeface="Consolas" panose="020B0609020204030204" pitchFamily="49" charset="0"/>
+                <a:cs typeface="Consolas" panose="020B0609020204030204" pitchFamily="49" charset="0"/>
+              </a:rPr>
+            </a:br>
+            <a:r>
+              <a:rPr lang="en-US" dirty="0">
+                <a:latin typeface="Consolas" panose="020B0609020204030204" pitchFamily="49" charset="0"/>
+                <a:cs typeface="Consolas" panose="020B0609020204030204" pitchFamily="49" charset="0"/>
+              </a:rPr>
+              <a:t> |--reports</a:t>
+            </a:r>
+            <a:br>
+              <a:rPr lang="en-US" dirty="0">
+                <a:latin typeface="Consolas" panose="020B0609020204030204" pitchFamily="49" charset="0"/>
+                <a:cs typeface="Consolas" panose="020B0609020204030204" pitchFamily="49" charset="0"/>
+              </a:rPr>
+            </a:br>
+            <a:r>
+              <a:rPr lang="en-US" dirty="0">
+                <a:latin typeface="Consolas" panose="020B0609020204030204" pitchFamily="49" charset="0"/>
+                <a:cs typeface="Consolas" panose="020B0609020204030204" pitchFamily="49" charset="0"/>
+              </a:rPr>
+              <a:t> |--</a:t>
+            </a:r>
+            <a:r>
+              <a:rPr lang="en-US" dirty="0" err="1">
+                <a:latin typeface="Consolas" panose="020B0609020204030204" pitchFamily="49" charset="0"/>
+                <a:cs typeface="Consolas" panose="020B0609020204030204" pitchFamily="49" charset="0"/>
+              </a:rPr>
+              <a:t>src</a:t>
+            </a:r>
+            <a:endParaRPr lang="en-US" dirty="0">
+              <a:latin typeface="Consolas" panose="020B0609020204030204" pitchFamily="49" charset="0"/>
+              <a:cs typeface="Consolas" panose="020B0609020204030204" pitchFamily="49" charset="0"/>
+            </a:endParaRPr>
+          </a:p>
+        </p:txBody>
+      </p:sp>
+    </p:spTree>
+    <p:extLst>
+      <p:ext uri="{BB962C8B-B14F-4D97-AF65-F5344CB8AC3E}">
+        <p14:creationId xmlns:p14="http://schemas.microsoft.com/office/powerpoint/2010/main" val="3021336089"/>
+      </p:ext>
+    </p:extLst>
+  </p:cSld>
+  <p:clrMapOvr>
+    <a:masterClrMapping/>
+  </p:clrMapOvr>
+</p:sld>
+</file>
+
+<file path=ppt/slides/slide11.xml><?xml version="1.0" encoding="utf-8"?>
 <p:sld xmlns:a="http://schemas.openxmlformats.org/drawingml/2006/main" xmlns:r="http://schemas.openxmlformats.org/officeDocument/2006/relationships" xmlns:p="http://schemas.openxmlformats.org/presentationml/2006/main">
   <p:cSld>
     <p:spTree>
@@ -2702,7 +3260,7 @@
 </p:sld>
 </file>
 
-<file path=ppt/slides/slide11.xml><?xml version="1.0" encoding="utf-8"?>
+<file path=ppt/slides/slide12.xml><?xml version="1.0" encoding="utf-8"?>
 <p:sld xmlns:a="http://schemas.openxmlformats.org/drawingml/2006/main" xmlns:r="http://schemas.openxmlformats.org/officeDocument/2006/relationships" xmlns:p="http://schemas.openxmlformats.org/presentationml/2006/main">
   <p:cSld>
     <p:spTree>
@@ -3003,7 +3561,7 @@
 </p:sld>
 </file>
 
-<file path=ppt/slides/slide12.xml><?xml version="1.0" encoding="utf-8"?>
+<file path=ppt/slides/slide13.xml><?xml version="1.0" encoding="utf-8"?>
 <p:sld xmlns:a="http://schemas.openxmlformats.org/drawingml/2006/main" xmlns:r="http://schemas.openxmlformats.org/officeDocument/2006/relationships" xmlns:p="http://schemas.openxmlformats.org/presentationml/2006/main">
   <p:cSld>
     <p:spTree>
@@ -3284,7 +3842,7 @@
 </p:sld>
 </file>
 
-<file path=ppt/slides/slide13.xml><?xml version="1.0" encoding="utf-8"?>
+<file path=ppt/slides/slide14.xml><?xml version="1.0" encoding="utf-8"?>
 <p:sld xmlns:a="http://schemas.openxmlformats.org/drawingml/2006/main" xmlns:r="http://schemas.openxmlformats.org/officeDocument/2006/relationships" xmlns:p="http://schemas.openxmlformats.org/presentationml/2006/main">
   <p:cSld>
     <p:spTree>
@@ -3479,7 +4037,7 @@
 </p:sld>
 </file>
 
-<file path=ppt/slides/slide14.xml><?xml version="1.0" encoding="utf-8"?>
+<file path=ppt/slides/slide15.xml><?xml version="1.0" encoding="utf-8"?>
 <p:sld xmlns:a="http://schemas.openxmlformats.org/drawingml/2006/main" xmlns:r="http://schemas.openxmlformats.org/officeDocument/2006/relationships" xmlns:p="http://schemas.openxmlformats.org/presentationml/2006/main">
   <p:cSld>
     <p:spTree>
@@ -3620,7 +4178,7 @@
 </p:sld>
 </file>
 
-<file path=ppt/slides/slide15.xml><?xml version="1.0" encoding="utf-8"?>
+<file path=ppt/slides/slide16.xml><?xml version="1.0" encoding="utf-8"?>
 <p:sld xmlns:a="http://schemas.openxmlformats.org/drawingml/2006/main" xmlns:r="http://schemas.openxmlformats.org/officeDocument/2006/relationships" xmlns:p="http://schemas.openxmlformats.org/presentationml/2006/main">
   <p:cSld>
     <p:spTree>
@@ -4172,7 +4730,7 @@
                 <a:latin typeface="Consolas" panose="020B0609020204030204" pitchFamily="49" charset="0"/>
                 <a:cs typeface="Consolas" panose="020B0609020204030204" pitchFamily="49" charset="0"/>
               </a:rPr>
-              <a:t> proc/0001_sharp.jpg proc/0002_sharp.jpg \ proc/0003_sharp.jpg proc/0004_sharp.jpg</a:t>
+              <a:t> proc/0001_sharp.jpg proc/0002_sharp.jpg proc/0003_sharp.jpg proc/0004_sharp.jpg</a:t>
             </a:r>
           </a:p>
         </p:txBody>
@@ -4458,7 +5016,7 @@
 </p:sld>
 </file>
 
-<file path=ppt/slides/slide16.xml><?xml version="1.0" encoding="utf-8"?>
+<file path=ppt/slides/slide17.xml><?xml version="1.0" encoding="utf-8"?>
 <p:sld xmlns:a="http://schemas.openxmlformats.org/drawingml/2006/main" xmlns:r="http://schemas.openxmlformats.org/officeDocument/2006/relationships" xmlns:p="http://schemas.openxmlformats.org/presentationml/2006/main">
   <p:cSld>
     <p:spTree>
@@ -4715,7 +5273,7 @@
 </p:sld>
 </file>
 
-<file path=ppt/slides/slide17.xml><?xml version="1.0" encoding="utf-8"?>
+<file path=ppt/slides/slide18.xml><?xml version="1.0" encoding="utf-8"?>
 <p:sld xmlns:a="http://schemas.openxmlformats.org/drawingml/2006/main" xmlns:r="http://schemas.openxmlformats.org/officeDocument/2006/relationships" xmlns:p="http://schemas.openxmlformats.org/presentationml/2006/main">
   <p:cSld>
     <p:spTree>
@@ -4928,7 +5486,7 @@
 </p:sld>
 </file>
 
-<file path=ppt/slides/slide18.xml><?xml version="1.0" encoding="utf-8"?>
+<file path=ppt/slides/slide19.xml><?xml version="1.0" encoding="utf-8"?>
 <p:sld xmlns:a="http://schemas.openxmlformats.org/drawingml/2006/main" xmlns:r="http://schemas.openxmlformats.org/officeDocument/2006/relationships" xmlns:p="http://schemas.openxmlformats.org/presentationml/2006/main">
   <p:cSld>
     <p:spTree>
@@ -5141,7 +5699,496 @@
 </p:sld>
 </file>
 
-<file path=ppt/slides/slide19.xml><?xml version="1.0" encoding="utf-8"?>
+<file path=ppt/slides/slide2.xml><?xml version="1.0" encoding="utf-8"?>
+<p:sld xmlns:a="http://schemas.openxmlformats.org/drawingml/2006/main" xmlns:r="http://schemas.openxmlformats.org/officeDocument/2006/relationships" xmlns:p="http://schemas.openxmlformats.org/presentationml/2006/main">
+  <p:cSld>
+    <p:spTree>
+      <p:nvGrpSpPr>
+        <p:cNvPr id="1" name=""/>
+        <p:cNvGrpSpPr/>
+        <p:nvPr/>
+      </p:nvGrpSpPr>
+      <p:grpSpPr>
+        <a:xfrm>
+          <a:off x="0" y="0"/>
+          <a:ext cx="0" cy="0"/>
+          <a:chOff x="0" y="0"/>
+          <a:chExt cx="0" cy="0"/>
+        </a:xfrm>
+      </p:grpSpPr>
+      <p:sp>
+        <p:nvSpPr>
+          <p:cNvPr id="2" name="Title 1">
+            <a:extLst>
+              <a:ext uri="{FF2B5EF4-FFF2-40B4-BE49-F238E27FC236}">
+                <a16:creationId xmlns:a16="http://schemas.microsoft.com/office/drawing/2014/main" id="{9826C011-A561-D148-BB7B-3E1A3CCB42FF}"/>
+              </a:ext>
+            </a:extLst>
+          </p:cNvPr>
+          <p:cNvSpPr>
+            <a:spLocks noGrp="1"/>
+          </p:cNvSpPr>
+          <p:nvPr>
+            <p:ph type="title"/>
+          </p:nvPr>
+        </p:nvSpPr>
+        <p:spPr/>
+        <p:txBody>
+          <a:bodyPr/>
+          <a:lstStyle/>
+          <a:p>
+            <a:r>
+              <a:rPr lang="en-US" dirty="0"/>
+              <a:t>Exercise</a:t>
+            </a:r>
+          </a:p>
+        </p:txBody>
+      </p:sp>
+      <p:sp>
+        <p:nvSpPr>
+          <p:cNvPr id="3" name="Text Placeholder 2">
+            <a:extLst>
+              <a:ext uri="{FF2B5EF4-FFF2-40B4-BE49-F238E27FC236}">
+                <a16:creationId xmlns:a16="http://schemas.microsoft.com/office/drawing/2014/main" id="{05F59E15-9223-D94C-9D1C-768DD129B359}"/>
+              </a:ext>
+            </a:extLst>
+          </p:cNvPr>
+          <p:cNvSpPr>
+            <a:spLocks noGrp="1"/>
+          </p:cNvSpPr>
+          <p:nvPr>
+            <p:ph type="body" sz="quarter" idx="10"/>
+          </p:nvPr>
+        </p:nvSpPr>
+        <p:spPr>
+          <a:xfrm>
+            <a:off x="386080" y="1198244"/>
+            <a:ext cx="11399520" cy="2818952"/>
+          </a:xfrm>
+        </p:spPr>
+        <p:txBody>
+          <a:bodyPr>
+            <a:normAutofit fontScale="92500" lnSpcReduction="20000"/>
+          </a:bodyPr>
+          <a:lstStyle/>
+          <a:p>
+            <a:r>
+              <a:rPr lang="en-US" dirty="0"/>
+              <a:t>Take a look at this dataset: </a:t>
+            </a:r>
+            <a:r>
+              <a:rPr lang="en-US" dirty="0">
+                <a:hlinkClick r:id="rId2"/>
+              </a:rPr>
+              <a:t>https://osf.io/z274d/</a:t>
+            </a:r>
+            <a:endParaRPr lang="en-US" dirty="0"/>
+          </a:p>
+          <a:p>
+            <a:r>
+              <a:rPr lang="en-US" dirty="0"/>
+              <a:t>Download it via: </a:t>
+            </a:r>
+            <a:r>
+              <a:rPr lang="en-US" dirty="0">
+                <a:hlinkClick r:id="rId3"/>
+              </a:rPr>
+              <a:t>https://osf.io/z274d/download</a:t>
+            </a:r>
+            <a:endParaRPr lang="en-US" dirty="0"/>
+          </a:p>
+          <a:p>
+            <a:r>
+              <a:rPr lang="en-US" dirty="0"/>
+              <a:t>Contains demographic data: tab-separated with a header row</a:t>
+            </a:r>
+          </a:p>
+          <a:p>
+            <a:r>
+              <a:rPr lang="en-US" dirty="0"/>
+              <a:t>Using this data, create a graph that shows life expectancy in Canada between 1980 and 2000</a:t>
+            </a:r>
+          </a:p>
+          <a:p>
+            <a:r>
+              <a:rPr lang="en-US" dirty="0"/>
+              <a:t>Write down how you did it, and give it to someone else, then ask them to reproduce it</a:t>
+            </a:r>
+          </a:p>
+          <a:p>
+            <a:endParaRPr lang="en-US" dirty="0"/>
+          </a:p>
+          <a:p>
+            <a:endParaRPr lang="en-US" dirty="0"/>
+          </a:p>
+        </p:txBody>
+      </p:sp>
+      <p:sp>
+        <p:nvSpPr>
+          <p:cNvPr id="4" name="Text Placeholder 2">
+            <a:extLst>
+              <a:ext uri="{FF2B5EF4-FFF2-40B4-BE49-F238E27FC236}">
+                <a16:creationId xmlns:a16="http://schemas.microsoft.com/office/drawing/2014/main" id="{59C26662-0650-3046-9FE2-8FF3343BE555}"/>
+              </a:ext>
+            </a:extLst>
+          </p:cNvPr>
+          <p:cNvSpPr txBox="1">
+            <a:spLocks/>
+          </p:cNvSpPr>
+          <p:nvPr/>
+        </p:nvSpPr>
+        <p:spPr>
+          <a:xfrm>
+            <a:off x="2383607" y="3996648"/>
+            <a:ext cx="7849454" cy="1663108"/>
+          </a:xfrm>
+          <a:prstGeom prst="rect">
+            <a:avLst/>
+          </a:prstGeom>
+          <a:ln>
+            <a:solidFill>
+              <a:schemeClr val="accent1"/>
+            </a:solidFill>
+          </a:ln>
+        </p:spPr>
+        <p:txBody>
+          <a:bodyPr>
+            <a:normAutofit/>
+          </a:bodyPr>
+          <a:lstStyle>
+            <a:lvl1pPr marL="342900" indent="-342900" algn="l" defTabSz="457200" rtl="0" eaLnBrk="1" latinLnBrk="0" hangingPunct="1">
+              <a:spcBef>
+                <a:spcPct val="20000"/>
+              </a:spcBef>
+              <a:buFont typeface="Arial"/>
+              <a:buChar char="•"/>
+              <a:defRPr sz="2800" kern="1200">
+                <a:solidFill>
+                  <a:srgbClr val="13294B"/>
+                </a:solidFill>
+                <a:latin typeface="Calibri" panose="020F0502020204030204" pitchFamily="34" charset="0"/>
+                <a:ea typeface="+mn-ea"/>
+                <a:cs typeface="Calibri" panose="020F0502020204030204" pitchFamily="34" charset="0"/>
+              </a:defRPr>
+            </a:lvl1pPr>
+            <a:lvl2pPr marL="742950" indent="-285750" algn="l" defTabSz="457200" rtl="0" eaLnBrk="1" latinLnBrk="0" hangingPunct="1">
+              <a:spcBef>
+                <a:spcPct val="20000"/>
+              </a:spcBef>
+              <a:buFont typeface="Arial"/>
+              <a:buChar char="–"/>
+              <a:defRPr sz="2400" kern="1200">
+                <a:solidFill>
+                  <a:srgbClr val="13294B"/>
+                </a:solidFill>
+                <a:latin typeface="Calibri" panose="020F0502020204030204" pitchFamily="34" charset="0"/>
+                <a:ea typeface="+mn-ea"/>
+                <a:cs typeface="Calibri" panose="020F0502020204030204" pitchFamily="34" charset="0"/>
+              </a:defRPr>
+            </a:lvl2pPr>
+            <a:lvl3pPr marL="1143000" indent="-228600" algn="l" defTabSz="457200" rtl="0" eaLnBrk="1" latinLnBrk="0" hangingPunct="1">
+              <a:spcBef>
+                <a:spcPct val="20000"/>
+              </a:spcBef>
+              <a:buFont typeface="Arial"/>
+              <a:buChar char="•"/>
+              <a:defRPr sz="2000" kern="1200">
+                <a:solidFill>
+                  <a:srgbClr val="13294B"/>
+                </a:solidFill>
+                <a:latin typeface="Calibri" panose="020F0502020204030204" pitchFamily="34" charset="0"/>
+                <a:ea typeface="+mn-ea"/>
+                <a:cs typeface="Calibri" panose="020F0502020204030204" pitchFamily="34" charset="0"/>
+              </a:defRPr>
+            </a:lvl3pPr>
+            <a:lvl4pPr marL="1600200" indent="-228600" algn="l" defTabSz="457200" rtl="0" eaLnBrk="1" latinLnBrk="0" hangingPunct="1">
+              <a:spcBef>
+                <a:spcPct val="20000"/>
+              </a:spcBef>
+              <a:buFont typeface="Arial"/>
+              <a:buChar char="–"/>
+              <a:defRPr sz="1800" kern="1200">
+                <a:solidFill>
+                  <a:srgbClr val="13294B"/>
+                </a:solidFill>
+                <a:latin typeface="Calibri" panose="020F0502020204030204" pitchFamily="34" charset="0"/>
+                <a:ea typeface="+mn-ea"/>
+                <a:cs typeface="Calibri" panose="020F0502020204030204" pitchFamily="34" charset="0"/>
+              </a:defRPr>
+            </a:lvl4pPr>
+            <a:lvl5pPr marL="2057400" indent="-228600" algn="l" defTabSz="457200" rtl="0" eaLnBrk="1" latinLnBrk="0" hangingPunct="1">
+              <a:spcBef>
+                <a:spcPct val="20000"/>
+              </a:spcBef>
+              <a:buFont typeface="Arial"/>
+              <a:buChar char="»"/>
+              <a:defRPr sz="1800" kern="1200">
+                <a:solidFill>
+                  <a:srgbClr val="13294B"/>
+                </a:solidFill>
+                <a:latin typeface="Calibri" panose="020F0502020204030204" pitchFamily="34" charset="0"/>
+                <a:ea typeface="+mn-ea"/>
+                <a:cs typeface="Calibri" panose="020F0502020204030204" pitchFamily="34" charset="0"/>
+              </a:defRPr>
+            </a:lvl5pPr>
+            <a:lvl6pPr marL="2514600" indent="-228600" algn="l" defTabSz="457200" rtl="0" eaLnBrk="1" latinLnBrk="0" hangingPunct="1">
+              <a:spcBef>
+                <a:spcPct val="20000"/>
+              </a:spcBef>
+              <a:buFont typeface="Arial"/>
+              <a:buChar char="•"/>
+              <a:defRPr sz="2000" kern="1200">
+                <a:solidFill>
+                  <a:schemeClr val="tx1"/>
+                </a:solidFill>
+                <a:latin typeface="+mn-lt"/>
+                <a:ea typeface="+mn-ea"/>
+                <a:cs typeface="+mn-cs"/>
+              </a:defRPr>
+            </a:lvl6pPr>
+            <a:lvl7pPr marL="2971800" indent="-228600" algn="l" defTabSz="457200" rtl="0" eaLnBrk="1" latinLnBrk="0" hangingPunct="1">
+              <a:spcBef>
+                <a:spcPct val="20000"/>
+              </a:spcBef>
+              <a:buFont typeface="Arial"/>
+              <a:buChar char="•"/>
+              <a:defRPr sz="2000" kern="1200">
+                <a:solidFill>
+                  <a:schemeClr val="tx1"/>
+                </a:solidFill>
+                <a:latin typeface="+mn-lt"/>
+                <a:ea typeface="+mn-ea"/>
+                <a:cs typeface="+mn-cs"/>
+              </a:defRPr>
+            </a:lvl7pPr>
+            <a:lvl8pPr marL="3429000" indent="-228600" algn="l" defTabSz="457200" rtl="0" eaLnBrk="1" latinLnBrk="0" hangingPunct="1">
+              <a:spcBef>
+                <a:spcPct val="20000"/>
+              </a:spcBef>
+              <a:buFont typeface="Arial"/>
+              <a:buChar char="•"/>
+              <a:defRPr sz="2000" kern="1200">
+                <a:solidFill>
+                  <a:schemeClr val="tx1"/>
+                </a:solidFill>
+                <a:latin typeface="+mn-lt"/>
+                <a:ea typeface="+mn-ea"/>
+                <a:cs typeface="+mn-cs"/>
+              </a:defRPr>
+            </a:lvl8pPr>
+            <a:lvl9pPr marL="3886200" indent="-228600" algn="l" defTabSz="457200" rtl="0" eaLnBrk="1" latinLnBrk="0" hangingPunct="1">
+              <a:spcBef>
+                <a:spcPct val="20000"/>
+              </a:spcBef>
+              <a:buFont typeface="Arial"/>
+              <a:buChar char="•"/>
+              <a:defRPr sz="2000" kern="1200">
+                <a:solidFill>
+                  <a:schemeClr val="tx1"/>
+                </a:solidFill>
+                <a:latin typeface="+mn-lt"/>
+                <a:ea typeface="+mn-ea"/>
+                <a:cs typeface="+mn-cs"/>
+              </a:defRPr>
+            </a:lvl9pPr>
+          </a:lstStyle>
+          <a:p>
+            <a:pPr marL="0" indent="0">
+              <a:buNone/>
+            </a:pPr>
+            <a:r>
+              <a:rPr lang="en-US" sz="2000" dirty="0">
+                <a:latin typeface="Consolas" panose="020B0609020204030204" pitchFamily="49" charset="0"/>
+                <a:cs typeface="Consolas" panose="020B0609020204030204" pitchFamily="49" charset="0"/>
+              </a:rPr>
+              <a:t>year	pop	</a:t>
+            </a:r>
+            <a:r>
+              <a:rPr lang="en-US" sz="2000" dirty="0" err="1">
+                <a:latin typeface="Consolas" panose="020B0609020204030204" pitchFamily="49" charset="0"/>
+                <a:cs typeface="Consolas" panose="020B0609020204030204" pitchFamily="49" charset="0"/>
+              </a:rPr>
+              <a:t>lifeexp</a:t>
+            </a:r>
+            <a:r>
+              <a:rPr lang="en-US" sz="2000" dirty="0">
+                <a:latin typeface="Consolas" panose="020B0609020204030204" pitchFamily="49" charset="0"/>
+                <a:cs typeface="Consolas" panose="020B0609020204030204" pitchFamily="49" charset="0"/>
+              </a:rPr>
+              <a:t>	</a:t>
+            </a:r>
+            <a:r>
+              <a:rPr lang="en-US" sz="2000" dirty="0" err="1">
+                <a:latin typeface="Consolas" panose="020B0609020204030204" pitchFamily="49" charset="0"/>
+                <a:cs typeface="Consolas" panose="020B0609020204030204" pitchFamily="49" charset="0"/>
+              </a:rPr>
+              <a:t>gdppercap</a:t>
+            </a:r>
+            <a:r>
+              <a:rPr lang="en-US" sz="2000" dirty="0">
+                <a:latin typeface="Consolas" panose="020B0609020204030204" pitchFamily="49" charset="0"/>
+                <a:cs typeface="Consolas" panose="020B0609020204030204" pitchFamily="49" charset="0"/>
+              </a:rPr>
+              <a:t>	country	continent</a:t>
+            </a:r>
+          </a:p>
+          <a:p>
+            <a:pPr marL="0" indent="0">
+              <a:buNone/>
+            </a:pPr>
+            <a:r>
+              <a:rPr lang="en-US" sz="2000" dirty="0">
+                <a:latin typeface="Consolas" panose="020B0609020204030204" pitchFamily="49" charset="0"/>
+                <a:cs typeface="Consolas" panose="020B0609020204030204" pitchFamily="49" charset="0"/>
+              </a:rPr>
+              <a:t>1952	8425333	28.801	779.4453145	</a:t>
+            </a:r>
+            <a:r>
+              <a:rPr lang="en-US" sz="2000" dirty="0" err="1">
+                <a:latin typeface="Consolas" panose="020B0609020204030204" pitchFamily="49" charset="0"/>
+                <a:cs typeface="Consolas" panose="020B0609020204030204" pitchFamily="49" charset="0"/>
+              </a:rPr>
+              <a:t>afghanistan</a:t>
+            </a:r>
+            <a:r>
+              <a:rPr lang="en-US" sz="2000" dirty="0">
+                <a:latin typeface="Consolas" panose="020B0609020204030204" pitchFamily="49" charset="0"/>
+                <a:cs typeface="Consolas" panose="020B0609020204030204" pitchFamily="49" charset="0"/>
+              </a:rPr>
+              <a:t>	</a:t>
+            </a:r>
+            <a:r>
+              <a:rPr lang="en-US" sz="2000" dirty="0" err="1">
+                <a:latin typeface="Consolas" panose="020B0609020204030204" pitchFamily="49" charset="0"/>
+                <a:cs typeface="Consolas" panose="020B0609020204030204" pitchFamily="49" charset="0"/>
+              </a:rPr>
+              <a:t>asia</a:t>
+            </a:r>
+            <a:endParaRPr lang="en-US" sz="2000" dirty="0">
+              <a:latin typeface="Consolas" panose="020B0609020204030204" pitchFamily="49" charset="0"/>
+              <a:cs typeface="Consolas" panose="020B0609020204030204" pitchFamily="49" charset="0"/>
+            </a:endParaRPr>
+          </a:p>
+          <a:p>
+            <a:pPr marL="0" indent="0">
+              <a:buNone/>
+            </a:pPr>
+            <a:r>
+              <a:rPr lang="en-US" sz="2000" dirty="0">
+                <a:latin typeface="Consolas" panose="020B0609020204030204" pitchFamily="49" charset="0"/>
+                <a:cs typeface="Consolas" panose="020B0609020204030204" pitchFamily="49" charset="0"/>
+              </a:rPr>
+              <a:t>1957	9240934	30.332	820.8530296	</a:t>
+            </a:r>
+            <a:r>
+              <a:rPr lang="en-US" sz="2000" dirty="0" err="1">
+                <a:latin typeface="Consolas" panose="020B0609020204030204" pitchFamily="49" charset="0"/>
+                <a:cs typeface="Consolas" panose="020B0609020204030204" pitchFamily="49" charset="0"/>
+              </a:rPr>
+              <a:t>afghanistan</a:t>
+            </a:r>
+            <a:r>
+              <a:rPr lang="en-US" sz="2000" dirty="0">
+                <a:latin typeface="Consolas" panose="020B0609020204030204" pitchFamily="49" charset="0"/>
+                <a:cs typeface="Consolas" panose="020B0609020204030204" pitchFamily="49" charset="0"/>
+              </a:rPr>
+              <a:t>	</a:t>
+            </a:r>
+            <a:r>
+              <a:rPr lang="en-US" sz="2000" dirty="0" err="1">
+                <a:latin typeface="Consolas" panose="020B0609020204030204" pitchFamily="49" charset="0"/>
+                <a:cs typeface="Consolas" panose="020B0609020204030204" pitchFamily="49" charset="0"/>
+              </a:rPr>
+              <a:t>asia</a:t>
+            </a:r>
+            <a:endParaRPr lang="en-US" sz="2000" dirty="0">
+              <a:latin typeface="Consolas" panose="020B0609020204030204" pitchFamily="49" charset="0"/>
+              <a:cs typeface="Consolas" panose="020B0609020204030204" pitchFamily="49" charset="0"/>
+            </a:endParaRPr>
+          </a:p>
+          <a:p>
+            <a:pPr marL="0" indent="0">
+              <a:buNone/>
+            </a:pPr>
+            <a:r>
+              <a:rPr lang="en-US" sz="2000" dirty="0">
+                <a:latin typeface="Consolas" panose="020B0609020204030204" pitchFamily="49" charset="0"/>
+                <a:cs typeface="Consolas" panose="020B0609020204030204" pitchFamily="49" charset="0"/>
+              </a:rPr>
+              <a:t>…</a:t>
+            </a:r>
+          </a:p>
+        </p:txBody>
+      </p:sp>
+      <p:sp>
+        <p:nvSpPr>
+          <p:cNvPr id="5" name="TextBox 4">
+            <a:extLst>
+              <a:ext uri="{FF2B5EF4-FFF2-40B4-BE49-F238E27FC236}">
+                <a16:creationId xmlns:a16="http://schemas.microsoft.com/office/drawing/2014/main" id="{9BDA8C82-DFE5-E74B-A023-47374E451E34}"/>
+              </a:ext>
+            </a:extLst>
+          </p:cNvPr>
+          <p:cNvSpPr txBox="1"/>
+          <p:nvPr/>
+        </p:nvSpPr>
+        <p:spPr>
+          <a:xfrm>
+            <a:off x="3369924" y="6169082"/>
+            <a:ext cx="8143981" cy="523220"/>
+          </a:xfrm>
+          <a:prstGeom prst="rect">
+            <a:avLst/>
+          </a:prstGeom>
+          <a:noFill/>
+        </p:spPr>
+        <p:txBody>
+          <a:bodyPr wrap="square" rtlCol="0">
+            <a:spAutoFit/>
+          </a:bodyPr>
+          <a:lstStyle/>
+          <a:p>
+            <a:r>
+              <a:rPr lang="en-US" sz="1400" dirty="0">
+                <a:solidFill>
+                  <a:schemeClr val="bg1"/>
+                </a:solidFill>
+              </a:rPr>
+              <a:t>Credit: Soderberg, C. K., Smith, J. F., &amp; Katz, D. S. (2017, August 1). Computational Reproducibility Day. Retrieved from http://</a:t>
+            </a:r>
+            <a:r>
+              <a:rPr lang="en-US" sz="1400" dirty="0" err="1">
+                <a:solidFill>
+                  <a:schemeClr val="bg1"/>
+                </a:solidFill>
+              </a:rPr>
+              <a:t>osf.io</a:t>
+            </a:r>
+            <a:r>
+              <a:rPr lang="en-US" sz="1400" dirty="0">
+                <a:solidFill>
+                  <a:schemeClr val="bg1"/>
+                </a:solidFill>
+              </a:rPr>
+              <a:t>/sbnz7</a:t>
+            </a:r>
+          </a:p>
+        </p:txBody>
+      </p:sp>
+    </p:spTree>
+    <p:extLst>
+      <p:ext uri="{BB962C8B-B14F-4D97-AF65-F5344CB8AC3E}">
+        <p14:creationId xmlns:p14="http://schemas.microsoft.com/office/powerpoint/2010/main" val="1702242263"/>
+      </p:ext>
+    </p:extLst>
+  </p:cSld>
+  <p:clrMapOvr>
+    <a:masterClrMapping/>
+  </p:clrMapOvr>
+</p:sld>
+</file>
+
+<file path=ppt/slides/slide20.xml><?xml version="1.0" encoding="utf-8"?>
 <p:sld xmlns:a="http://schemas.openxmlformats.org/drawingml/2006/main" xmlns:r="http://schemas.openxmlformats.org/officeDocument/2006/relationships" xmlns:p="http://schemas.openxmlformats.org/presentationml/2006/main">
   <p:cSld>
     <p:spTree>
@@ -5473,496 +6520,7 @@
 </p:sld>
 </file>
 
-<file path=ppt/slides/slide2.xml><?xml version="1.0" encoding="utf-8"?>
-<p:sld xmlns:a="http://schemas.openxmlformats.org/drawingml/2006/main" xmlns:r="http://schemas.openxmlformats.org/officeDocument/2006/relationships" xmlns:p="http://schemas.openxmlformats.org/presentationml/2006/main">
-  <p:cSld>
-    <p:spTree>
-      <p:nvGrpSpPr>
-        <p:cNvPr id="1" name=""/>
-        <p:cNvGrpSpPr/>
-        <p:nvPr/>
-      </p:nvGrpSpPr>
-      <p:grpSpPr>
-        <a:xfrm>
-          <a:off x="0" y="0"/>
-          <a:ext cx="0" cy="0"/>
-          <a:chOff x="0" y="0"/>
-          <a:chExt cx="0" cy="0"/>
-        </a:xfrm>
-      </p:grpSpPr>
-      <p:sp>
-        <p:nvSpPr>
-          <p:cNvPr id="2" name="Title 1">
-            <a:extLst>
-              <a:ext uri="{FF2B5EF4-FFF2-40B4-BE49-F238E27FC236}">
-                <a16:creationId xmlns:a16="http://schemas.microsoft.com/office/drawing/2014/main" id="{9826C011-A561-D148-BB7B-3E1A3CCB42FF}"/>
-              </a:ext>
-            </a:extLst>
-          </p:cNvPr>
-          <p:cNvSpPr>
-            <a:spLocks noGrp="1"/>
-          </p:cNvSpPr>
-          <p:nvPr>
-            <p:ph type="title"/>
-          </p:nvPr>
-        </p:nvSpPr>
-        <p:spPr/>
-        <p:txBody>
-          <a:bodyPr/>
-          <a:lstStyle/>
-          <a:p>
-            <a:r>
-              <a:rPr lang="en-US" dirty="0"/>
-              <a:t>Exercise</a:t>
-            </a:r>
-          </a:p>
-        </p:txBody>
-      </p:sp>
-      <p:sp>
-        <p:nvSpPr>
-          <p:cNvPr id="3" name="Text Placeholder 2">
-            <a:extLst>
-              <a:ext uri="{FF2B5EF4-FFF2-40B4-BE49-F238E27FC236}">
-                <a16:creationId xmlns:a16="http://schemas.microsoft.com/office/drawing/2014/main" id="{05F59E15-9223-D94C-9D1C-768DD129B359}"/>
-              </a:ext>
-            </a:extLst>
-          </p:cNvPr>
-          <p:cNvSpPr>
-            <a:spLocks noGrp="1"/>
-          </p:cNvSpPr>
-          <p:nvPr>
-            <p:ph type="body" sz="quarter" idx="10"/>
-          </p:nvPr>
-        </p:nvSpPr>
-        <p:spPr>
-          <a:xfrm>
-            <a:off x="386080" y="1198244"/>
-            <a:ext cx="11399520" cy="2818952"/>
-          </a:xfrm>
-        </p:spPr>
-        <p:txBody>
-          <a:bodyPr>
-            <a:normAutofit fontScale="92500" lnSpcReduction="20000"/>
-          </a:bodyPr>
-          <a:lstStyle/>
-          <a:p>
-            <a:r>
-              <a:rPr lang="en-US" dirty="0"/>
-              <a:t>Take a look at this dataset: </a:t>
-            </a:r>
-            <a:r>
-              <a:rPr lang="en-US" dirty="0">
-                <a:hlinkClick r:id="rId2"/>
-              </a:rPr>
-              <a:t>https://osf.io/z274d/</a:t>
-            </a:r>
-            <a:endParaRPr lang="en-US" dirty="0"/>
-          </a:p>
-          <a:p>
-            <a:r>
-              <a:rPr lang="en-US" dirty="0"/>
-              <a:t>Download it via: </a:t>
-            </a:r>
-            <a:r>
-              <a:rPr lang="en-US" dirty="0">
-                <a:hlinkClick r:id="rId3"/>
-              </a:rPr>
-              <a:t>https://osf.io/z274d/download</a:t>
-            </a:r>
-            <a:endParaRPr lang="en-US" dirty="0"/>
-          </a:p>
-          <a:p>
-            <a:r>
-              <a:rPr lang="en-US" dirty="0"/>
-              <a:t>Contains demographic data: tab-separated with a header row</a:t>
-            </a:r>
-          </a:p>
-          <a:p>
-            <a:r>
-              <a:rPr lang="en-US" dirty="0"/>
-              <a:t>Using this data, create a graph that shows life expectancy in Canada between 1980 and 2000</a:t>
-            </a:r>
-          </a:p>
-          <a:p>
-            <a:r>
-              <a:rPr lang="en-US" dirty="0"/>
-              <a:t>Write down how you did it, and give it to someone else, then ask them to reproduce it</a:t>
-            </a:r>
-          </a:p>
-          <a:p>
-            <a:endParaRPr lang="en-US" dirty="0"/>
-          </a:p>
-          <a:p>
-            <a:endParaRPr lang="en-US" dirty="0"/>
-          </a:p>
-        </p:txBody>
-      </p:sp>
-      <p:sp>
-        <p:nvSpPr>
-          <p:cNvPr id="4" name="Text Placeholder 2">
-            <a:extLst>
-              <a:ext uri="{FF2B5EF4-FFF2-40B4-BE49-F238E27FC236}">
-                <a16:creationId xmlns:a16="http://schemas.microsoft.com/office/drawing/2014/main" id="{59C26662-0650-3046-9FE2-8FF3343BE555}"/>
-              </a:ext>
-            </a:extLst>
-          </p:cNvPr>
-          <p:cNvSpPr txBox="1">
-            <a:spLocks/>
-          </p:cNvSpPr>
-          <p:nvPr/>
-        </p:nvSpPr>
-        <p:spPr>
-          <a:xfrm>
-            <a:off x="2383607" y="3996648"/>
-            <a:ext cx="7849454" cy="1663108"/>
-          </a:xfrm>
-          <a:prstGeom prst="rect">
-            <a:avLst/>
-          </a:prstGeom>
-          <a:ln>
-            <a:solidFill>
-              <a:schemeClr val="accent1"/>
-            </a:solidFill>
-          </a:ln>
-        </p:spPr>
-        <p:txBody>
-          <a:bodyPr>
-            <a:normAutofit/>
-          </a:bodyPr>
-          <a:lstStyle>
-            <a:lvl1pPr marL="342900" indent="-342900" algn="l" defTabSz="457200" rtl="0" eaLnBrk="1" latinLnBrk="0" hangingPunct="1">
-              <a:spcBef>
-                <a:spcPct val="20000"/>
-              </a:spcBef>
-              <a:buFont typeface="Arial"/>
-              <a:buChar char="•"/>
-              <a:defRPr sz="2800" kern="1200">
-                <a:solidFill>
-                  <a:srgbClr val="13294B"/>
-                </a:solidFill>
-                <a:latin typeface="Calibri" panose="020F0502020204030204" pitchFamily="34" charset="0"/>
-                <a:ea typeface="+mn-ea"/>
-                <a:cs typeface="Calibri" panose="020F0502020204030204" pitchFamily="34" charset="0"/>
-              </a:defRPr>
-            </a:lvl1pPr>
-            <a:lvl2pPr marL="742950" indent="-285750" algn="l" defTabSz="457200" rtl="0" eaLnBrk="1" latinLnBrk="0" hangingPunct="1">
-              <a:spcBef>
-                <a:spcPct val="20000"/>
-              </a:spcBef>
-              <a:buFont typeface="Arial"/>
-              <a:buChar char="–"/>
-              <a:defRPr sz="2400" kern="1200">
-                <a:solidFill>
-                  <a:srgbClr val="13294B"/>
-                </a:solidFill>
-                <a:latin typeface="Calibri" panose="020F0502020204030204" pitchFamily="34" charset="0"/>
-                <a:ea typeface="+mn-ea"/>
-                <a:cs typeface="Calibri" panose="020F0502020204030204" pitchFamily="34" charset="0"/>
-              </a:defRPr>
-            </a:lvl2pPr>
-            <a:lvl3pPr marL="1143000" indent="-228600" algn="l" defTabSz="457200" rtl="0" eaLnBrk="1" latinLnBrk="0" hangingPunct="1">
-              <a:spcBef>
-                <a:spcPct val="20000"/>
-              </a:spcBef>
-              <a:buFont typeface="Arial"/>
-              <a:buChar char="•"/>
-              <a:defRPr sz="2000" kern="1200">
-                <a:solidFill>
-                  <a:srgbClr val="13294B"/>
-                </a:solidFill>
-                <a:latin typeface="Calibri" panose="020F0502020204030204" pitchFamily="34" charset="0"/>
-                <a:ea typeface="+mn-ea"/>
-                <a:cs typeface="Calibri" panose="020F0502020204030204" pitchFamily="34" charset="0"/>
-              </a:defRPr>
-            </a:lvl3pPr>
-            <a:lvl4pPr marL="1600200" indent="-228600" algn="l" defTabSz="457200" rtl="0" eaLnBrk="1" latinLnBrk="0" hangingPunct="1">
-              <a:spcBef>
-                <a:spcPct val="20000"/>
-              </a:spcBef>
-              <a:buFont typeface="Arial"/>
-              <a:buChar char="–"/>
-              <a:defRPr sz="1800" kern="1200">
-                <a:solidFill>
-                  <a:srgbClr val="13294B"/>
-                </a:solidFill>
-                <a:latin typeface="Calibri" panose="020F0502020204030204" pitchFamily="34" charset="0"/>
-                <a:ea typeface="+mn-ea"/>
-                <a:cs typeface="Calibri" panose="020F0502020204030204" pitchFamily="34" charset="0"/>
-              </a:defRPr>
-            </a:lvl4pPr>
-            <a:lvl5pPr marL="2057400" indent="-228600" algn="l" defTabSz="457200" rtl="0" eaLnBrk="1" latinLnBrk="0" hangingPunct="1">
-              <a:spcBef>
-                <a:spcPct val="20000"/>
-              </a:spcBef>
-              <a:buFont typeface="Arial"/>
-              <a:buChar char="»"/>
-              <a:defRPr sz="1800" kern="1200">
-                <a:solidFill>
-                  <a:srgbClr val="13294B"/>
-                </a:solidFill>
-                <a:latin typeface="Calibri" panose="020F0502020204030204" pitchFamily="34" charset="0"/>
-                <a:ea typeface="+mn-ea"/>
-                <a:cs typeface="Calibri" panose="020F0502020204030204" pitchFamily="34" charset="0"/>
-              </a:defRPr>
-            </a:lvl5pPr>
-            <a:lvl6pPr marL="2514600" indent="-228600" algn="l" defTabSz="457200" rtl="0" eaLnBrk="1" latinLnBrk="0" hangingPunct="1">
-              <a:spcBef>
-                <a:spcPct val="20000"/>
-              </a:spcBef>
-              <a:buFont typeface="Arial"/>
-              <a:buChar char="•"/>
-              <a:defRPr sz="2000" kern="1200">
-                <a:solidFill>
-                  <a:schemeClr val="tx1"/>
-                </a:solidFill>
-                <a:latin typeface="+mn-lt"/>
-                <a:ea typeface="+mn-ea"/>
-                <a:cs typeface="+mn-cs"/>
-              </a:defRPr>
-            </a:lvl6pPr>
-            <a:lvl7pPr marL="2971800" indent="-228600" algn="l" defTabSz="457200" rtl="0" eaLnBrk="1" latinLnBrk="0" hangingPunct="1">
-              <a:spcBef>
-                <a:spcPct val="20000"/>
-              </a:spcBef>
-              <a:buFont typeface="Arial"/>
-              <a:buChar char="•"/>
-              <a:defRPr sz="2000" kern="1200">
-                <a:solidFill>
-                  <a:schemeClr val="tx1"/>
-                </a:solidFill>
-                <a:latin typeface="+mn-lt"/>
-                <a:ea typeface="+mn-ea"/>
-                <a:cs typeface="+mn-cs"/>
-              </a:defRPr>
-            </a:lvl7pPr>
-            <a:lvl8pPr marL="3429000" indent="-228600" algn="l" defTabSz="457200" rtl="0" eaLnBrk="1" latinLnBrk="0" hangingPunct="1">
-              <a:spcBef>
-                <a:spcPct val="20000"/>
-              </a:spcBef>
-              <a:buFont typeface="Arial"/>
-              <a:buChar char="•"/>
-              <a:defRPr sz="2000" kern="1200">
-                <a:solidFill>
-                  <a:schemeClr val="tx1"/>
-                </a:solidFill>
-                <a:latin typeface="+mn-lt"/>
-                <a:ea typeface="+mn-ea"/>
-                <a:cs typeface="+mn-cs"/>
-              </a:defRPr>
-            </a:lvl8pPr>
-            <a:lvl9pPr marL="3886200" indent="-228600" algn="l" defTabSz="457200" rtl="0" eaLnBrk="1" latinLnBrk="0" hangingPunct="1">
-              <a:spcBef>
-                <a:spcPct val="20000"/>
-              </a:spcBef>
-              <a:buFont typeface="Arial"/>
-              <a:buChar char="•"/>
-              <a:defRPr sz="2000" kern="1200">
-                <a:solidFill>
-                  <a:schemeClr val="tx1"/>
-                </a:solidFill>
-                <a:latin typeface="+mn-lt"/>
-                <a:ea typeface="+mn-ea"/>
-                <a:cs typeface="+mn-cs"/>
-              </a:defRPr>
-            </a:lvl9pPr>
-          </a:lstStyle>
-          <a:p>
-            <a:pPr marL="0" indent="0">
-              <a:buNone/>
-            </a:pPr>
-            <a:r>
-              <a:rPr lang="en-US" sz="2000" dirty="0">
-                <a:latin typeface="Consolas" panose="020B0609020204030204" pitchFamily="49" charset="0"/>
-                <a:cs typeface="Consolas" panose="020B0609020204030204" pitchFamily="49" charset="0"/>
-              </a:rPr>
-              <a:t>year	pop	</a:t>
-            </a:r>
-            <a:r>
-              <a:rPr lang="en-US" sz="2000" dirty="0" err="1">
-                <a:latin typeface="Consolas" panose="020B0609020204030204" pitchFamily="49" charset="0"/>
-                <a:cs typeface="Consolas" panose="020B0609020204030204" pitchFamily="49" charset="0"/>
-              </a:rPr>
-              <a:t>lifeexp</a:t>
-            </a:r>
-            <a:r>
-              <a:rPr lang="en-US" sz="2000" dirty="0">
-                <a:latin typeface="Consolas" panose="020B0609020204030204" pitchFamily="49" charset="0"/>
-                <a:cs typeface="Consolas" panose="020B0609020204030204" pitchFamily="49" charset="0"/>
-              </a:rPr>
-              <a:t>	</a:t>
-            </a:r>
-            <a:r>
-              <a:rPr lang="en-US" sz="2000" dirty="0" err="1">
-                <a:latin typeface="Consolas" panose="020B0609020204030204" pitchFamily="49" charset="0"/>
-                <a:cs typeface="Consolas" panose="020B0609020204030204" pitchFamily="49" charset="0"/>
-              </a:rPr>
-              <a:t>gdppercap</a:t>
-            </a:r>
-            <a:r>
-              <a:rPr lang="en-US" sz="2000" dirty="0">
-                <a:latin typeface="Consolas" panose="020B0609020204030204" pitchFamily="49" charset="0"/>
-                <a:cs typeface="Consolas" panose="020B0609020204030204" pitchFamily="49" charset="0"/>
-              </a:rPr>
-              <a:t>	country	continent</a:t>
-            </a:r>
-          </a:p>
-          <a:p>
-            <a:pPr marL="0" indent="0">
-              <a:buNone/>
-            </a:pPr>
-            <a:r>
-              <a:rPr lang="en-US" sz="2000" dirty="0">
-                <a:latin typeface="Consolas" panose="020B0609020204030204" pitchFamily="49" charset="0"/>
-                <a:cs typeface="Consolas" panose="020B0609020204030204" pitchFamily="49" charset="0"/>
-              </a:rPr>
-              <a:t>1952	8425333	28.801	779.4453145	</a:t>
-            </a:r>
-            <a:r>
-              <a:rPr lang="en-US" sz="2000" dirty="0" err="1">
-                <a:latin typeface="Consolas" panose="020B0609020204030204" pitchFamily="49" charset="0"/>
-                <a:cs typeface="Consolas" panose="020B0609020204030204" pitchFamily="49" charset="0"/>
-              </a:rPr>
-              <a:t>afghanistan</a:t>
-            </a:r>
-            <a:r>
-              <a:rPr lang="en-US" sz="2000" dirty="0">
-                <a:latin typeface="Consolas" panose="020B0609020204030204" pitchFamily="49" charset="0"/>
-                <a:cs typeface="Consolas" panose="020B0609020204030204" pitchFamily="49" charset="0"/>
-              </a:rPr>
-              <a:t>	</a:t>
-            </a:r>
-            <a:r>
-              <a:rPr lang="en-US" sz="2000" dirty="0" err="1">
-                <a:latin typeface="Consolas" panose="020B0609020204030204" pitchFamily="49" charset="0"/>
-                <a:cs typeface="Consolas" panose="020B0609020204030204" pitchFamily="49" charset="0"/>
-              </a:rPr>
-              <a:t>asia</a:t>
-            </a:r>
-            <a:endParaRPr lang="en-US" sz="2000" dirty="0">
-              <a:latin typeface="Consolas" panose="020B0609020204030204" pitchFamily="49" charset="0"/>
-              <a:cs typeface="Consolas" panose="020B0609020204030204" pitchFamily="49" charset="0"/>
-            </a:endParaRPr>
-          </a:p>
-          <a:p>
-            <a:pPr marL="0" indent="0">
-              <a:buNone/>
-            </a:pPr>
-            <a:r>
-              <a:rPr lang="en-US" sz="2000" dirty="0">
-                <a:latin typeface="Consolas" panose="020B0609020204030204" pitchFamily="49" charset="0"/>
-                <a:cs typeface="Consolas" panose="020B0609020204030204" pitchFamily="49" charset="0"/>
-              </a:rPr>
-              <a:t>1957	9240934	30.332	820.8530296	</a:t>
-            </a:r>
-            <a:r>
-              <a:rPr lang="en-US" sz="2000" dirty="0" err="1">
-                <a:latin typeface="Consolas" panose="020B0609020204030204" pitchFamily="49" charset="0"/>
-                <a:cs typeface="Consolas" panose="020B0609020204030204" pitchFamily="49" charset="0"/>
-              </a:rPr>
-              <a:t>afghanistan</a:t>
-            </a:r>
-            <a:r>
-              <a:rPr lang="en-US" sz="2000" dirty="0">
-                <a:latin typeface="Consolas" panose="020B0609020204030204" pitchFamily="49" charset="0"/>
-                <a:cs typeface="Consolas" panose="020B0609020204030204" pitchFamily="49" charset="0"/>
-              </a:rPr>
-              <a:t>	</a:t>
-            </a:r>
-            <a:r>
-              <a:rPr lang="en-US" sz="2000" dirty="0" err="1">
-                <a:latin typeface="Consolas" panose="020B0609020204030204" pitchFamily="49" charset="0"/>
-                <a:cs typeface="Consolas" panose="020B0609020204030204" pitchFamily="49" charset="0"/>
-              </a:rPr>
-              <a:t>asia</a:t>
-            </a:r>
-            <a:endParaRPr lang="en-US" sz="2000" dirty="0">
-              <a:latin typeface="Consolas" panose="020B0609020204030204" pitchFamily="49" charset="0"/>
-              <a:cs typeface="Consolas" panose="020B0609020204030204" pitchFamily="49" charset="0"/>
-            </a:endParaRPr>
-          </a:p>
-          <a:p>
-            <a:pPr marL="0" indent="0">
-              <a:buNone/>
-            </a:pPr>
-            <a:r>
-              <a:rPr lang="en-US" sz="2000" dirty="0">
-                <a:latin typeface="Consolas" panose="020B0609020204030204" pitchFamily="49" charset="0"/>
-                <a:cs typeface="Consolas" panose="020B0609020204030204" pitchFamily="49" charset="0"/>
-              </a:rPr>
-              <a:t>…</a:t>
-            </a:r>
-          </a:p>
-        </p:txBody>
-      </p:sp>
-      <p:sp>
-        <p:nvSpPr>
-          <p:cNvPr id="5" name="TextBox 4">
-            <a:extLst>
-              <a:ext uri="{FF2B5EF4-FFF2-40B4-BE49-F238E27FC236}">
-                <a16:creationId xmlns:a16="http://schemas.microsoft.com/office/drawing/2014/main" id="{9BDA8C82-DFE5-E74B-A023-47374E451E34}"/>
-              </a:ext>
-            </a:extLst>
-          </p:cNvPr>
-          <p:cNvSpPr txBox="1"/>
-          <p:nvPr/>
-        </p:nvSpPr>
-        <p:spPr>
-          <a:xfrm>
-            <a:off x="3369924" y="6169082"/>
-            <a:ext cx="8143981" cy="523220"/>
-          </a:xfrm>
-          <a:prstGeom prst="rect">
-            <a:avLst/>
-          </a:prstGeom>
-          <a:noFill/>
-        </p:spPr>
-        <p:txBody>
-          <a:bodyPr wrap="square" rtlCol="0">
-            <a:spAutoFit/>
-          </a:bodyPr>
-          <a:lstStyle/>
-          <a:p>
-            <a:r>
-              <a:rPr lang="en-US" sz="1400" dirty="0">
-                <a:solidFill>
-                  <a:schemeClr val="bg1"/>
-                </a:solidFill>
-              </a:rPr>
-              <a:t>Credit: Soderberg, C. K., Smith, J. F., &amp; Katz, D. S. (2017, August 1). Computational Reproducibility Day. Retrieved from http://</a:t>
-            </a:r>
-            <a:r>
-              <a:rPr lang="en-US" sz="1400" dirty="0" err="1">
-                <a:solidFill>
-                  <a:schemeClr val="bg1"/>
-                </a:solidFill>
-              </a:rPr>
-              <a:t>osf.io</a:t>
-            </a:r>
-            <a:r>
-              <a:rPr lang="en-US" sz="1400" dirty="0">
-                <a:solidFill>
-                  <a:schemeClr val="bg1"/>
-                </a:solidFill>
-              </a:rPr>
-              <a:t>/sbnz7</a:t>
-            </a:r>
-          </a:p>
-        </p:txBody>
-      </p:sp>
-    </p:spTree>
-    <p:extLst>
-      <p:ext uri="{BB962C8B-B14F-4D97-AF65-F5344CB8AC3E}">
-        <p14:creationId xmlns:p14="http://schemas.microsoft.com/office/powerpoint/2010/main" val="1702242263"/>
-      </p:ext>
-    </p:extLst>
-  </p:cSld>
-  <p:clrMapOvr>
-    <a:masterClrMapping/>
-  </p:clrMapOvr>
-</p:sld>
-</file>
-
-<file path=ppt/slides/slide20.xml><?xml version="1.0" encoding="utf-8"?>
+<file path=ppt/slides/slide21.xml><?xml version="1.0" encoding="utf-8"?>
 <p:sld xmlns:a="http://schemas.openxmlformats.org/drawingml/2006/main" xmlns:r="http://schemas.openxmlformats.org/officeDocument/2006/relationships" xmlns:p="http://schemas.openxmlformats.org/presentationml/2006/main">
   <p:cSld>
     <p:spTree>
@@ -6691,7 +7249,7 @@
                   <a:srgbClr val="00B0F0"/>
                 </a:solidFill>
               </a:rPr>
-              <a:t>This is in scripts/</a:t>
+              <a:t>This is in script/</a:t>
             </a:r>
             <a:r>
               <a:rPr lang="en-US" dirty="0" err="1">
@@ -6758,7 +7316,7 @@
                 </a:solidFill>
                 <a:latin typeface="American Typewriter" panose="02090604020004020304" pitchFamily="18" charset="77"/>
               </a:rPr>
-              <a:t>make -f scripts/</a:t>
+              <a:t>make -f script/</a:t>
             </a:r>
             <a:r>
               <a:rPr lang="en-US" dirty="0" err="1">
@@ -6794,7 +7352,7 @@
 </p:sld>
 </file>
 
-<file path=ppt/slides/slide21.xml><?xml version="1.0" encoding="utf-8"?>
+<file path=ppt/slides/slide22.xml><?xml version="1.0" encoding="utf-8"?>
 <p:sld xmlns:a="http://schemas.openxmlformats.org/drawingml/2006/main" xmlns:r="http://schemas.openxmlformats.org/officeDocument/2006/relationships" xmlns:p="http://schemas.openxmlformats.org/presentationml/2006/main">
   <p:cSld>
     <p:spTree>
@@ -7409,7 +7967,7 @@
                   <a:srgbClr val="00B0F0"/>
                 </a:solidFill>
               </a:rPr>
-              <a:t>This is in scripts/</a:t>
+              <a:t>This is in script/</a:t>
             </a:r>
             <a:r>
               <a:rPr lang="en-US" dirty="0" err="1">
@@ -7473,7 +8031,7 @@
                 </a:solidFill>
                 <a:latin typeface="American Typewriter" panose="02090604020004020304" pitchFamily="18" charset="77"/>
               </a:rPr>
-              <a:t>make -f scripts/</a:t>
+              <a:t>make -f script/</a:t>
             </a:r>
             <a:r>
               <a:rPr lang="en-US" dirty="0" err="1">
@@ -7497,220 +8055,6 @@
     <p:extLst>
       <p:ext uri="{BB962C8B-B14F-4D97-AF65-F5344CB8AC3E}">
         <p14:creationId xmlns:p14="http://schemas.microsoft.com/office/powerpoint/2010/main" val="4067730977"/>
-      </p:ext>
-    </p:extLst>
-  </p:cSld>
-  <p:clrMapOvr>
-    <a:masterClrMapping/>
-  </p:clrMapOvr>
-</p:sld>
-</file>
-
-<file path=ppt/slides/slide22.xml><?xml version="1.0" encoding="utf-8"?>
-<p:sld xmlns:a="http://schemas.openxmlformats.org/drawingml/2006/main" xmlns:r="http://schemas.openxmlformats.org/officeDocument/2006/relationships" xmlns:p="http://schemas.openxmlformats.org/presentationml/2006/main">
-  <p:cSld>
-    <p:spTree>
-      <p:nvGrpSpPr>
-        <p:cNvPr id="1" name=""/>
-        <p:cNvGrpSpPr/>
-        <p:nvPr/>
-      </p:nvGrpSpPr>
-      <p:grpSpPr>
-        <a:xfrm>
-          <a:off x="0" y="0"/>
-          <a:ext cx="0" cy="0"/>
-          <a:chOff x="0" y="0"/>
-          <a:chExt cx="0" cy="0"/>
-        </a:xfrm>
-      </p:grpSpPr>
-      <p:sp>
-        <p:nvSpPr>
-          <p:cNvPr id="2" name="Title 1">
-            <a:extLst>
-              <a:ext uri="{FF2B5EF4-FFF2-40B4-BE49-F238E27FC236}">
-                <a16:creationId xmlns:a16="http://schemas.microsoft.com/office/drawing/2014/main" id="{49B67E51-8D40-824E-A9DB-5FC9A451DEAA}"/>
-              </a:ext>
-            </a:extLst>
-          </p:cNvPr>
-          <p:cNvSpPr>
-            <a:spLocks noGrp="1"/>
-          </p:cNvSpPr>
-          <p:nvPr>
-            <p:ph type="title"/>
-          </p:nvPr>
-        </p:nvSpPr>
-        <p:spPr/>
-        <p:txBody>
-          <a:bodyPr/>
-          <a:lstStyle/>
-          <a:p>
-            <a:r>
-              <a:rPr lang="en-US" dirty="0"/>
-              <a:t>Principle 6 – Capture the environment</a:t>
-            </a:r>
-          </a:p>
-        </p:txBody>
-      </p:sp>
-      <p:sp>
-        <p:nvSpPr>
-          <p:cNvPr id="3" name="Content Placeholder 2">
-            <a:extLst>
-              <a:ext uri="{FF2B5EF4-FFF2-40B4-BE49-F238E27FC236}">
-                <a16:creationId xmlns:a16="http://schemas.microsoft.com/office/drawing/2014/main" id="{C9EC785B-88C7-824B-927B-2704113AE38B}"/>
-              </a:ext>
-            </a:extLst>
-          </p:cNvPr>
-          <p:cNvSpPr>
-            <a:spLocks noGrp="1"/>
-          </p:cNvSpPr>
-          <p:nvPr>
-            <p:ph type="body" sz="quarter" idx="10"/>
-          </p:nvPr>
-        </p:nvSpPr>
-        <p:spPr/>
-        <p:txBody>
-          <a:bodyPr>
-            <a:noAutofit/>
-          </a:bodyPr>
-          <a:lstStyle/>
-          <a:p>
-            <a:r>
-              <a:rPr lang="en-US" sz="2400" dirty="0"/>
-              <a:t>Containers</a:t>
-            </a:r>
-          </a:p>
-          <a:p>
-            <a:pPr lvl="1"/>
-            <a:r>
-              <a:rPr lang="en-US" sz="2000" dirty="0"/>
-              <a:t>In Python, use </a:t>
-            </a:r>
-            <a:r>
-              <a:rPr lang="en-US" sz="2000" dirty="0" err="1"/>
-              <a:t>virtualenv</a:t>
-            </a:r>
-            <a:r>
-              <a:rPr lang="en-US" sz="2000" dirty="0"/>
-              <a:t> (and `pip freeze &gt; </a:t>
-            </a:r>
-            <a:r>
-              <a:rPr lang="en-US" sz="2000" dirty="0" err="1"/>
-              <a:t>requirements.txt</a:t>
-            </a:r>
-            <a:r>
-              <a:rPr lang="en-US" sz="2000" dirty="0"/>
-              <a:t>` to capture current state) or docker</a:t>
-            </a:r>
-          </a:p>
-          <a:p>
-            <a:pPr lvl="1"/>
-            <a:r>
-              <a:rPr lang="en-US" sz="2000" dirty="0"/>
-              <a:t>In R, use </a:t>
-            </a:r>
-            <a:r>
-              <a:rPr lang="en-US" sz="2000" dirty="0" err="1"/>
-              <a:t>add_dependencies_to_description</a:t>
-            </a:r>
-            <a:r>
-              <a:rPr lang="en-US" sz="2000" dirty="0"/>
-              <a:t>() or use </a:t>
-            </a:r>
-            <a:r>
-              <a:rPr lang="en-US" sz="2000" dirty="0">
-                <a:hlinkClick r:id="rId2"/>
-              </a:rPr>
-              <a:t>renv package</a:t>
-            </a:r>
-            <a:r>
-              <a:rPr lang="en-US" sz="2000" dirty="0"/>
-              <a:t> or </a:t>
-            </a:r>
-            <a:r>
-              <a:rPr lang="en-US" sz="2000" dirty="0">
-                <a:hlinkClick r:id="rId3"/>
-              </a:rPr>
-              <a:t>rocker</a:t>
-            </a:r>
-            <a:endParaRPr lang="en-US" sz="2000" dirty="0"/>
-          </a:p>
-          <a:p>
-            <a:r>
-              <a:rPr lang="en-US" sz="2400" dirty="0"/>
-              <a:t>VMs (heavier weight than containers, includes OS)</a:t>
-            </a:r>
-          </a:p>
-          <a:p>
-            <a:r>
-              <a:rPr lang="en-US" sz="2400" dirty="0">
-                <a:hlinkClick r:id="rId4"/>
-              </a:rPr>
-              <a:t>Reproducible builds</a:t>
-            </a:r>
-            <a:r>
-              <a:rPr lang="en-US" sz="2400" dirty="0"/>
-              <a:t> - a set of software development practices that create an independently-verifiable path from source to binary code</a:t>
-            </a:r>
-          </a:p>
-          <a:p>
-            <a:pPr lvl="1"/>
-            <a:r>
-              <a:rPr lang="en-US" sz="2000" dirty="0"/>
-              <a:t>Reliant on package identification and management, e.g., </a:t>
-            </a:r>
-            <a:r>
-              <a:rPr lang="en-US" sz="2000" dirty="0" err="1">
-                <a:hlinkClick r:id="rId5"/>
-              </a:rPr>
-              <a:t>Guix</a:t>
-            </a:r>
-            <a:r>
-              <a:rPr lang="en-US" sz="2000" dirty="0"/>
-              <a:t>, </a:t>
-            </a:r>
-            <a:r>
-              <a:rPr lang="en-US" sz="2000" dirty="0" err="1">
-                <a:hlinkClick r:id="rId6"/>
-              </a:rPr>
-              <a:t>PyPI</a:t>
-            </a:r>
-            <a:r>
-              <a:rPr lang="en-US" sz="2000" dirty="0"/>
-              <a:t>, </a:t>
-            </a:r>
-            <a:r>
-              <a:rPr lang="en-US" sz="2000" dirty="0">
-                <a:hlinkClick r:id="rId7"/>
-              </a:rPr>
-              <a:t>CRAN</a:t>
-            </a:r>
-            <a:r>
-              <a:rPr lang="en-US" sz="2000" dirty="0"/>
-              <a:t>, …</a:t>
-            </a:r>
-          </a:p>
-          <a:p>
-            <a:r>
-              <a:rPr lang="en-US" sz="2400" dirty="0"/>
-              <a:t>Lots of tools and systems – see “</a:t>
-            </a:r>
-            <a:r>
-              <a:rPr lang="en-US" sz="2400" dirty="0">
-                <a:hlinkClick r:id="rId8"/>
-              </a:rPr>
-              <a:t>Publishing computational research - a review of infrastructures for reproducible and transparent scholarly communication</a:t>
-            </a:r>
-            <a:r>
-              <a:rPr lang="en-US" sz="2400" dirty="0"/>
-              <a:t>” for a recent survey of 11</a:t>
-            </a:r>
-          </a:p>
-        </p:txBody>
-      </p:sp>
-    </p:spTree>
-    <p:extLst>
-      <p:ext uri="{BB962C8B-B14F-4D97-AF65-F5344CB8AC3E}">
-        <p14:creationId xmlns:p14="http://schemas.microsoft.com/office/powerpoint/2010/main" val="1160976559"/>
       </p:ext>
     </p:extLst>
   </p:cSld>
@@ -7760,7 +8104,7 @@
           <a:p>
             <a:r>
               <a:rPr lang="en-US" dirty="0"/>
-              <a:t>Principle 7 – Provide a license &amp; make citable</a:t>
+              <a:t>Principle 6 – Capture the environment</a:t>
             </a:r>
           </a:p>
         </p:txBody>
@@ -7784,76 +8128,139 @@
         <p:spPr/>
         <p:txBody>
           <a:bodyPr>
-            <a:normAutofit fontScale="85000" lnSpcReduction="20000"/>
+            <a:noAutofit/>
           </a:bodyPr>
           <a:lstStyle/>
           <a:p>
             <a:r>
-              <a:rPr lang="en-US" dirty="0"/>
-              <a:t>Copyright defines ownership, license gives permission to do something</a:t>
-            </a:r>
-          </a:p>
-          <a:p>
-            <a:r>
-              <a:rPr lang="en-US" dirty="0"/>
-              <a:t>But facts aren’t copyrightable, while works of authorship are (at least in the US)</a:t>
+              <a:rPr lang="en-US" sz="2400" dirty="0"/>
+              <a:t>Containers</a:t>
             </a:r>
           </a:p>
           <a:p>
             <a:pPr lvl="1"/>
             <a:r>
-              <a:rPr lang="en-US" dirty="0"/>
-              <a:t>A particular arrangement of facts might be eligible for copyright protection if that arrangement demonstrates sufficient creativity, but not if the arrangement is something uncreative like chronological or alphabetical order</a:t>
+              <a:rPr lang="en-US" sz="2000" dirty="0"/>
+              <a:t>In Python, use </a:t>
+            </a:r>
+            <a:r>
+              <a:rPr lang="en-US" sz="2000" dirty="0" err="1"/>
+              <a:t>virtualenv</a:t>
+            </a:r>
+            <a:r>
+              <a:rPr lang="en-US" sz="2000" dirty="0"/>
+              <a:t> (and `pip freeze &gt; </a:t>
+            </a:r>
+            <a:r>
+              <a:rPr lang="en-US" sz="2000" dirty="0" err="1"/>
+              <a:t>requirements.txt</a:t>
+            </a:r>
+            <a:r>
+              <a:rPr lang="en-US" sz="2000" dirty="0"/>
+              <a:t>` to capture current state) or docker</a:t>
             </a:r>
           </a:p>
           <a:p>
             <a:pPr lvl="1"/>
             <a:r>
-              <a:rPr lang="en-US" dirty="0"/>
-              <a:t>Even with creative arrangement, underlying facts cannot be copyrighted; it’s perfectly legal for someone else to pull them out, rearrange them, and use them in something new</a:t>
+              <a:rPr lang="en-US" sz="2000" dirty="0"/>
+              <a:t>In R, use </a:t>
+            </a:r>
+            <a:r>
+              <a:rPr lang="en-US" sz="2000" dirty="0" err="1"/>
+              <a:t>add_dependencies_to_description</a:t>
+            </a:r>
+            <a:r>
+              <a:rPr lang="en-US" sz="2000" dirty="0"/>
+              <a:t>() or use </a:t>
+            </a:r>
+            <a:r>
+              <a:rPr lang="en-US" sz="2000" dirty="0">
+                <a:hlinkClick r:id="rId2"/>
+              </a:rPr>
+              <a:t>renv package</a:t>
+            </a:r>
+            <a:r>
+              <a:rPr lang="en-US" sz="2000" dirty="0"/>
+              <a:t> or </a:t>
+            </a:r>
+            <a:r>
+              <a:rPr lang="en-US" sz="2000" dirty="0">
+                <a:hlinkClick r:id="rId3"/>
+              </a:rPr>
+              <a:t>rocker</a:t>
+            </a:r>
+            <a:endParaRPr lang="en-US" sz="2000" dirty="0"/>
+          </a:p>
+          <a:p>
+            <a:r>
+              <a:rPr lang="en-US" sz="2400" dirty="0"/>
+              <a:t>VMs (heavier weight than containers, includes OS)</a:t>
+            </a:r>
+          </a:p>
+          <a:p>
+            <a:r>
+              <a:rPr lang="en-US" sz="2400" dirty="0">
+                <a:hlinkClick r:id="rId4"/>
+              </a:rPr>
+              <a:t>Reproducible builds</a:t>
+            </a:r>
+            <a:r>
+              <a:rPr lang="en-US" sz="2400" dirty="0"/>
+              <a:t> - a set of software development practices that create an independently-verifiable path from source to binary code</a:t>
             </a:r>
           </a:p>
           <a:p>
             <a:pPr lvl="1"/>
             <a:r>
-              <a:rPr lang="en-US" dirty="0"/>
-              <a:t>See “</a:t>
-            </a:r>
-            <a:r>
-              <a:rPr lang="en-US" dirty="0">
-                <a:hlinkClick r:id="rId2"/>
-              </a:rPr>
-              <a:t>Who ‘owns’ your data?</a:t>
-            </a:r>
-            <a:r>
-              <a:rPr lang="en-US" dirty="0"/>
-              <a:t>”</a:t>
-            </a:r>
-          </a:p>
-          <a:p>
-            <a:r>
-              <a:rPr lang="en-US" dirty="0"/>
-              <a:t>If you are employed, your employer may own the copyright to things you create at work, and maybe even outside</a:t>
-            </a:r>
-          </a:p>
-          <a:p>
-            <a:pPr lvl="1"/>
-            <a:r>
-              <a:rPr lang="en-US" dirty="0"/>
-              <a:t>Common in the US and in universities, but students own work they develop, even in their own coursework</a:t>
-            </a:r>
-          </a:p>
-          <a:p>
-            <a:r>
-              <a:rPr lang="en-US" dirty="0"/>
-              <a:t>Use a common license, don’t create your own</a:t>
-            </a:r>
-          </a:p>
-          <a:p>
-            <a:pPr lvl="1"/>
-            <a:r>
-              <a:rPr lang="en-US" dirty="0"/>
-              <a:t>Common licenses are understood, uncommon one will prevent people from using your work just because they may not understand the license</a:t>
+              <a:rPr lang="en-US" sz="2000" dirty="0"/>
+              <a:t>Reliant on package identification and management, e.g., </a:t>
+            </a:r>
+            <a:r>
+              <a:rPr lang="en-US" sz="2000" dirty="0" err="1">
+                <a:hlinkClick r:id="rId5"/>
+              </a:rPr>
+              <a:t>Guix</a:t>
+            </a:r>
+            <a:r>
+              <a:rPr lang="en-US" sz="2000" dirty="0"/>
+              <a:t>, </a:t>
+            </a:r>
+            <a:r>
+              <a:rPr lang="en-US" sz="2000" dirty="0" err="1">
+                <a:hlinkClick r:id="rId6"/>
+              </a:rPr>
+              <a:t>PyPI</a:t>
+            </a:r>
+            <a:r>
+              <a:rPr lang="en-US" sz="2000" dirty="0"/>
+              <a:t>, </a:t>
+            </a:r>
+            <a:r>
+              <a:rPr lang="en-US" sz="2000" dirty="0">
+                <a:hlinkClick r:id="rId7"/>
+              </a:rPr>
+              <a:t>CRAN</a:t>
+            </a:r>
+            <a:r>
+              <a:rPr lang="en-US" sz="2000" dirty="0"/>
+              <a:t>, …</a:t>
+            </a:r>
+          </a:p>
+          <a:p>
+            <a:r>
+              <a:rPr lang="en-US" sz="2400" dirty="0"/>
+              <a:t>Lots of tools and systems – see “</a:t>
+            </a:r>
+            <a:r>
+              <a:rPr lang="en-US" sz="2400" dirty="0">
+                <a:hlinkClick r:id="rId8"/>
+              </a:rPr>
+              <a:t>Publishing computational research - a review of infrastructures for reproducible and transparent scholarly communication</a:t>
+            </a:r>
+            <a:r>
+              <a:rPr lang="en-US" sz="2400" dirty="0"/>
+              <a:t>” for a recent survey of 11</a:t>
             </a:r>
           </a:p>
         </p:txBody>
@@ -7861,7 +8268,7 @@
     </p:spTree>
     <p:extLst>
       <p:ext uri="{BB962C8B-B14F-4D97-AF65-F5344CB8AC3E}">
-        <p14:creationId xmlns:p14="http://schemas.microsoft.com/office/powerpoint/2010/main" val="1444472216"/>
+        <p14:creationId xmlns:p14="http://schemas.microsoft.com/office/powerpoint/2010/main" val="1160976559"/>
       </p:ext>
     </p:extLst>
   </p:cSld>
@@ -7935,542 +8342,76 @@
         <p:spPr/>
         <p:txBody>
           <a:bodyPr>
-            <a:normAutofit fontScale="70000" lnSpcReduction="20000"/>
+            <a:normAutofit fontScale="85000" lnSpcReduction="20000"/>
           </a:bodyPr>
           <a:lstStyle/>
           <a:p>
             <a:r>
+              <a:rPr lang="en-US" dirty="0"/>
+              <a:t>Copyright defines ownership, license gives permission to do something</a:t>
+            </a:r>
+          </a:p>
+          <a:p>
+            <a:r>
+              <a:rPr lang="en-US" dirty="0"/>
+              <a:t>But facts aren’t copyrightable, while works of authorship are (at least in the US)</a:t>
+            </a:r>
+          </a:p>
+          <a:p>
+            <a:pPr lvl="1"/>
+            <a:r>
+              <a:rPr lang="en-US" dirty="0"/>
+              <a:t>A particular arrangement of facts might be eligible for copyright protection if that arrangement demonstrates sufficient creativity, but not if the arrangement is something uncreative like chronological or alphabetical order</a:t>
+            </a:r>
+          </a:p>
+          <a:p>
+            <a:pPr lvl="1"/>
+            <a:r>
+              <a:rPr lang="en-US" dirty="0"/>
+              <a:t>Even with creative arrangement, underlying facts cannot be copyrighted; it’s perfectly legal for someone else to pull them out, rearrange them, and use them in something new</a:t>
+            </a:r>
+          </a:p>
+          <a:p>
+            <a:pPr lvl="1"/>
+            <a:r>
+              <a:rPr lang="en-US" dirty="0"/>
+              <a:t>See “</a:t>
+            </a:r>
+            <a:r>
               <a:rPr lang="en-US" dirty="0">
                 <a:hlinkClick r:id="rId2"/>
               </a:rPr>
-              <a:t>Creative Common licenses</a:t>
-            </a:r>
-            <a:r>
-              <a:rPr lang="en-US" dirty="0"/>
-              <a:t> for text and data</a:t>
+              <a:t>Who ‘owns’ your data?</a:t>
+            </a:r>
+            <a:r>
+              <a:rPr lang="en-US" dirty="0"/>
+              <a:t>”</a:t>
+            </a:r>
+          </a:p>
+          <a:p>
+            <a:r>
+              <a:rPr lang="en-US" dirty="0"/>
+              <a:t>If you are employed, your employer may own the copyright to things you create at work, and maybe even outside</a:t>
             </a:r>
           </a:p>
           <a:p>
             <a:pPr lvl="1"/>
             <a:r>
               <a:rPr lang="en-US" dirty="0"/>
-              <a:t>CC0 – waive copyright, dedicate to the public domain (not really a license)</a:t>
+              <a:t>Common in the US and in universities, but students own work they develop, even in their own coursework</a:t>
+            </a:r>
+          </a:p>
+          <a:p>
+            <a:r>
+              <a:rPr lang="en-US" dirty="0"/>
+              <a:t>Use a common license, don’t create your own</a:t>
             </a:r>
           </a:p>
           <a:p>
             <a:pPr lvl="1"/>
             <a:r>
               <a:rPr lang="en-US" dirty="0"/>
-              <a:t>CC </a:t>
-            </a:r>
-            <a:r>
-              <a:rPr lang="en-US" dirty="0">
-                <a:solidFill>
-                  <a:schemeClr val="tx2"/>
-                </a:solidFill>
-              </a:rPr>
-              <a:t>BY</a:t>
-            </a:r>
-            <a:r>
-              <a:rPr lang="en-US" dirty="0"/>
-              <a:t> (</a:t>
-            </a:r>
-            <a:r>
-              <a:rPr lang="en-US" dirty="0">
-                <a:solidFill>
-                  <a:schemeClr val="tx2"/>
-                </a:solidFill>
-              </a:rPr>
-              <a:t>Attribution</a:t>
-            </a:r>
-            <a:r>
-              <a:rPr lang="en-US" dirty="0"/>
-              <a:t>): material is free to use and adapt, but </a:t>
-            </a:r>
-            <a:r>
-              <a:rPr lang="en-US" dirty="0">
-                <a:solidFill>
-                  <a:schemeClr val="tx2"/>
-                </a:solidFill>
-              </a:rPr>
-              <a:t>credit must be given</a:t>
-            </a:r>
-          </a:p>
-          <a:p>
-            <a:pPr lvl="1"/>
-            <a:r>
-              <a:rPr lang="en-US" dirty="0"/>
-              <a:t>CC </a:t>
-            </a:r>
-            <a:r>
-              <a:rPr lang="en-US" dirty="0">
-                <a:solidFill>
-                  <a:schemeClr val="tx2"/>
-                </a:solidFill>
-              </a:rPr>
-              <a:t>BY</a:t>
-            </a:r>
-            <a:r>
-              <a:rPr lang="en-US" dirty="0"/>
-              <a:t>-</a:t>
-            </a:r>
-            <a:r>
-              <a:rPr lang="en-US" dirty="0">
-                <a:solidFill>
-                  <a:srgbClr val="00B050"/>
-                </a:solidFill>
-              </a:rPr>
-              <a:t>SA</a:t>
-            </a:r>
-            <a:r>
-              <a:rPr lang="en-US" dirty="0"/>
-              <a:t> (</a:t>
-            </a:r>
-            <a:r>
-              <a:rPr lang="en-US" dirty="0">
-                <a:solidFill>
-                  <a:schemeClr val="tx2"/>
-                </a:solidFill>
-              </a:rPr>
-              <a:t>Attribution</a:t>
-            </a:r>
-            <a:r>
-              <a:rPr lang="en-US" dirty="0"/>
-              <a:t>-</a:t>
-            </a:r>
-            <a:r>
-              <a:rPr lang="en-US" dirty="0" err="1">
-                <a:solidFill>
-                  <a:srgbClr val="00B050"/>
-                </a:solidFill>
-              </a:rPr>
-              <a:t>ShareAlike</a:t>
-            </a:r>
-            <a:r>
-              <a:rPr lang="en-US" dirty="0"/>
-              <a:t>): free to use and adapt, but </a:t>
-            </a:r>
-            <a:r>
-              <a:rPr lang="en-US" dirty="0">
-                <a:solidFill>
-                  <a:schemeClr val="tx2"/>
-                </a:solidFill>
-              </a:rPr>
-              <a:t>credit must be given</a:t>
-            </a:r>
-            <a:r>
-              <a:rPr lang="en-US" dirty="0"/>
-              <a:t> and </a:t>
-            </a:r>
-            <a:r>
-              <a:rPr lang="en-US" dirty="0">
-                <a:solidFill>
-                  <a:srgbClr val="00B050"/>
-                </a:solidFill>
-              </a:rPr>
-              <a:t>adapted material must also be distributed with this same license</a:t>
-            </a:r>
-          </a:p>
-          <a:p>
-            <a:pPr lvl="1"/>
-            <a:r>
-              <a:rPr lang="en-US" dirty="0"/>
-              <a:t>CC </a:t>
-            </a:r>
-            <a:r>
-              <a:rPr lang="en-US" dirty="0">
-                <a:solidFill>
-                  <a:schemeClr val="tx2"/>
-                </a:solidFill>
-              </a:rPr>
-              <a:t>BY</a:t>
-            </a:r>
-            <a:r>
-              <a:rPr lang="en-US" dirty="0"/>
-              <a:t>-</a:t>
-            </a:r>
-            <a:r>
-              <a:rPr lang="en-US" dirty="0">
-                <a:solidFill>
-                  <a:srgbClr val="7030A0"/>
-                </a:solidFill>
-              </a:rPr>
-              <a:t>ND</a:t>
-            </a:r>
-            <a:r>
-              <a:rPr lang="en-US" dirty="0"/>
-              <a:t> (</a:t>
-            </a:r>
-            <a:r>
-              <a:rPr lang="en-US" dirty="0">
-                <a:solidFill>
-                  <a:schemeClr val="tx2"/>
-                </a:solidFill>
-              </a:rPr>
-              <a:t>Attribution</a:t>
-            </a:r>
-            <a:r>
-              <a:rPr lang="en-US" dirty="0"/>
-              <a:t>-</a:t>
-            </a:r>
-            <a:r>
-              <a:rPr lang="en-US" dirty="0" err="1">
-                <a:solidFill>
-                  <a:srgbClr val="7030A0"/>
-                </a:solidFill>
-              </a:rPr>
-              <a:t>NoDerivs</a:t>
-            </a:r>
-            <a:r>
-              <a:rPr lang="en-US" dirty="0"/>
-              <a:t>): free to use, but </a:t>
-            </a:r>
-            <a:r>
-              <a:rPr lang="en-US" dirty="0">
-                <a:solidFill>
-                  <a:schemeClr val="tx2"/>
-                </a:solidFill>
-              </a:rPr>
-              <a:t>credit must be given</a:t>
-            </a:r>
-            <a:r>
-              <a:rPr lang="en-US" dirty="0"/>
-              <a:t> and </a:t>
-            </a:r>
-            <a:r>
-              <a:rPr lang="en-US" dirty="0">
-                <a:solidFill>
-                  <a:srgbClr val="7030A0"/>
-                </a:solidFill>
-              </a:rPr>
-              <a:t>can’t be adapted</a:t>
-            </a:r>
-          </a:p>
-          <a:p>
-            <a:pPr lvl="1"/>
-            <a:r>
-              <a:rPr lang="en-US" dirty="0"/>
-              <a:t>CC </a:t>
-            </a:r>
-            <a:r>
-              <a:rPr lang="en-US" dirty="0">
-                <a:solidFill>
-                  <a:schemeClr val="tx2"/>
-                </a:solidFill>
-              </a:rPr>
-              <a:t>BY</a:t>
-            </a:r>
-            <a:r>
-              <a:rPr lang="en-US" dirty="0"/>
-              <a:t>-</a:t>
-            </a:r>
-            <a:r>
-              <a:rPr lang="en-US" dirty="0">
-                <a:solidFill>
-                  <a:srgbClr val="00B0F0"/>
-                </a:solidFill>
-              </a:rPr>
-              <a:t>NC</a:t>
-            </a:r>
-            <a:r>
-              <a:rPr lang="en-US" dirty="0"/>
-              <a:t> (</a:t>
-            </a:r>
-            <a:r>
-              <a:rPr lang="en-US" dirty="0">
-                <a:solidFill>
-                  <a:schemeClr val="tx2"/>
-                </a:solidFill>
-              </a:rPr>
-              <a:t>Attribution</a:t>
-            </a:r>
-            <a:r>
-              <a:rPr lang="en-US" dirty="0"/>
-              <a:t>-</a:t>
-            </a:r>
-            <a:r>
-              <a:rPr lang="en-US" dirty="0" err="1">
-                <a:solidFill>
-                  <a:srgbClr val="00B0F0"/>
-                </a:solidFill>
-              </a:rPr>
-              <a:t>NonCommercial</a:t>
-            </a:r>
-            <a:r>
-              <a:rPr lang="en-US" dirty="0"/>
-              <a:t>): free to use and adapt but </a:t>
-            </a:r>
-            <a:r>
-              <a:rPr lang="en-US" dirty="0">
-                <a:solidFill>
-                  <a:schemeClr val="tx2"/>
-                </a:solidFill>
-              </a:rPr>
-              <a:t>credit must be given</a:t>
-            </a:r>
-            <a:r>
-              <a:rPr lang="en-US" dirty="0"/>
-              <a:t> and </a:t>
-            </a:r>
-            <a:r>
-              <a:rPr lang="en-US" dirty="0">
-                <a:solidFill>
-                  <a:srgbClr val="00B0F0"/>
-                </a:solidFill>
-              </a:rPr>
-              <a:t>can’t be used commercially</a:t>
-            </a:r>
-          </a:p>
-          <a:p>
-            <a:pPr lvl="1"/>
-            <a:r>
-              <a:rPr lang="en-US" dirty="0"/>
-              <a:t>CC </a:t>
-            </a:r>
-            <a:r>
-              <a:rPr lang="en-US" dirty="0">
-                <a:solidFill>
-                  <a:schemeClr val="tx2"/>
-                </a:solidFill>
-              </a:rPr>
-              <a:t>BY</a:t>
-            </a:r>
-            <a:r>
-              <a:rPr lang="en-US" dirty="0"/>
-              <a:t>-</a:t>
-            </a:r>
-            <a:r>
-              <a:rPr lang="en-US" dirty="0">
-                <a:solidFill>
-                  <a:srgbClr val="00B0F0"/>
-                </a:solidFill>
-              </a:rPr>
-              <a:t>NC</a:t>
-            </a:r>
-            <a:r>
-              <a:rPr lang="en-US" dirty="0"/>
-              <a:t>-</a:t>
-            </a:r>
-            <a:r>
-              <a:rPr lang="en-US" dirty="0">
-                <a:solidFill>
-                  <a:srgbClr val="00B050"/>
-                </a:solidFill>
-              </a:rPr>
-              <a:t>SA</a:t>
-            </a:r>
-            <a:r>
-              <a:rPr lang="en-US" dirty="0"/>
-              <a:t> (</a:t>
-            </a:r>
-            <a:r>
-              <a:rPr lang="en-US" dirty="0">
-                <a:solidFill>
-                  <a:schemeClr val="tx2"/>
-                </a:solidFill>
-              </a:rPr>
-              <a:t>Attribution</a:t>
-            </a:r>
-            <a:r>
-              <a:rPr lang="en-US" dirty="0"/>
-              <a:t>-</a:t>
-            </a:r>
-            <a:r>
-              <a:rPr lang="en-US" dirty="0" err="1">
-                <a:solidFill>
-                  <a:srgbClr val="00B0F0"/>
-                </a:solidFill>
-              </a:rPr>
-              <a:t>NonCommercial</a:t>
-            </a:r>
-            <a:r>
-              <a:rPr lang="en-US" dirty="0"/>
-              <a:t>-</a:t>
-            </a:r>
-            <a:r>
-              <a:rPr lang="en-US" dirty="0" err="1">
-                <a:solidFill>
-                  <a:srgbClr val="00B050"/>
-                </a:solidFill>
-              </a:rPr>
-              <a:t>ShareAlike</a:t>
-            </a:r>
-            <a:r>
-              <a:rPr lang="en-US" dirty="0"/>
-              <a:t>): free to use and adapt, but </a:t>
-            </a:r>
-            <a:r>
-              <a:rPr lang="en-US" dirty="0">
-                <a:solidFill>
-                  <a:schemeClr val="tx2"/>
-                </a:solidFill>
-              </a:rPr>
-              <a:t>credit must be given</a:t>
-            </a:r>
-            <a:r>
-              <a:rPr lang="en-US" dirty="0"/>
-              <a:t>, </a:t>
-            </a:r>
-            <a:r>
-              <a:rPr lang="en-US" dirty="0">
-                <a:solidFill>
-                  <a:srgbClr val="00B0F0"/>
-                </a:solidFill>
-              </a:rPr>
-              <a:t>can’t be used commercially</a:t>
-            </a:r>
-            <a:r>
-              <a:rPr lang="en-US" dirty="0"/>
-              <a:t>, and </a:t>
-            </a:r>
-            <a:r>
-              <a:rPr lang="en-US" dirty="0">
-                <a:solidFill>
-                  <a:srgbClr val="00B050"/>
-                </a:solidFill>
-              </a:rPr>
-              <a:t>adapted material must also be distributed with this same license</a:t>
-            </a:r>
-          </a:p>
-          <a:p>
-            <a:pPr lvl="1"/>
-            <a:r>
-              <a:rPr lang="en-US" dirty="0"/>
-              <a:t>CC </a:t>
-            </a:r>
-            <a:r>
-              <a:rPr lang="en-US" dirty="0">
-                <a:solidFill>
-                  <a:schemeClr val="tx2"/>
-                </a:solidFill>
-              </a:rPr>
-              <a:t>BY</a:t>
-            </a:r>
-            <a:r>
-              <a:rPr lang="en-US" dirty="0"/>
-              <a:t>-NC-</a:t>
-            </a:r>
-            <a:r>
-              <a:rPr lang="en-US" dirty="0">
-                <a:solidFill>
-                  <a:srgbClr val="7030A0"/>
-                </a:solidFill>
-              </a:rPr>
-              <a:t>ND</a:t>
-            </a:r>
-            <a:r>
-              <a:rPr lang="en-US" dirty="0"/>
-              <a:t> (</a:t>
-            </a:r>
-            <a:r>
-              <a:rPr lang="en-US" dirty="0">
-                <a:solidFill>
-                  <a:schemeClr val="tx2"/>
-                </a:solidFill>
-              </a:rPr>
-              <a:t>Attribution</a:t>
-            </a:r>
-            <a:r>
-              <a:rPr lang="en-US" dirty="0"/>
-              <a:t>-</a:t>
-            </a:r>
-            <a:r>
-              <a:rPr lang="en-US" dirty="0" err="1">
-                <a:solidFill>
-                  <a:srgbClr val="00B0F0"/>
-                </a:solidFill>
-              </a:rPr>
-              <a:t>NonCommercial</a:t>
-            </a:r>
-            <a:r>
-              <a:rPr lang="en-US" dirty="0"/>
-              <a:t>-</a:t>
-            </a:r>
-            <a:r>
-              <a:rPr lang="en-US" dirty="0" err="1">
-                <a:solidFill>
-                  <a:srgbClr val="7030A0"/>
-                </a:solidFill>
-              </a:rPr>
-              <a:t>NoDerivs</a:t>
-            </a:r>
-            <a:r>
-              <a:rPr lang="en-US" dirty="0"/>
-              <a:t>): free to use, but </a:t>
-            </a:r>
-            <a:r>
-              <a:rPr lang="en-US" dirty="0">
-                <a:solidFill>
-                  <a:schemeClr val="tx2"/>
-                </a:solidFill>
-              </a:rPr>
-              <a:t>credit must be given</a:t>
-            </a:r>
-            <a:r>
-              <a:rPr lang="en-US" dirty="0"/>
-              <a:t>, </a:t>
-            </a:r>
-            <a:r>
-              <a:rPr lang="en-US" dirty="0">
-                <a:solidFill>
-                  <a:srgbClr val="00B0F0"/>
-                </a:solidFill>
-              </a:rPr>
-              <a:t>can’t be used commercially</a:t>
-            </a:r>
-            <a:r>
-              <a:rPr lang="en-US" dirty="0"/>
-              <a:t>, and </a:t>
-            </a:r>
-            <a:r>
-              <a:rPr lang="en-US" dirty="0">
-                <a:solidFill>
-                  <a:srgbClr val="7030A0"/>
-                </a:solidFill>
-              </a:rPr>
-              <a:t>can’t be adapted</a:t>
-            </a:r>
-            <a:endParaRPr lang="en-US" dirty="0"/>
-          </a:p>
-          <a:p>
-            <a:r>
-              <a:rPr lang="en-US" dirty="0"/>
-              <a:t>Creative Commons provides a </a:t>
-            </a:r>
-            <a:r>
-              <a:rPr lang="en-US" dirty="0">
-                <a:hlinkClick r:id="rId3"/>
-              </a:rPr>
-              <a:t>guide/decision tree</a:t>
-            </a:r>
-            <a:endParaRPr lang="en-US" dirty="0"/>
-          </a:p>
-          <a:p>
-            <a:r>
-              <a:rPr lang="en-US" dirty="0"/>
-              <a:t>Be aware someone might argue that the data are facts and not subject to copyright, so the license doesn’t hold</a:t>
-            </a:r>
-          </a:p>
-          <a:p>
-            <a:r>
-              <a:rPr lang="en-US" dirty="0"/>
-              <a:t>Scholarly norms and principles of attribution/credit/provenance/authority might hold more sway</a:t>
-            </a:r>
-          </a:p>
-          <a:p>
-            <a:r>
-              <a:rPr lang="en-US" dirty="0"/>
-              <a:t>(for more, see “</a:t>
-            </a:r>
-            <a:r>
-              <a:rPr lang="en-US" dirty="0">
-                <a:hlinkClick r:id="rId4"/>
-              </a:rPr>
-              <a:t>CC BY and data: Not always a good fit</a:t>
-            </a:r>
-            <a:r>
-              <a:rPr lang="en-US" dirty="0"/>
-              <a:t>”)</a:t>
+              <a:t>Common licenses are understood, uncommon one will prevent people from using your work just because they may not understand the license</a:t>
             </a:r>
           </a:p>
         </p:txBody>
@@ -8478,7 +8419,7 @@
     </p:spTree>
     <p:extLst>
       <p:ext uri="{BB962C8B-B14F-4D97-AF65-F5344CB8AC3E}">
-        <p14:creationId xmlns:p14="http://schemas.microsoft.com/office/powerpoint/2010/main" val="3198230629"/>
+        <p14:creationId xmlns:p14="http://schemas.microsoft.com/office/powerpoint/2010/main" val="1444472216"/>
       </p:ext>
     </p:extLst>
   </p:cSld>
@@ -8552,98 +8493,542 @@
         <p:spPr/>
         <p:txBody>
           <a:bodyPr>
-            <a:noAutofit/>
+            <a:normAutofit fontScale="70000" lnSpcReduction="20000"/>
           </a:bodyPr>
           <a:lstStyle/>
           <a:p>
             <a:r>
-              <a:rPr lang="en-US" sz="2400" dirty="0">
+              <a:rPr lang="en-US" dirty="0">
                 <a:hlinkClick r:id="rId2"/>
               </a:rPr>
-              <a:t>Open Source Initiative licenses</a:t>
-            </a:r>
-            <a:r>
-              <a:rPr lang="en-US" sz="2400" dirty="0"/>
-              <a:t> for software</a:t>
+              <a:t>Creative Common licenses</a:t>
+            </a:r>
+            <a:r>
+              <a:rPr lang="en-US" dirty="0"/>
+              <a:t> for text and data</a:t>
             </a:r>
           </a:p>
           <a:p>
             <a:pPr lvl="1"/>
             <a:r>
-              <a:rPr lang="en-US" sz="2000" dirty="0"/>
-              <a:t>Don’t use a CC license for software</a:t>
+              <a:rPr lang="en-US" dirty="0"/>
+              <a:t>CC0 – waive copyright, dedicate to the public domain (not really a license)</a:t>
             </a:r>
           </a:p>
           <a:p>
             <a:pPr lvl="1"/>
             <a:r>
-              <a:rPr lang="en-US" sz="2000" dirty="0"/>
-              <a:t>At high level, two types of licenses</a:t>
+              <a:rPr lang="en-US" dirty="0"/>
+              <a:t>CC </a:t>
+            </a:r>
+            <a:r>
+              <a:rPr lang="en-US" dirty="0">
+                <a:solidFill>
+                  <a:schemeClr val="tx2"/>
+                </a:solidFill>
+              </a:rPr>
+              <a:t>BY</a:t>
+            </a:r>
+            <a:r>
+              <a:rPr lang="en-US" dirty="0"/>
+              <a:t> (</a:t>
+            </a:r>
+            <a:r>
+              <a:rPr lang="en-US" dirty="0">
+                <a:solidFill>
+                  <a:schemeClr val="tx2"/>
+                </a:solidFill>
+              </a:rPr>
+              <a:t>Attribution</a:t>
+            </a:r>
+            <a:r>
+              <a:rPr lang="en-US" dirty="0"/>
+              <a:t>): material is free to use and adapt, but </a:t>
+            </a:r>
+            <a:r>
+              <a:rPr lang="en-US" dirty="0">
+                <a:solidFill>
+                  <a:schemeClr val="tx2"/>
+                </a:solidFill>
+              </a:rPr>
+              <a:t>credit must be given</a:t>
             </a:r>
           </a:p>
           <a:p>
             <a:pPr lvl="1"/>
             <a:r>
-              <a:rPr lang="en-US" sz="2000" dirty="0"/>
-              <a:t>Permissive: MIT, Apache, BSD, …</a:t>
+              <a:rPr lang="en-US" dirty="0"/>
+              <a:t>CC </a:t>
+            </a:r>
+            <a:r>
+              <a:rPr lang="en-US" dirty="0">
+                <a:solidFill>
+                  <a:schemeClr val="tx2"/>
+                </a:solidFill>
+              </a:rPr>
+              <a:t>BY</a:t>
+            </a:r>
+            <a:r>
+              <a:rPr lang="en-US" dirty="0"/>
+              <a:t>-</a:t>
+            </a:r>
+            <a:r>
+              <a:rPr lang="en-US" dirty="0">
+                <a:solidFill>
+                  <a:srgbClr val="00B050"/>
+                </a:solidFill>
+              </a:rPr>
+              <a:t>SA</a:t>
+            </a:r>
+            <a:r>
+              <a:rPr lang="en-US" dirty="0"/>
+              <a:t> (</a:t>
+            </a:r>
+            <a:r>
+              <a:rPr lang="en-US" dirty="0">
+                <a:solidFill>
+                  <a:schemeClr val="tx2"/>
+                </a:solidFill>
+              </a:rPr>
+              <a:t>Attribution</a:t>
+            </a:r>
+            <a:r>
+              <a:rPr lang="en-US" dirty="0"/>
+              <a:t>-</a:t>
+            </a:r>
+            <a:r>
+              <a:rPr lang="en-US" dirty="0" err="1">
+                <a:solidFill>
+                  <a:srgbClr val="00B050"/>
+                </a:solidFill>
+              </a:rPr>
+              <a:t>ShareAlike</a:t>
+            </a:r>
+            <a:r>
+              <a:rPr lang="en-US" dirty="0"/>
+              <a:t>): free to use and adapt, but </a:t>
+            </a:r>
+            <a:r>
+              <a:rPr lang="en-US" dirty="0">
+                <a:solidFill>
+                  <a:schemeClr val="tx2"/>
+                </a:solidFill>
+              </a:rPr>
+              <a:t>credit must be given</a:t>
+            </a:r>
+            <a:r>
+              <a:rPr lang="en-US" dirty="0"/>
+              <a:t> and </a:t>
+            </a:r>
+            <a:r>
+              <a:rPr lang="en-US" dirty="0">
+                <a:solidFill>
+                  <a:srgbClr val="00B050"/>
+                </a:solidFill>
+              </a:rPr>
+              <a:t>adapted material must also be distributed with this same license</a:t>
             </a:r>
           </a:p>
           <a:p>
             <a:pPr lvl="1"/>
             <a:r>
-              <a:rPr lang="en-US" sz="2000" dirty="0"/>
-              <a:t>Copyleft (“viral”): GPL, LGPL</a:t>
-            </a:r>
-          </a:p>
-          <a:p>
-            <a:r>
-              <a:rPr lang="en-US" sz="2400" dirty="0"/>
-              <a:t>Use </a:t>
-            </a:r>
-            <a:r>
-              <a:rPr lang="en-US" sz="2400" dirty="0">
+              <a:rPr lang="en-US" dirty="0"/>
+              <a:t>CC </a:t>
+            </a:r>
+            <a:r>
+              <a:rPr lang="en-US" dirty="0">
+                <a:solidFill>
+                  <a:schemeClr val="tx2"/>
+                </a:solidFill>
+              </a:rPr>
+              <a:t>BY</a:t>
+            </a:r>
+            <a:r>
+              <a:rPr lang="en-US" dirty="0"/>
+              <a:t>-</a:t>
+            </a:r>
+            <a:r>
+              <a:rPr lang="en-US" dirty="0">
+                <a:solidFill>
+                  <a:srgbClr val="7030A0"/>
+                </a:solidFill>
+              </a:rPr>
+              <a:t>ND</a:t>
+            </a:r>
+            <a:r>
+              <a:rPr lang="en-US" dirty="0"/>
+              <a:t> (</a:t>
+            </a:r>
+            <a:r>
+              <a:rPr lang="en-US" dirty="0">
+                <a:solidFill>
+                  <a:schemeClr val="tx2"/>
+                </a:solidFill>
+              </a:rPr>
+              <a:t>Attribution</a:t>
+            </a:r>
+            <a:r>
+              <a:rPr lang="en-US" dirty="0"/>
+              <a:t>-</a:t>
+            </a:r>
+            <a:r>
+              <a:rPr lang="en-US" dirty="0" err="1">
+                <a:solidFill>
+                  <a:srgbClr val="7030A0"/>
+                </a:solidFill>
+              </a:rPr>
+              <a:t>NoDerivs</a:t>
+            </a:r>
+            <a:r>
+              <a:rPr lang="en-US" dirty="0"/>
+              <a:t>): free to use, but </a:t>
+            </a:r>
+            <a:r>
+              <a:rPr lang="en-US" dirty="0">
+                <a:solidFill>
+                  <a:schemeClr val="tx2"/>
+                </a:solidFill>
+              </a:rPr>
+              <a:t>credit must be given</a:t>
+            </a:r>
+            <a:r>
+              <a:rPr lang="en-US" dirty="0"/>
+              <a:t> and </a:t>
+            </a:r>
+            <a:r>
+              <a:rPr lang="en-US" dirty="0">
+                <a:solidFill>
+                  <a:srgbClr val="7030A0"/>
+                </a:solidFill>
+              </a:rPr>
+              <a:t>can’t be adapted</a:t>
+            </a:r>
+          </a:p>
+          <a:p>
+            <a:pPr lvl="1"/>
+            <a:r>
+              <a:rPr lang="en-US" dirty="0"/>
+              <a:t>CC </a:t>
+            </a:r>
+            <a:r>
+              <a:rPr lang="en-US" dirty="0">
+                <a:solidFill>
+                  <a:schemeClr val="tx2"/>
+                </a:solidFill>
+              </a:rPr>
+              <a:t>BY</a:t>
+            </a:r>
+            <a:r>
+              <a:rPr lang="en-US" dirty="0"/>
+              <a:t>-</a:t>
+            </a:r>
+            <a:r>
+              <a:rPr lang="en-US" dirty="0">
+                <a:solidFill>
+                  <a:srgbClr val="00B0F0"/>
+                </a:solidFill>
+              </a:rPr>
+              <a:t>NC</a:t>
+            </a:r>
+            <a:r>
+              <a:rPr lang="en-US" dirty="0"/>
+              <a:t> (</a:t>
+            </a:r>
+            <a:r>
+              <a:rPr lang="en-US" dirty="0">
+                <a:solidFill>
+                  <a:schemeClr val="tx2"/>
+                </a:solidFill>
+              </a:rPr>
+              <a:t>Attribution</a:t>
+            </a:r>
+            <a:r>
+              <a:rPr lang="en-US" dirty="0"/>
+              <a:t>-</a:t>
+            </a:r>
+            <a:r>
+              <a:rPr lang="en-US" dirty="0" err="1">
+                <a:solidFill>
+                  <a:srgbClr val="00B0F0"/>
+                </a:solidFill>
+              </a:rPr>
+              <a:t>NonCommercial</a:t>
+            </a:r>
+            <a:r>
+              <a:rPr lang="en-US" dirty="0"/>
+              <a:t>): free to use and adapt but </a:t>
+            </a:r>
+            <a:r>
+              <a:rPr lang="en-US" dirty="0">
+                <a:solidFill>
+                  <a:schemeClr val="tx2"/>
+                </a:solidFill>
+              </a:rPr>
+              <a:t>credit must be given</a:t>
+            </a:r>
+            <a:r>
+              <a:rPr lang="en-US" dirty="0"/>
+              <a:t> and </a:t>
+            </a:r>
+            <a:r>
+              <a:rPr lang="en-US" dirty="0">
+                <a:solidFill>
+                  <a:srgbClr val="00B0F0"/>
+                </a:solidFill>
+              </a:rPr>
+              <a:t>can’t be used commercially</a:t>
+            </a:r>
+          </a:p>
+          <a:p>
+            <a:pPr lvl="1"/>
+            <a:r>
+              <a:rPr lang="en-US" dirty="0"/>
+              <a:t>CC </a:t>
+            </a:r>
+            <a:r>
+              <a:rPr lang="en-US" dirty="0">
+                <a:solidFill>
+                  <a:schemeClr val="tx2"/>
+                </a:solidFill>
+              </a:rPr>
+              <a:t>BY</a:t>
+            </a:r>
+            <a:r>
+              <a:rPr lang="en-US" dirty="0"/>
+              <a:t>-</a:t>
+            </a:r>
+            <a:r>
+              <a:rPr lang="en-US" dirty="0">
+                <a:solidFill>
+                  <a:srgbClr val="00B0F0"/>
+                </a:solidFill>
+              </a:rPr>
+              <a:t>NC</a:t>
+            </a:r>
+            <a:r>
+              <a:rPr lang="en-US" dirty="0"/>
+              <a:t>-</a:t>
+            </a:r>
+            <a:r>
+              <a:rPr lang="en-US" dirty="0">
+                <a:solidFill>
+                  <a:srgbClr val="00B050"/>
+                </a:solidFill>
+              </a:rPr>
+              <a:t>SA</a:t>
+            </a:r>
+            <a:r>
+              <a:rPr lang="en-US" dirty="0"/>
+              <a:t> (</a:t>
+            </a:r>
+            <a:r>
+              <a:rPr lang="en-US" dirty="0">
+                <a:solidFill>
+                  <a:schemeClr val="tx2"/>
+                </a:solidFill>
+              </a:rPr>
+              <a:t>Attribution</a:t>
+            </a:r>
+            <a:r>
+              <a:rPr lang="en-US" dirty="0"/>
+              <a:t>-</a:t>
+            </a:r>
+            <a:r>
+              <a:rPr lang="en-US" dirty="0" err="1">
+                <a:solidFill>
+                  <a:srgbClr val="00B0F0"/>
+                </a:solidFill>
+              </a:rPr>
+              <a:t>NonCommercial</a:t>
+            </a:r>
+            <a:r>
+              <a:rPr lang="en-US" dirty="0"/>
+              <a:t>-</a:t>
+            </a:r>
+            <a:r>
+              <a:rPr lang="en-US" dirty="0" err="1">
+                <a:solidFill>
+                  <a:srgbClr val="00B050"/>
+                </a:solidFill>
+              </a:rPr>
+              <a:t>ShareAlike</a:t>
+            </a:r>
+            <a:r>
+              <a:rPr lang="en-US" dirty="0"/>
+              <a:t>): free to use and adapt, but </a:t>
+            </a:r>
+            <a:r>
+              <a:rPr lang="en-US" dirty="0">
+                <a:solidFill>
+                  <a:schemeClr val="tx2"/>
+                </a:solidFill>
+              </a:rPr>
+              <a:t>credit must be given</a:t>
+            </a:r>
+            <a:r>
+              <a:rPr lang="en-US" dirty="0"/>
+              <a:t>, </a:t>
+            </a:r>
+            <a:r>
+              <a:rPr lang="en-US" dirty="0">
+                <a:solidFill>
+                  <a:srgbClr val="00B0F0"/>
+                </a:solidFill>
+              </a:rPr>
+              <a:t>can’t be used commercially</a:t>
+            </a:r>
+            <a:r>
+              <a:rPr lang="en-US" dirty="0"/>
+              <a:t>, and </a:t>
+            </a:r>
+            <a:r>
+              <a:rPr lang="en-US" dirty="0">
+                <a:solidFill>
+                  <a:srgbClr val="00B050"/>
+                </a:solidFill>
+              </a:rPr>
+              <a:t>adapted material must also be distributed with this same license</a:t>
+            </a:r>
+          </a:p>
+          <a:p>
+            <a:pPr lvl="1"/>
+            <a:r>
+              <a:rPr lang="en-US" dirty="0"/>
+              <a:t>CC </a:t>
+            </a:r>
+            <a:r>
+              <a:rPr lang="en-US" dirty="0">
+                <a:solidFill>
+                  <a:schemeClr val="tx2"/>
+                </a:solidFill>
+              </a:rPr>
+              <a:t>BY</a:t>
+            </a:r>
+            <a:r>
+              <a:rPr lang="en-US" dirty="0"/>
+              <a:t>-NC-</a:t>
+            </a:r>
+            <a:r>
+              <a:rPr lang="en-US" dirty="0">
+                <a:solidFill>
+                  <a:srgbClr val="7030A0"/>
+                </a:solidFill>
+              </a:rPr>
+              <a:t>ND</a:t>
+            </a:r>
+            <a:r>
+              <a:rPr lang="en-US" dirty="0"/>
+              <a:t> (</a:t>
+            </a:r>
+            <a:r>
+              <a:rPr lang="en-US" dirty="0">
+                <a:solidFill>
+                  <a:schemeClr val="tx2"/>
+                </a:solidFill>
+              </a:rPr>
+              <a:t>Attribution</a:t>
+            </a:r>
+            <a:r>
+              <a:rPr lang="en-US" dirty="0"/>
+              <a:t>-</a:t>
+            </a:r>
+            <a:r>
+              <a:rPr lang="en-US" dirty="0" err="1">
+                <a:solidFill>
+                  <a:srgbClr val="00B0F0"/>
+                </a:solidFill>
+              </a:rPr>
+              <a:t>NonCommercial</a:t>
+            </a:r>
+            <a:r>
+              <a:rPr lang="en-US" dirty="0"/>
+              <a:t>-</a:t>
+            </a:r>
+            <a:r>
+              <a:rPr lang="en-US" dirty="0" err="1">
+                <a:solidFill>
+                  <a:srgbClr val="7030A0"/>
+                </a:solidFill>
+              </a:rPr>
+              <a:t>NoDerivs</a:t>
+            </a:r>
+            <a:r>
+              <a:rPr lang="en-US" dirty="0"/>
+              <a:t>): free to use, but </a:t>
+            </a:r>
+            <a:r>
+              <a:rPr lang="en-US" dirty="0">
+                <a:solidFill>
+                  <a:schemeClr val="tx2"/>
+                </a:solidFill>
+              </a:rPr>
+              <a:t>credit must be given</a:t>
+            </a:r>
+            <a:r>
+              <a:rPr lang="en-US" dirty="0"/>
+              <a:t>, </a:t>
+            </a:r>
+            <a:r>
+              <a:rPr lang="en-US" dirty="0">
+                <a:solidFill>
+                  <a:srgbClr val="00B0F0"/>
+                </a:solidFill>
+              </a:rPr>
+              <a:t>can’t be used commercially</a:t>
+            </a:r>
+            <a:r>
+              <a:rPr lang="en-US" dirty="0"/>
+              <a:t>, and </a:t>
+            </a:r>
+            <a:r>
+              <a:rPr lang="en-US" dirty="0">
+                <a:solidFill>
+                  <a:srgbClr val="7030A0"/>
+                </a:solidFill>
+              </a:rPr>
+              <a:t>can’t be adapted</a:t>
+            </a:r>
+            <a:endParaRPr lang="en-US" dirty="0"/>
+          </a:p>
+          <a:p>
+            <a:r>
+              <a:rPr lang="en-US" dirty="0"/>
+              <a:t>Creative Commons provides a </a:t>
+            </a:r>
+            <a:r>
+              <a:rPr lang="en-US" dirty="0">
                 <a:hlinkClick r:id="rId3"/>
               </a:rPr>
-              <a:t>choosealicense.org</a:t>
-            </a:r>
-            <a:r>
-              <a:rPr lang="en-US" sz="2400" dirty="0"/>
-              <a:t> to pick one</a:t>
-            </a:r>
-          </a:p>
-          <a:p>
-            <a:r>
-              <a:rPr lang="en-US" sz="2400" dirty="0"/>
-              <a:t>Pick a very common one if possible</a:t>
-            </a:r>
-          </a:p>
-          <a:p>
-            <a:r>
-              <a:rPr lang="en-US" sz="2400" dirty="0"/>
-              <a:t>How to apply (MIT):</a:t>
-            </a:r>
-          </a:p>
-          <a:p>
-            <a:pPr lvl="1"/>
-            <a:r>
-              <a:rPr lang="en-US" sz="2000" dirty="0"/>
-              <a:t>Create a text file (typically named LICENSE or </a:t>
-            </a:r>
-            <a:r>
-              <a:rPr lang="en-US" sz="2000" dirty="0" err="1"/>
-              <a:t>LICENSE.txt</a:t>
-            </a:r>
-            <a:r>
-              <a:rPr lang="en-US" sz="2000" dirty="0"/>
-              <a:t>) in the root of your source code and copy the text of the license into the file. Replace [year] with the current year and [</a:t>
-            </a:r>
-            <a:r>
-              <a:rPr lang="en-US" sz="2000" dirty="0" err="1"/>
-              <a:t>fullname</a:t>
-            </a:r>
-            <a:r>
-              <a:rPr lang="en-US" sz="2000" dirty="0"/>
-              <a:t>] with the name (or names) of the copyright holders.</a:t>
+              <a:t>guide/decision tree</a:t>
+            </a:r>
+            <a:endParaRPr lang="en-US" dirty="0"/>
+          </a:p>
+          <a:p>
+            <a:r>
+              <a:rPr lang="en-US" dirty="0"/>
+              <a:t>Be aware someone might argue that the data are facts and not subject to copyright, so the license doesn’t hold</a:t>
+            </a:r>
+          </a:p>
+          <a:p>
+            <a:r>
+              <a:rPr lang="en-US" dirty="0"/>
+              <a:t>Scholarly norms and principles of attribution/credit/provenance/authority might hold more sway</a:t>
+            </a:r>
+          </a:p>
+          <a:p>
+            <a:r>
+              <a:rPr lang="en-US" dirty="0"/>
+              <a:t>(for more, see “</a:t>
+            </a:r>
+            <a:r>
+              <a:rPr lang="en-US" dirty="0">
+                <a:hlinkClick r:id="rId4"/>
+              </a:rPr>
+              <a:t>CC BY and data: Not always a good fit</a:t>
+            </a:r>
+            <a:r>
+              <a:rPr lang="en-US" dirty="0"/>
+              <a:t>”)</a:t>
             </a:r>
           </a:p>
         </p:txBody>
@@ -8651,7 +9036,7 @@
     </p:spTree>
     <p:extLst>
       <p:ext uri="{BB962C8B-B14F-4D97-AF65-F5344CB8AC3E}">
-        <p14:creationId xmlns:p14="http://schemas.microsoft.com/office/powerpoint/2010/main" val="2114938027"/>
+        <p14:creationId xmlns:p14="http://schemas.microsoft.com/office/powerpoint/2010/main" val="3198230629"/>
       </p:ext>
     </p:extLst>
   </p:cSld>
@@ -8730,6 +9115,179 @@
           <a:lstStyle/>
           <a:p>
             <a:r>
+              <a:rPr lang="en-US" sz="2400" dirty="0">
+                <a:hlinkClick r:id="rId2"/>
+              </a:rPr>
+              <a:t>Open Source Initiative licenses</a:t>
+            </a:r>
+            <a:r>
+              <a:rPr lang="en-US" sz="2400" dirty="0"/>
+              <a:t> for software</a:t>
+            </a:r>
+          </a:p>
+          <a:p>
+            <a:pPr lvl="1"/>
+            <a:r>
+              <a:rPr lang="en-US" sz="2000" dirty="0"/>
+              <a:t>Don’t use a CC license for software</a:t>
+            </a:r>
+          </a:p>
+          <a:p>
+            <a:pPr lvl="1"/>
+            <a:r>
+              <a:rPr lang="en-US" sz="2000" dirty="0"/>
+              <a:t>At high level, two types of licenses</a:t>
+            </a:r>
+          </a:p>
+          <a:p>
+            <a:pPr lvl="1"/>
+            <a:r>
+              <a:rPr lang="en-US" sz="2000" dirty="0"/>
+              <a:t>Permissive: MIT, Apache, BSD, …</a:t>
+            </a:r>
+          </a:p>
+          <a:p>
+            <a:pPr lvl="1"/>
+            <a:r>
+              <a:rPr lang="en-US" sz="2000" dirty="0"/>
+              <a:t>Copyleft (“viral”): GPL, LGPL</a:t>
+            </a:r>
+          </a:p>
+          <a:p>
+            <a:r>
+              <a:rPr lang="en-US" sz="2400" dirty="0"/>
+              <a:t>Use </a:t>
+            </a:r>
+            <a:r>
+              <a:rPr lang="en-US" sz="2400" dirty="0">
+                <a:hlinkClick r:id="rId3"/>
+              </a:rPr>
+              <a:t>choosealicense.org</a:t>
+            </a:r>
+            <a:r>
+              <a:rPr lang="en-US" sz="2400" dirty="0"/>
+              <a:t> to pick one</a:t>
+            </a:r>
+          </a:p>
+          <a:p>
+            <a:r>
+              <a:rPr lang="en-US" sz="2400" dirty="0"/>
+              <a:t>Pick a very common one if possible</a:t>
+            </a:r>
+          </a:p>
+          <a:p>
+            <a:r>
+              <a:rPr lang="en-US" sz="2400" dirty="0"/>
+              <a:t>How to apply (MIT):</a:t>
+            </a:r>
+          </a:p>
+          <a:p>
+            <a:pPr lvl="1"/>
+            <a:r>
+              <a:rPr lang="en-US" sz="2000" dirty="0"/>
+              <a:t>Create a text file (typically named LICENSE or </a:t>
+            </a:r>
+            <a:r>
+              <a:rPr lang="en-US" sz="2000" dirty="0" err="1"/>
+              <a:t>LICENSE.txt</a:t>
+            </a:r>
+            <a:r>
+              <a:rPr lang="en-US" sz="2000" dirty="0"/>
+              <a:t>) in the root of your source code and copy the text of the license into the file. Replace [year] with the current year and [</a:t>
+            </a:r>
+            <a:r>
+              <a:rPr lang="en-US" sz="2000" dirty="0" err="1"/>
+              <a:t>fullname</a:t>
+            </a:r>
+            <a:r>
+              <a:rPr lang="en-US" sz="2000" dirty="0"/>
+              <a:t>] with the name (or names) of the copyright holders.</a:t>
+            </a:r>
+          </a:p>
+        </p:txBody>
+      </p:sp>
+    </p:spTree>
+    <p:extLst>
+      <p:ext uri="{BB962C8B-B14F-4D97-AF65-F5344CB8AC3E}">
+        <p14:creationId xmlns:p14="http://schemas.microsoft.com/office/powerpoint/2010/main" val="2114938027"/>
+      </p:ext>
+    </p:extLst>
+  </p:cSld>
+  <p:clrMapOvr>
+    <a:masterClrMapping/>
+  </p:clrMapOvr>
+</p:sld>
+</file>
+
+<file path=ppt/slides/slide27.xml><?xml version="1.0" encoding="utf-8"?>
+<p:sld xmlns:a="http://schemas.openxmlformats.org/drawingml/2006/main" xmlns:r="http://schemas.openxmlformats.org/officeDocument/2006/relationships" xmlns:p="http://schemas.openxmlformats.org/presentationml/2006/main">
+  <p:cSld>
+    <p:spTree>
+      <p:nvGrpSpPr>
+        <p:cNvPr id="1" name=""/>
+        <p:cNvGrpSpPr/>
+        <p:nvPr/>
+      </p:nvGrpSpPr>
+      <p:grpSpPr>
+        <a:xfrm>
+          <a:off x="0" y="0"/>
+          <a:ext cx="0" cy="0"/>
+          <a:chOff x="0" y="0"/>
+          <a:chExt cx="0" cy="0"/>
+        </a:xfrm>
+      </p:grpSpPr>
+      <p:sp>
+        <p:nvSpPr>
+          <p:cNvPr id="2" name="Title 1">
+            <a:extLst>
+              <a:ext uri="{FF2B5EF4-FFF2-40B4-BE49-F238E27FC236}">
+                <a16:creationId xmlns:a16="http://schemas.microsoft.com/office/drawing/2014/main" id="{49B67E51-8D40-824E-A9DB-5FC9A451DEAA}"/>
+              </a:ext>
+            </a:extLst>
+          </p:cNvPr>
+          <p:cNvSpPr>
+            <a:spLocks noGrp="1"/>
+          </p:cNvSpPr>
+          <p:nvPr>
+            <p:ph type="title"/>
+          </p:nvPr>
+        </p:nvSpPr>
+        <p:spPr/>
+        <p:txBody>
+          <a:bodyPr/>
+          <a:lstStyle/>
+          <a:p>
+            <a:r>
+              <a:rPr lang="en-US" dirty="0"/>
+              <a:t>Principle 7 – Provide a license &amp; make citable</a:t>
+            </a:r>
+          </a:p>
+        </p:txBody>
+      </p:sp>
+      <p:sp>
+        <p:nvSpPr>
+          <p:cNvPr id="3" name="Content Placeholder 2">
+            <a:extLst>
+              <a:ext uri="{FF2B5EF4-FFF2-40B4-BE49-F238E27FC236}">
+                <a16:creationId xmlns:a16="http://schemas.microsoft.com/office/drawing/2014/main" id="{C9EC785B-88C7-824B-927B-2704113AE38B}"/>
+              </a:ext>
+            </a:extLst>
+          </p:cNvPr>
+          <p:cNvSpPr>
+            <a:spLocks noGrp="1"/>
+          </p:cNvSpPr>
+          <p:nvPr>
+            <p:ph type="body" sz="quarter" idx="10"/>
+          </p:nvPr>
+        </p:nvSpPr>
+        <p:spPr/>
+        <p:txBody>
+          <a:bodyPr>
+            <a:noAutofit/>
+          </a:bodyPr>
+          <a:lstStyle/>
+          <a:p>
+            <a:r>
               <a:rPr lang="en-US" sz="2400" dirty="0" err="1"/>
               <a:t>Citeable</a:t>
             </a:r>
@@ -8889,7 +9447,7 @@
 </p:sld>
 </file>
 
-<file path=ppt/slides/slide27.xml><?xml version="1.0" encoding="utf-8"?>
+<file path=ppt/slides/slide28.xml><?xml version="1.0" encoding="utf-8"?>
 <p:sld xmlns:a="http://schemas.openxmlformats.org/drawingml/2006/main" xmlns:r="http://schemas.openxmlformats.org/officeDocument/2006/relationships" xmlns:p="http://schemas.openxmlformats.org/presentationml/2006/main">
   <p:cSld>
     <p:spTree>
@@ -9017,7 +9575,7 @@
 </p:sld>
 </file>
 
-<file path=ppt/slides/slide28.xml><?xml version="1.0" encoding="utf-8"?>
+<file path=ppt/slides/slide29.xml><?xml version="1.0" encoding="utf-8"?>
 <p:sld xmlns:a="http://schemas.openxmlformats.org/drawingml/2006/main" xmlns:r="http://schemas.openxmlformats.org/officeDocument/2006/relationships" xmlns:p="http://schemas.openxmlformats.org/presentationml/2006/main">
   <p:cSld>
     <p:spTree>
@@ -9203,243 +9761,6 @@
     <p:extLst>
       <p:ext uri="{BB962C8B-B14F-4D97-AF65-F5344CB8AC3E}">
         <p14:creationId xmlns:p14="http://schemas.microsoft.com/office/powerpoint/2010/main" val="2371741777"/>
-      </p:ext>
-    </p:extLst>
-  </p:cSld>
-  <p:clrMapOvr>
-    <a:masterClrMapping/>
-  </p:clrMapOvr>
-</p:sld>
-</file>
-
-<file path=ppt/slides/slide29.xml><?xml version="1.0" encoding="utf-8"?>
-<p:sld xmlns:a="http://schemas.openxmlformats.org/drawingml/2006/main" xmlns:r="http://schemas.openxmlformats.org/officeDocument/2006/relationships" xmlns:p="http://schemas.openxmlformats.org/presentationml/2006/main">
-  <p:cSld>
-    <p:spTree>
-      <p:nvGrpSpPr>
-        <p:cNvPr id="1" name=""/>
-        <p:cNvGrpSpPr/>
-        <p:nvPr/>
-      </p:nvGrpSpPr>
-      <p:grpSpPr>
-        <a:xfrm>
-          <a:off x="0" y="0"/>
-          <a:ext cx="0" cy="0"/>
-          <a:chOff x="0" y="0"/>
-          <a:chExt cx="0" cy="0"/>
-        </a:xfrm>
-      </p:grpSpPr>
-      <p:sp>
-        <p:nvSpPr>
-          <p:cNvPr id="2" name="Title 1">
-            <a:extLst>
-              <a:ext uri="{FF2B5EF4-FFF2-40B4-BE49-F238E27FC236}">
-                <a16:creationId xmlns:a16="http://schemas.microsoft.com/office/drawing/2014/main" id="{EA58073F-DC7A-4D46-BBD5-6F86FBA82F6E}"/>
-              </a:ext>
-            </a:extLst>
-          </p:cNvPr>
-          <p:cNvSpPr>
-            <a:spLocks noGrp="1"/>
-          </p:cNvSpPr>
-          <p:nvPr>
-            <p:ph type="title"/>
-          </p:nvPr>
-        </p:nvSpPr>
-        <p:spPr/>
-        <p:txBody>
-          <a:bodyPr/>
-          <a:lstStyle/>
-          <a:p>
-            <a:r>
-              <a:rPr lang="en-US" dirty="0"/>
-              <a:t>Resources (1)</a:t>
-            </a:r>
-          </a:p>
-        </p:txBody>
-      </p:sp>
-      <p:sp>
-        <p:nvSpPr>
-          <p:cNvPr id="3" name="Content Placeholder 2">
-            <a:extLst>
-              <a:ext uri="{FF2B5EF4-FFF2-40B4-BE49-F238E27FC236}">
-                <a16:creationId xmlns:a16="http://schemas.microsoft.com/office/drawing/2014/main" id="{ED373A08-14D4-7546-9D55-30DC77662798}"/>
-              </a:ext>
-            </a:extLst>
-          </p:cNvPr>
-          <p:cNvSpPr>
-            <a:spLocks noGrp="1"/>
-          </p:cNvSpPr>
-          <p:nvPr>
-            <p:ph type="body" sz="quarter" idx="10"/>
-          </p:nvPr>
-        </p:nvSpPr>
-        <p:spPr/>
-        <p:txBody>
-          <a:bodyPr>
-            <a:normAutofit fontScale="85000" lnSpcReduction="20000"/>
-          </a:bodyPr>
-          <a:lstStyle/>
-          <a:p>
-            <a:r>
-              <a:rPr lang="en-US" dirty="0"/>
-              <a:t>Organizing projects:</a:t>
-            </a:r>
-          </a:p>
-          <a:p>
-            <a:pPr lvl="1"/>
-            <a:r>
-              <a:rPr lang="en-US" dirty="0"/>
-              <a:t>Python: </a:t>
-            </a:r>
-            <a:r>
-              <a:rPr lang="en-US" dirty="0" err="1"/>
-              <a:t>Cookiecutter</a:t>
-            </a:r>
-            <a:r>
-              <a:rPr lang="en-US" dirty="0"/>
-              <a:t> Data Science - </a:t>
-            </a:r>
-            <a:r>
-              <a:rPr lang="en-US" dirty="0">
-                <a:hlinkClick r:id="rId2"/>
-              </a:rPr>
-              <a:t>https://drivendata.github.io/cookiecutter-data-science</a:t>
-            </a:r>
-            <a:endParaRPr lang="en-US" dirty="0"/>
-          </a:p>
-          <a:p>
-            <a:pPr lvl="1"/>
-            <a:r>
-              <a:rPr lang="en-US" dirty="0"/>
-              <a:t>R: </a:t>
-            </a:r>
-            <a:r>
-              <a:rPr lang="en-US" dirty="0" err="1"/>
-              <a:t>ProjectTemplate</a:t>
-            </a:r>
-            <a:r>
-              <a:rPr lang="en-US" dirty="0"/>
-              <a:t> - </a:t>
-            </a:r>
-            <a:r>
-              <a:rPr lang="en-US" dirty="0">
-                <a:hlinkClick r:id="rId3"/>
-              </a:rPr>
-              <a:t>http://projecttemplate.net/</a:t>
-            </a:r>
-            <a:endParaRPr lang="en-US" dirty="0"/>
-          </a:p>
-          <a:p>
-            <a:r>
-              <a:rPr lang="en-US" dirty="0"/>
-              <a:t>Guidelines:</a:t>
-            </a:r>
-          </a:p>
-          <a:p>
-            <a:pPr lvl="1"/>
-            <a:r>
-              <a:rPr lang="en-US" dirty="0"/>
-              <a:t>Karl Broman’s initial steps toward reproducible research (R, explains python too) - </a:t>
-            </a:r>
-            <a:r>
-              <a:rPr lang="en-US" dirty="0">
-                <a:hlinkClick r:id="rId4"/>
-              </a:rPr>
-              <a:t>https://kbroman.org/steps2rr/</a:t>
-            </a:r>
-            <a:endParaRPr lang="en-US" dirty="0"/>
-          </a:p>
-          <a:p>
-            <a:r>
-              <a:rPr lang="en-US" dirty="0"/>
-              <a:t>Reproducible papers:</a:t>
-            </a:r>
-          </a:p>
-          <a:p>
-            <a:pPr lvl="1"/>
-            <a:r>
-              <a:rPr lang="en-US" dirty="0"/>
-              <a:t>PINGA lab’s template (computational science, GitHub, Python, LaTeX) - </a:t>
-            </a:r>
-            <a:r>
-              <a:rPr lang="en-US" dirty="0">
-                <a:hlinkClick r:id="rId5"/>
-              </a:rPr>
-              <a:t>https://www.leouieda.com/blog/paper-template.html</a:t>
-            </a:r>
-            <a:endParaRPr lang="en-US" dirty="0"/>
-          </a:p>
-          <a:p>
-            <a:pPr lvl="1"/>
-            <a:r>
-              <a:rPr lang="en-US" dirty="0" err="1"/>
-              <a:t>Manubot</a:t>
-            </a:r>
-            <a:r>
-              <a:rPr lang="en-US" dirty="0"/>
-              <a:t> (markdown, git, collaboration) - </a:t>
-            </a:r>
-            <a:r>
-              <a:rPr lang="en-US" dirty="0">
-                <a:hlinkClick r:id="rId6"/>
-              </a:rPr>
-              <a:t>https://manubot.org</a:t>
-            </a:r>
-            <a:endParaRPr lang="en-US" dirty="0"/>
-          </a:p>
-          <a:p>
-            <a:pPr lvl="1"/>
-            <a:r>
-              <a:rPr lang="en-US" dirty="0" err="1"/>
-              <a:t>Akhaghi</a:t>
-            </a:r>
-            <a:r>
-              <a:rPr lang="en-US" dirty="0"/>
-              <a:t> (C/C++, LaTeX) - </a:t>
-            </a:r>
-            <a:r>
-              <a:rPr lang="en-US" dirty="0">
-                <a:hlinkClick r:id="rId7"/>
-              </a:rPr>
-              <a:t>https://gitlab.com/makhlaghi/reproducible-paper</a:t>
-            </a:r>
-            <a:endParaRPr lang="en-US" dirty="0"/>
-          </a:p>
-          <a:p>
-            <a:r>
-              <a:rPr lang="en-US" dirty="0"/>
-              <a:t>Book:</a:t>
-            </a:r>
-          </a:p>
-          <a:p>
-            <a:pPr lvl="1"/>
-            <a:r>
-              <a:rPr lang="en-US" dirty="0"/>
-              <a:t>The Practice of Reproducible Research: Case Studies and Lessons from the Data-Intensive Sciences - </a:t>
-            </a:r>
-            <a:r>
-              <a:rPr lang="en-US" dirty="0">
-                <a:hlinkClick r:id="rId8"/>
-              </a:rPr>
-              <a:t>https://www.practicereproducibleresearch.org/</a:t>
-            </a:r>
-            <a:endParaRPr lang="en-US" dirty="0"/>
-          </a:p>
-          <a:p>
-            <a:endParaRPr lang="en-US" dirty="0"/>
-          </a:p>
-          <a:p>
-            <a:endParaRPr lang="en-US" dirty="0"/>
-          </a:p>
-          <a:p>
-            <a:endParaRPr lang="en-US" dirty="0"/>
-          </a:p>
-        </p:txBody>
-      </p:sp>
-    </p:spTree>
-    <p:extLst>
-      <p:ext uri="{BB962C8B-B14F-4D97-AF65-F5344CB8AC3E}">
-        <p14:creationId xmlns:p14="http://schemas.microsoft.com/office/powerpoint/2010/main" val="3389660179"/>
       </p:ext>
     </p:extLst>
   </p:cSld>
@@ -9627,6 +9948,243 @@
           <a:p>
             <a:r>
               <a:rPr lang="en-US" dirty="0"/>
+              <a:t>Resources (1)</a:t>
+            </a:r>
+          </a:p>
+        </p:txBody>
+      </p:sp>
+      <p:sp>
+        <p:nvSpPr>
+          <p:cNvPr id="3" name="Content Placeholder 2">
+            <a:extLst>
+              <a:ext uri="{FF2B5EF4-FFF2-40B4-BE49-F238E27FC236}">
+                <a16:creationId xmlns:a16="http://schemas.microsoft.com/office/drawing/2014/main" id="{ED373A08-14D4-7546-9D55-30DC77662798}"/>
+              </a:ext>
+            </a:extLst>
+          </p:cNvPr>
+          <p:cNvSpPr>
+            <a:spLocks noGrp="1"/>
+          </p:cNvSpPr>
+          <p:nvPr>
+            <p:ph type="body" sz="quarter" idx="10"/>
+          </p:nvPr>
+        </p:nvSpPr>
+        <p:spPr/>
+        <p:txBody>
+          <a:bodyPr>
+            <a:normAutofit fontScale="85000" lnSpcReduction="20000"/>
+          </a:bodyPr>
+          <a:lstStyle/>
+          <a:p>
+            <a:r>
+              <a:rPr lang="en-US" dirty="0"/>
+              <a:t>Organizing projects:</a:t>
+            </a:r>
+          </a:p>
+          <a:p>
+            <a:pPr lvl="1"/>
+            <a:r>
+              <a:rPr lang="en-US" dirty="0"/>
+              <a:t>Python: </a:t>
+            </a:r>
+            <a:r>
+              <a:rPr lang="en-US" dirty="0" err="1"/>
+              <a:t>Cookiecutter</a:t>
+            </a:r>
+            <a:r>
+              <a:rPr lang="en-US" dirty="0"/>
+              <a:t> Data Science - </a:t>
+            </a:r>
+            <a:r>
+              <a:rPr lang="en-US" dirty="0">
+                <a:hlinkClick r:id="rId2"/>
+              </a:rPr>
+              <a:t>https://drivendata.github.io/cookiecutter-data-science</a:t>
+            </a:r>
+            <a:endParaRPr lang="en-US" dirty="0"/>
+          </a:p>
+          <a:p>
+            <a:pPr lvl="1"/>
+            <a:r>
+              <a:rPr lang="en-US" dirty="0"/>
+              <a:t>R: </a:t>
+            </a:r>
+            <a:r>
+              <a:rPr lang="en-US" dirty="0" err="1"/>
+              <a:t>ProjectTemplate</a:t>
+            </a:r>
+            <a:r>
+              <a:rPr lang="en-US" dirty="0"/>
+              <a:t> - </a:t>
+            </a:r>
+            <a:r>
+              <a:rPr lang="en-US" dirty="0">
+                <a:hlinkClick r:id="rId3"/>
+              </a:rPr>
+              <a:t>http://projecttemplate.net/</a:t>
+            </a:r>
+            <a:endParaRPr lang="en-US" dirty="0"/>
+          </a:p>
+          <a:p>
+            <a:r>
+              <a:rPr lang="en-US" dirty="0"/>
+              <a:t>Guidelines:</a:t>
+            </a:r>
+          </a:p>
+          <a:p>
+            <a:pPr lvl="1"/>
+            <a:r>
+              <a:rPr lang="en-US" dirty="0"/>
+              <a:t>Karl Broman’s initial steps toward reproducible research (R, explains python too) - </a:t>
+            </a:r>
+            <a:r>
+              <a:rPr lang="en-US" dirty="0">
+                <a:hlinkClick r:id="rId4"/>
+              </a:rPr>
+              <a:t>https://kbroman.org/steps2rr/</a:t>
+            </a:r>
+            <a:endParaRPr lang="en-US" dirty="0"/>
+          </a:p>
+          <a:p>
+            <a:r>
+              <a:rPr lang="en-US" dirty="0"/>
+              <a:t>Reproducible papers:</a:t>
+            </a:r>
+          </a:p>
+          <a:p>
+            <a:pPr lvl="1"/>
+            <a:r>
+              <a:rPr lang="en-US" dirty="0"/>
+              <a:t>PINGA lab’s template (computational science, GitHub, Python, LaTeX) - </a:t>
+            </a:r>
+            <a:r>
+              <a:rPr lang="en-US" dirty="0">
+                <a:hlinkClick r:id="rId5"/>
+              </a:rPr>
+              <a:t>https://www.leouieda.com/blog/paper-template.html</a:t>
+            </a:r>
+            <a:endParaRPr lang="en-US" dirty="0"/>
+          </a:p>
+          <a:p>
+            <a:pPr lvl="1"/>
+            <a:r>
+              <a:rPr lang="en-US" dirty="0" err="1"/>
+              <a:t>Manubot</a:t>
+            </a:r>
+            <a:r>
+              <a:rPr lang="en-US" dirty="0"/>
+              <a:t> (markdown, git, collaboration) - </a:t>
+            </a:r>
+            <a:r>
+              <a:rPr lang="en-US" dirty="0">
+                <a:hlinkClick r:id="rId6"/>
+              </a:rPr>
+              <a:t>https://manubot.org</a:t>
+            </a:r>
+            <a:endParaRPr lang="en-US" dirty="0"/>
+          </a:p>
+          <a:p>
+            <a:pPr lvl="1"/>
+            <a:r>
+              <a:rPr lang="en-US" dirty="0" err="1"/>
+              <a:t>Akhaghi</a:t>
+            </a:r>
+            <a:r>
+              <a:rPr lang="en-US" dirty="0"/>
+              <a:t> (C/C++, LaTeX) - </a:t>
+            </a:r>
+            <a:r>
+              <a:rPr lang="en-US" dirty="0">
+                <a:hlinkClick r:id="rId7"/>
+              </a:rPr>
+              <a:t>https://gitlab.com/makhlaghi/reproducible-paper</a:t>
+            </a:r>
+            <a:endParaRPr lang="en-US" dirty="0"/>
+          </a:p>
+          <a:p>
+            <a:r>
+              <a:rPr lang="en-US" dirty="0"/>
+              <a:t>Book:</a:t>
+            </a:r>
+          </a:p>
+          <a:p>
+            <a:pPr lvl="1"/>
+            <a:r>
+              <a:rPr lang="en-US" dirty="0"/>
+              <a:t>The Practice of Reproducible Research: Case Studies and Lessons from the Data-Intensive Sciences - </a:t>
+            </a:r>
+            <a:r>
+              <a:rPr lang="en-US" dirty="0">
+                <a:hlinkClick r:id="rId8"/>
+              </a:rPr>
+              <a:t>https://www.practicereproducibleresearch.org/</a:t>
+            </a:r>
+            <a:endParaRPr lang="en-US" dirty="0"/>
+          </a:p>
+          <a:p>
+            <a:endParaRPr lang="en-US" dirty="0"/>
+          </a:p>
+          <a:p>
+            <a:endParaRPr lang="en-US" dirty="0"/>
+          </a:p>
+          <a:p>
+            <a:endParaRPr lang="en-US" dirty="0"/>
+          </a:p>
+        </p:txBody>
+      </p:sp>
+    </p:spTree>
+    <p:extLst>
+      <p:ext uri="{BB962C8B-B14F-4D97-AF65-F5344CB8AC3E}">
+        <p14:creationId xmlns:p14="http://schemas.microsoft.com/office/powerpoint/2010/main" val="3389660179"/>
+      </p:ext>
+    </p:extLst>
+  </p:cSld>
+  <p:clrMapOvr>
+    <a:masterClrMapping/>
+  </p:clrMapOvr>
+</p:sld>
+</file>
+
+<file path=ppt/slides/slide31.xml><?xml version="1.0" encoding="utf-8"?>
+<p:sld xmlns:a="http://schemas.openxmlformats.org/drawingml/2006/main" xmlns:r="http://schemas.openxmlformats.org/officeDocument/2006/relationships" xmlns:p="http://schemas.openxmlformats.org/presentationml/2006/main">
+  <p:cSld>
+    <p:spTree>
+      <p:nvGrpSpPr>
+        <p:cNvPr id="1" name=""/>
+        <p:cNvGrpSpPr/>
+        <p:nvPr/>
+      </p:nvGrpSpPr>
+      <p:grpSpPr>
+        <a:xfrm>
+          <a:off x="0" y="0"/>
+          <a:ext cx="0" cy="0"/>
+          <a:chOff x="0" y="0"/>
+          <a:chExt cx="0" cy="0"/>
+        </a:xfrm>
+      </p:grpSpPr>
+      <p:sp>
+        <p:nvSpPr>
+          <p:cNvPr id="2" name="Title 1">
+            <a:extLst>
+              <a:ext uri="{FF2B5EF4-FFF2-40B4-BE49-F238E27FC236}">
+                <a16:creationId xmlns:a16="http://schemas.microsoft.com/office/drawing/2014/main" id="{EA58073F-DC7A-4D46-BBD5-6F86FBA82F6E}"/>
+              </a:ext>
+            </a:extLst>
+          </p:cNvPr>
+          <p:cNvSpPr>
+            <a:spLocks noGrp="1"/>
+          </p:cNvSpPr>
+          <p:nvPr>
+            <p:ph type="title"/>
+          </p:nvPr>
+        </p:nvSpPr>
+        <p:spPr/>
+        <p:txBody>
+          <a:bodyPr/>
+          <a:lstStyle/>
+          <a:p>
+            <a:r>
+              <a:rPr lang="en-US" dirty="0"/>
               <a:t>Resources (2)</a:t>
             </a:r>
           </a:p>
@@ -9776,7 +10334,7 @@
 </p:sld>
 </file>
 
-<file path=ppt/slides/slide31.xml><?xml version="1.0" encoding="utf-8"?>
+<file path=ppt/slides/slide32.xml><?xml version="1.0" encoding="utf-8"?>
 <p:sld xmlns:a="http://schemas.openxmlformats.org/drawingml/2006/main" xmlns:r="http://schemas.openxmlformats.org/officeDocument/2006/relationships" xmlns:p="http://schemas.openxmlformats.org/presentationml/2006/main">
   <p:cSld>
     <p:spTree>
@@ -11123,7 +11681,7 @@
           <p:cNvPr id="2" name="Title 1">
             <a:extLst>
               <a:ext uri="{FF2B5EF4-FFF2-40B4-BE49-F238E27FC236}">
-                <a16:creationId xmlns:a16="http://schemas.microsoft.com/office/drawing/2014/main" id="{49B67E51-8D40-824E-A9DB-5FC9A451DEAA}"/>
+                <a16:creationId xmlns:a16="http://schemas.microsoft.com/office/drawing/2014/main" id="{D651991C-4735-FF47-883B-FFBD4DBA0D10}"/>
               </a:ext>
             </a:extLst>
           </p:cNvPr>
@@ -11141,17 +11699,17 @@
           <a:p>
             <a:r>
               <a:rPr lang="en-US" dirty="0"/>
-              <a:t>Principle 1 – Provide structure</a:t>
+              <a:t>First thing – get a terminal</a:t>
             </a:r>
           </a:p>
         </p:txBody>
       </p:sp>
       <p:sp>
         <p:nvSpPr>
-          <p:cNvPr id="3" name="Content Placeholder 2">
+          <p:cNvPr id="4" name="Text Placeholder 2">
             <a:extLst>
               <a:ext uri="{FF2B5EF4-FFF2-40B4-BE49-F238E27FC236}">
-                <a16:creationId xmlns:a16="http://schemas.microsoft.com/office/drawing/2014/main" id="{C9EC785B-88C7-824B-927B-2704113AE38B}"/>
+                <a16:creationId xmlns:a16="http://schemas.microsoft.com/office/drawing/2014/main" id="{2D17E06D-3CB8-814A-8F5B-A81D944D72AF}"/>
               </a:ext>
             </a:extLst>
           </p:cNvPr>
@@ -11164,366 +11722,365 @@
         </p:nvSpPr>
         <p:spPr>
           <a:xfrm>
-            <a:off x="386080" y="1198244"/>
-            <a:ext cx="7607214" cy="4572636"/>
+            <a:off x="386080" y="1198243"/>
+            <a:ext cx="11399520" cy="4719671"/>
           </a:xfrm>
         </p:spPr>
         <p:txBody>
           <a:bodyPr>
-            <a:normAutofit fontScale="92500"/>
+            <a:normAutofit fontScale="47500" lnSpcReduction="20000"/>
           </a:bodyPr>
           <a:lstStyle/>
           <a:p>
             <a:r>
-              <a:rPr lang="en-US" dirty="0"/>
-              <a:t>Use directories for different things, all inside a project directory, with a top-level readme and license</a:t>
+              <a:rPr lang="en-US" sz="5100" dirty="0"/>
+              <a:t>On a Mac</a:t>
             </a:r>
           </a:p>
           <a:p>
             <a:pPr lvl="1"/>
             <a:r>
-              <a:rPr lang="en-US" dirty="0"/>
-              <a:t>E.g., data, docs, models, notebooks, references, reports, </a:t>
-            </a:r>
-            <a:r>
-              <a:rPr lang="en-US" dirty="0" err="1"/>
-              <a:t>src</a:t>
-            </a:r>
-            <a:r>
-              <a:rPr lang="en-US" dirty="0"/>
-              <a:t> (for Python data science, </a:t>
-            </a:r>
-            <a:r>
-              <a:rPr lang="en-US" dirty="0">
+              <a:rPr lang="en-US" sz="4700" dirty="0"/>
+              <a:t>Click the Launchpad icon          in the Dock, type Terminal in the search field, then click Terminal.</a:t>
+            </a:r>
+          </a:p>
+          <a:p>
+            <a:pPr lvl="1"/>
+            <a:r>
+              <a:rPr lang="en-US" sz="4700" dirty="0"/>
+              <a:t>In the Finder         , open the /Applications/Utilities folder, then double-click Terminal.</a:t>
+            </a:r>
+          </a:p>
+          <a:p>
+            <a:r>
+              <a:rPr lang="en-US" sz="5100" dirty="0"/>
+              <a:t>On Windows</a:t>
+            </a:r>
+          </a:p>
+          <a:p>
+            <a:pPr lvl="1"/>
+            <a:r>
+              <a:rPr lang="en-US" sz="4700" dirty="0"/>
+              <a:t>Open your computer's Start menu. Click the Windows         icon on the bottom-left corner of your desktop or press the  ⊞ Win  key on your keyboard</a:t>
+            </a:r>
+          </a:p>
+          <a:p>
+            <a:pPr lvl="1"/>
+            <a:r>
+              <a:rPr lang="en-US" sz="4700" dirty="0"/>
+              <a:t>Type </a:t>
+            </a:r>
+            <a:r>
+              <a:rPr lang="en-US" sz="4700" dirty="0" err="1">
+                <a:latin typeface="Consolas" panose="020B0609020204030204" pitchFamily="49" charset="0"/>
+                <a:cs typeface="Consolas" panose="020B0609020204030204" pitchFamily="49" charset="0"/>
+              </a:rPr>
+              <a:t>cmd</a:t>
+            </a:r>
+            <a:r>
+              <a:rPr lang="en-US" sz="4700" dirty="0"/>
+              <a:t> or </a:t>
+            </a:r>
+            <a:r>
+              <a:rPr lang="en-US" sz="4700" dirty="0">
+                <a:latin typeface="Consolas" panose="020B0609020204030204" pitchFamily="49" charset="0"/>
+                <a:cs typeface="Consolas" panose="020B0609020204030204" pitchFamily="49" charset="0"/>
+              </a:rPr>
+              <a:t>Command Prompt</a:t>
+            </a:r>
+            <a:r>
+              <a:rPr lang="en-US" sz="4700" dirty="0"/>
+              <a:t>. After opening the Start menu, type this on your keyboard to search the menu items. Command Prompt will show up as the top result.</a:t>
+            </a:r>
+          </a:p>
+          <a:p>
+            <a:pPr lvl="1"/>
+            <a:r>
+              <a:rPr lang="en-US" sz="4700" dirty="0"/>
+              <a:t>Click the          </a:t>
+            </a:r>
+            <a:r>
+              <a:rPr lang="en-US" sz="4700" dirty="0">
+                <a:latin typeface="Consolas" panose="020B0609020204030204" pitchFamily="49" charset="0"/>
+                <a:cs typeface="Consolas" panose="020B0609020204030204" pitchFamily="49" charset="0"/>
+              </a:rPr>
+              <a:t>Command Prompt</a:t>
+            </a:r>
+            <a:r>
+              <a:rPr lang="en-US" sz="4700" dirty="0"/>
+              <a:t> app on the menu. This will open the Command Prompt terminal in a new window.</a:t>
+            </a:r>
+          </a:p>
+          <a:p>
+            <a:r>
+              <a:rPr lang="en-US" sz="5100" dirty="0"/>
+              <a:t>Using Binder</a:t>
+            </a:r>
+          </a:p>
+          <a:p>
+            <a:pPr lvl="1"/>
+            <a:r>
+              <a:rPr lang="en-US" sz="4700" dirty="0"/>
+              <a:t>Go to </a:t>
+            </a:r>
+            <a:r>
+              <a:rPr lang="en-US" sz="4700" dirty="0">
                 <a:hlinkClick r:id="rId2"/>
               </a:rPr>
-              <a:t>Cookiecutter Data Science</a:t>
-            </a:r>
-            <a:r>
-              <a:rPr lang="en-US" dirty="0"/>
-              <a:t> is an example)</a:t>
-            </a:r>
-          </a:p>
-          <a:p>
-            <a:r>
-              <a:rPr lang="en-US" dirty="0"/>
-              <a:t>Use relative paths, so that you can move and share</a:t>
+              <a:t>https://github.com/danielskatz/repro-fdtd1d</a:t>
+            </a:r>
+            <a:r>
+              <a:rPr lang="en-US" sz="4700" dirty="0"/>
+              <a:t>, click on</a:t>
             </a:r>
           </a:p>
           <a:p>
             <a:pPr lvl="1"/>
             <a:r>
-              <a:rPr lang="en-US" dirty="0"/>
-              <a:t>(</a:t>
-            </a:r>
-            <a:r>
-              <a:rPr lang="en-US" dirty="0">
-                <a:latin typeface="Consolas" panose="020B0609020204030204" pitchFamily="49" charset="0"/>
-                <a:cs typeface="Consolas" panose="020B0609020204030204" pitchFamily="49" charset="0"/>
-              </a:rPr>
-              <a:t>../data/</a:t>
-            </a:r>
-            <a:r>
-              <a:rPr lang="en-US" dirty="0" err="1">
-                <a:latin typeface="Consolas" panose="020B0609020204030204" pitchFamily="49" charset="0"/>
-                <a:cs typeface="Consolas" panose="020B0609020204030204" pitchFamily="49" charset="0"/>
-              </a:rPr>
-              <a:t>file.dat</a:t>
-            </a:r>
-            <a:r>
-              <a:rPr lang="en-US" dirty="0"/>
-              <a:t>)</a:t>
-            </a:r>
-          </a:p>
-          <a:p>
-            <a:r>
-              <a:rPr lang="en-US" dirty="0"/>
-              <a:t>Use names that have meaning (and avoid using “final”)</a:t>
-            </a:r>
-          </a:p>
-          <a:p>
-            <a:pPr lvl="1"/>
-            <a:r>
-              <a:rPr lang="en-US" dirty="0">
-                <a:latin typeface="Consolas" panose="020B0609020204030204" pitchFamily="49" charset="0"/>
-                <a:cs typeface="Consolas" panose="020B0609020204030204" pitchFamily="49" charset="0"/>
-              </a:rPr>
-              <a:t>00-dsk-data_acquisition.py</a:t>
-            </a:r>
+              <a:rPr lang="en-US" sz="4700" dirty="0"/>
+              <a:t>Once binder starts the repo, use “New” -&gt; “Terminal” to get a terminal</a:t>
+            </a:r>
+          </a:p>
+          <a:p>
+            <a:pPr marL="0" indent="0">
+              <a:buNone/>
+            </a:pPr>
+            <a:endParaRPr lang="en-US" dirty="0">
+              <a:latin typeface="American Typewriter" panose="02090604020004020304" pitchFamily="18" charset="77"/>
+            </a:endParaRPr>
           </a:p>
         </p:txBody>
       </p:sp>
-      <p:sp>
-        <p:nvSpPr>
-          <p:cNvPr id="4" name="Content Placeholder 2">
+      <p:pic>
+        <p:nvPicPr>
+          <p:cNvPr id="5" name="Graphic 4">
             <a:extLst>
               <a:ext uri="{FF2B5EF4-FFF2-40B4-BE49-F238E27FC236}">
-                <a16:creationId xmlns:a16="http://schemas.microsoft.com/office/drawing/2014/main" id="{51531F69-C8F5-0E46-9251-659FF7E64901}"/>
+                <a16:creationId xmlns:a16="http://schemas.microsoft.com/office/drawing/2014/main" id="{19331A81-D0AD-E449-AC5D-2232B0A1C2F6}"/>
               </a:ext>
             </a:extLst>
           </p:cNvPr>
-          <p:cNvSpPr txBox="1">
-            <a:spLocks/>
-          </p:cNvSpPr>
+          <p:cNvPicPr>
+            <a:picLocks noChangeAspect="1"/>
+          </p:cNvPicPr>
           <p:nvPr/>
-        </p:nvSpPr>
+        </p:nvPicPr>
+        <p:blipFill>
+          <a:blip r:embed="rId3">
+            <a:extLst>
+              <a:ext uri="{96DAC541-7B7A-43D3-8B79-37D633B846F1}">
+                <asvg:svgBlip xmlns:asvg="http://schemas.microsoft.com/office/drawing/2016/SVG/main" r:embed="rId4"/>
+              </a:ext>
+            </a:extLst>
+          </a:blip>
+          <a:stretch>
+            <a:fillRect/>
+          </a:stretch>
+        </p:blipFill>
         <p:spPr>
           <a:xfrm>
-            <a:off x="8476179" y="1087120"/>
-            <a:ext cx="3307707" cy="4572636"/>
+            <a:off x="8067997" y="5075433"/>
+            <a:ext cx="1410804" cy="261260"/>
           </a:xfrm>
           <a:prstGeom prst="rect">
             <a:avLst/>
           </a:prstGeom>
         </p:spPr>
-        <p:txBody>
-          <a:bodyPr>
-            <a:normAutofit/>
-          </a:bodyPr>
-          <a:lstStyle>
-            <a:lvl1pPr marL="342900" indent="-342900" algn="l" defTabSz="457200" rtl="0" eaLnBrk="1" latinLnBrk="0" hangingPunct="1">
-              <a:spcBef>
-                <a:spcPct val="20000"/>
-              </a:spcBef>
-              <a:buFont typeface="Arial"/>
-              <a:buChar char="•"/>
-              <a:defRPr sz="2800" kern="1200">
-                <a:solidFill>
-                  <a:srgbClr val="13294B"/>
-                </a:solidFill>
-                <a:latin typeface="Calibri" panose="020F0502020204030204" pitchFamily="34" charset="0"/>
-                <a:ea typeface="+mn-ea"/>
-                <a:cs typeface="Calibri" panose="020F0502020204030204" pitchFamily="34" charset="0"/>
-              </a:defRPr>
-            </a:lvl1pPr>
-            <a:lvl2pPr marL="742950" indent="-285750" algn="l" defTabSz="457200" rtl="0" eaLnBrk="1" latinLnBrk="0" hangingPunct="1">
-              <a:spcBef>
-                <a:spcPct val="20000"/>
-              </a:spcBef>
-              <a:buFont typeface="Arial"/>
-              <a:buChar char="–"/>
-              <a:defRPr sz="2400" kern="1200">
-                <a:solidFill>
-                  <a:srgbClr val="13294B"/>
-                </a:solidFill>
-                <a:latin typeface="Calibri" panose="020F0502020204030204" pitchFamily="34" charset="0"/>
-                <a:ea typeface="+mn-ea"/>
-                <a:cs typeface="Calibri" panose="020F0502020204030204" pitchFamily="34" charset="0"/>
-              </a:defRPr>
-            </a:lvl2pPr>
-            <a:lvl3pPr marL="1143000" indent="-228600" algn="l" defTabSz="457200" rtl="0" eaLnBrk="1" latinLnBrk="0" hangingPunct="1">
-              <a:spcBef>
-                <a:spcPct val="20000"/>
-              </a:spcBef>
-              <a:buFont typeface="Arial"/>
-              <a:buChar char="•"/>
-              <a:defRPr sz="2000" kern="1200">
-                <a:solidFill>
-                  <a:srgbClr val="13294B"/>
-                </a:solidFill>
-                <a:latin typeface="Calibri" panose="020F0502020204030204" pitchFamily="34" charset="0"/>
-                <a:ea typeface="+mn-ea"/>
-                <a:cs typeface="Calibri" panose="020F0502020204030204" pitchFamily="34" charset="0"/>
-              </a:defRPr>
-            </a:lvl3pPr>
-            <a:lvl4pPr marL="1600200" indent="-228600" algn="l" defTabSz="457200" rtl="0" eaLnBrk="1" latinLnBrk="0" hangingPunct="1">
-              <a:spcBef>
-                <a:spcPct val="20000"/>
-              </a:spcBef>
-              <a:buFont typeface="Arial"/>
-              <a:buChar char="–"/>
-              <a:defRPr sz="1800" kern="1200">
-                <a:solidFill>
-                  <a:srgbClr val="13294B"/>
-                </a:solidFill>
-                <a:latin typeface="Calibri" panose="020F0502020204030204" pitchFamily="34" charset="0"/>
-                <a:ea typeface="+mn-ea"/>
-                <a:cs typeface="Calibri" panose="020F0502020204030204" pitchFamily="34" charset="0"/>
-              </a:defRPr>
-            </a:lvl4pPr>
-            <a:lvl5pPr marL="2057400" indent="-228600" algn="l" defTabSz="457200" rtl="0" eaLnBrk="1" latinLnBrk="0" hangingPunct="1">
-              <a:spcBef>
-                <a:spcPct val="20000"/>
-              </a:spcBef>
-              <a:buFont typeface="Arial"/>
-              <a:buChar char="»"/>
-              <a:defRPr sz="1800" kern="1200">
-                <a:solidFill>
-                  <a:srgbClr val="13294B"/>
-                </a:solidFill>
-                <a:latin typeface="Calibri" panose="020F0502020204030204" pitchFamily="34" charset="0"/>
-                <a:ea typeface="+mn-ea"/>
-                <a:cs typeface="Calibri" panose="020F0502020204030204" pitchFamily="34" charset="0"/>
-              </a:defRPr>
-            </a:lvl5pPr>
-            <a:lvl6pPr marL="2514600" indent="-228600" algn="l" defTabSz="457200" rtl="0" eaLnBrk="1" latinLnBrk="0" hangingPunct="1">
-              <a:spcBef>
-                <a:spcPct val="20000"/>
-              </a:spcBef>
-              <a:buFont typeface="Arial"/>
-              <a:buChar char="•"/>
-              <a:defRPr sz="2000" kern="1200">
-                <a:solidFill>
-                  <a:schemeClr val="tx1"/>
-                </a:solidFill>
-                <a:latin typeface="+mn-lt"/>
-                <a:ea typeface="+mn-ea"/>
-                <a:cs typeface="+mn-cs"/>
-              </a:defRPr>
-            </a:lvl6pPr>
-            <a:lvl7pPr marL="2971800" indent="-228600" algn="l" defTabSz="457200" rtl="0" eaLnBrk="1" latinLnBrk="0" hangingPunct="1">
-              <a:spcBef>
-                <a:spcPct val="20000"/>
-              </a:spcBef>
-              <a:buFont typeface="Arial"/>
-              <a:buChar char="•"/>
-              <a:defRPr sz="2000" kern="1200">
-                <a:solidFill>
-                  <a:schemeClr val="tx1"/>
-                </a:solidFill>
-                <a:latin typeface="+mn-lt"/>
-                <a:ea typeface="+mn-ea"/>
-                <a:cs typeface="+mn-cs"/>
-              </a:defRPr>
-            </a:lvl7pPr>
-            <a:lvl8pPr marL="3429000" indent="-228600" algn="l" defTabSz="457200" rtl="0" eaLnBrk="1" latinLnBrk="0" hangingPunct="1">
-              <a:spcBef>
-                <a:spcPct val="20000"/>
-              </a:spcBef>
-              <a:buFont typeface="Arial"/>
-              <a:buChar char="•"/>
-              <a:defRPr sz="2000" kern="1200">
-                <a:solidFill>
-                  <a:schemeClr val="tx1"/>
-                </a:solidFill>
-                <a:latin typeface="+mn-lt"/>
-                <a:ea typeface="+mn-ea"/>
-                <a:cs typeface="+mn-cs"/>
-              </a:defRPr>
-            </a:lvl8pPr>
-            <a:lvl9pPr marL="3886200" indent="-228600" algn="l" defTabSz="457200" rtl="0" eaLnBrk="1" latinLnBrk="0" hangingPunct="1">
-              <a:spcBef>
-                <a:spcPct val="20000"/>
-              </a:spcBef>
-              <a:buFont typeface="Arial"/>
-              <a:buChar char="•"/>
-              <a:defRPr sz="2000" kern="1200">
-                <a:solidFill>
-                  <a:schemeClr val="tx1"/>
-                </a:solidFill>
-                <a:latin typeface="+mn-lt"/>
-                <a:ea typeface="+mn-ea"/>
-                <a:cs typeface="+mn-cs"/>
-              </a:defRPr>
-            </a:lvl9pPr>
-          </a:lstStyle>
-          <a:p>
-            <a:pPr marL="0" indent="0">
-              <a:buNone/>
-            </a:pPr>
-            <a:r>
-              <a:rPr lang="en-US" dirty="0" err="1">
-                <a:latin typeface="Consolas" panose="020B0609020204030204" pitchFamily="49" charset="0"/>
-                <a:cs typeface="Consolas" panose="020B0609020204030204" pitchFamily="49" charset="0"/>
-              </a:rPr>
-              <a:t>My_project</a:t>
-            </a:r>
-            <a:br>
-              <a:rPr lang="en-US" dirty="0">
-                <a:latin typeface="Consolas" panose="020B0609020204030204" pitchFamily="49" charset="0"/>
-                <a:cs typeface="Consolas" panose="020B0609020204030204" pitchFamily="49" charset="0"/>
-              </a:rPr>
-            </a:br>
-            <a:r>
-              <a:rPr lang="en-US" dirty="0">
-                <a:latin typeface="Consolas" panose="020B0609020204030204" pitchFamily="49" charset="0"/>
-                <a:cs typeface="Consolas" panose="020B0609020204030204" pitchFamily="49" charset="0"/>
-              </a:rPr>
-              <a:t> |--data</a:t>
-            </a:r>
-            <a:br>
-              <a:rPr lang="en-US" dirty="0">
-                <a:latin typeface="Consolas" panose="020B0609020204030204" pitchFamily="49" charset="0"/>
-                <a:cs typeface="Consolas" panose="020B0609020204030204" pitchFamily="49" charset="0"/>
-              </a:rPr>
-            </a:br>
-            <a:r>
-              <a:rPr lang="en-US" dirty="0">
-                <a:latin typeface="Consolas" panose="020B0609020204030204" pitchFamily="49" charset="0"/>
-                <a:cs typeface="Consolas" panose="020B0609020204030204" pitchFamily="49" charset="0"/>
-              </a:rPr>
-              <a:t> |--docs</a:t>
-            </a:r>
-            <a:br>
-              <a:rPr lang="en-US" dirty="0">
-                <a:latin typeface="Consolas" panose="020B0609020204030204" pitchFamily="49" charset="0"/>
-                <a:cs typeface="Consolas" panose="020B0609020204030204" pitchFamily="49" charset="0"/>
-              </a:rPr>
-            </a:br>
-            <a:r>
-              <a:rPr lang="en-US" dirty="0">
-                <a:latin typeface="Consolas" panose="020B0609020204030204" pitchFamily="49" charset="0"/>
-                <a:cs typeface="Consolas" panose="020B0609020204030204" pitchFamily="49" charset="0"/>
-              </a:rPr>
-              <a:t> |--notebooks</a:t>
-            </a:r>
-            <a:br>
-              <a:rPr lang="en-US" dirty="0">
-                <a:latin typeface="Consolas" panose="020B0609020204030204" pitchFamily="49" charset="0"/>
-                <a:cs typeface="Consolas" panose="020B0609020204030204" pitchFamily="49" charset="0"/>
-              </a:rPr>
-            </a:br>
-            <a:r>
-              <a:rPr lang="en-US" dirty="0">
-                <a:latin typeface="Consolas" panose="020B0609020204030204" pitchFamily="49" charset="0"/>
-                <a:cs typeface="Consolas" panose="020B0609020204030204" pitchFamily="49" charset="0"/>
-              </a:rPr>
-              <a:t> |--references</a:t>
-            </a:r>
-            <a:br>
-              <a:rPr lang="en-US" dirty="0">
-                <a:latin typeface="Consolas" panose="020B0609020204030204" pitchFamily="49" charset="0"/>
-                <a:cs typeface="Consolas" panose="020B0609020204030204" pitchFamily="49" charset="0"/>
-              </a:rPr>
-            </a:br>
-            <a:r>
-              <a:rPr lang="en-US" dirty="0">
-                <a:latin typeface="Consolas" panose="020B0609020204030204" pitchFamily="49" charset="0"/>
-                <a:cs typeface="Consolas" panose="020B0609020204030204" pitchFamily="49" charset="0"/>
-              </a:rPr>
-              <a:t> |--reports</a:t>
-            </a:r>
-            <a:br>
-              <a:rPr lang="en-US" dirty="0">
-                <a:latin typeface="Consolas" panose="020B0609020204030204" pitchFamily="49" charset="0"/>
-                <a:cs typeface="Consolas" panose="020B0609020204030204" pitchFamily="49" charset="0"/>
-              </a:rPr>
-            </a:br>
-            <a:r>
-              <a:rPr lang="en-US" dirty="0">
-                <a:latin typeface="Consolas" panose="020B0609020204030204" pitchFamily="49" charset="0"/>
-                <a:cs typeface="Consolas" panose="020B0609020204030204" pitchFamily="49" charset="0"/>
-              </a:rPr>
-              <a:t> |--</a:t>
-            </a:r>
-            <a:r>
-              <a:rPr lang="en-US" dirty="0" err="1">
-                <a:latin typeface="Consolas" panose="020B0609020204030204" pitchFamily="49" charset="0"/>
-                <a:cs typeface="Consolas" panose="020B0609020204030204" pitchFamily="49" charset="0"/>
-              </a:rPr>
-              <a:t>src</a:t>
-            </a:r>
-            <a:endParaRPr lang="en-US" dirty="0">
-              <a:latin typeface="Consolas" panose="020B0609020204030204" pitchFamily="49" charset="0"/>
-              <a:cs typeface="Consolas" panose="020B0609020204030204" pitchFamily="49" charset="0"/>
-            </a:endParaRPr>
-          </a:p>
-        </p:txBody>
-      </p:sp>
+      </p:pic>
+      <p:pic>
+        <p:nvPicPr>
+          <p:cNvPr id="6" name="Picture 5">
+            <a:extLst>
+              <a:ext uri="{FF2B5EF4-FFF2-40B4-BE49-F238E27FC236}">
+                <a16:creationId xmlns:a16="http://schemas.microsoft.com/office/drawing/2014/main" id="{65081D60-2EDD-D341-A105-125A5034ED29}"/>
+              </a:ext>
+            </a:extLst>
+          </p:cNvPr>
+          <p:cNvPicPr>
+            <a:picLocks noChangeAspect="1" noChangeArrowheads="1"/>
+          </p:cNvPicPr>
+          <p:nvPr/>
+        </p:nvPicPr>
+        <p:blipFill>
+          <a:blip r:embed="rId5">
+            <a:extLst>
+              <a:ext uri="{28A0092B-C50C-407E-A947-70E740481C1C}">
+                <a14:useLocalDpi xmlns:a14="http://schemas.microsoft.com/office/drawing/2010/main" val="0"/>
+              </a:ext>
+            </a:extLst>
+          </a:blip>
+          <a:srcRect/>
+          <a:stretch>
+            <a:fillRect/>
+          </a:stretch>
+        </p:blipFill>
+        <p:spPr bwMode="auto">
+          <a:xfrm>
+            <a:off x="4131050" y="1530653"/>
+            <a:ext cx="381000" cy="381000"/>
+          </a:xfrm>
+          <a:prstGeom prst="rect">
+            <a:avLst/>
+          </a:prstGeom>
+          <a:noFill/>
+          <a:extLst>
+            <a:ext uri="{909E8E84-426E-40DD-AFC4-6F175D3DCCD1}">
+              <a14:hiddenFill xmlns:a14="http://schemas.microsoft.com/office/drawing/2010/main">
+                <a:solidFill>
+                  <a:srgbClr val="FFFFFF"/>
+                </a:solidFill>
+              </a14:hiddenFill>
+            </a:ext>
+          </a:extLst>
+        </p:spPr>
+      </p:pic>
+      <p:pic>
+        <p:nvPicPr>
+          <p:cNvPr id="7" name="Picture 6">
+            <a:extLst>
+              <a:ext uri="{FF2B5EF4-FFF2-40B4-BE49-F238E27FC236}">
+                <a16:creationId xmlns:a16="http://schemas.microsoft.com/office/drawing/2014/main" id="{4B23ADD5-884A-A346-B3D0-74D4E23E67F5}"/>
+              </a:ext>
+            </a:extLst>
+          </p:cNvPr>
+          <p:cNvPicPr>
+            <a:picLocks noChangeAspect="1" noChangeArrowheads="1"/>
+          </p:cNvPicPr>
+          <p:nvPr/>
+        </p:nvPicPr>
+        <p:blipFill>
+          <a:blip r:embed="rId6">
+            <a:extLst>
+              <a:ext uri="{28A0092B-C50C-407E-A947-70E740481C1C}">
+                <a14:useLocalDpi xmlns:a14="http://schemas.microsoft.com/office/drawing/2010/main" val="0"/>
+              </a:ext>
+            </a:extLst>
+          </a:blip>
+          <a:srcRect/>
+          <a:stretch>
+            <a:fillRect/>
+          </a:stretch>
+        </p:blipFill>
+        <p:spPr bwMode="auto">
+          <a:xfrm>
+            <a:off x="2761377" y="2139388"/>
+            <a:ext cx="381000" cy="381001"/>
+          </a:xfrm>
+          <a:prstGeom prst="rect">
+            <a:avLst/>
+          </a:prstGeom>
+          <a:noFill/>
+          <a:extLst>
+            <a:ext uri="{909E8E84-426E-40DD-AFC4-6F175D3DCCD1}">
+              <a14:hiddenFill xmlns:a14="http://schemas.microsoft.com/office/drawing/2010/main">
+                <a:solidFill>
+                  <a:srgbClr val="FFFFFF"/>
+                </a:solidFill>
+              </a14:hiddenFill>
+            </a:ext>
+          </a:extLst>
+        </p:spPr>
+      </p:pic>
+      <p:pic>
+        <p:nvPicPr>
+          <p:cNvPr id="8" name="Picture 9">
+            <a:hlinkClick r:id="rId7"/>
+            <a:extLst>
+              <a:ext uri="{FF2B5EF4-FFF2-40B4-BE49-F238E27FC236}">
+                <a16:creationId xmlns:a16="http://schemas.microsoft.com/office/drawing/2014/main" id="{B1D89145-6A42-AC4F-99E8-1399EFF540AB}"/>
+              </a:ext>
+            </a:extLst>
+          </p:cNvPr>
+          <p:cNvPicPr>
+            <a:picLocks noChangeAspect="1" noChangeArrowheads="1"/>
+          </p:cNvPicPr>
+          <p:nvPr/>
+        </p:nvPicPr>
+        <p:blipFill>
+          <a:blip r:embed="rId8">
+            <a:extLst>
+              <a:ext uri="{28A0092B-C50C-407E-A947-70E740481C1C}">
+                <a14:useLocalDpi xmlns:a14="http://schemas.microsoft.com/office/drawing/2010/main" val="0"/>
+              </a:ext>
+            </a:extLst>
+          </a:blip>
+          <a:srcRect/>
+          <a:stretch>
+            <a:fillRect/>
+          </a:stretch>
+        </p:blipFill>
+        <p:spPr bwMode="auto">
+          <a:xfrm>
+            <a:off x="7407667" y="2808064"/>
+            <a:ext cx="410967" cy="410967"/>
+          </a:xfrm>
+          <a:prstGeom prst="rect">
+            <a:avLst/>
+          </a:prstGeom>
+          <a:noFill/>
+          <a:extLst>
+            <a:ext uri="{909E8E84-426E-40DD-AFC4-6F175D3DCCD1}">
+              <a14:hiddenFill xmlns:a14="http://schemas.microsoft.com/office/drawing/2010/main">
+                <a:solidFill>
+                  <a:srgbClr val="FFFFFF"/>
+                </a:solidFill>
+              </a14:hiddenFill>
+            </a:ext>
+          </a:extLst>
+        </p:spPr>
+      </p:pic>
+      <p:pic>
+        <p:nvPicPr>
+          <p:cNvPr id="11" name="Picture 3">
+            <a:hlinkClick r:id="rId9"/>
+            <a:extLst>
+              <a:ext uri="{FF2B5EF4-FFF2-40B4-BE49-F238E27FC236}">
+                <a16:creationId xmlns:a16="http://schemas.microsoft.com/office/drawing/2014/main" id="{DD60B3F1-BD8D-5444-931F-FE1F1C46D816}"/>
+              </a:ext>
+            </a:extLst>
+          </p:cNvPr>
+          <p:cNvPicPr>
+            <a:picLocks noChangeAspect="1" noChangeArrowheads="1"/>
+          </p:cNvPicPr>
+          <p:nvPr/>
+        </p:nvPicPr>
+        <p:blipFill>
+          <a:blip r:embed="rId10">
+            <a:extLst>
+              <a:ext uri="{28A0092B-C50C-407E-A947-70E740481C1C}">
+                <a14:useLocalDpi xmlns:a14="http://schemas.microsoft.com/office/drawing/2010/main" val="0"/>
+              </a:ext>
+            </a:extLst>
+          </a:blip>
+          <a:srcRect/>
+          <a:stretch>
+            <a:fillRect/>
+          </a:stretch>
+        </p:blipFill>
+        <p:spPr bwMode="auto">
+          <a:xfrm>
+            <a:off x="2304177" y="4028651"/>
+            <a:ext cx="457200" cy="381001"/>
+          </a:xfrm>
+          <a:prstGeom prst="rect">
+            <a:avLst/>
+          </a:prstGeom>
+          <a:noFill/>
+          <a:extLst>
+            <a:ext uri="{909E8E84-426E-40DD-AFC4-6F175D3DCCD1}">
+              <a14:hiddenFill xmlns:a14="http://schemas.microsoft.com/office/drawing/2010/main">
+                <a:solidFill>
+                  <a:srgbClr val="FFFFFF"/>
+                </a:solidFill>
+              </a14:hiddenFill>
+            </a:ext>
+          </a:extLst>
+        </p:spPr>
+      </p:pic>
     </p:spTree>
     <p:extLst>
       <p:ext uri="{BB962C8B-B14F-4D97-AF65-F5344CB8AC3E}">
-        <p14:creationId xmlns:p14="http://schemas.microsoft.com/office/powerpoint/2010/main" val="1582094319"/>
+        <p14:creationId xmlns:p14="http://schemas.microsoft.com/office/powerpoint/2010/main" val="3968858697"/>
       </p:ext>
     </p:extLst>
   </p:cSld>
@@ -11573,7 +12130,7 @@
           <a:p>
             <a:r>
               <a:rPr lang="en-US" dirty="0"/>
-              <a:t>Principle 2 – Control the source &amp; changes</a:t>
+              <a:t>Principle 1 – Provide structure</a:t>
             </a:r>
           </a:p>
         </p:txBody>
@@ -11597,7 +12154,7 @@
         <p:spPr>
           <a:xfrm>
             <a:off x="386080" y="1198244"/>
-            <a:ext cx="7329812" cy="4572636"/>
+            <a:ext cx="7607214" cy="4572636"/>
           </a:xfrm>
         </p:spPr>
         <p:txBody>
@@ -11606,103 +12163,81 @@
           </a:bodyPr>
           <a:lstStyle/>
           <a:p>
-            <a:pPr marL="514350" indent="-514350">
-              <a:buFont typeface="+mj-lt"/>
-              <a:buAutoNum type="arabicPeriod"/>
-            </a:pPr>
-            <a:r>
-              <a:rPr lang="en-US" dirty="0"/>
-              <a:t>For data, store the original (raw) data archivally somewhere and build other versions elsewhere using scripts (including accessing the data from the archive)</a:t>
+            <a:r>
+              <a:rPr lang="en-US" dirty="0"/>
+              <a:t>Use directories for different things, all inside a project directory, with a top-level readme and license</a:t>
             </a:r>
           </a:p>
           <a:p>
             <a:pPr lvl="1"/>
             <a:r>
               <a:rPr lang="en-US" dirty="0"/>
-              <a:t>Note: GitHub is not archival, and isn’t good for large datasets</a:t>
-            </a:r>
-          </a:p>
-          <a:p>
-            <a:pPr lvl="2"/>
-            <a:r>
-              <a:rPr lang="en-US" dirty="0"/>
-              <a:t>Two previous versions of this class used data in </a:t>
+              <a:t>E.g., data, docs, models, notebooks, references, reports, </a:t>
+            </a:r>
+            <a:r>
+              <a:rPr lang="en-US" dirty="0" err="1"/>
+              <a:t>src</a:t>
+            </a:r>
+            <a:r>
+              <a:rPr lang="en-US" dirty="0"/>
+              <a:t> (for Python data science, </a:t>
             </a:r>
             <a:r>
               <a:rPr lang="en-US" dirty="0">
                 <a:hlinkClick r:id="rId2"/>
               </a:rPr>
-              <a:t>https://raw.githubusercontent.com/csoderberg/test_study/master/gapminder_copy.txt</a:t>
-            </a:r>
-            <a:r>
-              <a:rPr lang="en-US" dirty="0"/>
-              <a:t> but this no longer exists</a:t>
+              <a:t>Cookiecutter Data Science</a:t>
+            </a:r>
+            <a:r>
+              <a:rPr lang="en-US" dirty="0"/>
+              <a:t> is an example)</a:t>
+            </a:r>
+          </a:p>
+          <a:p>
+            <a:r>
+              <a:rPr lang="en-US" dirty="0"/>
+              <a:t>Use relative paths, so that you can move and share</a:t>
             </a:r>
           </a:p>
           <a:p>
             <a:pPr lvl="1"/>
             <a:r>
               <a:rPr lang="en-US" dirty="0"/>
-              <a:t>However, it is still in OSF: </a:t>
-            </a:r>
-            <a:r>
-              <a:rPr lang="en-US" dirty="0">
-                <a:hlinkClick r:id="rId3"/>
-              </a:rPr>
-              <a:t>https://osf.io/z274d/</a:t>
-            </a:r>
-            <a:endParaRPr lang="en-US" dirty="0"/>
+              <a:t>(</a:t>
+            </a:r>
+            <a:r>
+              <a:rPr lang="en-US" dirty="0">
+                <a:latin typeface="Consolas" panose="020B0609020204030204" pitchFamily="49" charset="0"/>
+                <a:cs typeface="Consolas" panose="020B0609020204030204" pitchFamily="49" charset="0"/>
+              </a:rPr>
+              <a:t>../data/</a:t>
+            </a:r>
+            <a:r>
+              <a:rPr lang="en-US" dirty="0" err="1">
+                <a:latin typeface="Consolas" panose="020B0609020204030204" pitchFamily="49" charset="0"/>
+                <a:cs typeface="Consolas" panose="020B0609020204030204" pitchFamily="49" charset="0"/>
+              </a:rPr>
+              <a:t>file.dat</a:t>
+            </a:r>
+            <a:r>
+              <a:rPr lang="en-US" dirty="0"/>
+              <a:t>)</a:t>
+            </a:r>
+          </a:p>
+          <a:p>
+            <a:r>
+              <a:rPr lang="en-US" dirty="0"/>
+              <a:t>Use names that have meaning (and avoid using “final”)</a:t>
+            </a:r>
           </a:p>
           <a:p>
             <a:pPr lvl="1"/>
             <a:r>
-              <a:rPr lang="en-US" dirty="0"/>
-              <a:t>Get it via: </a:t>
-            </a:r>
-            <a:r>
-              <a:rPr lang="en-US" dirty="0" err="1">
-                <a:latin typeface="Consolas" panose="020B0609020204030204" pitchFamily="49" charset="0"/>
-                <a:cs typeface="Consolas" panose="020B0609020204030204" pitchFamily="49" charset="0"/>
-              </a:rPr>
-              <a:t>wget</a:t>
-            </a:r>
-            <a:r>
-              <a:rPr lang="en-US" dirty="0">
-                <a:latin typeface="Consolas" panose="020B0609020204030204" pitchFamily="49" charset="0"/>
-                <a:cs typeface="Consolas" panose="020B0609020204030204" pitchFamily="49" charset="0"/>
-              </a:rPr>
-              <a:t> https://</a:t>
-            </a:r>
-            <a:r>
-              <a:rPr lang="en-US" dirty="0" err="1">
-                <a:latin typeface="Consolas" panose="020B0609020204030204" pitchFamily="49" charset="0"/>
-                <a:cs typeface="Consolas" panose="020B0609020204030204" pitchFamily="49" charset="0"/>
-              </a:rPr>
-              <a:t>osf.io</a:t>
-            </a:r>
-            <a:r>
-              <a:rPr lang="en-US" dirty="0">
-                <a:latin typeface="Consolas" panose="020B0609020204030204" pitchFamily="49" charset="0"/>
-                <a:cs typeface="Consolas" panose="020B0609020204030204" pitchFamily="49" charset="0"/>
-              </a:rPr>
-              <a:t>/z274d/download</a:t>
-            </a:r>
-          </a:p>
-          <a:p>
-            <a:pPr marL="914400" lvl="2" indent="0">
-              <a:buNone/>
-            </a:pPr>
-            <a:r>
-              <a:rPr lang="en-US" dirty="0"/>
-              <a:t>(You may have to install </a:t>
-            </a:r>
-            <a:r>
-              <a:rPr lang="en-US" dirty="0" err="1"/>
-              <a:t>wget</a:t>
-            </a:r>
-            <a:r>
-              <a:rPr lang="en-US" dirty="0"/>
-              <a:t> – Google it)</a:t>
+              <a:rPr lang="en-US" dirty="0">
+                <a:latin typeface="Consolas" panose="020B0609020204030204" pitchFamily="49" charset="0"/>
+                <a:cs typeface="Consolas" panose="020B0609020204030204" pitchFamily="49" charset="0"/>
+              </a:rPr>
+              <a:t>00-dsk-data_acquisition.py</a:t>
             </a:r>
           </a:p>
         </p:txBody>
@@ -11712,7 +12247,7 @@
           <p:cNvPr id="4" name="Content Placeholder 2">
             <a:extLst>
               <a:ext uri="{FF2B5EF4-FFF2-40B4-BE49-F238E27FC236}">
-                <a16:creationId xmlns:a16="http://schemas.microsoft.com/office/drawing/2014/main" id="{BAD2C20E-3BB8-6B40-9286-B635E3AA0216}"/>
+                <a16:creationId xmlns:a16="http://schemas.microsoft.com/office/drawing/2014/main" id="{51531F69-C8F5-0E46-9251-659FF7E64901}"/>
               </a:ext>
             </a:extLst>
           </p:cNvPr>
@@ -11906,73 +12441,6 @@
                 <a:latin typeface="Consolas" panose="020B0609020204030204" pitchFamily="49" charset="0"/>
                 <a:cs typeface="Consolas" panose="020B0609020204030204" pitchFamily="49" charset="0"/>
               </a:rPr>
-              <a:t> |    |--</a:t>
-            </a:r>
-            <a:r>
-              <a:rPr lang="en-US" b="1" dirty="0">
-                <a:latin typeface="Consolas" panose="020B0609020204030204" pitchFamily="49" charset="0"/>
-                <a:cs typeface="Consolas" panose="020B0609020204030204" pitchFamily="49" charset="0"/>
-              </a:rPr>
-              <a:t>raw</a:t>
-            </a:r>
-            <a:br>
-              <a:rPr lang="en-US" dirty="0">
-                <a:latin typeface="Consolas" panose="020B0609020204030204" pitchFamily="49" charset="0"/>
-                <a:cs typeface="Consolas" panose="020B0609020204030204" pitchFamily="49" charset="0"/>
-              </a:rPr>
-            </a:br>
-            <a:r>
-              <a:rPr lang="en-US" dirty="0">
-                <a:latin typeface="Consolas" panose="020B0609020204030204" pitchFamily="49" charset="0"/>
-                <a:cs typeface="Consolas" panose="020B0609020204030204" pitchFamily="49" charset="0"/>
-              </a:rPr>
-              <a:t> |    |--</a:t>
-            </a:r>
-            <a:r>
-              <a:rPr lang="en-US" b="1" dirty="0">
-                <a:latin typeface="Consolas" panose="020B0609020204030204" pitchFamily="49" charset="0"/>
-                <a:cs typeface="Consolas" panose="020B0609020204030204" pitchFamily="49" charset="0"/>
-              </a:rPr>
-              <a:t>derived</a:t>
-            </a:r>
-            <a:br>
-              <a:rPr lang="en-US" dirty="0">
-                <a:latin typeface="Consolas" panose="020B0609020204030204" pitchFamily="49" charset="0"/>
-                <a:cs typeface="Consolas" panose="020B0609020204030204" pitchFamily="49" charset="0"/>
-              </a:rPr>
-            </a:br>
-            <a:r>
-              <a:rPr lang="en-US" dirty="0">
-                <a:latin typeface="Consolas" panose="020B0609020204030204" pitchFamily="49" charset="0"/>
-                <a:cs typeface="Consolas" panose="020B0609020204030204" pitchFamily="49" charset="0"/>
-              </a:rPr>
-              <a:t> |    |--</a:t>
-            </a:r>
-            <a:r>
-              <a:rPr lang="en-US" b="1" dirty="0">
-                <a:latin typeface="Consolas" panose="020B0609020204030204" pitchFamily="49" charset="0"/>
-                <a:cs typeface="Consolas" panose="020B0609020204030204" pitchFamily="49" charset="0"/>
-              </a:rPr>
-              <a:t>results</a:t>
-            </a:r>
-            <a:r>
-              <a:rPr lang="en-US" dirty="0">
-                <a:latin typeface="Consolas" panose="020B0609020204030204" pitchFamily="49" charset="0"/>
-                <a:cs typeface="Consolas" panose="020B0609020204030204" pitchFamily="49" charset="0"/>
-              </a:rPr>
-              <a:t> </a:t>
-            </a:r>
-            <a:br>
-              <a:rPr lang="en-US" dirty="0">
-                <a:latin typeface="Consolas" panose="020B0609020204030204" pitchFamily="49" charset="0"/>
-                <a:cs typeface="Consolas" panose="020B0609020204030204" pitchFamily="49" charset="0"/>
-              </a:rPr>
-            </a:br>
-            <a:r>
-              <a:rPr lang="en-US" dirty="0">
-                <a:latin typeface="Consolas" panose="020B0609020204030204" pitchFamily="49" charset="0"/>
-                <a:cs typeface="Consolas" panose="020B0609020204030204" pitchFamily="49" charset="0"/>
-              </a:rPr>
               <a:t> |--docs</a:t>
             </a:r>
             <a:br>
@@ -12044,7 +12512,7 @@
     </p:spTree>
     <p:extLst>
       <p:ext uri="{BB962C8B-B14F-4D97-AF65-F5344CB8AC3E}">
-        <p14:creationId xmlns:p14="http://schemas.microsoft.com/office/powerpoint/2010/main" val="3021336089"/>
+        <p14:creationId xmlns:p14="http://schemas.microsoft.com/office/powerpoint/2010/main" val="1582094319"/>
       </p:ext>
     </p:extLst>
   </p:cSld>

--- a/Computational_Reproducibility.pptx
+++ b/Computational_Reproducibility.pptx
@@ -2505,7 +2505,7 @@
         </p:spPr>
         <p:txBody>
           <a:bodyPr>
-            <a:normAutofit fontScale="92500"/>
+            <a:normAutofit fontScale="92500" lnSpcReduction="10000"/>
           </a:bodyPr>
           <a:lstStyle/>
           <a:p>
@@ -2560,36 +2560,52 @@
             <a:pPr lvl="1"/>
             <a:r>
               <a:rPr lang="en-US" dirty="0"/>
-              <a:t>Get it via: </a:t>
-            </a:r>
-            <a:r>
-              <a:rPr lang="en-US" dirty="0" err="1">
+              <a:t>Get it via</a:t>
+            </a:r>
+          </a:p>
+          <a:p>
+            <a:pPr marL="914400" lvl="2" indent="0">
+              <a:buNone/>
+            </a:pPr>
+            <a:r>
+              <a:rPr lang="en-US" sz="1700" dirty="0" err="1">
                 <a:latin typeface="Consolas" panose="020B0609020204030204" pitchFamily="49" charset="0"/>
                 <a:cs typeface="Consolas" panose="020B0609020204030204" pitchFamily="49" charset="0"/>
               </a:rPr>
               <a:t>wget</a:t>
             </a:r>
             <a:r>
-              <a:rPr lang="en-US" dirty="0">
+              <a:rPr lang="en-US" sz="1700" dirty="0">
                 <a:latin typeface="Consolas" panose="020B0609020204030204" pitchFamily="49" charset="0"/>
                 <a:cs typeface="Consolas" panose="020B0609020204030204" pitchFamily="49" charset="0"/>
               </a:rPr>
               <a:t> https://</a:t>
             </a:r>
             <a:r>
-              <a:rPr lang="en-US" dirty="0" err="1">
+              <a:rPr lang="en-US" sz="1700" dirty="0" err="1">
                 <a:latin typeface="Consolas" panose="020B0609020204030204" pitchFamily="49" charset="0"/>
                 <a:cs typeface="Consolas" panose="020B0609020204030204" pitchFamily="49" charset="0"/>
               </a:rPr>
               <a:t>osf.io</a:t>
             </a:r>
             <a:r>
-              <a:rPr lang="en-US" dirty="0">
-                <a:latin typeface="Consolas" panose="020B0609020204030204" pitchFamily="49" charset="0"/>
-                <a:cs typeface="Consolas" panose="020B0609020204030204" pitchFamily="49" charset="0"/>
-              </a:rPr>
-              <a:t>/z274d/download</a:t>
-            </a:r>
+              <a:rPr lang="en-US" sz="1700" dirty="0">
+                <a:latin typeface="Consolas" panose="020B0609020204030204" pitchFamily="49" charset="0"/>
+                <a:cs typeface="Consolas" panose="020B0609020204030204" pitchFamily="49" charset="0"/>
+              </a:rPr>
+              <a:t>/z274d/download -O </a:t>
+            </a:r>
+            <a:r>
+              <a:rPr lang="en-US" sz="1700" dirty="0" err="1">
+                <a:latin typeface="Consolas" panose="020B0609020204030204" pitchFamily="49" charset="0"/>
+                <a:cs typeface="Consolas" panose="020B0609020204030204" pitchFamily="49" charset="0"/>
+              </a:rPr>
+              <a:t>gapminder_copy.txt</a:t>
+            </a:r>
+            <a:endParaRPr lang="en-US" sz="1700" dirty="0">
+              <a:latin typeface="Consolas" panose="020B0609020204030204" pitchFamily="49" charset="0"/>
+              <a:cs typeface="Consolas" panose="020B0609020204030204" pitchFamily="49" charset="0"/>
+            </a:endParaRPr>
           </a:p>
           <a:p>
             <a:pPr marL="914400" lvl="2" indent="0">
@@ -3416,7 +3432,7 @@
                 <a:latin typeface="Consolas" panose="020B0609020204030204" pitchFamily="49" charset="0"/>
                 <a:cs typeface="Consolas" panose="020B0609020204030204" pitchFamily="49" charset="0"/>
               </a:rPr>
-              <a:t>/v3.0/0000-0001-5934-7525’, </a:t>
+              <a:t>/v3.0/0000-0001-5934-7525', </a:t>
             </a:r>
             <a:br>
               <a:rPr lang="en-US" sz="1400" dirty="0">
@@ -11153,7 +11169,7 @@
             </a:pPr>
             <a:r>
               <a:rPr lang="en-US" dirty="0"/>
-              <a:t>Organize and analyze large data sets to learn from them</a:t>
+              <a:t>Organize and analyze large (or small) data sets to learn from them</a:t>
             </a:r>
           </a:p>
           <a:p>
@@ -11263,7 +11279,7 @@
             </a:pPr>
             <a:r>
               <a:rPr lang="en-US" dirty="0"/>
-              <a:t>Relevant: statistics, preregistration (declare your hypothesis before doing your analysis), random studies, false positives/negatives, sample size, confidence</a:t>
+              <a:t>Relevant: statistics, preregistration (declare your hypothesis before doing your analysis), random studies, false positives/negatives, sample size, confidence, power</a:t>
             </a:r>
           </a:p>
           <a:p>

--- a/Computational_Reproducibility.pptx
+++ b/Computational_Reproducibility.pptx
@@ -239,7 +239,7 @@
           <a:p>
             <a:fld id="{81C38738-6EB7-A34B-945D-F5A341E4EF53}" type="datetimeFigureOut">
               <a:rPr lang="en-US" smtClean="0"/>
-              <a:t>8/12/20</a:t>
+              <a:t>8/13/20</a:t>
             </a:fld>
             <a:endParaRPr lang="en-US"/>
           </a:p>
@@ -2423,6 +2423,36 @@
           </a:p>
         </p:txBody>
       </p:sp>
+      <p:pic>
+        <p:nvPicPr>
+          <p:cNvPr id="6" name="Picture 5" descr="A drawing of a face&#10;&#10;Description automatically generated">
+            <a:extLst>
+              <a:ext uri="{FF2B5EF4-FFF2-40B4-BE49-F238E27FC236}">
+                <a16:creationId xmlns:a16="http://schemas.microsoft.com/office/drawing/2014/main" id="{4B1874BD-3556-814A-8A61-6669DC4C1548}"/>
+              </a:ext>
+            </a:extLst>
+          </p:cNvPr>
+          <p:cNvPicPr>
+            <a:picLocks noChangeAspect="1"/>
+          </p:cNvPicPr>
+          <p:nvPr/>
+        </p:nvPicPr>
+        <p:blipFill>
+          <a:blip r:embed="rId3"/>
+          <a:stretch>
+            <a:fillRect/>
+          </a:stretch>
+        </p:blipFill>
+        <p:spPr>
+          <a:xfrm>
+            <a:off x="10754359" y="6281149"/>
+            <a:ext cx="1219200" cy="419100"/>
+          </a:xfrm>
+          <a:prstGeom prst="rect">
+            <a:avLst/>
+          </a:prstGeom>
+        </p:spPr>
+      </p:pic>
     </p:spTree>
     <p:extLst>
       <p:ext uri="{BB962C8B-B14F-4D97-AF65-F5344CB8AC3E}">

--- a/Computational_Reproducibility.pptx
+++ b/Computational_Reproducibility.pptx
@@ -2453,6 +2453,44 @@
           </a:prstGeom>
         </p:spPr>
       </p:pic>
+      <p:sp>
+        <p:nvSpPr>
+          <p:cNvPr id="7" name="Rectangle 6">
+            <a:extLst>
+              <a:ext uri="{FF2B5EF4-FFF2-40B4-BE49-F238E27FC236}">
+                <a16:creationId xmlns:a16="http://schemas.microsoft.com/office/drawing/2014/main" id="{81AEA13F-C3E8-6744-892E-AD830220F2A4}"/>
+              </a:ext>
+            </a:extLst>
+          </p:cNvPr>
+          <p:cNvSpPr/>
+          <p:nvPr/>
+        </p:nvSpPr>
+        <p:spPr>
+          <a:xfrm>
+            <a:off x="5536059" y="6304191"/>
+            <a:ext cx="4799744" cy="338554"/>
+          </a:xfrm>
+          <a:prstGeom prst="rect">
+            <a:avLst/>
+          </a:prstGeom>
+        </p:spPr>
+        <p:txBody>
+          <a:bodyPr wrap="square">
+            <a:spAutoFit/>
+          </a:bodyPr>
+          <a:lstStyle/>
+          <a:p>
+            <a:r>
+              <a:rPr lang="en-US" sz="1600" dirty="0">
+                <a:solidFill>
+                  <a:schemeClr val="bg1"/>
+                </a:solidFill>
+              </a:rPr>
+              <a:t>With thanks to many! See last slides for sources</a:t>
+            </a:r>
+          </a:p>
+        </p:txBody>
+      </p:sp>
     </p:spTree>
     <p:extLst>
       <p:ext uri="{BB962C8B-B14F-4D97-AF65-F5344CB8AC3E}">

--- a/Computational_Reproducibility.pptx
+++ b/Computational_Reproducibility.pptx
@@ -239,7 +239,7 @@
           <a:p>
             <a:fld id="{81C38738-6EB7-A34B-945D-F5A341E4EF53}" type="datetimeFigureOut">
               <a:rPr lang="en-US" smtClean="0"/>
-              <a:t>8/13/20</a:t>
+              <a:t>7/23/21</a:t>
             </a:fld>
             <a:endParaRPr lang="en-US"/>
           </a:p>
@@ -2252,7 +2252,7 @@
                 <a:ea typeface="Georgia" charset="0"/>
                 <a:cs typeface="Georgia" charset="0"/>
               </a:rPr>
-              <a:t>(Research Reproducibility in Theory and Practice, Day 3, FSCI2020)</a:t>
+              <a:t>(Research Reproducibility in Theory and Practice, Day 3, FSCI2021)</a:t>
             </a:r>
           </a:p>
         </p:txBody>
@@ -5503,7 +5503,7 @@
               <a:rPr lang="en-US" dirty="0">
                 <a:hlinkClick r:id="rId5"/>
               </a:rPr>
-              <a:t>Treebeard</a:t>
+              <a:t>nbmake-action</a:t>
             </a:r>
             <a:r>
               <a:rPr lang="en-US" dirty="0"/>
@@ -5514,46 +5514,22 @@
             <a:pPr marL="1314450" lvl="2" indent="-514350"/>
             <a:r>
               <a:rPr lang="en-US" dirty="0"/>
-              <a:t>A library which helps Python Data Science practitioners work more productively with cloud environments.</a:t>
+              <a:t>A GitHub Action for testing notebooks, runs them from top-to-bottom</a:t>
             </a:r>
           </a:p>
           <a:p>
             <a:pPr marL="1314450" lvl="2" indent="-514350"/>
             <a:r>
               <a:rPr lang="en-US" dirty="0"/>
-              <a:t>Runs on GitHub Actions</a:t>
+              <a:t>Intended to raise the quality of scientific material through better automation</a:t>
             </a:r>
           </a:p>
           <a:p>
             <a:pPr marL="1314450" lvl="2" indent="-514350"/>
             <a:r>
               <a:rPr lang="en-US" dirty="0"/>
-              <a:t>Automatically Containerizes Repos</a:t>
-            </a:r>
-          </a:p>
-          <a:p>
-            <a:pPr marL="1314450" lvl="2" indent="-514350"/>
-            <a:r>
-              <a:rPr lang="en-US" dirty="0"/>
-              <a:t>Executes Notebooks</a:t>
-            </a:r>
-          </a:p>
-          <a:p>
-            <a:pPr marL="1314450" lvl="2" indent="-514350"/>
-            <a:r>
-              <a:rPr lang="en-US" dirty="0"/>
-              <a:t>Searches for missing imports</a:t>
-            </a:r>
-          </a:p>
-          <a:p>
-            <a:pPr marL="0" indent="0">
-              <a:buNone/>
-            </a:pPr>
-            <a:endParaRPr lang="en-US" dirty="0"/>
-          </a:p>
-          <a:p>
-            <a:pPr marL="914400" lvl="1" indent="-514350"/>
-            <a:endParaRPr lang="en-US" dirty="0"/>
+              <a:t>For scientists/developers who have written docs in notebooks and want to CI test them after every commit</a:t>
+            </a:r>
           </a:p>
         </p:txBody>
       </p:sp>
@@ -6448,7 +6424,7 @@
             </a:br>
             <a:r>
               <a:rPr lang="en-US" dirty="0"/>
-              <a:t>languages, e.g. in bioinformatics, </a:t>
+              <a:t>languages, e.g., in bioinformatics, </a:t>
             </a:r>
             <a:r>
               <a:rPr lang="en-US" dirty="0" err="1"/>
@@ -6493,7 +6469,7 @@
             </a:r>
             <a:r>
               <a:rPr lang="en-US" dirty="0"/>
-              <a:t> with 284 examples)</a:t>
+              <a:t> with 298 examples)</a:t>
             </a:r>
           </a:p>
           <a:p>
@@ -7906,7 +7882,7 @@
                 <a:latin typeface="Consolas" panose="020B0609020204030204" pitchFamily="49" charset="0"/>
                 <a:cs typeface="Consolas" panose="020B0609020204030204" pitchFamily="49" charset="0"/>
               </a:rPr>
-              <a:t>$(PROC_FILES): $(@:proc/%_</a:t>
+              <a:t>proc/%_</a:t>
             </a:r>
             <a:r>
               <a:rPr lang="en-US" dirty="0" err="1">
@@ -7920,7 +7896,7 @@
                 <a:latin typeface="Consolas" panose="020B0609020204030204" pitchFamily="49" charset="0"/>
                 <a:cs typeface="Consolas" panose="020B0609020204030204" pitchFamily="49" charset="0"/>
               </a:rPr>
-              <a:t>=raw/%.jpg) $(SHARPEN) | proc</a:t>
+              <a:t>: raw/%.jpg $(SHARPEN) | proc</a:t>
             </a:r>
           </a:p>
           <a:p>
@@ -8012,8 +7988,8 @@
         </p:nvSpPr>
         <p:spPr>
           <a:xfrm>
-            <a:off x="5705584" y="2476072"/>
-            <a:ext cx="5780654" cy="1365436"/>
+            <a:off x="5705584" y="2476071"/>
+            <a:ext cx="5780654" cy="1859623"/>
           </a:xfrm>
           <a:prstGeom prst="roundRect">
             <a:avLst/>
@@ -8043,6 +8019,25 @@
         <p:txBody>
           <a:bodyPr rtlCol="0" anchor="ctr"/>
           <a:lstStyle/>
+          <a:p>
+            <a:pPr algn="ctr"/>
+            <a:r>
+              <a:rPr lang="en-US" dirty="0">
+                <a:solidFill>
+                  <a:srgbClr val="00B0F0"/>
+                </a:solidFill>
+              </a:rPr>
+              <a:t>And make the automation as general as possible</a:t>
+            </a:r>
+          </a:p>
+          <a:p>
+            <a:pPr algn="ctr"/>
+            <a:endParaRPr lang="en-US" dirty="0">
+              <a:solidFill>
+                <a:srgbClr val="00B0F0"/>
+              </a:solidFill>
+            </a:endParaRPr>
+          </a:p>
           <a:p>
             <a:pPr algn="ctr"/>
             <a:r>
@@ -8344,7 +8339,7 @@
             </a:r>
             <a:r>
               <a:rPr lang="en-US" sz="2400" dirty="0"/>
-              <a:t>” for a recent survey of 11</a:t>
+              <a:t>” for a 2020 survey of 11</a:t>
             </a:r>
           </a:p>
         </p:txBody>
@@ -9246,7 +9241,7 @@
               <a:rPr lang="en-US" sz="2400" dirty="0">
                 <a:hlinkClick r:id="rId3"/>
               </a:rPr>
-              <a:t>choosealicense.org</a:t>
+              <a:t>choosealicense.com</a:t>
             </a:r>
             <a:r>
               <a:rPr lang="en-US" sz="2400" dirty="0"/>
@@ -9449,7 +9444,7 @@
               <a:rPr lang="en-US" sz="2000" dirty="0">
                 <a:hlinkClick r:id="rId3"/>
               </a:rPr>
-              <a:t>https://guides.github.com/activities/citable-code/</a:t>
+              <a:t>guides.github.com/activities/citable-code</a:t>
             </a:r>
             <a:r>
               <a:rPr lang="en-US" sz="2000" dirty="0"/>
@@ -9504,17 +9499,12 @@
               <a:rPr lang="en-US" sz="2000" dirty="0">
                 <a:hlinkClick r:id="rId4"/>
               </a:rPr>
-              <a:t>https://research-software.org/citation/</a:t>
+              <a:t>cite.research-software.org</a:t>
             </a:r>
             <a:r>
               <a:rPr lang="en-US" sz="2000" dirty="0"/>
-              <a:t> </a:t>
-            </a:r>
-            <a:r>
-              <a:rPr lang="en-US" sz="2000"/>
-              <a:t>for more</a:t>
-            </a:r>
-            <a:endParaRPr lang="en-US" sz="2000" dirty="0"/>
+              <a:t> for more</a:t>
+            </a:r>
           </a:p>
         </p:txBody>
       </p:sp>
@@ -9917,7 +9907,9 @@
         </p:nvSpPr>
         <p:spPr/>
         <p:txBody>
-          <a:bodyPr/>
+          <a:bodyPr>
+            <a:normAutofit lnSpcReduction="10000"/>
+          </a:bodyPr>
           <a:lstStyle/>
           <a:p>
             <a:r>
@@ -9975,6 +9967,17 @@
             <a:r>
               <a:rPr lang="en-US" dirty="0"/>
               <a:t>Close enough (you decide what this means), not necessarily all the bits</a:t>
+            </a:r>
+          </a:p>
+          <a:p>
+            <a:pPr lvl="1"/>
+            <a:r>
+              <a:rPr lang="en-US"/>
+              <a:t>Plausible vs. </a:t>
+            </a:r>
+            <a:r>
+              <a:rPr lang="en-US" dirty="0"/>
+              <a:t>practical</a:t>
             </a:r>
           </a:p>
         </p:txBody>
@@ -10201,7 +10204,7 @@
               <a:rPr lang="en-US" dirty="0">
                 <a:hlinkClick r:id="rId8"/>
               </a:rPr>
-              <a:t>https://www.practicereproducibleresearch.org/</a:t>
+              <a:t>http://www.practicereproducibleresearch.org/</a:t>
             </a:r>
             <a:endParaRPr lang="en-US" dirty="0"/>
           </a:p>
@@ -10713,7 +10716,7 @@
         <p:spPr>
           <a:xfrm>
             <a:off x="386080" y="1198244"/>
-            <a:ext cx="11399520" cy="1298376"/>
+            <a:ext cx="11399520" cy="1442214"/>
           </a:xfrm>
         </p:spPr>
         <p:txBody>
@@ -10761,6 +10764,17 @@
             <a:r>
               <a:rPr lang="en-US" dirty="0"/>
               <a:t> for some discussion</a:t>
+            </a:r>
+          </a:p>
+          <a:p>
+            <a:pPr>
+              <a:lnSpc>
+                <a:spcPct val="120000"/>
+              </a:lnSpc>
+            </a:pPr>
+            <a:r>
+              <a:rPr lang="en-US" dirty="0"/>
+              <a:t>Maybe these are getting to be more standardized?  But still, define what you mean!</a:t>
             </a:r>
           </a:p>
           <a:p>
@@ -10783,14 +10797,14 @@
           <p:nvPr>
             <p:extLst>
               <p:ext uri="{D42A27DB-BD31-4B8C-83A1-F6EECF244321}">
-                <p14:modId xmlns:p14="http://schemas.microsoft.com/office/powerpoint/2010/main" val="4293560274"/>
+                <p14:modId xmlns:p14="http://schemas.microsoft.com/office/powerpoint/2010/main" val="556358338"/>
               </p:ext>
             </p:extLst>
           </p:nvPr>
         </p:nvGraphicFramePr>
         <p:xfrm>
-          <a:off x="1510301" y="2663077"/>
-          <a:ext cx="8882369" cy="2286000"/>
+          <a:off x="406400" y="2743196"/>
+          <a:ext cx="11511622" cy="2286000"/>
         </p:xfrm>
         <a:graphic>
           <a:graphicData uri="http://schemas.openxmlformats.org/drawingml/2006/table">
@@ -10799,24 +10813,31 @@
                 <a:tableStyleId>{5C22544A-7EE6-4342-B048-85BDC9FD1C3A}</a:tableStyleId>
               </a:tblPr>
               <a:tblGrid>
-                <a:gridCol w="3859382">
+                <a:gridCol w="3948644">
                   <a:extLst>
                     <a:ext uri="{9D8B030D-6E8A-4147-A177-3AD203B41FA5}">
                       <a16:colId xmlns:a16="http://schemas.microsoft.com/office/drawing/2014/main" val="1170921038"/>
                     </a:ext>
                   </a:extLst>
                 </a:gridCol>
-                <a:gridCol w="2653963">
+                <a:gridCol w="2715346">
                   <a:extLst>
                     <a:ext uri="{9D8B030D-6E8A-4147-A177-3AD203B41FA5}">
                       <a16:colId xmlns:a16="http://schemas.microsoft.com/office/drawing/2014/main" val="1773268317"/>
                     </a:ext>
                   </a:extLst>
                 </a:gridCol>
-                <a:gridCol w="2369024">
+                <a:gridCol w="2423816">
                   <a:extLst>
                     <a:ext uri="{9D8B030D-6E8A-4147-A177-3AD203B41FA5}">
                       <a16:colId xmlns:a16="http://schemas.microsoft.com/office/drawing/2014/main" val="1325153906"/>
+                    </a:ext>
+                  </a:extLst>
+                </a:gridCol>
+                <a:gridCol w="2423816">
+                  <a:extLst>
+                    <a:ext uri="{9D8B030D-6E8A-4147-A177-3AD203B41FA5}">
+                      <a16:colId xmlns:a16="http://schemas.microsoft.com/office/drawing/2014/main" val="311738123"/>
                     </a:ext>
                   </a:extLst>
                 </a:gridCol>
@@ -10856,7 +10877,20 @@
                     <a:p>
                       <a:r>
                         <a:rPr lang="en-US" sz="2400" dirty="0"/>
-                        <a:t>ACM</a:t>
+                        <a:t>ACM (2020+)</a:t>
+                      </a:r>
+                    </a:p>
+                  </a:txBody>
+                  <a:tcPr/>
+                </a:tc>
+                <a:tc>
+                  <a:txBody>
+                    <a:bodyPr/>
+                    <a:lstStyle/>
+                    <a:p>
+                      <a:r>
+                        <a:rPr lang="en-US" sz="2400" dirty="0"/>
+                        <a:t>AMC (2020-)</a:t>
                       </a:r>
                     </a:p>
                   </a:txBody>
@@ -10902,6 +10936,19 @@
                   </a:txBody>
                   <a:tcPr/>
                 </a:tc>
+                <a:tc>
+                  <a:txBody>
+                    <a:bodyPr/>
+                    <a:lstStyle/>
+                    <a:p>
+                      <a:r>
+                        <a:rPr lang="en-US" sz="2400" dirty="0"/>
+                        <a:t>Repeatability</a:t>
+                      </a:r>
+                    </a:p>
+                  </a:txBody>
+                  <a:tcPr/>
+                </a:tc>
                 <a:extLst>
                   <a:ext uri="{0D108BD9-81ED-4DB2-BD59-A6C34878D82A}">
                     <a16:rowId xmlns:a16="http://schemas.microsoft.com/office/drawing/2014/main" val="304314826"/>
@@ -10917,6 +10964,19 @@
                       <a:r>
                         <a:rPr lang="en-US" sz="2400" dirty="0"/>
                         <a:t>Methods Reproducibility</a:t>
+                      </a:r>
+                    </a:p>
+                  </a:txBody>
+                  <a:tcPr/>
+                </a:tc>
+                <a:tc>
+                  <a:txBody>
+                    <a:bodyPr/>
+                    <a:lstStyle/>
+                    <a:p>
+                      <a:r>
+                        <a:rPr lang="en-US" sz="2400" dirty="0"/>
+                        <a:t>Reproducibility</a:t>
                       </a:r>
                     </a:p>
                   </a:txBody>
@@ -10988,6 +11048,19 @@
                     <a:p>
                       <a:r>
                         <a:rPr lang="en-US" sz="2400" dirty="0"/>
+                        <a:t>Replicability</a:t>
+                      </a:r>
+                    </a:p>
+                  </a:txBody>
+                  <a:tcPr/>
+                </a:tc>
+                <a:tc>
+                  <a:txBody>
+                    <a:bodyPr/>
+                    <a:lstStyle/>
+                    <a:p>
+                      <a:r>
+                        <a:rPr lang="en-US" sz="2400" dirty="0"/>
                         <a:t>Reproducibility</a:t>
                       </a:r>
                     </a:p>
@@ -11020,6 +11093,16 @@
                     <a:lstStyle/>
                     <a:p>
                       <a:endParaRPr lang="en-US" sz="2400"/>
+                    </a:p>
+                  </a:txBody>
+                  <a:tcPr/>
+                </a:tc>
+                <a:tc>
+                  <a:txBody>
+                    <a:bodyPr/>
+                    <a:lstStyle/>
+                    <a:p>
+                      <a:endParaRPr lang="en-US" sz="2400" dirty="0"/>
                     </a:p>
                   </a:txBody>
                   <a:tcPr/>
@@ -11140,7 +11223,7 @@
               <a:rPr lang="en-US" sz="1400" dirty="0">
                 <a:hlinkClick r:id="rId6"/>
               </a:rPr>
-              <a:t>Artifact Review and Badging</a:t>
+              <a:t>Artifact Review and Badging (Version 1.1)</a:t>
             </a:r>
             <a:r>
               <a:rPr lang="en-US" sz="1400" dirty="0"/>

--- a/Computational_Reproducibility.pptx
+++ b/Computational_Reproducibility.pptx
@@ -239,7 +239,7 @@
           <a:p>
             <a:fld id="{81C38738-6EB7-A34B-945D-F5A341E4EF53}" type="datetimeFigureOut">
               <a:rPr lang="en-US" smtClean="0"/>
-              <a:t>7/23/21</a:t>
+              <a:t>7/27/21</a:t>
             </a:fld>
             <a:endParaRPr lang="en-US"/>
           </a:p>
@@ -5421,7 +5421,7 @@
         <p:spPr/>
         <p:txBody>
           <a:bodyPr>
-            <a:normAutofit fontScale="92500" lnSpcReduction="20000"/>
+            <a:normAutofit lnSpcReduction="10000"/>
           </a:bodyPr>
           <a:lstStyle/>
           <a:p>
@@ -8220,56 +8220,120 @@
             <a:pPr lvl="1"/>
             <a:r>
               <a:rPr lang="en-US" sz="2000" dirty="0"/>
-              <a:t>In Python, use </a:t>
-            </a:r>
-            <a:r>
-              <a:rPr lang="en-US" sz="2000" dirty="0" err="1"/>
-              <a:t>virtualenv</a:t>
-            </a:r>
-            <a:r>
-              <a:rPr lang="en-US" sz="2000" dirty="0"/>
-              <a:t> (and `pip freeze &gt; </a:t>
-            </a:r>
-            <a:r>
-              <a:rPr lang="en-US" sz="2000" dirty="0" err="1"/>
-              <a:t>requirements.txt</a:t>
-            </a:r>
-            <a:r>
-              <a:rPr lang="en-US" sz="2000" dirty="0"/>
-              <a:t>` to capture current state) or docker</a:t>
-            </a:r>
-          </a:p>
-          <a:p>
-            <a:pPr lvl="1"/>
-            <a:r>
-              <a:rPr lang="en-US" sz="2000" dirty="0"/>
-              <a:t>In R, use </a:t>
-            </a:r>
-            <a:r>
-              <a:rPr lang="en-US" sz="2000" dirty="0" err="1"/>
-              <a:t>add_dependencies_to_description</a:t>
-            </a:r>
-            <a:r>
-              <a:rPr lang="en-US" sz="2000" dirty="0"/>
-              <a:t>() or use </a:t>
+              <a:t>Use </a:t>
             </a:r>
             <a:r>
               <a:rPr lang="en-US" sz="2000" dirty="0">
                 <a:hlinkClick r:id="rId2"/>
               </a:rPr>
+              <a:t>docker</a:t>
+            </a:r>
+            <a:r>
+              <a:rPr lang="en-US" sz="2000" dirty="0"/>
+              <a:t> to ensure the exact same software environment everywhere; lightweight &amp; practical</a:t>
+            </a:r>
+          </a:p>
+          <a:p>
+            <a:pPr lvl="2"/>
+            <a:r>
+              <a:rPr lang="en-US" sz="1600" dirty="0"/>
+              <a:t>For HPC, will likely need to use </a:t>
+            </a:r>
+            <a:r>
+              <a:rPr lang="en-US" sz="1600" dirty="0">
+                <a:hlinkClick r:id="rId3"/>
+              </a:rPr>
+              <a:t>singularity</a:t>
+            </a:r>
+            <a:r>
+              <a:rPr lang="en-US" sz="1600" dirty="0"/>
+              <a:t> or </a:t>
+            </a:r>
+            <a:r>
+              <a:rPr lang="en-US" sz="1600" dirty="0">
+                <a:hlinkClick r:id="rId4"/>
+              </a:rPr>
+              <a:t>shifter</a:t>
+            </a:r>
+            <a:r>
+              <a:rPr lang="en-US" sz="1600" dirty="0"/>
+              <a:t> instead</a:t>
+            </a:r>
+          </a:p>
+          <a:p>
+            <a:pPr lvl="1"/>
+            <a:r>
+              <a:rPr lang="en-US" sz="2000" dirty="0"/>
+              <a:t>To specific an environment</a:t>
+            </a:r>
+          </a:p>
+          <a:p>
+            <a:pPr lvl="2"/>
+            <a:r>
+              <a:rPr lang="en-US" sz="1600" dirty="0"/>
+              <a:t>In Python, use </a:t>
+            </a:r>
+            <a:r>
+              <a:rPr lang="en-US" sz="1600" dirty="0" err="1"/>
+              <a:t>virtualenv</a:t>
+            </a:r>
+            <a:r>
+              <a:rPr lang="en-US" sz="1600" dirty="0"/>
+              <a:t> (and `pip freeze &gt; </a:t>
+            </a:r>
+            <a:r>
+              <a:rPr lang="en-US" sz="1600" dirty="0" err="1"/>
+              <a:t>requirements.txt</a:t>
+            </a:r>
+            <a:r>
+              <a:rPr lang="en-US" sz="1600" dirty="0"/>
+              <a:t>`) or </a:t>
+            </a:r>
+            <a:r>
+              <a:rPr lang="en-US" sz="1600" dirty="0" err="1"/>
+              <a:t>pipenv</a:t>
+            </a:r>
+            <a:r>
+              <a:rPr lang="en-US" sz="1600" dirty="0"/>
+              <a:t> or </a:t>
+            </a:r>
+            <a:r>
+              <a:rPr lang="en-US" sz="1600" dirty="0" err="1"/>
+              <a:t>conda</a:t>
+            </a:r>
+            <a:endParaRPr lang="en-US" sz="1600" dirty="0"/>
+          </a:p>
+          <a:p>
+            <a:pPr lvl="2"/>
+            <a:r>
+              <a:rPr lang="en-US" sz="1600" dirty="0"/>
+              <a:t>In R, use </a:t>
+            </a:r>
+            <a:r>
+              <a:rPr lang="en-US" sz="1600" dirty="0" err="1"/>
+              <a:t>add_dependencies_to_description</a:t>
+            </a:r>
+            <a:r>
+              <a:rPr lang="en-US" sz="1600" dirty="0"/>
+              <a:t>() or use </a:t>
+            </a:r>
+            <a:r>
+              <a:rPr lang="en-US" sz="1600" dirty="0">
+                <a:hlinkClick r:id="rId5"/>
+              </a:rPr>
               <a:t>renv package</a:t>
             </a:r>
             <a:r>
-              <a:rPr lang="en-US" sz="2000" dirty="0"/>
+              <a:rPr lang="en-US" sz="1600" dirty="0"/>
               <a:t> or </a:t>
             </a:r>
             <a:r>
-              <a:rPr lang="en-US" sz="2000" dirty="0">
-                <a:hlinkClick r:id="rId3"/>
+              <a:rPr lang="en-US" sz="1600" dirty="0">
+                <a:hlinkClick r:id="rId6"/>
               </a:rPr>
               <a:t>rocker</a:t>
             </a:r>
-            <a:endParaRPr lang="en-US" sz="2000" dirty="0"/>
+            <a:endParaRPr lang="en-US" sz="1600" dirty="0"/>
           </a:p>
           <a:p>
             <a:r>
@@ -8280,7 +8344,7 @@
           <a:p>
             <a:r>
               <a:rPr lang="en-US" sz="2400" dirty="0">
-                <a:hlinkClick r:id="rId4"/>
+                <a:hlinkClick r:id="rId7"/>
               </a:rPr>
               <a:t>Reproducible builds</a:t>
             </a:r>
@@ -8297,7 +8361,7 @@
             </a:r>
             <a:r>
               <a:rPr lang="en-US" sz="2000" dirty="0" err="1">
-                <a:hlinkClick r:id="rId5"/>
+                <a:hlinkClick r:id="rId8"/>
               </a:rPr>
               <a:t>Guix</a:t>
             </a:r>
@@ -8307,7 +8371,7 @@
             </a:r>
             <a:r>
               <a:rPr lang="en-US" sz="2000" dirty="0" err="1">
-                <a:hlinkClick r:id="rId6"/>
+                <a:hlinkClick r:id="rId9"/>
               </a:rPr>
               <a:t>PyPI</a:t>
             </a:r>
@@ -8317,7 +8381,7 @@
             </a:r>
             <a:r>
               <a:rPr lang="en-US" sz="2000" dirty="0">
-                <a:hlinkClick r:id="rId7"/>
+                <a:hlinkClick r:id="rId10"/>
               </a:rPr>
               <a:t>CRAN</a:t>
             </a:r>
@@ -8333,7 +8397,7 @@
             </a:r>
             <a:r>
               <a:rPr lang="en-US" sz="2400" dirty="0">
-                <a:hlinkClick r:id="rId8"/>
+                <a:hlinkClick r:id="rId11"/>
               </a:rPr>
               <a:t>Publishing computational research - a review of infrastructures for reproducible and transparent scholarly communication</a:t>
             </a:r>
@@ -10485,7 +10549,7 @@
         <p:spPr/>
         <p:txBody>
           <a:bodyPr>
-            <a:normAutofit fontScale="92500" lnSpcReduction="20000"/>
+            <a:normAutofit fontScale="77500" lnSpcReduction="20000"/>
           </a:bodyPr>
           <a:lstStyle/>
           <a:p>
@@ -10586,11 +10650,56 @@
             <a:pPr lvl="1"/>
             <a:r>
               <a:rPr lang="en-US" dirty="0"/>
+              <a:t>Container information - </a:t>
+            </a:r>
+            <a:r>
+              <a:rPr lang="en-US" dirty="0">
+                <a:hlinkClick r:id="rId7"/>
+              </a:rPr>
+              <a:t>https://slurm.schedmd.com/containers.html</a:t>
+            </a:r>
+            <a:endParaRPr lang="en-US" dirty="0"/>
+          </a:p>
+          <a:p>
+            <a:pPr lvl="1"/>
+            <a:r>
+              <a:rPr lang="en-US" dirty="0"/>
+              <a:t>Python </a:t>
+            </a:r>
+            <a:r>
+              <a:rPr lang="en-US"/>
+              <a:t>virtual environments: </a:t>
+            </a:r>
+            <a:r>
+              <a:rPr lang="en-US" dirty="0">
+                <a:hlinkClick r:id="rId8"/>
+              </a:rPr>
+              <a:t>https://towardsdatascience.com/python-virtual-environments-made-easy-fe0c603fe601</a:t>
+            </a:r>
+            <a:r>
+              <a:rPr lang="en-US" dirty="0"/>
+              <a:t> and </a:t>
+            </a:r>
+            <a:r>
+              <a:rPr lang="en-US" dirty="0">
+                <a:hlinkClick r:id="rId9"/>
+              </a:rPr>
+              <a:t>https://towardsdatascience.com/comparing-python-virtual-environment-tools-9a6543643a44</a:t>
+            </a:r>
+            <a:r>
+              <a:rPr lang="en-US" dirty="0"/>
+              <a:t> </a:t>
+            </a:r>
+          </a:p>
+          <a:p>
+            <a:pPr lvl="1"/>
+            <a:r>
+              <a:rPr lang="en-US" dirty="0"/>
               <a:t>Computational science example (from FSCI 2018 &amp; 2019): </a:t>
             </a:r>
             <a:r>
               <a:rPr lang="en-US" dirty="0">
-                <a:hlinkClick r:id="rId7"/>
+                <a:hlinkClick r:id="rId10"/>
               </a:rPr>
               <a:t>https://github.com/danielskatz/repro-fdtd1d</a:t>
             </a:r>
@@ -10604,7 +10713,7 @@
             </a:r>
             <a:r>
               <a:rPr lang="en-US" dirty="0">
-                <a:hlinkClick r:id="rId8"/>
+                <a:hlinkClick r:id="rId11"/>
               </a:rPr>
               <a:t>https://gitlab.com/hifis/hifis-workshops/make-your-code-ready-for-publication/workshop-materials</a:t>
             </a:r>
@@ -10618,7 +10727,7 @@
             </a:r>
             <a:r>
               <a:rPr lang="en-US" dirty="0">
-                <a:hlinkClick r:id="rId9"/>
+                <a:hlinkClick r:id="rId12"/>
               </a:rPr>
               <a:t>https://doi.org/10.7717/peerj-cs.86</a:t>
             </a:r>

--- a/Computational_Reproducibility.pptx
+++ b/Computational_Reproducibility.pptx
@@ -239,7 +239,7 @@
           <a:p>
             <a:fld id="{81C38738-6EB7-A34B-945D-F5A341E4EF53}" type="datetimeFigureOut">
               <a:rPr lang="en-US" smtClean="0"/>
-              <a:t>7/27/21</a:t>
+              <a:t>8/4/21</a:t>
             </a:fld>
             <a:endParaRPr lang="en-US"/>
           </a:p>
@@ -3460,8 +3460,19 @@
                 <a:latin typeface="Consolas" panose="020B0609020204030204" pitchFamily="49" charset="0"/>
                 <a:cs typeface="Consolas" panose="020B0609020204030204" pitchFamily="49" charset="0"/>
               </a:rPr>
-              <a:t>import json</a:t>
-            </a:r>
+              <a:t>import </a:t>
+            </a:r>
+            <a:r>
+              <a:rPr lang="en-US" sz="1400" dirty="0" err="1">
+                <a:latin typeface="Consolas" panose="020B0609020204030204" pitchFamily="49" charset="0"/>
+                <a:cs typeface="Consolas" panose="020B0609020204030204" pitchFamily="49" charset="0"/>
+              </a:rPr>
+              <a:t>json</a:t>
+            </a:r>
+            <a:endParaRPr lang="en-US" sz="1400" dirty="0">
+              <a:latin typeface="Consolas" panose="020B0609020204030204" pitchFamily="49" charset="0"/>
+              <a:cs typeface="Consolas" panose="020B0609020204030204" pitchFamily="49" charset="0"/>
+            </a:endParaRPr>
           </a:p>
           <a:p>
             <a:pPr marL="1257300" lvl="3" indent="0">
@@ -3527,7 +3538,35 @@
                 <a:latin typeface="Consolas" panose="020B0609020204030204" pitchFamily="49" charset="0"/>
                 <a:cs typeface="Consolas" panose="020B0609020204030204" pitchFamily="49" charset="0"/>
               </a:rPr>
-              <a:t>/json'}).json())</a:t>
+              <a:t>/</a:t>
+            </a:r>
+            <a:r>
+              <a:rPr lang="en-US" sz="1400" dirty="0" err="1">
+                <a:latin typeface="Consolas" panose="020B0609020204030204" pitchFamily="49" charset="0"/>
+                <a:cs typeface="Consolas" panose="020B0609020204030204" pitchFamily="49" charset="0"/>
+              </a:rPr>
+              <a:t>json</a:t>
+            </a:r>
+            <a:r>
+              <a:rPr lang="en-US" sz="1400" dirty="0">
+                <a:latin typeface="Consolas" panose="020B0609020204030204" pitchFamily="49" charset="0"/>
+                <a:cs typeface="Consolas" panose="020B0609020204030204" pitchFamily="49" charset="0"/>
+              </a:rPr>
+              <a:t>'}).</a:t>
+            </a:r>
+            <a:r>
+              <a:rPr lang="en-US" sz="1400" dirty="0" err="1">
+                <a:latin typeface="Consolas" panose="020B0609020204030204" pitchFamily="49" charset="0"/>
+                <a:cs typeface="Consolas" panose="020B0609020204030204" pitchFamily="49" charset="0"/>
+              </a:rPr>
+              <a:t>json</a:t>
+            </a:r>
+            <a:r>
+              <a:rPr lang="en-US" sz="1400" dirty="0">
+                <a:latin typeface="Consolas" panose="020B0609020204030204" pitchFamily="49" charset="0"/>
+                <a:cs typeface="Consolas" panose="020B0609020204030204" pitchFamily="49" charset="0"/>
+              </a:rPr>
+              <a:t>())</a:t>
             </a:r>
           </a:p>
           <a:p>
@@ -4019,7 +4058,15 @@
             <a:pPr lvl="2"/>
             <a:r>
               <a:rPr lang="en-US" dirty="0"/>
-              <a:t>Imagine having to extracts a column of data from 1000 Excel files</a:t>
+              <a:t>Imagine having </a:t>
+            </a:r>
+            <a:r>
+              <a:rPr lang="en-US"/>
+              <a:t>to extract </a:t>
+            </a:r>
+            <a:r>
+              <a:rPr lang="en-US" dirty="0"/>
+              <a:t>a column of data from 1000 Excel files</a:t>
             </a:r>
           </a:p>
           <a:p>

--- a/Computational_Reproducibility.pptx
+++ b/Computational_Reproducibility.pptx
@@ -239,7 +239,7 @@
           <a:p>
             <a:fld id="{81C38738-6EB7-A34B-945D-F5A341E4EF53}" type="datetimeFigureOut">
               <a:rPr lang="en-US" smtClean="0"/>
-              <a:t>8/4/21</a:t>
+              <a:t>9/13/21</a:t>
             </a:fld>
             <a:endParaRPr lang="en-US"/>
           </a:p>
@@ -8311,7 +8311,7 @@
             <a:pPr lvl="1"/>
             <a:r>
               <a:rPr lang="en-US" sz="2000" dirty="0"/>
-              <a:t>To specific an environment</a:t>
+              <a:t>To specify an environment</a:t>
             </a:r>
           </a:p>
           <a:p>
@@ -8588,7 +8588,7 @@
             <a:pPr lvl="1"/>
             <a:r>
               <a:rPr lang="en-US" dirty="0"/>
-              <a:t>Common in the US and in universities, but students own work they develop, even in their own coursework</a:t>
+              <a:t>Common in the US and in universities, but students own work they develop in their own coursework (though not if they are paid to do it, such as in a research assistantship)</a:t>
             </a:r>
           </a:p>
           <a:p>
